--- a/01.참고자료/191128_FirebaseUI 로그인 구현.pptx
+++ b/01.참고자료/191128_FirebaseUI 로그인 구현.pptx
@@ -5,7 +5,7 @@
     <p:sldMasterId id="2147483660" r:id="rId1"/>
   </p:sldMasterIdLst>
   <p:notesMasterIdLst>
-    <p:notesMasterId r:id="rId22"/>
+    <p:notesMasterId r:id="rId34"/>
   </p:notesMasterIdLst>
   <p:sldIdLst>
     <p:sldId id="256" r:id="rId2"/>
@@ -20,46 +20,58 @@
     <p:sldId id="407" r:id="rId11"/>
     <p:sldId id="404" r:id="rId12"/>
     <p:sldId id="420" r:id="rId13"/>
-    <p:sldId id="423" r:id="rId14"/>
-    <p:sldId id="421" r:id="rId15"/>
-    <p:sldId id="422" r:id="rId16"/>
-    <p:sldId id="398" r:id="rId17"/>
-    <p:sldId id="425" r:id="rId18"/>
-    <p:sldId id="424" r:id="rId19"/>
-    <p:sldId id="426" r:id="rId20"/>
-    <p:sldId id="265" r:id="rId21"/>
+    <p:sldId id="427" r:id="rId14"/>
+    <p:sldId id="428" r:id="rId15"/>
+    <p:sldId id="429" r:id="rId16"/>
+    <p:sldId id="423" r:id="rId17"/>
+    <p:sldId id="430" r:id="rId18"/>
+    <p:sldId id="431" r:id="rId19"/>
+    <p:sldId id="432" r:id="rId20"/>
+    <p:sldId id="433" r:id="rId21"/>
+    <p:sldId id="434" r:id="rId22"/>
+    <p:sldId id="435" r:id="rId23"/>
+    <p:sldId id="436" r:id="rId24"/>
+    <p:sldId id="437" r:id="rId25"/>
+    <p:sldId id="438" r:id="rId26"/>
+    <p:sldId id="421" r:id="rId27"/>
+    <p:sldId id="422" r:id="rId28"/>
+    <p:sldId id="398" r:id="rId29"/>
+    <p:sldId id="425" r:id="rId30"/>
+    <p:sldId id="424" r:id="rId31"/>
+    <p:sldId id="426" r:id="rId32"/>
+    <p:sldId id="265" r:id="rId33"/>
   </p:sldIdLst>
   <p:sldSz cx="9144000" cy="6858000" type="screen4x3"/>
   <p:notesSz cx="6858000" cy="9144000"/>
   <p:embeddedFontLst>
     <p:embeddedFont>
       <p:font typeface="Calibri" panose="020F0502020204030204" pitchFamily="34" charset="0"/>
-      <p:regular r:id="rId23"/>
-      <p:bold r:id="rId24"/>
-      <p:italic r:id="rId25"/>
-      <p:boldItalic r:id="rId26"/>
+      <p:regular r:id="rId35"/>
+      <p:bold r:id="rId36"/>
+      <p:italic r:id="rId37"/>
+      <p:boldItalic r:id="rId38"/>
     </p:embeddedFont>
     <p:embeddedFont>
       <p:font typeface="Calibri Light" panose="020F0302020204030204" pitchFamily="34" charset="0"/>
-      <p:regular r:id="rId27"/>
-      <p:italic r:id="rId28"/>
+      <p:regular r:id="rId39"/>
+      <p:italic r:id="rId40"/>
     </p:embeddedFont>
     <p:embeddedFont>
       <p:font typeface="넥슨Lv1고딕" panose="00000500000000000000" pitchFamily="2" charset="-127"/>
-      <p:regular r:id="rId29"/>
+      <p:regular r:id="rId41"/>
     </p:embeddedFont>
     <p:embeddedFont>
       <p:font typeface="넥슨Lv1고딕 Bold" panose="00000800000000000000" pitchFamily="2" charset="-127"/>
-      <p:bold r:id="rId30"/>
+      <p:bold r:id="rId42"/>
     </p:embeddedFont>
     <p:embeddedFont>
       <p:font typeface="넥슨Lv1고딕 Light" panose="00000300000000000000" pitchFamily="2" charset="-127"/>
-      <p:regular r:id="rId31"/>
+      <p:regular r:id="rId43"/>
     </p:embeddedFont>
     <p:embeddedFont>
       <p:font typeface="맑은 고딕" panose="020B0503020000020004" pitchFamily="50" charset="-127"/>
-      <p:regular r:id="rId32"/>
-      <p:bold r:id="rId33"/>
+      <p:regular r:id="rId44"/>
+      <p:bold r:id="rId45"/>
     </p:embeddedFont>
   </p:embeddedFontLst>
   <p:defaultTextStyle>
@@ -178,7 +190,19 @@
             <p14:sldId id="407"/>
             <p14:sldId id="404"/>
             <p14:sldId id="420"/>
+            <p14:sldId id="427"/>
+            <p14:sldId id="428"/>
+            <p14:sldId id="429"/>
             <p14:sldId id="423"/>
+            <p14:sldId id="430"/>
+            <p14:sldId id="431"/>
+            <p14:sldId id="432"/>
+            <p14:sldId id="433"/>
+            <p14:sldId id="434"/>
+            <p14:sldId id="435"/>
+            <p14:sldId id="436"/>
+            <p14:sldId id="437"/>
+            <p14:sldId id="438"/>
             <p14:sldId id="421"/>
             <p14:sldId id="422"/>
             <p14:sldId id="398"/>
@@ -414,7 +438,7 @@
           <a:p>
             <a:fld id="{F6FDBE08-7F47-4987-9F93-804BC9BF4C4D}" type="datetimeFigureOut">
               <a:rPr lang="ko-KR" altLang="en-US" smtClean="0"/>
-              <a:t>2019-11-24</a:t>
+              <a:t>2019-12-05</a:t>
             </a:fld>
             <a:endParaRPr lang="ko-KR" altLang="en-US"/>
           </a:p>
@@ -1007,7 +1031,7 @@
     </p:spTree>
     <p:extLst>
       <p:ext uri="{BB962C8B-B14F-4D97-AF65-F5344CB8AC3E}">
-        <p14:creationId xmlns:p14="http://schemas.microsoft.com/office/powerpoint/2010/main" val="197271428"/>
+        <p14:creationId xmlns:p14="http://schemas.microsoft.com/office/powerpoint/2010/main" val="3881953424"/>
       </p:ext>
     </p:extLst>
   </p:cSld>
@@ -1091,7 +1115,7 @@
     </p:spTree>
     <p:extLst>
       <p:ext uri="{BB962C8B-B14F-4D97-AF65-F5344CB8AC3E}">
-        <p14:creationId xmlns:p14="http://schemas.microsoft.com/office/powerpoint/2010/main" val="145412861"/>
+        <p14:creationId xmlns:p14="http://schemas.microsoft.com/office/powerpoint/2010/main" val="393383778"/>
       </p:ext>
     </p:extLst>
   </p:cSld>
@@ -1175,7 +1199,7 @@
     </p:spTree>
     <p:extLst>
       <p:ext uri="{BB962C8B-B14F-4D97-AF65-F5344CB8AC3E}">
-        <p14:creationId xmlns:p14="http://schemas.microsoft.com/office/powerpoint/2010/main" val="710758392"/>
+        <p14:creationId xmlns:p14="http://schemas.microsoft.com/office/powerpoint/2010/main" val="2256352511"/>
       </p:ext>
     </p:extLst>
   </p:cSld>
@@ -1259,7 +1283,7 @@
     </p:spTree>
     <p:extLst>
       <p:ext uri="{BB962C8B-B14F-4D97-AF65-F5344CB8AC3E}">
-        <p14:creationId xmlns:p14="http://schemas.microsoft.com/office/powerpoint/2010/main" val="4177659061"/>
+        <p14:creationId xmlns:p14="http://schemas.microsoft.com/office/powerpoint/2010/main" val="197271428"/>
       </p:ext>
     </p:extLst>
   </p:cSld>
@@ -1343,7 +1367,7 @@
     </p:spTree>
     <p:extLst>
       <p:ext uri="{BB962C8B-B14F-4D97-AF65-F5344CB8AC3E}">
-        <p14:creationId xmlns:p14="http://schemas.microsoft.com/office/powerpoint/2010/main" val="2691406308"/>
+        <p14:creationId xmlns:p14="http://schemas.microsoft.com/office/powerpoint/2010/main" val="1397225220"/>
       </p:ext>
     </p:extLst>
   </p:cSld>
@@ -1427,7 +1451,7 @@
     </p:spTree>
     <p:extLst>
       <p:ext uri="{BB962C8B-B14F-4D97-AF65-F5344CB8AC3E}">
-        <p14:creationId xmlns:p14="http://schemas.microsoft.com/office/powerpoint/2010/main" val="3354635570"/>
+        <p14:creationId xmlns:p14="http://schemas.microsoft.com/office/powerpoint/2010/main" val="632365526"/>
       </p:ext>
     </p:extLst>
   </p:cSld>
@@ -1511,7 +1535,91 @@
     </p:spTree>
     <p:extLst>
       <p:ext uri="{BB962C8B-B14F-4D97-AF65-F5344CB8AC3E}">
-        <p14:creationId xmlns:p14="http://schemas.microsoft.com/office/powerpoint/2010/main" val="3939586012"/>
+        <p14:creationId xmlns:p14="http://schemas.microsoft.com/office/powerpoint/2010/main" val="3205542400"/>
+      </p:ext>
+    </p:extLst>
+  </p:cSld>
+  <p:clrMapOvr>
+    <a:masterClrMapping/>
+  </p:clrMapOvr>
+</p:notes>
+</file>
+
+<file path=ppt/notesSlides/notesSlide19.xml><?xml version="1.0" encoding="utf-8"?>
+<p:notes xmlns:a="http://schemas.openxmlformats.org/drawingml/2006/main" xmlns:r="http://schemas.openxmlformats.org/officeDocument/2006/relationships" xmlns:p="http://schemas.openxmlformats.org/presentationml/2006/main">
+  <p:cSld>
+    <p:spTree>
+      <p:nvGrpSpPr>
+        <p:cNvPr id="1" name=""/>
+        <p:cNvGrpSpPr/>
+        <p:nvPr/>
+      </p:nvGrpSpPr>
+      <p:grpSpPr>
+        <a:xfrm>
+          <a:off x="0" y="0"/>
+          <a:ext cx="0" cy="0"/>
+          <a:chOff x="0" y="0"/>
+          <a:chExt cx="0" cy="0"/>
+        </a:xfrm>
+      </p:grpSpPr>
+      <p:sp>
+        <p:nvSpPr>
+          <p:cNvPr id="2" name="슬라이드 이미지 개체 틀 1"/>
+          <p:cNvSpPr>
+            <a:spLocks noGrp="1" noRot="1" noChangeAspect="1"/>
+          </p:cNvSpPr>
+          <p:nvPr>
+            <p:ph type="sldImg"/>
+          </p:nvPr>
+        </p:nvSpPr>
+        <p:spPr/>
+      </p:sp>
+      <p:sp>
+        <p:nvSpPr>
+          <p:cNvPr id="3" name="슬라이드 노트 개체 틀 2"/>
+          <p:cNvSpPr>
+            <a:spLocks noGrp="1"/>
+          </p:cNvSpPr>
+          <p:nvPr>
+            <p:ph type="body" idx="1"/>
+          </p:nvPr>
+        </p:nvSpPr>
+        <p:spPr/>
+        <p:txBody>
+          <a:bodyPr/>
+          <a:lstStyle/>
+          <a:p>
+            <a:endParaRPr lang="ko-KR" altLang="en-US"/>
+          </a:p>
+        </p:txBody>
+      </p:sp>
+      <p:sp>
+        <p:nvSpPr>
+          <p:cNvPr id="4" name="슬라이드 번호 개체 틀 3"/>
+          <p:cNvSpPr>
+            <a:spLocks noGrp="1"/>
+          </p:cNvSpPr>
+          <p:nvPr>
+            <p:ph type="sldNum" sz="quarter" idx="10"/>
+          </p:nvPr>
+        </p:nvSpPr>
+        <p:spPr/>
+        <p:txBody>
+          <a:bodyPr/>
+          <a:lstStyle/>
+          <a:p>
+            <a:fld id="{20EFBB80-8FD0-438D-AE1E-AD03ACA97BEA}" type="slidenum">
+              <a:rPr lang="ko-KR" altLang="en-US" smtClean="0"/>
+              <a:t>19</a:t>
+            </a:fld>
+            <a:endParaRPr lang="ko-KR" altLang="en-US"/>
+          </a:p>
+        </p:txBody>
+      </p:sp>
+    </p:spTree>
+    <p:extLst>
+      <p:ext uri="{BB962C8B-B14F-4D97-AF65-F5344CB8AC3E}">
+        <p14:creationId xmlns:p14="http://schemas.microsoft.com/office/powerpoint/2010/main" val="2828492296"/>
       </p:ext>
     </p:extLst>
   </p:cSld>
@@ -1605,6 +1713,846 @@
 </p:notes>
 </file>
 
+<file path=ppt/notesSlides/notesSlide20.xml><?xml version="1.0" encoding="utf-8"?>
+<p:notes xmlns:a="http://schemas.openxmlformats.org/drawingml/2006/main" xmlns:r="http://schemas.openxmlformats.org/officeDocument/2006/relationships" xmlns:p="http://schemas.openxmlformats.org/presentationml/2006/main">
+  <p:cSld>
+    <p:spTree>
+      <p:nvGrpSpPr>
+        <p:cNvPr id="1" name=""/>
+        <p:cNvGrpSpPr/>
+        <p:nvPr/>
+      </p:nvGrpSpPr>
+      <p:grpSpPr>
+        <a:xfrm>
+          <a:off x="0" y="0"/>
+          <a:ext cx="0" cy="0"/>
+          <a:chOff x="0" y="0"/>
+          <a:chExt cx="0" cy="0"/>
+        </a:xfrm>
+      </p:grpSpPr>
+      <p:sp>
+        <p:nvSpPr>
+          <p:cNvPr id="2" name="슬라이드 이미지 개체 틀 1"/>
+          <p:cNvSpPr>
+            <a:spLocks noGrp="1" noRot="1" noChangeAspect="1"/>
+          </p:cNvSpPr>
+          <p:nvPr>
+            <p:ph type="sldImg"/>
+          </p:nvPr>
+        </p:nvSpPr>
+        <p:spPr/>
+      </p:sp>
+      <p:sp>
+        <p:nvSpPr>
+          <p:cNvPr id="3" name="슬라이드 노트 개체 틀 2"/>
+          <p:cNvSpPr>
+            <a:spLocks noGrp="1"/>
+          </p:cNvSpPr>
+          <p:nvPr>
+            <p:ph type="body" idx="1"/>
+          </p:nvPr>
+        </p:nvSpPr>
+        <p:spPr/>
+        <p:txBody>
+          <a:bodyPr/>
+          <a:lstStyle/>
+          <a:p>
+            <a:endParaRPr lang="ko-KR" altLang="en-US"/>
+          </a:p>
+        </p:txBody>
+      </p:sp>
+      <p:sp>
+        <p:nvSpPr>
+          <p:cNvPr id="4" name="슬라이드 번호 개체 틀 3"/>
+          <p:cNvSpPr>
+            <a:spLocks noGrp="1"/>
+          </p:cNvSpPr>
+          <p:nvPr>
+            <p:ph type="sldNum" sz="quarter" idx="10"/>
+          </p:nvPr>
+        </p:nvSpPr>
+        <p:spPr/>
+        <p:txBody>
+          <a:bodyPr/>
+          <a:lstStyle/>
+          <a:p>
+            <a:fld id="{20EFBB80-8FD0-438D-AE1E-AD03ACA97BEA}" type="slidenum">
+              <a:rPr lang="ko-KR" altLang="en-US" smtClean="0"/>
+              <a:t>20</a:t>
+            </a:fld>
+            <a:endParaRPr lang="ko-KR" altLang="en-US"/>
+          </a:p>
+        </p:txBody>
+      </p:sp>
+    </p:spTree>
+    <p:extLst>
+      <p:ext uri="{BB962C8B-B14F-4D97-AF65-F5344CB8AC3E}">
+        <p14:creationId xmlns:p14="http://schemas.microsoft.com/office/powerpoint/2010/main" val="2055978309"/>
+      </p:ext>
+    </p:extLst>
+  </p:cSld>
+  <p:clrMapOvr>
+    <a:masterClrMapping/>
+  </p:clrMapOvr>
+</p:notes>
+</file>
+
+<file path=ppt/notesSlides/notesSlide21.xml><?xml version="1.0" encoding="utf-8"?>
+<p:notes xmlns:a="http://schemas.openxmlformats.org/drawingml/2006/main" xmlns:r="http://schemas.openxmlformats.org/officeDocument/2006/relationships" xmlns:p="http://schemas.openxmlformats.org/presentationml/2006/main">
+  <p:cSld>
+    <p:spTree>
+      <p:nvGrpSpPr>
+        <p:cNvPr id="1" name=""/>
+        <p:cNvGrpSpPr/>
+        <p:nvPr/>
+      </p:nvGrpSpPr>
+      <p:grpSpPr>
+        <a:xfrm>
+          <a:off x="0" y="0"/>
+          <a:ext cx="0" cy="0"/>
+          <a:chOff x="0" y="0"/>
+          <a:chExt cx="0" cy="0"/>
+        </a:xfrm>
+      </p:grpSpPr>
+      <p:sp>
+        <p:nvSpPr>
+          <p:cNvPr id="2" name="슬라이드 이미지 개체 틀 1"/>
+          <p:cNvSpPr>
+            <a:spLocks noGrp="1" noRot="1" noChangeAspect="1"/>
+          </p:cNvSpPr>
+          <p:nvPr>
+            <p:ph type="sldImg"/>
+          </p:nvPr>
+        </p:nvSpPr>
+        <p:spPr/>
+      </p:sp>
+      <p:sp>
+        <p:nvSpPr>
+          <p:cNvPr id="3" name="슬라이드 노트 개체 틀 2"/>
+          <p:cNvSpPr>
+            <a:spLocks noGrp="1"/>
+          </p:cNvSpPr>
+          <p:nvPr>
+            <p:ph type="body" idx="1"/>
+          </p:nvPr>
+        </p:nvSpPr>
+        <p:spPr/>
+        <p:txBody>
+          <a:bodyPr/>
+          <a:lstStyle/>
+          <a:p>
+            <a:endParaRPr lang="ko-KR" altLang="en-US"/>
+          </a:p>
+        </p:txBody>
+      </p:sp>
+      <p:sp>
+        <p:nvSpPr>
+          <p:cNvPr id="4" name="슬라이드 번호 개체 틀 3"/>
+          <p:cNvSpPr>
+            <a:spLocks noGrp="1"/>
+          </p:cNvSpPr>
+          <p:nvPr>
+            <p:ph type="sldNum" sz="quarter" idx="10"/>
+          </p:nvPr>
+        </p:nvSpPr>
+        <p:spPr/>
+        <p:txBody>
+          <a:bodyPr/>
+          <a:lstStyle/>
+          <a:p>
+            <a:fld id="{20EFBB80-8FD0-438D-AE1E-AD03ACA97BEA}" type="slidenum">
+              <a:rPr lang="ko-KR" altLang="en-US" smtClean="0"/>
+              <a:t>21</a:t>
+            </a:fld>
+            <a:endParaRPr lang="ko-KR" altLang="en-US"/>
+          </a:p>
+        </p:txBody>
+      </p:sp>
+    </p:spTree>
+    <p:extLst>
+      <p:ext uri="{BB962C8B-B14F-4D97-AF65-F5344CB8AC3E}">
+        <p14:creationId xmlns:p14="http://schemas.microsoft.com/office/powerpoint/2010/main" val="706946831"/>
+      </p:ext>
+    </p:extLst>
+  </p:cSld>
+  <p:clrMapOvr>
+    <a:masterClrMapping/>
+  </p:clrMapOvr>
+</p:notes>
+</file>
+
+<file path=ppt/notesSlides/notesSlide22.xml><?xml version="1.0" encoding="utf-8"?>
+<p:notes xmlns:a="http://schemas.openxmlformats.org/drawingml/2006/main" xmlns:r="http://schemas.openxmlformats.org/officeDocument/2006/relationships" xmlns:p="http://schemas.openxmlformats.org/presentationml/2006/main">
+  <p:cSld>
+    <p:spTree>
+      <p:nvGrpSpPr>
+        <p:cNvPr id="1" name=""/>
+        <p:cNvGrpSpPr/>
+        <p:nvPr/>
+      </p:nvGrpSpPr>
+      <p:grpSpPr>
+        <a:xfrm>
+          <a:off x="0" y="0"/>
+          <a:ext cx="0" cy="0"/>
+          <a:chOff x="0" y="0"/>
+          <a:chExt cx="0" cy="0"/>
+        </a:xfrm>
+      </p:grpSpPr>
+      <p:sp>
+        <p:nvSpPr>
+          <p:cNvPr id="2" name="슬라이드 이미지 개체 틀 1"/>
+          <p:cNvSpPr>
+            <a:spLocks noGrp="1" noRot="1" noChangeAspect="1"/>
+          </p:cNvSpPr>
+          <p:nvPr>
+            <p:ph type="sldImg"/>
+          </p:nvPr>
+        </p:nvSpPr>
+        <p:spPr/>
+      </p:sp>
+      <p:sp>
+        <p:nvSpPr>
+          <p:cNvPr id="3" name="슬라이드 노트 개체 틀 2"/>
+          <p:cNvSpPr>
+            <a:spLocks noGrp="1"/>
+          </p:cNvSpPr>
+          <p:nvPr>
+            <p:ph type="body" idx="1"/>
+          </p:nvPr>
+        </p:nvSpPr>
+        <p:spPr/>
+        <p:txBody>
+          <a:bodyPr/>
+          <a:lstStyle/>
+          <a:p>
+            <a:endParaRPr lang="ko-KR" altLang="en-US"/>
+          </a:p>
+        </p:txBody>
+      </p:sp>
+      <p:sp>
+        <p:nvSpPr>
+          <p:cNvPr id="4" name="슬라이드 번호 개체 틀 3"/>
+          <p:cNvSpPr>
+            <a:spLocks noGrp="1"/>
+          </p:cNvSpPr>
+          <p:nvPr>
+            <p:ph type="sldNum" sz="quarter" idx="10"/>
+          </p:nvPr>
+        </p:nvSpPr>
+        <p:spPr/>
+        <p:txBody>
+          <a:bodyPr/>
+          <a:lstStyle/>
+          <a:p>
+            <a:fld id="{20EFBB80-8FD0-438D-AE1E-AD03ACA97BEA}" type="slidenum">
+              <a:rPr lang="ko-KR" altLang="en-US" smtClean="0"/>
+              <a:t>22</a:t>
+            </a:fld>
+            <a:endParaRPr lang="ko-KR" altLang="en-US"/>
+          </a:p>
+        </p:txBody>
+      </p:sp>
+    </p:spTree>
+    <p:extLst>
+      <p:ext uri="{BB962C8B-B14F-4D97-AF65-F5344CB8AC3E}">
+        <p14:creationId xmlns:p14="http://schemas.microsoft.com/office/powerpoint/2010/main" val="4002134056"/>
+      </p:ext>
+    </p:extLst>
+  </p:cSld>
+  <p:clrMapOvr>
+    <a:masterClrMapping/>
+  </p:clrMapOvr>
+</p:notes>
+</file>
+
+<file path=ppt/notesSlides/notesSlide23.xml><?xml version="1.0" encoding="utf-8"?>
+<p:notes xmlns:a="http://schemas.openxmlformats.org/drawingml/2006/main" xmlns:r="http://schemas.openxmlformats.org/officeDocument/2006/relationships" xmlns:p="http://schemas.openxmlformats.org/presentationml/2006/main">
+  <p:cSld>
+    <p:spTree>
+      <p:nvGrpSpPr>
+        <p:cNvPr id="1" name=""/>
+        <p:cNvGrpSpPr/>
+        <p:nvPr/>
+      </p:nvGrpSpPr>
+      <p:grpSpPr>
+        <a:xfrm>
+          <a:off x="0" y="0"/>
+          <a:ext cx="0" cy="0"/>
+          <a:chOff x="0" y="0"/>
+          <a:chExt cx="0" cy="0"/>
+        </a:xfrm>
+      </p:grpSpPr>
+      <p:sp>
+        <p:nvSpPr>
+          <p:cNvPr id="2" name="슬라이드 이미지 개체 틀 1"/>
+          <p:cNvSpPr>
+            <a:spLocks noGrp="1" noRot="1" noChangeAspect="1"/>
+          </p:cNvSpPr>
+          <p:nvPr>
+            <p:ph type="sldImg"/>
+          </p:nvPr>
+        </p:nvSpPr>
+        <p:spPr/>
+      </p:sp>
+      <p:sp>
+        <p:nvSpPr>
+          <p:cNvPr id="3" name="슬라이드 노트 개체 틀 2"/>
+          <p:cNvSpPr>
+            <a:spLocks noGrp="1"/>
+          </p:cNvSpPr>
+          <p:nvPr>
+            <p:ph type="body" idx="1"/>
+          </p:nvPr>
+        </p:nvSpPr>
+        <p:spPr/>
+        <p:txBody>
+          <a:bodyPr/>
+          <a:lstStyle/>
+          <a:p>
+            <a:endParaRPr lang="ko-KR" altLang="en-US"/>
+          </a:p>
+        </p:txBody>
+      </p:sp>
+      <p:sp>
+        <p:nvSpPr>
+          <p:cNvPr id="4" name="슬라이드 번호 개체 틀 3"/>
+          <p:cNvSpPr>
+            <a:spLocks noGrp="1"/>
+          </p:cNvSpPr>
+          <p:nvPr>
+            <p:ph type="sldNum" sz="quarter" idx="10"/>
+          </p:nvPr>
+        </p:nvSpPr>
+        <p:spPr/>
+        <p:txBody>
+          <a:bodyPr/>
+          <a:lstStyle/>
+          <a:p>
+            <a:fld id="{20EFBB80-8FD0-438D-AE1E-AD03ACA97BEA}" type="slidenum">
+              <a:rPr lang="ko-KR" altLang="en-US" smtClean="0"/>
+              <a:t>23</a:t>
+            </a:fld>
+            <a:endParaRPr lang="ko-KR" altLang="en-US"/>
+          </a:p>
+        </p:txBody>
+      </p:sp>
+    </p:spTree>
+    <p:extLst>
+      <p:ext uri="{BB962C8B-B14F-4D97-AF65-F5344CB8AC3E}">
+        <p14:creationId xmlns:p14="http://schemas.microsoft.com/office/powerpoint/2010/main" val="3239442280"/>
+      </p:ext>
+    </p:extLst>
+  </p:cSld>
+  <p:clrMapOvr>
+    <a:masterClrMapping/>
+  </p:clrMapOvr>
+</p:notes>
+</file>
+
+<file path=ppt/notesSlides/notesSlide24.xml><?xml version="1.0" encoding="utf-8"?>
+<p:notes xmlns:a="http://schemas.openxmlformats.org/drawingml/2006/main" xmlns:r="http://schemas.openxmlformats.org/officeDocument/2006/relationships" xmlns:p="http://schemas.openxmlformats.org/presentationml/2006/main">
+  <p:cSld>
+    <p:spTree>
+      <p:nvGrpSpPr>
+        <p:cNvPr id="1" name=""/>
+        <p:cNvGrpSpPr/>
+        <p:nvPr/>
+      </p:nvGrpSpPr>
+      <p:grpSpPr>
+        <a:xfrm>
+          <a:off x="0" y="0"/>
+          <a:ext cx="0" cy="0"/>
+          <a:chOff x="0" y="0"/>
+          <a:chExt cx="0" cy="0"/>
+        </a:xfrm>
+      </p:grpSpPr>
+      <p:sp>
+        <p:nvSpPr>
+          <p:cNvPr id="2" name="슬라이드 이미지 개체 틀 1"/>
+          <p:cNvSpPr>
+            <a:spLocks noGrp="1" noRot="1" noChangeAspect="1"/>
+          </p:cNvSpPr>
+          <p:nvPr>
+            <p:ph type="sldImg"/>
+          </p:nvPr>
+        </p:nvSpPr>
+        <p:spPr/>
+      </p:sp>
+      <p:sp>
+        <p:nvSpPr>
+          <p:cNvPr id="3" name="슬라이드 노트 개체 틀 2"/>
+          <p:cNvSpPr>
+            <a:spLocks noGrp="1"/>
+          </p:cNvSpPr>
+          <p:nvPr>
+            <p:ph type="body" idx="1"/>
+          </p:nvPr>
+        </p:nvSpPr>
+        <p:spPr/>
+        <p:txBody>
+          <a:bodyPr/>
+          <a:lstStyle/>
+          <a:p>
+            <a:endParaRPr lang="ko-KR" altLang="en-US"/>
+          </a:p>
+        </p:txBody>
+      </p:sp>
+      <p:sp>
+        <p:nvSpPr>
+          <p:cNvPr id="4" name="슬라이드 번호 개체 틀 3"/>
+          <p:cNvSpPr>
+            <a:spLocks noGrp="1"/>
+          </p:cNvSpPr>
+          <p:nvPr>
+            <p:ph type="sldNum" sz="quarter" idx="10"/>
+          </p:nvPr>
+        </p:nvSpPr>
+        <p:spPr/>
+        <p:txBody>
+          <a:bodyPr/>
+          <a:lstStyle/>
+          <a:p>
+            <a:fld id="{20EFBB80-8FD0-438D-AE1E-AD03ACA97BEA}" type="slidenum">
+              <a:rPr lang="ko-KR" altLang="en-US" smtClean="0"/>
+              <a:t>24</a:t>
+            </a:fld>
+            <a:endParaRPr lang="ko-KR" altLang="en-US"/>
+          </a:p>
+        </p:txBody>
+      </p:sp>
+    </p:spTree>
+    <p:extLst>
+      <p:ext uri="{BB962C8B-B14F-4D97-AF65-F5344CB8AC3E}">
+        <p14:creationId xmlns:p14="http://schemas.microsoft.com/office/powerpoint/2010/main" val="2794428230"/>
+      </p:ext>
+    </p:extLst>
+  </p:cSld>
+  <p:clrMapOvr>
+    <a:masterClrMapping/>
+  </p:clrMapOvr>
+</p:notes>
+</file>
+
+<file path=ppt/notesSlides/notesSlide25.xml><?xml version="1.0" encoding="utf-8"?>
+<p:notes xmlns:a="http://schemas.openxmlformats.org/drawingml/2006/main" xmlns:r="http://schemas.openxmlformats.org/officeDocument/2006/relationships" xmlns:p="http://schemas.openxmlformats.org/presentationml/2006/main">
+  <p:cSld>
+    <p:spTree>
+      <p:nvGrpSpPr>
+        <p:cNvPr id="1" name=""/>
+        <p:cNvGrpSpPr/>
+        <p:nvPr/>
+      </p:nvGrpSpPr>
+      <p:grpSpPr>
+        <a:xfrm>
+          <a:off x="0" y="0"/>
+          <a:ext cx="0" cy="0"/>
+          <a:chOff x="0" y="0"/>
+          <a:chExt cx="0" cy="0"/>
+        </a:xfrm>
+      </p:grpSpPr>
+      <p:sp>
+        <p:nvSpPr>
+          <p:cNvPr id="2" name="슬라이드 이미지 개체 틀 1"/>
+          <p:cNvSpPr>
+            <a:spLocks noGrp="1" noRot="1" noChangeAspect="1"/>
+          </p:cNvSpPr>
+          <p:nvPr>
+            <p:ph type="sldImg"/>
+          </p:nvPr>
+        </p:nvSpPr>
+        <p:spPr/>
+      </p:sp>
+      <p:sp>
+        <p:nvSpPr>
+          <p:cNvPr id="3" name="슬라이드 노트 개체 틀 2"/>
+          <p:cNvSpPr>
+            <a:spLocks noGrp="1"/>
+          </p:cNvSpPr>
+          <p:nvPr>
+            <p:ph type="body" idx="1"/>
+          </p:nvPr>
+        </p:nvSpPr>
+        <p:spPr/>
+        <p:txBody>
+          <a:bodyPr/>
+          <a:lstStyle/>
+          <a:p>
+            <a:endParaRPr lang="ko-KR" altLang="en-US"/>
+          </a:p>
+        </p:txBody>
+      </p:sp>
+      <p:sp>
+        <p:nvSpPr>
+          <p:cNvPr id="4" name="슬라이드 번호 개체 틀 3"/>
+          <p:cNvSpPr>
+            <a:spLocks noGrp="1"/>
+          </p:cNvSpPr>
+          <p:nvPr>
+            <p:ph type="sldNum" sz="quarter" idx="10"/>
+          </p:nvPr>
+        </p:nvSpPr>
+        <p:spPr/>
+        <p:txBody>
+          <a:bodyPr/>
+          <a:lstStyle/>
+          <a:p>
+            <a:fld id="{20EFBB80-8FD0-438D-AE1E-AD03ACA97BEA}" type="slidenum">
+              <a:rPr lang="ko-KR" altLang="en-US" smtClean="0"/>
+              <a:t>25</a:t>
+            </a:fld>
+            <a:endParaRPr lang="ko-KR" altLang="en-US"/>
+          </a:p>
+        </p:txBody>
+      </p:sp>
+    </p:spTree>
+    <p:extLst>
+      <p:ext uri="{BB962C8B-B14F-4D97-AF65-F5344CB8AC3E}">
+        <p14:creationId xmlns:p14="http://schemas.microsoft.com/office/powerpoint/2010/main" val="145412861"/>
+      </p:ext>
+    </p:extLst>
+  </p:cSld>
+  <p:clrMapOvr>
+    <a:masterClrMapping/>
+  </p:clrMapOvr>
+</p:notes>
+</file>
+
+<file path=ppt/notesSlides/notesSlide26.xml><?xml version="1.0" encoding="utf-8"?>
+<p:notes xmlns:a="http://schemas.openxmlformats.org/drawingml/2006/main" xmlns:r="http://schemas.openxmlformats.org/officeDocument/2006/relationships" xmlns:p="http://schemas.openxmlformats.org/presentationml/2006/main">
+  <p:cSld>
+    <p:spTree>
+      <p:nvGrpSpPr>
+        <p:cNvPr id="1" name=""/>
+        <p:cNvGrpSpPr/>
+        <p:nvPr/>
+      </p:nvGrpSpPr>
+      <p:grpSpPr>
+        <a:xfrm>
+          <a:off x="0" y="0"/>
+          <a:ext cx="0" cy="0"/>
+          <a:chOff x="0" y="0"/>
+          <a:chExt cx="0" cy="0"/>
+        </a:xfrm>
+      </p:grpSpPr>
+      <p:sp>
+        <p:nvSpPr>
+          <p:cNvPr id="2" name="슬라이드 이미지 개체 틀 1"/>
+          <p:cNvSpPr>
+            <a:spLocks noGrp="1" noRot="1" noChangeAspect="1"/>
+          </p:cNvSpPr>
+          <p:nvPr>
+            <p:ph type="sldImg"/>
+          </p:nvPr>
+        </p:nvSpPr>
+        <p:spPr/>
+      </p:sp>
+      <p:sp>
+        <p:nvSpPr>
+          <p:cNvPr id="3" name="슬라이드 노트 개체 틀 2"/>
+          <p:cNvSpPr>
+            <a:spLocks noGrp="1"/>
+          </p:cNvSpPr>
+          <p:nvPr>
+            <p:ph type="body" idx="1"/>
+          </p:nvPr>
+        </p:nvSpPr>
+        <p:spPr/>
+        <p:txBody>
+          <a:bodyPr/>
+          <a:lstStyle/>
+          <a:p>
+            <a:endParaRPr lang="ko-KR" altLang="en-US"/>
+          </a:p>
+        </p:txBody>
+      </p:sp>
+      <p:sp>
+        <p:nvSpPr>
+          <p:cNvPr id="4" name="슬라이드 번호 개체 틀 3"/>
+          <p:cNvSpPr>
+            <a:spLocks noGrp="1"/>
+          </p:cNvSpPr>
+          <p:nvPr>
+            <p:ph type="sldNum" sz="quarter" idx="10"/>
+          </p:nvPr>
+        </p:nvSpPr>
+        <p:spPr/>
+        <p:txBody>
+          <a:bodyPr/>
+          <a:lstStyle/>
+          <a:p>
+            <a:fld id="{20EFBB80-8FD0-438D-AE1E-AD03ACA97BEA}" type="slidenum">
+              <a:rPr lang="ko-KR" altLang="en-US" smtClean="0"/>
+              <a:t>26</a:t>
+            </a:fld>
+            <a:endParaRPr lang="ko-KR" altLang="en-US"/>
+          </a:p>
+        </p:txBody>
+      </p:sp>
+    </p:spTree>
+    <p:extLst>
+      <p:ext uri="{BB962C8B-B14F-4D97-AF65-F5344CB8AC3E}">
+        <p14:creationId xmlns:p14="http://schemas.microsoft.com/office/powerpoint/2010/main" val="710758392"/>
+      </p:ext>
+    </p:extLst>
+  </p:cSld>
+  <p:clrMapOvr>
+    <a:masterClrMapping/>
+  </p:clrMapOvr>
+</p:notes>
+</file>
+
+<file path=ppt/notesSlides/notesSlide27.xml><?xml version="1.0" encoding="utf-8"?>
+<p:notes xmlns:a="http://schemas.openxmlformats.org/drawingml/2006/main" xmlns:r="http://schemas.openxmlformats.org/officeDocument/2006/relationships" xmlns:p="http://schemas.openxmlformats.org/presentationml/2006/main">
+  <p:cSld>
+    <p:spTree>
+      <p:nvGrpSpPr>
+        <p:cNvPr id="1" name=""/>
+        <p:cNvGrpSpPr/>
+        <p:nvPr/>
+      </p:nvGrpSpPr>
+      <p:grpSpPr>
+        <a:xfrm>
+          <a:off x="0" y="0"/>
+          <a:ext cx="0" cy="0"/>
+          <a:chOff x="0" y="0"/>
+          <a:chExt cx="0" cy="0"/>
+        </a:xfrm>
+      </p:grpSpPr>
+      <p:sp>
+        <p:nvSpPr>
+          <p:cNvPr id="2" name="슬라이드 이미지 개체 틀 1"/>
+          <p:cNvSpPr>
+            <a:spLocks noGrp="1" noRot="1" noChangeAspect="1"/>
+          </p:cNvSpPr>
+          <p:nvPr>
+            <p:ph type="sldImg"/>
+          </p:nvPr>
+        </p:nvSpPr>
+        <p:spPr/>
+      </p:sp>
+      <p:sp>
+        <p:nvSpPr>
+          <p:cNvPr id="3" name="슬라이드 노트 개체 틀 2"/>
+          <p:cNvSpPr>
+            <a:spLocks noGrp="1"/>
+          </p:cNvSpPr>
+          <p:nvPr>
+            <p:ph type="body" idx="1"/>
+          </p:nvPr>
+        </p:nvSpPr>
+        <p:spPr/>
+        <p:txBody>
+          <a:bodyPr/>
+          <a:lstStyle/>
+          <a:p>
+            <a:endParaRPr lang="ko-KR" altLang="en-US"/>
+          </a:p>
+        </p:txBody>
+      </p:sp>
+      <p:sp>
+        <p:nvSpPr>
+          <p:cNvPr id="4" name="슬라이드 번호 개체 틀 3"/>
+          <p:cNvSpPr>
+            <a:spLocks noGrp="1"/>
+          </p:cNvSpPr>
+          <p:nvPr>
+            <p:ph type="sldNum" sz="quarter" idx="10"/>
+          </p:nvPr>
+        </p:nvSpPr>
+        <p:spPr/>
+        <p:txBody>
+          <a:bodyPr/>
+          <a:lstStyle/>
+          <a:p>
+            <a:fld id="{20EFBB80-8FD0-438D-AE1E-AD03ACA97BEA}" type="slidenum">
+              <a:rPr lang="ko-KR" altLang="en-US" smtClean="0"/>
+              <a:t>27</a:t>
+            </a:fld>
+            <a:endParaRPr lang="ko-KR" altLang="en-US"/>
+          </a:p>
+        </p:txBody>
+      </p:sp>
+    </p:spTree>
+    <p:extLst>
+      <p:ext uri="{BB962C8B-B14F-4D97-AF65-F5344CB8AC3E}">
+        <p14:creationId xmlns:p14="http://schemas.microsoft.com/office/powerpoint/2010/main" val="4177659061"/>
+      </p:ext>
+    </p:extLst>
+  </p:cSld>
+  <p:clrMapOvr>
+    <a:masterClrMapping/>
+  </p:clrMapOvr>
+</p:notes>
+</file>
+
+<file path=ppt/notesSlides/notesSlide28.xml><?xml version="1.0" encoding="utf-8"?>
+<p:notes xmlns:a="http://schemas.openxmlformats.org/drawingml/2006/main" xmlns:r="http://schemas.openxmlformats.org/officeDocument/2006/relationships" xmlns:p="http://schemas.openxmlformats.org/presentationml/2006/main">
+  <p:cSld>
+    <p:spTree>
+      <p:nvGrpSpPr>
+        <p:cNvPr id="1" name=""/>
+        <p:cNvGrpSpPr/>
+        <p:nvPr/>
+      </p:nvGrpSpPr>
+      <p:grpSpPr>
+        <a:xfrm>
+          <a:off x="0" y="0"/>
+          <a:ext cx="0" cy="0"/>
+          <a:chOff x="0" y="0"/>
+          <a:chExt cx="0" cy="0"/>
+        </a:xfrm>
+      </p:grpSpPr>
+      <p:sp>
+        <p:nvSpPr>
+          <p:cNvPr id="2" name="슬라이드 이미지 개체 틀 1"/>
+          <p:cNvSpPr>
+            <a:spLocks noGrp="1" noRot="1" noChangeAspect="1"/>
+          </p:cNvSpPr>
+          <p:nvPr>
+            <p:ph type="sldImg"/>
+          </p:nvPr>
+        </p:nvSpPr>
+        <p:spPr/>
+      </p:sp>
+      <p:sp>
+        <p:nvSpPr>
+          <p:cNvPr id="3" name="슬라이드 노트 개체 틀 2"/>
+          <p:cNvSpPr>
+            <a:spLocks noGrp="1"/>
+          </p:cNvSpPr>
+          <p:nvPr>
+            <p:ph type="body" idx="1"/>
+          </p:nvPr>
+        </p:nvSpPr>
+        <p:spPr/>
+        <p:txBody>
+          <a:bodyPr/>
+          <a:lstStyle/>
+          <a:p>
+            <a:endParaRPr lang="ko-KR" altLang="en-US"/>
+          </a:p>
+        </p:txBody>
+      </p:sp>
+      <p:sp>
+        <p:nvSpPr>
+          <p:cNvPr id="4" name="슬라이드 번호 개체 틀 3"/>
+          <p:cNvSpPr>
+            <a:spLocks noGrp="1"/>
+          </p:cNvSpPr>
+          <p:nvPr>
+            <p:ph type="sldNum" sz="quarter" idx="10"/>
+          </p:nvPr>
+        </p:nvSpPr>
+        <p:spPr/>
+        <p:txBody>
+          <a:bodyPr/>
+          <a:lstStyle/>
+          <a:p>
+            <a:fld id="{20EFBB80-8FD0-438D-AE1E-AD03ACA97BEA}" type="slidenum">
+              <a:rPr lang="ko-KR" altLang="en-US" smtClean="0"/>
+              <a:t>28</a:t>
+            </a:fld>
+            <a:endParaRPr lang="ko-KR" altLang="en-US"/>
+          </a:p>
+        </p:txBody>
+      </p:sp>
+    </p:spTree>
+    <p:extLst>
+      <p:ext uri="{BB962C8B-B14F-4D97-AF65-F5344CB8AC3E}">
+        <p14:creationId xmlns:p14="http://schemas.microsoft.com/office/powerpoint/2010/main" val="2691406308"/>
+      </p:ext>
+    </p:extLst>
+  </p:cSld>
+  <p:clrMapOvr>
+    <a:masterClrMapping/>
+  </p:clrMapOvr>
+</p:notes>
+</file>
+
+<file path=ppt/notesSlides/notesSlide29.xml><?xml version="1.0" encoding="utf-8"?>
+<p:notes xmlns:a="http://schemas.openxmlformats.org/drawingml/2006/main" xmlns:r="http://schemas.openxmlformats.org/officeDocument/2006/relationships" xmlns:p="http://schemas.openxmlformats.org/presentationml/2006/main">
+  <p:cSld>
+    <p:spTree>
+      <p:nvGrpSpPr>
+        <p:cNvPr id="1" name=""/>
+        <p:cNvGrpSpPr/>
+        <p:nvPr/>
+      </p:nvGrpSpPr>
+      <p:grpSpPr>
+        <a:xfrm>
+          <a:off x="0" y="0"/>
+          <a:ext cx="0" cy="0"/>
+          <a:chOff x="0" y="0"/>
+          <a:chExt cx="0" cy="0"/>
+        </a:xfrm>
+      </p:grpSpPr>
+      <p:sp>
+        <p:nvSpPr>
+          <p:cNvPr id="2" name="슬라이드 이미지 개체 틀 1"/>
+          <p:cNvSpPr>
+            <a:spLocks noGrp="1" noRot="1" noChangeAspect="1"/>
+          </p:cNvSpPr>
+          <p:nvPr>
+            <p:ph type="sldImg"/>
+          </p:nvPr>
+        </p:nvSpPr>
+        <p:spPr/>
+      </p:sp>
+      <p:sp>
+        <p:nvSpPr>
+          <p:cNvPr id="3" name="슬라이드 노트 개체 틀 2"/>
+          <p:cNvSpPr>
+            <a:spLocks noGrp="1"/>
+          </p:cNvSpPr>
+          <p:nvPr>
+            <p:ph type="body" idx="1"/>
+          </p:nvPr>
+        </p:nvSpPr>
+        <p:spPr/>
+        <p:txBody>
+          <a:bodyPr/>
+          <a:lstStyle/>
+          <a:p>
+            <a:endParaRPr lang="ko-KR" altLang="en-US"/>
+          </a:p>
+        </p:txBody>
+      </p:sp>
+      <p:sp>
+        <p:nvSpPr>
+          <p:cNvPr id="4" name="슬라이드 번호 개체 틀 3"/>
+          <p:cNvSpPr>
+            <a:spLocks noGrp="1"/>
+          </p:cNvSpPr>
+          <p:nvPr>
+            <p:ph type="sldNum" sz="quarter" idx="10"/>
+          </p:nvPr>
+        </p:nvSpPr>
+        <p:spPr/>
+        <p:txBody>
+          <a:bodyPr/>
+          <a:lstStyle/>
+          <a:p>
+            <a:fld id="{20EFBB80-8FD0-438D-AE1E-AD03ACA97BEA}" type="slidenum">
+              <a:rPr lang="ko-KR" altLang="en-US" smtClean="0"/>
+              <a:t>29</a:t>
+            </a:fld>
+            <a:endParaRPr lang="ko-KR" altLang="en-US"/>
+          </a:p>
+        </p:txBody>
+      </p:sp>
+    </p:spTree>
+    <p:extLst>
+      <p:ext uri="{BB962C8B-B14F-4D97-AF65-F5344CB8AC3E}">
+        <p14:creationId xmlns:p14="http://schemas.microsoft.com/office/powerpoint/2010/main" val="3354635570"/>
+      </p:ext>
+    </p:extLst>
+  </p:cSld>
+  <p:clrMapOvr>
+    <a:masterClrMapping/>
+  </p:clrMapOvr>
+</p:notes>
+</file>
+
 <file path=ppt/notesSlides/notesSlide3.xml><?xml version="1.0" encoding="utf-8"?>
 <p:notes xmlns:a="http://schemas.openxmlformats.org/drawingml/2006/main" xmlns:r="http://schemas.openxmlformats.org/officeDocument/2006/relationships" xmlns:p="http://schemas.openxmlformats.org/presentationml/2006/main">
   <p:cSld>
@@ -1680,6 +2628,90 @@
     <p:extLst>
       <p:ext uri="{BB962C8B-B14F-4D97-AF65-F5344CB8AC3E}">
         <p14:creationId xmlns:p14="http://schemas.microsoft.com/office/powerpoint/2010/main" val="3317392242"/>
+      </p:ext>
+    </p:extLst>
+  </p:cSld>
+  <p:clrMapOvr>
+    <a:masterClrMapping/>
+  </p:clrMapOvr>
+</p:notes>
+</file>
+
+<file path=ppt/notesSlides/notesSlide30.xml><?xml version="1.0" encoding="utf-8"?>
+<p:notes xmlns:a="http://schemas.openxmlformats.org/drawingml/2006/main" xmlns:r="http://schemas.openxmlformats.org/officeDocument/2006/relationships" xmlns:p="http://schemas.openxmlformats.org/presentationml/2006/main">
+  <p:cSld>
+    <p:spTree>
+      <p:nvGrpSpPr>
+        <p:cNvPr id="1" name=""/>
+        <p:cNvGrpSpPr/>
+        <p:nvPr/>
+      </p:nvGrpSpPr>
+      <p:grpSpPr>
+        <a:xfrm>
+          <a:off x="0" y="0"/>
+          <a:ext cx="0" cy="0"/>
+          <a:chOff x="0" y="0"/>
+          <a:chExt cx="0" cy="0"/>
+        </a:xfrm>
+      </p:grpSpPr>
+      <p:sp>
+        <p:nvSpPr>
+          <p:cNvPr id="2" name="슬라이드 이미지 개체 틀 1"/>
+          <p:cNvSpPr>
+            <a:spLocks noGrp="1" noRot="1" noChangeAspect="1"/>
+          </p:cNvSpPr>
+          <p:nvPr>
+            <p:ph type="sldImg"/>
+          </p:nvPr>
+        </p:nvSpPr>
+        <p:spPr/>
+      </p:sp>
+      <p:sp>
+        <p:nvSpPr>
+          <p:cNvPr id="3" name="슬라이드 노트 개체 틀 2"/>
+          <p:cNvSpPr>
+            <a:spLocks noGrp="1"/>
+          </p:cNvSpPr>
+          <p:nvPr>
+            <p:ph type="body" idx="1"/>
+          </p:nvPr>
+        </p:nvSpPr>
+        <p:spPr/>
+        <p:txBody>
+          <a:bodyPr/>
+          <a:lstStyle/>
+          <a:p>
+            <a:endParaRPr lang="ko-KR" altLang="en-US"/>
+          </a:p>
+        </p:txBody>
+      </p:sp>
+      <p:sp>
+        <p:nvSpPr>
+          <p:cNvPr id="4" name="슬라이드 번호 개체 틀 3"/>
+          <p:cNvSpPr>
+            <a:spLocks noGrp="1"/>
+          </p:cNvSpPr>
+          <p:nvPr>
+            <p:ph type="sldNum" sz="quarter" idx="10"/>
+          </p:nvPr>
+        </p:nvSpPr>
+        <p:spPr/>
+        <p:txBody>
+          <a:bodyPr/>
+          <a:lstStyle/>
+          <a:p>
+            <a:fld id="{20EFBB80-8FD0-438D-AE1E-AD03ACA97BEA}" type="slidenum">
+              <a:rPr lang="ko-KR" altLang="en-US" smtClean="0"/>
+              <a:t>30</a:t>
+            </a:fld>
+            <a:endParaRPr lang="ko-KR" altLang="en-US"/>
+          </a:p>
+        </p:txBody>
+      </p:sp>
+    </p:spTree>
+    <p:extLst>
+      <p:ext uri="{BB962C8B-B14F-4D97-AF65-F5344CB8AC3E}">
+        <p14:creationId xmlns:p14="http://schemas.microsoft.com/office/powerpoint/2010/main" val="3939586012"/>
       </p:ext>
     </p:extLst>
   </p:cSld>
@@ -2324,7 +3356,7 @@
           <a:p>
             <a:fld id="{1FE4C637-EB85-4CFD-86D0-A8886F020EA8}" type="datetime1">
               <a:rPr lang="ko-KR" altLang="en-US" smtClean="0"/>
-              <a:t>2019-11-24</a:t>
+              <a:t>2019-12-05</a:t>
             </a:fld>
             <a:endParaRPr lang="ko-KR" altLang="en-US"/>
           </a:p>
@@ -2599,7 +3631,7 @@
           <a:p>
             <a:fld id="{F2B705D9-2E09-43D7-9A35-F563146D3CB4}" type="datetime1">
               <a:rPr lang="ko-KR" altLang="en-US" smtClean="0"/>
-              <a:t>2019-11-24</a:t>
+              <a:t>2019-12-05</a:t>
             </a:fld>
             <a:endParaRPr lang="ko-KR" altLang="en-US"/>
           </a:p>
@@ -2779,7 +3811,7 @@
           <a:p>
             <a:fld id="{49534E30-3936-4775-8B54-6BAAA95B1992}" type="datetime1">
               <a:rPr lang="ko-KR" altLang="en-US" smtClean="0"/>
-              <a:t>2019-11-24</a:t>
+              <a:t>2019-12-05</a:t>
             </a:fld>
             <a:endParaRPr lang="ko-KR" altLang="en-US"/>
           </a:p>
@@ -2949,7 +3981,7 @@
           <a:p>
             <a:fld id="{F118FE1B-3E79-4A4A-872D-75650BCC1C86}" type="datetime1">
               <a:rPr lang="ko-KR" altLang="en-US" smtClean="0"/>
-              <a:t>2019-11-24</a:t>
+              <a:t>2019-12-05</a:t>
             </a:fld>
             <a:endParaRPr lang="ko-KR" altLang="en-US"/>
           </a:p>
@@ -3310,7 +4342,7 @@
           <a:p>
             <a:fld id="{9CB0BFB1-E0DD-4C55-B58A-05B97B933D5A}" type="datetime1">
               <a:rPr lang="ko-KR" altLang="en-US" smtClean="0"/>
-              <a:t>2019-11-24</a:t>
+              <a:t>2019-12-05</a:t>
             </a:fld>
             <a:endParaRPr lang="ko-KR" altLang="en-US"/>
           </a:p>
@@ -3549,7 +4581,7 @@
           <a:p>
             <a:fld id="{EC1BAE79-E887-4BEA-AB3B-E56F52C1BBB2}" type="datetime1">
               <a:rPr lang="ko-KR" altLang="en-US" smtClean="0"/>
-              <a:t>2019-11-24</a:t>
+              <a:t>2019-12-05</a:t>
             </a:fld>
             <a:endParaRPr lang="ko-KR" altLang="en-US"/>
           </a:p>
@@ -3916,7 +4948,7 @@
           <a:p>
             <a:fld id="{F9B76080-ECAA-401B-8263-2E43FECA4E80}" type="datetime1">
               <a:rPr lang="ko-KR" altLang="en-US" smtClean="0"/>
-              <a:t>2019-11-24</a:t>
+              <a:t>2019-12-05</a:t>
             </a:fld>
             <a:endParaRPr lang="ko-KR" altLang="en-US"/>
           </a:p>
@@ -4034,7 +5066,7 @@
           <a:p>
             <a:fld id="{9EBE0658-A779-465A-A3F7-3DF734018C74}" type="datetime1">
               <a:rPr lang="ko-KR" altLang="en-US" smtClean="0"/>
-              <a:t>2019-11-24</a:t>
+              <a:t>2019-12-05</a:t>
             </a:fld>
             <a:endParaRPr lang="ko-KR" altLang="en-US"/>
           </a:p>
@@ -4129,7 +5161,7 @@
           <a:p>
             <a:fld id="{F0E25338-95D2-4179-9A46-224B3BB66FE5}" type="datetime1">
               <a:rPr lang="ko-KR" altLang="en-US" smtClean="0"/>
-              <a:t>2019-11-24</a:t>
+              <a:t>2019-12-05</a:t>
             </a:fld>
             <a:endParaRPr lang="ko-KR" altLang="en-US"/>
           </a:p>
@@ -4406,7 +5438,7 @@
           <a:p>
             <a:fld id="{F78904E9-32E6-44C5-B986-724316F31060}" type="datetime1">
               <a:rPr lang="ko-KR" altLang="en-US" smtClean="0"/>
-              <a:t>2019-11-24</a:t>
+              <a:t>2019-12-05</a:t>
             </a:fld>
             <a:endParaRPr lang="ko-KR" altLang="en-US"/>
           </a:p>
@@ -4663,7 +5695,7 @@
           <a:p>
             <a:fld id="{5B60377E-B8D0-45BD-B414-1A76DA1A8022}" type="datetime1">
               <a:rPr lang="ko-KR" altLang="en-US" smtClean="0"/>
-              <a:t>2019-11-24</a:t>
+              <a:t>2019-12-05</a:t>
             </a:fld>
             <a:endParaRPr lang="ko-KR" altLang="en-US"/>
           </a:p>
@@ -4876,7 +5908,7 @@
           <a:p>
             <a:fld id="{2136196C-DFE3-4B2C-A981-468C566CCAA8}" type="datetime1">
               <a:rPr lang="ko-KR" altLang="en-US" smtClean="0"/>
-              <a:t>2019-11-24</a:t>
+              <a:t>2019-12-05</a:t>
             </a:fld>
             <a:endParaRPr lang="ko-KR" altLang="en-US"/>
           </a:p>
@@ -5401,7 +6433,7 @@
         <p:spPr>
           <a:xfrm>
             <a:off x="763491" y="1791106"/>
-            <a:ext cx="2005136" cy="400110"/>
+            <a:ext cx="2005136" cy="553998"/>
           </a:xfrm>
           <a:prstGeom prst="rect">
             <a:avLst/>
@@ -5429,6 +6461,15 @@
                 <a:ea typeface="넥슨Lv1고딕 Light" panose="00000300000000000000" pitchFamily="2" charset="-127"/>
               </a:rPr>
               <a:t>2019-11-25	v0.1</a:t>
+            </a:r>
+          </a:p>
+          <a:p>
+            <a:r>
+              <a:rPr lang="en-US" altLang="ko-KR" sz="1000" dirty="0">
+                <a:latin typeface="넥슨Lv1고딕 Light" panose="00000300000000000000" pitchFamily="2" charset="-127"/>
+                <a:ea typeface="넥슨Lv1고딕 Light" panose="00000300000000000000" pitchFamily="2" charset="-127"/>
+              </a:rPr>
+              <a:t>2019-12-05	v0.2</a:t>
             </a:r>
           </a:p>
         </p:txBody>
@@ -5474,7 +6515,7 @@
           <p:nvPr>
             <p:extLst>
               <p:ext uri="{D42A27DB-BD31-4B8C-83A1-F6EECF244321}">
-                <p14:modId xmlns:p14="http://schemas.microsoft.com/office/powerpoint/2010/main" val="670539722"/>
+                <p14:modId xmlns:p14="http://schemas.microsoft.com/office/powerpoint/2010/main" val="1687537596"/>
               </p:ext>
             </p:extLst>
           </p:nvPr>
@@ -5582,6 +6623,86 @@
                           <a:latin typeface="넥슨Lv1고딕 Light" panose="00000300000000000000" pitchFamily="2" charset="-127"/>
                           <a:ea typeface="넥슨Lv1고딕 Light" panose="00000300000000000000" pitchFamily="2" charset="-127"/>
                         </a:rPr>
+                        <a:t>2019.12.05</a:t>
+                      </a:r>
+                      <a:endParaRPr lang="ko-KR" altLang="en-US" sz="900" spc="-50" baseline="0" dirty="0">
+                        <a:latin typeface="넥슨Lv1고딕 Light" panose="00000300000000000000" pitchFamily="2" charset="-127"/>
+                        <a:ea typeface="넥슨Lv1고딕 Light" panose="00000300000000000000" pitchFamily="2" charset="-127"/>
+                      </a:endParaRPr>
+                    </a:p>
+                  </a:txBody>
+                  <a:tcPr marL="45720" marR="45720"/>
+                </a:tc>
+                <a:tc>
+                  <a:txBody>
+                    <a:bodyPr/>
+                    <a:lstStyle/>
+                    <a:p>
+                      <a:pPr latinLnBrk="1"/>
+                      <a:r>
+                        <a:rPr lang="en-US" altLang="ko-KR" sz="900" spc="-50" baseline="0" dirty="0" err="1">
+                          <a:latin typeface="넥슨Lv1고딕 Light" panose="00000300000000000000" pitchFamily="2" charset="-127"/>
+                          <a:ea typeface="넥슨Lv1고딕 Light" panose="00000300000000000000" pitchFamily="2" charset="-127"/>
+                        </a:rPr>
+                        <a:t>FirebaseUI</a:t>
+                      </a:r>
+                      <a:r>
+                        <a:rPr lang="en-US" altLang="ko-KR" sz="900" spc="-50" baseline="0" dirty="0">
+                          <a:latin typeface="넥슨Lv1고딕 Light" panose="00000300000000000000" pitchFamily="2" charset="-127"/>
+                          <a:ea typeface="넥슨Lv1고딕 Light" panose="00000300000000000000" pitchFamily="2" charset="-127"/>
+                        </a:rPr>
+                        <a:t> </a:t>
+                      </a:r>
+                      <a:r>
+                        <a:rPr lang="ko-KR" altLang="en-US" sz="900" spc="-50" baseline="0">
+                          <a:latin typeface="넥슨Lv1고딕 Light" panose="00000300000000000000" pitchFamily="2" charset="-127"/>
+                          <a:ea typeface="넥슨Lv1고딕 Light" panose="00000300000000000000" pitchFamily="2" charset="-127"/>
+                        </a:rPr>
+                        <a:t>상세 튜토리얼 삽입</a:t>
+                      </a:r>
+                      <a:endParaRPr lang="ko-KR" altLang="en-US" sz="900" spc="-50" baseline="0" dirty="0">
+                        <a:latin typeface="넥슨Lv1고딕 Light" panose="00000300000000000000" pitchFamily="2" charset="-127"/>
+                        <a:ea typeface="넥슨Lv1고딕 Light" panose="00000300000000000000" pitchFamily="2" charset="-127"/>
+                      </a:endParaRPr>
+                    </a:p>
+                  </a:txBody>
+                  <a:tcPr marL="45720" marR="45720"/>
+                </a:tc>
+                <a:tc>
+                  <a:txBody>
+                    <a:bodyPr/>
+                    <a:lstStyle/>
+                    <a:p>
+                      <a:pPr algn="ctr" latinLnBrk="1"/>
+                      <a:r>
+                        <a:rPr lang="ko-KR" altLang="en-US" sz="900" spc="-50" baseline="0" dirty="0">
+                          <a:latin typeface="넥슨Lv1고딕 Light" panose="00000300000000000000" pitchFamily="2" charset="-127"/>
+                          <a:ea typeface="넥슨Lv1고딕 Light" panose="00000300000000000000" pitchFamily="2" charset="-127"/>
+                        </a:rPr>
+                        <a:t>조하늘</a:t>
+                      </a:r>
+                    </a:p>
+                  </a:txBody>
+                  <a:tcPr marL="45720" marR="45720"/>
+                </a:tc>
+                <a:extLst>
+                  <a:ext uri="{0D108BD9-81ED-4DB2-BD59-A6C34878D82A}">
+                    <a16:rowId xmlns:a16="http://schemas.microsoft.com/office/drawing/2014/main" val="10001"/>
+                  </a:ext>
+                </a:extLst>
+              </a:tr>
+              <a:tr h="216000">
+                <a:tc>
+                  <a:txBody>
+                    <a:bodyPr/>
+                    <a:lstStyle/>
+                    <a:p>
+                      <a:pPr algn="ctr" latinLnBrk="1"/>
+                      <a:r>
+                        <a:rPr lang="en-US" altLang="ko-KR" sz="900" spc="-50" baseline="0" dirty="0">
+                          <a:latin typeface="넥슨Lv1고딕 Light" panose="00000300000000000000" pitchFamily="2" charset="-127"/>
+                          <a:ea typeface="넥슨Lv1고딕 Light" panose="00000300000000000000" pitchFamily="2" charset="-127"/>
+                        </a:rPr>
                         <a:t>2019.11.25</a:t>
                       </a:r>
                       <a:endParaRPr lang="ko-KR" altLang="en-US" sz="900" spc="-50" baseline="0" dirty="0">
@@ -5636,55 +6757,6 @@
                         </a:rPr>
                         <a:t>조하늘</a:t>
                       </a:r>
-                    </a:p>
-                  </a:txBody>
-                  <a:tcPr marL="45720" marR="45720"/>
-                </a:tc>
-                <a:extLst>
-                  <a:ext uri="{0D108BD9-81ED-4DB2-BD59-A6C34878D82A}">
-                    <a16:rowId xmlns:a16="http://schemas.microsoft.com/office/drawing/2014/main" val="10001"/>
-                  </a:ext>
-                </a:extLst>
-              </a:tr>
-              <a:tr h="216000">
-                <a:tc>
-                  <a:txBody>
-                    <a:bodyPr/>
-                    <a:lstStyle/>
-                    <a:p>
-                      <a:pPr algn="ctr" latinLnBrk="1"/>
-                      <a:endParaRPr lang="ko-KR" altLang="en-US" sz="900" spc="-50" baseline="0" dirty="0">
-                        <a:latin typeface="넥슨Lv1고딕 Light" panose="00000300000000000000" pitchFamily="2" charset="-127"/>
-                        <a:ea typeface="넥슨Lv1고딕 Light" panose="00000300000000000000" pitchFamily="2" charset="-127"/>
-                      </a:endParaRPr>
-                    </a:p>
-                  </a:txBody>
-                  <a:tcPr marL="45720" marR="45720"/>
-                </a:tc>
-                <a:tc>
-                  <a:txBody>
-                    <a:bodyPr/>
-                    <a:lstStyle/>
-                    <a:p>
-                      <a:pPr latinLnBrk="1"/>
-                      <a:endParaRPr lang="ko-KR" altLang="en-US" sz="900" spc="-50" baseline="0" dirty="0">
-                        <a:latin typeface="넥슨Lv1고딕 Light" panose="00000300000000000000" pitchFamily="2" charset="-127"/>
-                        <a:ea typeface="넥슨Lv1고딕 Light" panose="00000300000000000000" pitchFamily="2" charset="-127"/>
-                      </a:endParaRPr>
-                    </a:p>
-                  </a:txBody>
-                  <a:tcPr marL="45720" marR="45720"/>
-                </a:tc>
-                <a:tc>
-                  <a:txBody>
-                    <a:bodyPr/>
-                    <a:lstStyle/>
-                    <a:p>
-                      <a:pPr algn="ctr" latinLnBrk="1"/>
-                      <a:endParaRPr lang="ko-KR" altLang="en-US" sz="900" spc="-50" baseline="0" dirty="0">
-                        <a:latin typeface="넥슨Lv1고딕 Light" panose="00000300000000000000" pitchFamily="2" charset="-127"/>
-                        <a:ea typeface="넥슨Lv1고딕 Light" panose="00000300000000000000" pitchFamily="2" charset="-127"/>
-                      </a:endParaRPr>
                     </a:p>
                   </a:txBody>
                   <a:tcPr marL="45720" marR="45720"/>
@@ -7065,12 +8137,43 @@
                 <a:latin typeface="넥슨Lv1고딕 Light" panose="00000300000000000000" pitchFamily="2" charset="-127"/>
                 <a:ea typeface="넥슨Lv1고딕 Light" panose="00000300000000000000" pitchFamily="2" charset="-127"/>
               </a:rPr>
-              <a:t>여기에 코드 캡쳐에 대한 설명 작성</a:t>
-            </a:r>
-            <a:endParaRPr lang="en-US" altLang="ko-KR" sz="1100" spc="-50" dirty="0">
-              <a:latin typeface="넥슨Lv1고딕 Light" panose="00000300000000000000" pitchFamily="2" charset="-127"/>
-              <a:ea typeface="넥슨Lv1고딕 Light" panose="00000300000000000000" pitchFamily="2" charset="-127"/>
-            </a:endParaRPr>
+              <a:t>새 </a:t>
+            </a:r>
+            <a:r>
+              <a:rPr lang="en-US" altLang="ko-KR" sz="1100" spc="-50" dirty="0">
+                <a:latin typeface="넥슨Lv1고딕 Light" panose="00000300000000000000" pitchFamily="2" charset="-127"/>
+                <a:ea typeface="넥슨Lv1고딕 Light" panose="00000300000000000000" pitchFamily="2" charset="-127"/>
+              </a:rPr>
+              <a:t>Firebase </a:t>
+            </a:r>
+            <a:r>
+              <a:rPr lang="ko-KR" altLang="en-US" sz="1100" spc="-50">
+                <a:latin typeface="넥슨Lv1고딕 Light" panose="00000300000000000000" pitchFamily="2" charset="-127"/>
+                <a:ea typeface="넥슨Lv1고딕 Light" panose="00000300000000000000" pitchFamily="2" charset="-127"/>
+              </a:rPr>
+              <a:t>프로젝트를 추가한 후</a:t>
+            </a:r>
+            <a:r>
+              <a:rPr lang="en-US" altLang="ko-KR" sz="1100" spc="-50" dirty="0">
+                <a:latin typeface="넥슨Lv1고딕 Light" panose="00000300000000000000" pitchFamily="2" charset="-127"/>
+                <a:ea typeface="넥슨Lv1고딕 Light" panose="00000300000000000000" pitchFamily="2" charset="-127"/>
+              </a:rPr>
+              <a:t>, Firebase Console</a:t>
+            </a:r>
+            <a:r>
+              <a:rPr lang="ko-KR" altLang="en-US" sz="1100" spc="-50">
+                <a:latin typeface="넥슨Lv1고딕 Light" panose="00000300000000000000" pitchFamily="2" charset="-127"/>
+                <a:ea typeface="넥슨Lv1고딕 Light" panose="00000300000000000000" pitchFamily="2" charset="-127"/>
+              </a:rPr>
+              <a:t>에 접근합니다</a:t>
+            </a:r>
+            <a:r>
+              <a:rPr lang="en-US" altLang="ko-KR" sz="1100" spc="-50" dirty="0">
+                <a:latin typeface="넥슨Lv1고딕 Light" panose="00000300000000000000" pitchFamily="2" charset="-127"/>
+                <a:ea typeface="넥슨Lv1고딕 Light" panose="00000300000000000000" pitchFamily="2" charset="-127"/>
+              </a:rPr>
+              <a:t>.</a:t>
+            </a:r>
           </a:p>
           <a:p>
             <a:pPr lvl="0"/>
@@ -7230,6 +8333,65 @@
           </a:p>
         </p:txBody>
       </p:sp>
+      <p:pic>
+        <p:nvPicPr>
+          <p:cNvPr id="2" name="그림 1" descr="화면 캡처"/>
+          <p:cNvPicPr>
+            <a:picLocks noChangeAspect="1"/>
+          </p:cNvPicPr>
+          <p:nvPr/>
+        </p:nvPicPr>
+        <p:blipFill rotWithShape="1">
+          <a:blip r:embed="rId4">
+            <a:extLst>
+              <a:ext uri="{28A0092B-C50C-407E-A947-70E740481C1C}">
+                <a14:useLocalDpi xmlns:a14="http://schemas.microsoft.com/office/drawing/2010/main" val="0"/>
+              </a:ext>
+            </a:extLst>
+          </a:blip>
+          <a:srcRect l="4026" b="24673"/>
+          <a:stretch/>
+        </p:blipFill>
+        <p:spPr>
+          <a:xfrm>
+            <a:off x="1517959" y="2783146"/>
+            <a:ext cx="2805808" cy="2232137"/>
+          </a:xfrm>
+          <a:prstGeom prst="rect">
+            <a:avLst/>
+          </a:prstGeom>
+        </p:spPr>
+      </p:pic>
+      <p:pic>
+        <p:nvPicPr>
+          <p:cNvPr id="4" name="그림 3" descr="화면 캡처"/>
+          <p:cNvPicPr>
+            <a:picLocks noChangeAspect="1"/>
+          </p:cNvPicPr>
+          <p:nvPr/>
+        </p:nvPicPr>
+        <p:blipFill>
+          <a:blip r:embed="rId5" cstate="print">
+            <a:extLst>
+              <a:ext uri="{28A0092B-C50C-407E-A947-70E740481C1C}">
+                <a14:useLocalDpi xmlns:a14="http://schemas.microsoft.com/office/drawing/2010/main" val="0"/>
+              </a:ext>
+            </a:extLst>
+          </a:blip>
+          <a:stretch>
+            <a:fillRect/>
+          </a:stretch>
+        </p:blipFill>
+        <p:spPr>
+          <a:xfrm>
+            <a:off x="4551754" y="2783146"/>
+            <a:ext cx="2240269" cy="2232137"/>
+          </a:xfrm>
+          <a:prstGeom prst="rect">
+            <a:avLst/>
+          </a:prstGeom>
+        </p:spPr>
+      </p:pic>
     </p:spTree>
     <p:extLst>
       <p:ext uri="{BB962C8B-B14F-4D97-AF65-F5344CB8AC3E}">
@@ -7260,6 +8422,65 @@
           <a:chExt cx="0" cy="0"/>
         </a:xfrm>
       </p:grpSpPr>
+      <p:pic>
+        <p:nvPicPr>
+          <p:cNvPr id="8" name="그림 7" descr="화면 캡처"/>
+          <p:cNvPicPr>
+            <a:picLocks noChangeAspect="1"/>
+          </p:cNvPicPr>
+          <p:nvPr/>
+        </p:nvPicPr>
+        <p:blipFill>
+          <a:blip r:embed="rId3">
+            <a:extLst>
+              <a:ext uri="{28A0092B-C50C-407E-A947-70E740481C1C}">
+                <a14:useLocalDpi xmlns:a14="http://schemas.microsoft.com/office/drawing/2010/main" val="0"/>
+              </a:ext>
+            </a:extLst>
+          </a:blip>
+          <a:stretch>
+            <a:fillRect/>
+          </a:stretch>
+        </p:blipFill>
+        <p:spPr>
+          <a:xfrm>
+            <a:off x="4244692" y="2592954"/>
+            <a:ext cx="4200916" cy="3596287"/>
+          </a:xfrm>
+          <a:prstGeom prst="rect">
+            <a:avLst/>
+          </a:prstGeom>
+        </p:spPr>
+      </p:pic>
+      <p:pic>
+        <p:nvPicPr>
+          <p:cNvPr id="5" name="그림 4" descr="화면 캡처"/>
+          <p:cNvPicPr>
+            <a:picLocks noChangeAspect="1"/>
+          </p:cNvPicPr>
+          <p:nvPr/>
+        </p:nvPicPr>
+        <p:blipFill rotWithShape="1">
+          <a:blip r:embed="rId4">
+            <a:extLst>
+              <a:ext uri="{28A0092B-C50C-407E-A947-70E740481C1C}">
+                <a14:useLocalDpi xmlns:a14="http://schemas.microsoft.com/office/drawing/2010/main" val="0"/>
+              </a:ext>
+            </a:extLst>
+          </a:blip>
+          <a:srcRect t="2688" r="10250"/>
+          <a:stretch/>
+        </p:blipFill>
+        <p:spPr>
+          <a:xfrm>
+            <a:off x="1517960" y="2592954"/>
+            <a:ext cx="2550346" cy="1571878"/>
+          </a:xfrm>
+          <a:prstGeom prst="rect">
+            <a:avLst/>
+          </a:prstGeom>
+        </p:spPr>
+      </p:pic>
       <p:sp>
         <p:nvSpPr>
           <p:cNvPr id="7" name="모서리가 둥근 직사각형 6"/>
@@ -7313,10 +8534,10 @@
                 <a:latin typeface="넥슨Lv1고딕 Bold" panose="00000800000000000000" pitchFamily="2" charset="-127"/>
                 <a:ea typeface="넥슨Lv1고딕 Bold" panose="00000800000000000000" pitchFamily="2" charset="-127"/>
               </a:rPr>
-              <a:t>Firebase Console</a:t>
-            </a:r>
-            <a:r>
-              <a:rPr lang="ko-KR" altLang="en-US" sz="1200" spc="-50" dirty="0">
+              <a:t>Firebase </a:t>
+            </a:r>
+            <a:r>
+              <a:rPr lang="ko-KR" altLang="en-US" sz="1200" spc="-50">
                 <a:solidFill>
                   <a:schemeClr val="accent1">
                     <a:lumMod val="50000"/>
@@ -7325,7 +8546,7 @@
                 <a:latin typeface="넥슨Lv1고딕 Bold" panose="00000800000000000000" pitchFamily="2" charset="-127"/>
                 <a:ea typeface="넥슨Lv1고딕 Bold" panose="00000800000000000000" pitchFamily="2" charset="-127"/>
               </a:rPr>
-              <a:t>에서 로그인 방법 설정</a:t>
+              <a:t>프로젝트 설정 변경</a:t>
             </a:r>
             <a:endParaRPr lang="en-US" altLang="ko-KR" sz="1200" spc="-50" dirty="0">
               <a:solidFill>
@@ -7477,7 +8698,7 @@
         <p:spPr>
           <a:xfrm>
             <a:off x="1415845" y="2061361"/>
-            <a:ext cx="6920681" cy="584775"/>
+            <a:ext cx="6920681" cy="430887"/>
           </a:xfrm>
           <a:prstGeom prst="rect">
             <a:avLst/>
@@ -7491,77 +8712,102 @@
           <a:lstStyle/>
           <a:p>
             <a:r>
+              <a:rPr lang="en-US" altLang="ko-KR" sz="1100" spc="-50" dirty="0">
+                <a:latin typeface="넥슨Lv1고딕 Light" panose="00000300000000000000" pitchFamily="2" charset="-127"/>
+                <a:ea typeface="넥슨Lv1고딕 Light" panose="00000300000000000000" pitchFamily="2" charset="-127"/>
+              </a:rPr>
+              <a:t>Firebase Console </a:t>
+            </a:r>
+            <a:r>
+              <a:rPr lang="ko-KR" altLang="en-US" sz="1100" spc="-50">
+                <a:latin typeface="넥슨Lv1고딕 Light" panose="00000300000000000000" pitchFamily="2" charset="-127"/>
+                <a:ea typeface="넥슨Lv1고딕 Light" panose="00000300000000000000" pitchFamily="2" charset="-127"/>
+              </a:rPr>
+              <a:t>상단 </a:t>
+            </a:r>
+            <a:r>
+              <a:rPr lang="en-US" altLang="ko-KR" sz="1100" spc="-50" dirty="0">
+                <a:latin typeface="넥슨Lv1고딕 Light" panose="00000300000000000000" pitchFamily="2" charset="-127"/>
+                <a:ea typeface="넥슨Lv1고딕 Light" panose="00000300000000000000" pitchFamily="2" charset="-127"/>
+              </a:rPr>
+              <a:t>Project Overview – </a:t>
+            </a:r>
+            <a:r>
+              <a:rPr lang="ko-KR" altLang="en-US" sz="1100" spc="-50">
+                <a:latin typeface="넥슨Lv1고딕 Light" panose="00000300000000000000" pitchFamily="2" charset="-127"/>
+                <a:ea typeface="넥슨Lv1고딕 Light" panose="00000300000000000000" pitchFamily="2" charset="-127"/>
+              </a:rPr>
+              <a:t>설정 아이콘 </a:t>
+            </a:r>
+            <a:r>
+              <a:rPr lang="en-US" altLang="ko-KR" sz="1100" spc="-50" dirty="0">
+                <a:latin typeface="넥슨Lv1고딕 Light" panose="00000300000000000000" pitchFamily="2" charset="-127"/>
+                <a:ea typeface="넥슨Lv1고딕 Light" panose="00000300000000000000" pitchFamily="2" charset="-127"/>
+              </a:rPr>
+              <a:t>– </a:t>
+            </a:r>
+            <a:r>
+              <a:rPr lang="ko-KR" altLang="en-US" sz="1100" spc="-50">
+                <a:latin typeface="넥슨Lv1고딕 Light" panose="00000300000000000000" pitchFamily="2" charset="-127"/>
+                <a:ea typeface="넥슨Lv1고딕 Light" panose="00000300000000000000" pitchFamily="2" charset="-127"/>
+              </a:rPr>
+              <a:t>프로젝트 설정 페이지에 접근합니다</a:t>
+            </a:r>
+            <a:r>
+              <a:rPr lang="en-US" altLang="ko-KR" sz="1100" spc="-50" dirty="0">
+                <a:latin typeface="넥슨Lv1고딕 Light" panose="00000300000000000000" pitchFamily="2" charset="-127"/>
+                <a:ea typeface="넥슨Lv1고딕 Light" panose="00000300000000000000" pitchFamily="2" charset="-127"/>
+              </a:rPr>
+              <a:t>.</a:t>
+            </a:r>
+          </a:p>
+          <a:p>
+            <a:pPr marL="171450" indent="-171450">
+              <a:buFont typeface="Arial" panose="020B0604020202020204" pitchFamily="34" charset="0"/>
+              <a:buChar char="•"/>
+            </a:pPr>
+            <a:r>
               <a:rPr lang="ko-KR" altLang="en-US" sz="1100" spc="-50" dirty="0">
                 <a:latin typeface="넥슨Lv1고딕 Light" panose="00000300000000000000" pitchFamily="2" charset="-127"/>
                 <a:ea typeface="넥슨Lv1고딕 Light" panose="00000300000000000000" pitchFamily="2" charset="-127"/>
               </a:rPr>
-              <a:t>여기에 코드 캡쳐에 대한 설명 작성</a:t>
-            </a:r>
-            <a:endParaRPr lang="en-US" altLang="ko-KR" sz="1100" spc="-50" dirty="0">
-              <a:latin typeface="넥슨Lv1고딕 Light" panose="00000300000000000000" pitchFamily="2" charset="-127"/>
-              <a:ea typeface="넥슨Lv1고딕 Light" panose="00000300000000000000" pitchFamily="2" charset="-127"/>
-            </a:endParaRPr>
-          </a:p>
-          <a:p>
-            <a:pPr lvl="0"/>
-            <a:endParaRPr lang="en-US" altLang="ko-KR" sz="1100" spc="-50" dirty="0">
-              <a:solidFill>
-                <a:srgbClr val="FF0000"/>
-              </a:solidFill>
-              <a:latin typeface="넥슨Lv1고딕 Light" panose="00000300000000000000" pitchFamily="2" charset="-127"/>
-              <a:ea typeface="넥슨Lv1고딕 Light" panose="00000300000000000000" pitchFamily="2" charset="-127"/>
-            </a:endParaRPr>
-          </a:p>
-          <a:p>
-            <a:pPr lvl="0"/>
-            <a:r>
-              <a:rPr lang="en-US" altLang="ko-KR" sz="1000" spc="-50" dirty="0">
-                <a:solidFill>
-                  <a:prstClr val="black"/>
-                </a:solidFill>
+              <a:t>설정 페이지의 </a:t>
+            </a:r>
+            <a:r>
+              <a:rPr lang="en-US" altLang="ko-KR" sz="1100" spc="-50" dirty="0">
                 <a:latin typeface="넥슨Lv1고딕 Light" panose="00000300000000000000" pitchFamily="2" charset="-127"/>
                 <a:ea typeface="넥슨Lv1고딕 Light" panose="00000300000000000000" pitchFamily="2" charset="-127"/>
               </a:rPr>
               <a:t>[</a:t>
             </a:r>
             <a:r>
-              <a:rPr lang="ko-KR" altLang="en-US" sz="1000" spc="-50" dirty="0">
-                <a:solidFill>
-                  <a:prstClr val="black"/>
-                </a:solidFill>
-                <a:latin typeface="넥슨Lv1고딕 Light" panose="00000300000000000000" pitchFamily="2" charset="-127"/>
-                <a:ea typeface="넥슨Lv1고딕 Light" panose="00000300000000000000" pitchFamily="2" charset="-127"/>
-              </a:rPr>
-              <a:t>참고 </a:t>
-            </a:r>
-            <a:r>
-              <a:rPr lang="en-US" altLang="ko-KR" sz="1000" spc="-50" dirty="0">
-                <a:solidFill>
-                  <a:prstClr val="black"/>
-                </a:solidFill>
-                <a:latin typeface="넥슨Lv1고딕 Light" panose="00000300000000000000" pitchFamily="2" charset="-127"/>
-                <a:ea typeface="넥슨Lv1고딕 Light" panose="00000300000000000000" pitchFamily="2" charset="-127"/>
-              </a:rPr>
-              <a:t>URL] </a:t>
-            </a:r>
-            <a:r>
-              <a:rPr lang="en-US" altLang="ko-KR" sz="1000" spc="-50" dirty="0">
-                <a:solidFill>
-                  <a:prstClr val="black"/>
-                </a:solidFill>
-                <a:latin typeface="넥슨Lv1고딕 Light" panose="00000300000000000000" pitchFamily="2" charset="-127"/>
-                <a:ea typeface="넥슨Lv1고딕 Light" panose="00000300000000000000" pitchFamily="2" charset="-127"/>
-                <a:hlinkClick r:id="rId3"/>
-              </a:rPr>
-              <a:t>https://console.firebase.google.com/</a:t>
-            </a:r>
-            <a:endParaRPr lang="en-US" altLang="ko-KR" sz="1100" spc="-50" dirty="0">
-              <a:solidFill>
-                <a:prstClr val="black"/>
-              </a:solidFill>
-              <a:latin typeface="넥슨Lv1고딕 Light" panose="00000300000000000000" pitchFamily="2" charset="-127"/>
-              <a:ea typeface="넥슨Lv1고딕 Light" panose="00000300000000000000" pitchFamily="2" charset="-127"/>
-            </a:endParaRPr>
+              <a:rPr lang="ko-KR" altLang="en-US" sz="1100" spc="-50">
+                <a:latin typeface="넥슨Lv1고딕 Light" panose="00000300000000000000" pitchFamily="2" charset="-127"/>
+                <a:ea typeface="넥슨Lv1고딕 Light" panose="00000300000000000000" pitchFamily="2" charset="-127"/>
+              </a:rPr>
+              <a:t>내 프로젝트</a:t>
+            </a:r>
+            <a:r>
+              <a:rPr lang="en-US" altLang="ko-KR" sz="1100" spc="-50" dirty="0">
+                <a:latin typeface="넥슨Lv1고딕 Light" panose="00000300000000000000" pitchFamily="2" charset="-127"/>
+                <a:ea typeface="넥슨Lv1고딕 Light" panose="00000300000000000000" pitchFamily="2" charset="-127"/>
+              </a:rPr>
+              <a:t>] </a:t>
+            </a:r>
+            <a:r>
+              <a:rPr lang="ko-KR" altLang="en-US" sz="1100" spc="-50">
+                <a:latin typeface="넥슨Lv1고딕 Light" panose="00000300000000000000" pitchFamily="2" charset="-127"/>
+                <a:ea typeface="넥슨Lv1고딕 Light" panose="00000300000000000000" pitchFamily="2" charset="-127"/>
+              </a:rPr>
+              <a:t>구역에서 프로젝트의 공개용 이름을 수정해 주세요</a:t>
+            </a:r>
+            <a:r>
+              <a:rPr lang="en-US" altLang="ko-KR" sz="1100" spc="-50" dirty="0">
+                <a:latin typeface="넥슨Lv1고딕 Light" panose="00000300000000000000" pitchFamily="2" charset="-127"/>
+                <a:ea typeface="넥슨Lv1고딕 Light" panose="00000300000000000000" pitchFamily="2" charset="-127"/>
+              </a:rPr>
+              <a:t>.</a:t>
+            </a:r>
           </a:p>
         </p:txBody>
       </p:sp>
@@ -7663,7 +8909,7 @@
     </p:spTree>
     <p:extLst>
       <p:ext uri="{BB962C8B-B14F-4D97-AF65-F5344CB8AC3E}">
-        <p14:creationId xmlns:p14="http://schemas.microsoft.com/office/powerpoint/2010/main" val="1967814877"/>
+        <p14:creationId xmlns:p14="http://schemas.microsoft.com/office/powerpoint/2010/main" val="1397258109"/>
       </p:ext>
     </p:extLst>
   </p:cSld>
@@ -7743,10 +8989,10 @@
                 <a:latin typeface="넥슨Lv1고딕 Bold" panose="00000800000000000000" pitchFamily="2" charset="-127"/>
                 <a:ea typeface="넥슨Lv1고딕 Bold" panose="00000800000000000000" pitchFamily="2" charset="-127"/>
               </a:rPr>
-              <a:t>Firebase, </a:t>
-            </a:r>
-            <a:r>
-              <a:rPr lang="en-US" altLang="ko-KR" sz="1200" spc="-50" dirty="0" err="1">
+              <a:t>Firebase </a:t>
+            </a:r>
+            <a:r>
+              <a:rPr lang="ko-KR" altLang="en-US" sz="1200" spc="-50">
                 <a:solidFill>
                   <a:schemeClr val="accent1">
                     <a:lumMod val="50000"/>
@@ -7755,31 +9001,7 @@
                 <a:latin typeface="넥슨Lv1고딕 Bold" panose="00000800000000000000" pitchFamily="2" charset="-127"/>
                 <a:ea typeface="넥슨Lv1고딕 Bold" panose="00000800000000000000" pitchFamily="2" charset="-127"/>
               </a:rPr>
-              <a:t>FirebaseUI</a:t>
-            </a:r>
-            <a:r>
-              <a:rPr lang="en-US" altLang="ko-KR" sz="1200" spc="-50" dirty="0">
-                <a:solidFill>
-                  <a:schemeClr val="accent1">
-                    <a:lumMod val="50000"/>
-                  </a:schemeClr>
-                </a:solidFill>
-                <a:latin typeface="넥슨Lv1고딕 Bold" panose="00000800000000000000" pitchFamily="2" charset="-127"/>
-                <a:ea typeface="넥슨Lv1고딕 Bold" panose="00000800000000000000" pitchFamily="2" charset="-127"/>
-              </a:rPr>
-              <a:t> </a:t>
-            </a:r>
-            <a:r>
-              <a:rPr lang="ko-KR" altLang="en-US" sz="1200" spc="-50" dirty="0">
-                <a:solidFill>
-                  <a:schemeClr val="accent1">
-                    <a:lumMod val="50000"/>
-                  </a:schemeClr>
-                </a:solidFill>
-                <a:latin typeface="넥슨Lv1고딕 Bold" panose="00000800000000000000" pitchFamily="2" charset="-127"/>
-                <a:ea typeface="넥슨Lv1고딕 Bold" panose="00000800000000000000" pitchFamily="2" charset="-127"/>
-              </a:rPr>
-              <a:t>설치</a:t>
+              <a:t>프로젝트에 웹 앱 플랫폼 설정</a:t>
             </a:r>
             <a:endParaRPr lang="en-US" altLang="ko-KR" sz="1200" spc="-50" dirty="0">
               <a:solidFill>
@@ -7931,7 +9153,7 @@
         <p:spPr>
           <a:xfrm>
             <a:off x="1415845" y="2061361"/>
-            <a:ext cx="6920681" cy="584775"/>
+            <a:ext cx="6920681" cy="430887"/>
           </a:xfrm>
           <a:prstGeom prst="rect">
             <a:avLst/>
@@ -7945,69 +9167,136 @@
           <a:lstStyle/>
           <a:p>
             <a:r>
+              <a:rPr lang="en-US" altLang="ko-KR" sz="1100" spc="-50" dirty="0">
+                <a:latin typeface="넥슨Lv1고딕 Light" panose="00000300000000000000" pitchFamily="2" charset="-127"/>
+                <a:ea typeface="넥슨Lv1고딕 Light" panose="00000300000000000000" pitchFamily="2" charset="-127"/>
+              </a:rPr>
+              <a:t>Firebase Console </a:t>
+            </a:r>
+            <a:r>
+              <a:rPr lang="ko-KR" altLang="en-US" sz="1100" spc="-50">
+                <a:latin typeface="넥슨Lv1고딕 Light" panose="00000300000000000000" pitchFamily="2" charset="-127"/>
+                <a:ea typeface="넥슨Lv1고딕 Light" panose="00000300000000000000" pitchFamily="2" charset="-127"/>
+              </a:rPr>
+              <a:t>상단 </a:t>
+            </a:r>
+            <a:r>
+              <a:rPr lang="en-US" altLang="ko-KR" sz="1100" spc="-50" dirty="0">
+                <a:latin typeface="넥슨Lv1고딕 Light" panose="00000300000000000000" pitchFamily="2" charset="-127"/>
+                <a:ea typeface="넥슨Lv1고딕 Light" panose="00000300000000000000" pitchFamily="2" charset="-127"/>
+              </a:rPr>
+              <a:t>Project Overview – </a:t>
+            </a:r>
+            <a:r>
+              <a:rPr lang="ko-KR" altLang="en-US" sz="1100" spc="-50">
+                <a:latin typeface="넥슨Lv1고딕 Light" panose="00000300000000000000" pitchFamily="2" charset="-127"/>
+                <a:ea typeface="넥슨Lv1고딕 Light" panose="00000300000000000000" pitchFamily="2" charset="-127"/>
+              </a:rPr>
+              <a:t>설정 아이콘 </a:t>
+            </a:r>
+            <a:r>
+              <a:rPr lang="en-US" altLang="ko-KR" sz="1100" spc="-50" dirty="0">
+                <a:latin typeface="넥슨Lv1고딕 Light" panose="00000300000000000000" pitchFamily="2" charset="-127"/>
+                <a:ea typeface="넥슨Lv1고딕 Light" panose="00000300000000000000" pitchFamily="2" charset="-127"/>
+              </a:rPr>
+              <a:t>– </a:t>
+            </a:r>
+            <a:r>
+              <a:rPr lang="ko-KR" altLang="en-US" sz="1100" spc="-50">
+                <a:latin typeface="넥슨Lv1고딕 Light" panose="00000300000000000000" pitchFamily="2" charset="-127"/>
+                <a:ea typeface="넥슨Lv1고딕 Light" panose="00000300000000000000" pitchFamily="2" charset="-127"/>
+              </a:rPr>
+              <a:t>프로젝트 설정 페이지에 접근합니다</a:t>
+            </a:r>
+            <a:r>
+              <a:rPr lang="en-US" altLang="ko-KR" sz="1100" spc="-50" dirty="0">
+                <a:latin typeface="넥슨Lv1고딕 Light" panose="00000300000000000000" pitchFamily="2" charset="-127"/>
+                <a:ea typeface="넥슨Lv1고딕 Light" panose="00000300000000000000" pitchFamily="2" charset="-127"/>
+              </a:rPr>
+              <a:t>.</a:t>
+            </a:r>
+          </a:p>
+          <a:p>
+            <a:pPr marL="171450" indent="-171450">
+              <a:buFont typeface="Arial" panose="020B0604020202020204" pitchFamily="34" charset="0"/>
+              <a:buChar char="•"/>
+            </a:pPr>
+            <a:r>
               <a:rPr lang="ko-KR" altLang="en-US" sz="1100" spc="-50" dirty="0">
                 <a:latin typeface="넥슨Lv1고딕 Light" panose="00000300000000000000" pitchFamily="2" charset="-127"/>
                 <a:ea typeface="넥슨Lv1고딕 Light" panose="00000300000000000000" pitchFamily="2" charset="-127"/>
               </a:rPr>
-              <a:t>여기에 코드 캡쳐에 대한 설명 작성</a:t>
-            </a:r>
-            <a:endParaRPr lang="en-US" altLang="ko-KR" sz="1100" spc="-50" dirty="0">
-              <a:latin typeface="넥슨Lv1고딕 Light" panose="00000300000000000000" pitchFamily="2" charset="-127"/>
-              <a:ea typeface="넥슨Lv1고딕 Light" panose="00000300000000000000" pitchFamily="2" charset="-127"/>
-            </a:endParaRPr>
-          </a:p>
-          <a:p>
-            <a:pPr lvl="0"/>
-            <a:endParaRPr lang="en-US" altLang="ko-KR" sz="1100" spc="-50" dirty="0">
-              <a:solidFill>
-                <a:srgbClr val="FF0000"/>
-              </a:solidFill>
-              <a:latin typeface="넥슨Lv1고딕 Light" panose="00000300000000000000" pitchFamily="2" charset="-127"/>
-              <a:ea typeface="넥슨Lv1고딕 Light" panose="00000300000000000000" pitchFamily="2" charset="-127"/>
-            </a:endParaRPr>
-          </a:p>
-          <a:p>
-            <a:pPr lvl="0"/>
-            <a:r>
-              <a:rPr lang="en-US" altLang="ko-KR" sz="1000" spc="-50" dirty="0">
-                <a:solidFill>
-                  <a:prstClr val="black"/>
-                </a:solidFill>
+              <a:t>설정 페이지의 </a:t>
+            </a:r>
+            <a:r>
+              <a:rPr lang="en-US" altLang="ko-KR" sz="1100" spc="-50" dirty="0">
                 <a:latin typeface="넥슨Lv1고딕 Light" panose="00000300000000000000" pitchFamily="2" charset="-127"/>
                 <a:ea typeface="넥슨Lv1고딕 Light" panose="00000300000000000000" pitchFamily="2" charset="-127"/>
               </a:rPr>
               <a:t>[</a:t>
             </a:r>
             <a:r>
-              <a:rPr lang="ko-KR" altLang="en-US" sz="1000" spc="-50" dirty="0">
-                <a:solidFill>
-                  <a:prstClr val="black"/>
-                </a:solidFill>
-                <a:latin typeface="넥슨Lv1고딕 Light" panose="00000300000000000000" pitchFamily="2" charset="-127"/>
-                <a:ea typeface="넥슨Lv1고딕 Light" panose="00000300000000000000" pitchFamily="2" charset="-127"/>
-              </a:rPr>
-              <a:t>참고 </a:t>
-            </a:r>
-            <a:r>
-              <a:rPr lang="en-US" altLang="ko-KR" sz="1000" spc="-50" dirty="0">
-                <a:solidFill>
-                  <a:prstClr val="black"/>
-                </a:solidFill>
-                <a:latin typeface="넥슨Lv1고딕 Light" panose="00000300000000000000" pitchFamily="2" charset="-127"/>
-                <a:ea typeface="넥슨Lv1고딕 Light" panose="00000300000000000000" pitchFamily="2" charset="-127"/>
-              </a:rPr>
-              <a:t>URL] </a:t>
-            </a:r>
-            <a:r>
-              <a:rPr lang="en-US" altLang="ko-KR" sz="1000" spc="-50" dirty="0">
-                <a:solidFill>
-                  <a:prstClr val="black"/>
-                </a:solidFill>
-                <a:latin typeface="넥슨Lv1고딕 Light" panose="00000300000000000000" pitchFamily="2" charset="-127"/>
-                <a:ea typeface="넥슨Lv1고딕 Light" panose="00000300000000000000" pitchFamily="2" charset="-127"/>
-                <a:hlinkClick r:id="rId3"/>
-              </a:rPr>
-              <a:t>https://firebase.google.com/docs/web/setup?authuser=0</a:t>
+              <a:rPr lang="ko-KR" altLang="en-US" sz="1100" spc="-50">
+                <a:latin typeface="넥슨Lv1고딕 Light" panose="00000300000000000000" pitchFamily="2" charset="-127"/>
+                <a:ea typeface="넥슨Lv1고딕 Light" panose="00000300000000000000" pitchFamily="2" charset="-127"/>
+              </a:rPr>
+              <a:t>내 앱</a:t>
+            </a:r>
+            <a:r>
+              <a:rPr lang="en-US" altLang="ko-KR" sz="1100" spc="-50" dirty="0">
+                <a:latin typeface="넥슨Lv1고딕 Light" panose="00000300000000000000" pitchFamily="2" charset="-127"/>
+                <a:ea typeface="넥슨Lv1고딕 Light" panose="00000300000000000000" pitchFamily="2" charset="-127"/>
+              </a:rPr>
+              <a:t>] </a:t>
+            </a:r>
+            <a:r>
+              <a:rPr lang="ko-KR" altLang="en-US" sz="1100" spc="-50">
+                <a:latin typeface="넥슨Lv1고딕 Light" panose="00000300000000000000" pitchFamily="2" charset="-127"/>
+                <a:ea typeface="넥슨Lv1고딕 Light" panose="00000300000000000000" pitchFamily="2" charset="-127"/>
+              </a:rPr>
+              <a:t>구역에서 플랫폼을 선택하면 </a:t>
+            </a:r>
+            <a:r>
+              <a:rPr lang="en-US" altLang="ko-KR" sz="1100" spc="-50" dirty="0">
+                <a:latin typeface="넥슨Lv1고딕 Light" panose="00000300000000000000" pitchFamily="2" charset="-127"/>
+                <a:ea typeface="넥슨Lv1고딕 Light" panose="00000300000000000000" pitchFamily="2" charset="-127"/>
+              </a:rPr>
+              <a:t>Firebase </a:t>
+            </a:r>
+            <a:r>
+              <a:rPr lang="ko-KR" altLang="en-US" sz="1100" spc="-50">
+                <a:latin typeface="넥슨Lv1고딕 Light" panose="00000300000000000000" pitchFamily="2" charset="-127"/>
+                <a:ea typeface="넥슨Lv1고딕 Light" panose="00000300000000000000" pitchFamily="2" charset="-127"/>
+              </a:rPr>
+              <a:t>초기 설정에 필요한 </a:t>
+            </a:r>
+            <a:r>
+              <a:rPr lang="en-US" altLang="ko-KR" sz="1100" spc="-50" dirty="0" err="1">
+                <a:latin typeface="넥슨Lv1고딕 Light" panose="00000300000000000000" pitchFamily="2" charset="-127"/>
+                <a:ea typeface="넥슨Lv1고딕 Light" panose="00000300000000000000" pitchFamily="2" charset="-127"/>
+              </a:rPr>
+              <a:t>Config</a:t>
+            </a:r>
+            <a:r>
+              <a:rPr lang="en-US" altLang="ko-KR" sz="1100" spc="-50" dirty="0">
+                <a:latin typeface="넥슨Lv1고딕 Light" panose="00000300000000000000" pitchFamily="2" charset="-127"/>
+                <a:ea typeface="넥슨Lv1고딕 Light" panose="00000300000000000000" pitchFamily="2" charset="-127"/>
+              </a:rPr>
+              <a:t> </a:t>
+            </a:r>
+            <a:r>
+              <a:rPr lang="ko-KR" altLang="en-US" sz="1100" spc="-50">
+                <a:latin typeface="넥슨Lv1고딕 Light" panose="00000300000000000000" pitchFamily="2" charset="-127"/>
+                <a:ea typeface="넥슨Lv1고딕 Light" panose="00000300000000000000" pitchFamily="2" charset="-127"/>
+              </a:rPr>
+              <a:t>스크립트를 볼 수 있어요</a:t>
+            </a:r>
+            <a:r>
+              <a:rPr lang="en-US" altLang="ko-KR" sz="1100" spc="-50" dirty="0">
+                <a:latin typeface="넥슨Lv1고딕 Light" panose="00000300000000000000" pitchFamily="2" charset="-127"/>
+                <a:ea typeface="넥슨Lv1고딕 Light" panose="00000300000000000000" pitchFamily="2" charset="-127"/>
+              </a:rPr>
+              <a:t>.</a:t>
             </a:r>
             <a:endParaRPr lang="en-US" altLang="ko-KR" sz="1100" spc="-50" dirty="0">
               <a:solidFill>
@@ -8114,10 +9403,69 @@
           </a:p>
         </p:txBody>
       </p:sp>
+      <p:pic>
+        <p:nvPicPr>
+          <p:cNvPr id="2" name="그림 1" descr="화면 캡처"/>
+          <p:cNvPicPr>
+            <a:picLocks noChangeAspect="1"/>
+          </p:cNvPicPr>
+          <p:nvPr/>
+        </p:nvPicPr>
+        <p:blipFill rotWithShape="1">
+          <a:blip r:embed="rId3">
+            <a:extLst>
+              <a:ext uri="{28A0092B-C50C-407E-A947-70E740481C1C}">
+                <a14:useLocalDpi xmlns:a14="http://schemas.microsoft.com/office/drawing/2010/main" val="0"/>
+              </a:ext>
+            </a:extLst>
+          </a:blip>
+          <a:srcRect r="11609"/>
+          <a:stretch/>
+        </p:blipFill>
+        <p:spPr>
+          <a:xfrm>
+            <a:off x="1517960" y="2592954"/>
+            <a:ext cx="3085037" cy="1179133"/>
+          </a:xfrm>
+          <a:prstGeom prst="rect">
+            <a:avLst/>
+          </a:prstGeom>
+        </p:spPr>
+      </p:pic>
+      <p:pic>
+        <p:nvPicPr>
+          <p:cNvPr id="4" name="그림 3" descr="화면 캡처"/>
+          <p:cNvPicPr>
+            <a:picLocks noChangeAspect="1"/>
+          </p:cNvPicPr>
+          <p:nvPr/>
+        </p:nvPicPr>
+        <p:blipFill>
+          <a:blip r:embed="rId4">
+            <a:extLst>
+              <a:ext uri="{28A0092B-C50C-407E-A947-70E740481C1C}">
+                <a14:useLocalDpi xmlns:a14="http://schemas.microsoft.com/office/drawing/2010/main" val="0"/>
+              </a:ext>
+            </a:extLst>
+          </a:blip>
+          <a:stretch>
+            <a:fillRect/>
+          </a:stretch>
+        </p:blipFill>
+        <p:spPr>
+          <a:xfrm>
+            <a:off x="4688237" y="2592954"/>
+            <a:ext cx="3734399" cy="2883605"/>
+          </a:xfrm>
+          <a:prstGeom prst="rect">
+            <a:avLst/>
+          </a:prstGeom>
+        </p:spPr>
+      </p:pic>
     </p:spTree>
     <p:extLst>
       <p:ext uri="{BB962C8B-B14F-4D97-AF65-F5344CB8AC3E}">
-        <p14:creationId xmlns:p14="http://schemas.microsoft.com/office/powerpoint/2010/main" val="1739043114"/>
+        <p14:creationId xmlns:p14="http://schemas.microsoft.com/office/powerpoint/2010/main" val="3562058347"/>
       </p:ext>
     </p:extLst>
   </p:cSld>
@@ -8144,6 +9492,36 @@
           <a:chExt cx="0" cy="0"/>
         </a:xfrm>
       </p:grpSpPr>
+      <p:pic>
+        <p:nvPicPr>
+          <p:cNvPr id="5" name="그림 4" descr="화면 캡처"/>
+          <p:cNvPicPr>
+            <a:picLocks noChangeAspect="1"/>
+          </p:cNvPicPr>
+          <p:nvPr/>
+        </p:nvPicPr>
+        <p:blipFill>
+          <a:blip r:embed="rId3">
+            <a:extLst>
+              <a:ext uri="{28A0092B-C50C-407E-A947-70E740481C1C}">
+                <a14:useLocalDpi xmlns:a14="http://schemas.microsoft.com/office/drawing/2010/main" val="0"/>
+              </a:ext>
+            </a:extLst>
+          </a:blip>
+          <a:stretch>
+            <a:fillRect/>
+          </a:stretch>
+        </p:blipFill>
+        <p:spPr>
+          <a:xfrm>
+            <a:off x="1517959" y="2592954"/>
+            <a:ext cx="3829611" cy="2047584"/>
+          </a:xfrm>
+          <a:prstGeom prst="rect">
+            <a:avLst/>
+          </a:prstGeom>
+        </p:spPr>
+      </p:pic>
       <p:sp>
         <p:nvSpPr>
           <p:cNvPr id="7" name="모서리가 둥근 직사각형 6"/>
@@ -8197,10 +9575,10 @@
                 <a:latin typeface="넥슨Lv1고딕 Bold" panose="00000800000000000000" pitchFamily="2" charset="-127"/>
                 <a:ea typeface="넥슨Lv1고딕 Bold" panose="00000800000000000000" pitchFamily="2" charset="-127"/>
               </a:rPr>
-              <a:t>main.js </a:t>
-            </a:r>
-            <a:r>
-              <a:rPr lang="ko-KR" altLang="en-US" sz="1200" spc="-50" dirty="0">
+              <a:t>Firebase </a:t>
+            </a:r>
+            <a:r>
+              <a:rPr lang="ko-KR" altLang="en-US" sz="1200" spc="-50">
                 <a:solidFill>
                   <a:schemeClr val="accent1">
                     <a:lumMod val="50000"/>
@@ -8209,55 +9587,7 @@
                 <a:latin typeface="넥슨Lv1고딕 Bold" panose="00000800000000000000" pitchFamily="2" charset="-127"/>
                 <a:ea typeface="넥슨Lv1고딕 Bold" panose="00000800000000000000" pitchFamily="2" charset="-127"/>
               </a:rPr>
-              <a:t>파일에 </a:t>
-            </a:r>
-            <a:r>
-              <a:rPr lang="en-US" altLang="ko-KR" sz="1200" spc="-50" dirty="0">
-                <a:solidFill>
-                  <a:schemeClr val="accent1">
-                    <a:lumMod val="50000"/>
-                  </a:schemeClr>
-                </a:solidFill>
-                <a:latin typeface="넥슨Lv1고딕 Bold" panose="00000800000000000000" pitchFamily="2" charset="-127"/>
-                <a:ea typeface="넥슨Lv1고딕 Bold" panose="00000800000000000000" pitchFamily="2" charset="-127"/>
-              </a:rPr>
-              <a:t>Firebase </a:t>
-            </a:r>
-            <a:r>
-              <a:rPr lang="ko-KR" altLang="en-US" sz="1200" spc="-50" dirty="0">
-                <a:solidFill>
-                  <a:schemeClr val="accent1">
-                    <a:lumMod val="50000"/>
-                  </a:schemeClr>
-                </a:solidFill>
-                <a:latin typeface="넥슨Lv1고딕 Bold" panose="00000800000000000000" pitchFamily="2" charset="-127"/>
-                <a:ea typeface="넥슨Lv1고딕 Bold" panose="00000800000000000000" pitchFamily="2" charset="-127"/>
-              </a:rPr>
-              <a:t>불러온 후</a:t>
-            </a:r>
-            <a:r>
-              <a:rPr lang="en-US" altLang="ko-KR" sz="1200" spc="-50" dirty="0">
-                <a:solidFill>
-                  <a:schemeClr val="accent1">
-                    <a:lumMod val="50000"/>
-                  </a:schemeClr>
-                </a:solidFill>
-                <a:latin typeface="넥슨Lv1고딕 Bold" panose="00000800000000000000" pitchFamily="2" charset="-127"/>
-                <a:ea typeface="넥슨Lv1고딕 Bold" panose="00000800000000000000" pitchFamily="2" charset="-127"/>
-              </a:rPr>
-              <a:t>, </a:t>
-            </a:r>
-            <a:r>
-              <a:rPr lang="ko-KR" altLang="en-US" sz="1200" spc="-50" dirty="0">
-                <a:solidFill>
-                  <a:schemeClr val="accent1">
-                    <a:lumMod val="50000"/>
-                  </a:schemeClr>
-                </a:solidFill>
-                <a:latin typeface="넥슨Lv1고딕 Bold" panose="00000800000000000000" pitchFamily="2" charset="-127"/>
-                <a:ea typeface="넥슨Lv1고딕 Bold" panose="00000800000000000000" pitchFamily="2" charset="-127"/>
-              </a:rPr>
-              <a:t>설정 추가</a:t>
+              <a:t>프로젝트에 웹 앱 플랫폼 설정</a:t>
             </a:r>
             <a:endParaRPr lang="en-US" altLang="ko-KR" sz="1200" spc="-50" dirty="0">
               <a:solidFill>
@@ -8386,7 +9716,7 @@
               <a:rPr lang="en-US" altLang="ko-KR" dirty="0">
                 <a:ea typeface="넥슨Lv1고딕 Light" panose="00000300000000000000" pitchFamily="2" charset="-127"/>
               </a:rPr>
-              <a:t>4</a:t>
+              <a:t>3</a:t>
             </a:r>
             <a:endParaRPr lang="ko-KR" altLang="en-US" dirty="0">
               <a:ea typeface="넥슨Lv1고딕 Light" panose="00000300000000000000" pitchFamily="2" charset="-127"/>
@@ -8409,7 +9739,7 @@
         <p:spPr>
           <a:xfrm>
             <a:off x="1415845" y="2061361"/>
-            <a:ext cx="6920681" cy="584775"/>
+            <a:ext cx="6920681" cy="430887"/>
           </a:xfrm>
           <a:prstGeom prst="rect">
             <a:avLst/>
@@ -8423,77 +9753,119 @@
           <a:lstStyle/>
           <a:p>
             <a:r>
+              <a:rPr lang="en-US" altLang="ko-KR" sz="1100" spc="-50" dirty="0">
+                <a:latin typeface="넥슨Lv1고딕 Light" panose="00000300000000000000" pitchFamily="2" charset="-127"/>
+                <a:ea typeface="넥슨Lv1고딕 Light" panose="00000300000000000000" pitchFamily="2" charset="-127"/>
+              </a:rPr>
+              <a:t>Firebase</a:t>
+            </a:r>
+            <a:r>
+              <a:rPr lang="ko-KR" altLang="en-US" sz="1100" spc="-50">
+                <a:latin typeface="넥슨Lv1고딕 Light" panose="00000300000000000000" pitchFamily="2" charset="-127"/>
+                <a:ea typeface="넥슨Lv1고딕 Light" panose="00000300000000000000" pitchFamily="2" charset="-127"/>
+              </a:rPr>
+              <a:t> 초기 설정 스크립트 중 </a:t>
+            </a:r>
+            <a:r>
+              <a:rPr lang="en-US" altLang="ko-KR" sz="1100" spc="-50" dirty="0" err="1">
+                <a:latin typeface="넥슨Lv1고딕 Light" panose="00000300000000000000" pitchFamily="2" charset="-127"/>
+                <a:ea typeface="넥슨Lv1고딕 Light" panose="00000300000000000000" pitchFamily="2" charset="-127"/>
+              </a:rPr>
+              <a:t>var</a:t>
+            </a:r>
+            <a:r>
+              <a:rPr lang="en-US" altLang="ko-KR" sz="1100" spc="-50" dirty="0">
+                <a:latin typeface="넥슨Lv1고딕 Light" panose="00000300000000000000" pitchFamily="2" charset="-127"/>
+                <a:ea typeface="넥슨Lv1고딕 Light" panose="00000300000000000000" pitchFamily="2" charset="-127"/>
+              </a:rPr>
+              <a:t> </a:t>
+            </a:r>
+            <a:r>
+              <a:rPr lang="en-US" altLang="ko-KR" sz="1100" spc="-50" dirty="0" err="1">
+                <a:latin typeface="넥슨Lv1고딕 Light" panose="00000300000000000000" pitchFamily="2" charset="-127"/>
+                <a:ea typeface="넥슨Lv1고딕 Light" panose="00000300000000000000" pitchFamily="2" charset="-127"/>
+              </a:rPr>
+              <a:t>firebaseConfig</a:t>
+            </a:r>
+            <a:r>
+              <a:rPr lang="ko-KR" altLang="en-US" sz="1100" spc="-50">
+                <a:latin typeface="넥슨Lv1고딕 Light" panose="00000300000000000000" pitchFamily="2" charset="-127"/>
+                <a:ea typeface="넥슨Lv1고딕 Light" panose="00000300000000000000" pitchFamily="2" charset="-127"/>
+              </a:rPr>
+              <a:t>부터 </a:t>
+            </a:r>
+            <a:r>
+              <a:rPr lang="en-US" altLang="ko-KR" sz="1100" spc="-50" dirty="0" err="1">
+                <a:latin typeface="넥슨Lv1고딕 Light" panose="00000300000000000000" pitchFamily="2" charset="-127"/>
+                <a:ea typeface="넥슨Lv1고딕 Light" panose="00000300000000000000" pitchFamily="2" charset="-127"/>
+              </a:rPr>
+              <a:t>initializeApp</a:t>
+            </a:r>
+            <a:r>
+              <a:rPr lang="en-US" altLang="ko-KR" sz="1100" spc="-50" dirty="0">
+                <a:latin typeface="넥슨Lv1고딕 Light" panose="00000300000000000000" pitchFamily="2" charset="-127"/>
+                <a:ea typeface="넥슨Lv1고딕 Light" panose="00000300000000000000" pitchFamily="2" charset="-127"/>
+              </a:rPr>
+              <a:t> </a:t>
+            </a:r>
+            <a:r>
+              <a:rPr lang="ko-KR" altLang="en-US" sz="1100" spc="-50">
+                <a:latin typeface="넥슨Lv1고딕 Light" panose="00000300000000000000" pitchFamily="2" charset="-127"/>
+                <a:ea typeface="넥슨Lv1고딕 Light" panose="00000300000000000000" pitchFamily="2" charset="-127"/>
+              </a:rPr>
+              <a:t>부분까지 복사해 메모장에 임시로 붙여 주세요</a:t>
+            </a:r>
+            <a:r>
+              <a:rPr lang="en-US" altLang="ko-KR" sz="1100" spc="-50" dirty="0">
+                <a:latin typeface="넥슨Lv1고딕 Light" panose="00000300000000000000" pitchFamily="2" charset="-127"/>
+                <a:ea typeface="넥슨Lv1고딕 Light" panose="00000300000000000000" pitchFamily="2" charset="-127"/>
+              </a:rPr>
+              <a:t>.</a:t>
+            </a:r>
+          </a:p>
+          <a:p>
+            <a:r>
               <a:rPr lang="ko-KR" altLang="en-US" sz="1100" spc="-50" dirty="0">
                 <a:latin typeface="넥슨Lv1고딕 Light" panose="00000300000000000000" pitchFamily="2" charset="-127"/>
                 <a:ea typeface="넥슨Lv1고딕 Light" panose="00000300000000000000" pitchFamily="2" charset="-127"/>
               </a:rPr>
-              <a:t>여기에 코드 캡쳐에 대한 설명 작성</a:t>
-            </a:r>
-            <a:endParaRPr lang="en-US" altLang="ko-KR" sz="1100" spc="-50" dirty="0">
-              <a:latin typeface="넥슨Lv1고딕 Light" panose="00000300000000000000" pitchFamily="2" charset="-127"/>
-              <a:ea typeface="넥슨Lv1고딕 Light" panose="00000300000000000000" pitchFamily="2" charset="-127"/>
-            </a:endParaRPr>
-          </a:p>
-          <a:p>
-            <a:pPr lvl="0"/>
-            <a:endParaRPr lang="en-US" altLang="ko-KR" sz="1100" spc="-50" dirty="0">
-              <a:solidFill>
-                <a:srgbClr val="FF0000"/>
-              </a:solidFill>
-              <a:latin typeface="넥슨Lv1고딕 Light" panose="00000300000000000000" pitchFamily="2" charset="-127"/>
-              <a:ea typeface="넥슨Lv1고딕 Light" panose="00000300000000000000" pitchFamily="2" charset="-127"/>
-            </a:endParaRPr>
-          </a:p>
-          <a:p>
-            <a:pPr lvl="0"/>
-            <a:r>
-              <a:rPr lang="en-US" altLang="ko-KR" sz="1000" spc="-50" dirty="0">
-                <a:solidFill>
-                  <a:prstClr val="black"/>
-                </a:solidFill>
-                <a:latin typeface="넥슨Lv1고딕 Light" panose="00000300000000000000" pitchFamily="2" charset="-127"/>
-                <a:ea typeface="넥슨Lv1고딕 Light" panose="00000300000000000000" pitchFamily="2" charset="-127"/>
-              </a:rPr>
-              <a:t>[</a:t>
-            </a:r>
-            <a:r>
-              <a:rPr lang="ko-KR" altLang="en-US" sz="1000" spc="-50" dirty="0">
-                <a:solidFill>
-                  <a:prstClr val="black"/>
-                </a:solidFill>
-                <a:latin typeface="넥슨Lv1고딕 Light" panose="00000300000000000000" pitchFamily="2" charset="-127"/>
-                <a:ea typeface="넥슨Lv1고딕 Light" panose="00000300000000000000" pitchFamily="2" charset="-127"/>
-              </a:rPr>
-              <a:t>참고 </a:t>
-            </a:r>
-            <a:r>
-              <a:rPr lang="en-US" altLang="ko-KR" sz="1000" spc="-50" dirty="0">
-                <a:solidFill>
-                  <a:prstClr val="black"/>
-                </a:solidFill>
-                <a:latin typeface="넥슨Lv1고딕 Light" panose="00000300000000000000" pitchFamily="2" charset="-127"/>
-                <a:ea typeface="넥슨Lv1고딕 Light" panose="00000300000000000000" pitchFamily="2" charset="-127"/>
-              </a:rPr>
-              <a:t>URL] </a:t>
-            </a:r>
-            <a:r>
-              <a:rPr lang="en-US" altLang="ko-KR" sz="1000" spc="-50" dirty="0">
-                <a:solidFill>
-                  <a:prstClr val="black"/>
-                </a:solidFill>
-                <a:latin typeface="넥슨Lv1고딕 Light" panose="00000300000000000000" pitchFamily="2" charset="-127"/>
-                <a:ea typeface="넥슨Lv1고딕 Light" panose="00000300000000000000" pitchFamily="2" charset="-127"/>
-                <a:hlinkClick r:id="rId3"/>
-              </a:rPr>
-              <a:t>https://firebase.google.com/docs/web/setup?authuser=0</a:t>
-            </a:r>
-            <a:endParaRPr lang="en-US" altLang="ko-KR" sz="1100" spc="-50" dirty="0">
-              <a:solidFill>
-                <a:prstClr val="black"/>
-              </a:solidFill>
-              <a:latin typeface="넥슨Lv1고딕 Light" panose="00000300000000000000" pitchFamily="2" charset="-127"/>
-              <a:ea typeface="넥슨Lv1고딕 Light" panose="00000300000000000000" pitchFamily="2" charset="-127"/>
-            </a:endParaRPr>
+              <a:t>잠시 저장한 코드는 나중에 </a:t>
+            </a:r>
+            <a:r>
+              <a:rPr lang="en-US" altLang="ko-KR" sz="1100" spc="-50" dirty="0" err="1">
+                <a:latin typeface="넥슨Lv1고딕 Light" panose="00000300000000000000" pitchFamily="2" charset="-127"/>
+                <a:ea typeface="넥슨Lv1고딕 Light" panose="00000300000000000000" pitchFamily="2" charset="-127"/>
+              </a:rPr>
+              <a:t>src</a:t>
+            </a:r>
+            <a:r>
+              <a:rPr lang="en-US" altLang="ko-KR" sz="1100" spc="-50" dirty="0">
+                <a:latin typeface="넥슨Lv1고딕 Light" panose="00000300000000000000" pitchFamily="2" charset="-127"/>
+                <a:ea typeface="넥슨Lv1고딕 Light" panose="00000300000000000000" pitchFamily="2" charset="-127"/>
+              </a:rPr>
+              <a:t>/main.js</a:t>
+            </a:r>
+            <a:r>
+              <a:rPr lang="ko-KR" altLang="en-US" sz="1100" spc="-50">
+                <a:latin typeface="넥슨Lv1고딕 Light" panose="00000300000000000000" pitchFamily="2" charset="-127"/>
+                <a:ea typeface="넥슨Lv1고딕 Light" panose="00000300000000000000" pitchFamily="2" charset="-127"/>
+              </a:rPr>
+              <a:t>에 붙여 넣을 </a:t>
+            </a:r>
+            <a:r>
+              <a:rPr lang="ko-KR" altLang="en-US" sz="1100" spc="-50" dirty="0">
+                <a:latin typeface="넥슨Lv1고딕 Light" panose="00000300000000000000" pitchFamily="2" charset="-127"/>
+                <a:ea typeface="넥슨Lv1고딕 Light" panose="00000300000000000000" pitchFamily="2" charset="-127"/>
+              </a:rPr>
+              <a:t>거예요</a:t>
+            </a:r>
+            <a:r>
+              <a:rPr lang="en-US" altLang="ko-KR" sz="1100" spc="-50" dirty="0">
+                <a:latin typeface="넥슨Lv1고딕 Light" panose="00000300000000000000" pitchFamily="2" charset="-127"/>
+                <a:ea typeface="넥슨Lv1고딕 Light" panose="00000300000000000000" pitchFamily="2" charset="-127"/>
+              </a:rPr>
+              <a:t>.</a:t>
+            </a:r>
           </a:p>
         </p:txBody>
       </p:sp>
@@ -8595,7 +9967,7 @@
     </p:spTree>
     <p:extLst>
       <p:ext uri="{BB962C8B-B14F-4D97-AF65-F5344CB8AC3E}">
-        <p14:creationId xmlns:p14="http://schemas.microsoft.com/office/powerpoint/2010/main" val="1184317916"/>
+        <p14:creationId xmlns:p14="http://schemas.microsoft.com/office/powerpoint/2010/main" val="863795567"/>
       </p:ext>
     </p:extLst>
   </p:cSld>
@@ -8675,10 +10047,10 @@
                 <a:latin typeface="넥슨Lv1고딕 Bold" panose="00000800000000000000" pitchFamily="2" charset="-127"/>
                 <a:ea typeface="넥슨Lv1고딕 Bold" panose="00000800000000000000" pitchFamily="2" charset="-127"/>
               </a:rPr>
-              <a:t>Login </a:t>
-            </a:r>
-            <a:r>
-              <a:rPr lang="ko-KR" altLang="en-US" sz="1200" spc="-50" dirty="0" err="1">
+              <a:t>Firebase Console</a:t>
+            </a:r>
+            <a:r>
+              <a:rPr lang="ko-KR" altLang="en-US" sz="1200" spc="-50" dirty="0">
                 <a:solidFill>
                   <a:schemeClr val="accent1">
                     <a:lumMod val="50000"/>
@@ -8687,55 +10059,7 @@
                 <a:latin typeface="넥슨Lv1고딕 Bold" panose="00000800000000000000" pitchFamily="2" charset="-127"/>
                 <a:ea typeface="넥슨Lv1고딕 Bold" panose="00000800000000000000" pitchFamily="2" charset="-127"/>
               </a:rPr>
-              <a:t>라우트</a:t>
-            </a:r>
-            <a:r>
-              <a:rPr lang="ko-KR" altLang="en-US" sz="1200" spc="-50" dirty="0">
-                <a:solidFill>
-                  <a:schemeClr val="accent1">
-                    <a:lumMod val="50000"/>
-                  </a:schemeClr>
-                </a:solidFill>
-                <a:latin typeface="넥슨Lv1고딕 Bold" panose="00000800000000000000" pitchFamily="2" charset="-127"/>
-                <a:ea typeface="넥슨Lv1고딕 Bold" panose="00000800000000000000" pitchFamily="2" charset="-127"/>
-              </a:rPr>
-              <a:t> 등록하고 </a:t>
-            </a:r>
-            <a:r>
-              <a:rPr lang="en-US" altLang="ko-KR" sz="1200" spc="-50" dirty="0" err="1">
-                <a:solidFill>
-                  <a:schemeClr val="accent1">
-                    <a:lumMod val="50000"/>
-                  </a:schemeClr>
-                </a:solidFill>
-                <a:latin typeface="넥슨Lv1고딕 Bold" panose="00000800000000000000" pitchFamily="2" charset="-127"/>
-                <a:ea typeface="넥슨Lv1고딕 Bold" panose="00000800000000000000" pitchFamily="2" charset="-127"/>
-              </a:rPr>
-              <a:t>Login.vue</a:t>
-            </a:r>
-            <a:r>
-              <a:rPr lang="en-US" altLang="ko-KR" sz="1200" spc="-50" dirty="0">
-                <a:solidFill>
-                  <a:schemeClr val="accent1">
-                    <a:lumMod val="50000"/>
-                  </a:schemeClr>
-                </a:solidFill>
-                <a:latin typeface="넥슨Lv1고딕 Bold" panose="00000800000000000000" pitchFamily="2" charset="-127"/>
-                <a:ea typeface="넥슨Lv1고딕 Bold" panose="00000800000000000000" pitchFamily="2" charset="-127"/>
-              </a:rPr>
-              <a:t> </a:t>
-            </a:r>
-            <a:r>
-              <a:rPr lang="ko-KR" altLang="en-US" sz="1200" spc="-50" dirty="0">
-                <a:solidFill>
-                  <a:schemeClr val="accent1">
-                    <a:lumMod val="50000"/>
-                  </a:schemeClr>
-                </a:solidFill>
-                <a:latin typeface="넥슨Lv1고딕 Bold" panose="00000800000000000000" pitchFamily="2" charset="-127"/>
-                <a:ea typeface="넥슨Lv1고딕 Bold" panose="00000800000000000000" pitchFamily="2" charset="-127"/>
-              </a:rPr>
-              <a:t>파일 생성</a:t>
+              <a:t>에서 로그인 방법 설정</a:t>
             </a:r>
             <a:endParaRPr lang="en-US" altLang="ko-KR" sz="1200" spc="-50" dirty="0">
               <a:solidFill>
@@ -8864,7 +10188,7 @@
               <a:rPr lang="en-US" altLang="ko-KR" dirty="0">
                 <a:ea typeface="넥슨Lv1고딕 Light" panose="00000300000000000000" pitchFamily="2" charset="-127"/>
               </a:rPr>
-              <a:t>5</a:t>
+              <a:t>4</a:t>
             </a:r>
             <a:endParaRPr lang="ko-KR" altLang="en-US" dirty="0">
               <a:ea typeface="넥슨Lv1고딕 Light" panose="00000300000000000000" pitchFamily="2" charset="-127"/>
@@ -8887,7 +10211,7 @@
         <p:spPr>
           <a:xfrm>
             <a:off x="1415845" y="2061361"/>
-            <a:ext cx="6920681" cy="261610"/>
+            <a:ext cx="6920681" cy="430887"/>
           </a:xfrm>
           <a:prstGeom prst="rect">
             <a:avLst/>
@@ -8901,16 +10225,98 @@
           <a:lstStyle/>
           <a:p>
             <a:r>
+              <a:rPr lang="en-US" altLang="ko-KR" sz="1100" spc="-50" dirty="0">
+                <a:latin typeface="넥슨Lv1고딕 Light" panose="00000300000000000000" pitchFamily="2" charset="-127"/>
+                <a:ea typeface="넥슨Lv1고딕 Light" panose="00000300000000000000" pitchFamily="2" charset="-127"/>
+              </a:rPr>
+              <a:t>Firebase Console </a:t>
+            </a:r>
+            <a:r>
+              <a:rPr lang="ko-KR" altLang="en-US" sz="1100" spc="-50">
+                <a:latin typeface="넥슨Lv1고딕 Light" panose="00000300000000000000" pitchFamily="2" charset="-127"/>
+                <a:ea typeface="넥슨Lv1고딕 Light" panose="00000300000000000000" pitchFamily="2" charset="-127"/>
+              </a:rPr>
+              <a:t>좌측 메뉴 중 </a:t>
+            </a:r>
+            <a:r>
+              <a:rPr lang="en-US" altLang="ko-KR" sz="1100" spc="-50" dirty="0">
+                <a:latin typeface="넥슨Lv1고딕 Light" panose="00000300000000000000" pitchFamily="2" charset="-127"/>
+                <a:ea typeface="넥슨Lv1고딕 Light" panose="00000300000000000000" pitchFamily="2" charset="-127"/>
+              </a:rPr>
+              <a:t>Authentication – </a:t>
+            </a:r>
+            <a:r>
+              <a:rPr lang="ko-KR" altLang="en-US" sz="1100" spc="-50">
+                <a:latin typeface="넥슨Lv1고딕 Light" panose="00000300000000000000" pitchFamily="2" charset="-127"/>
+                <a:ea typeface="넥슨Lv1고딕 Light" panose="00000300000000000000" pitchFamily="2" charset="-127"/>
+              </a:rPr>
+              <a:t>로그인 방법 탭에서 사용할 버튼을 선택해 주세요</a:t>
+            </a:r>
+            <a:r>
+              <a:rPr lang="en-US" altLang="ko-KR" sz="1100" spc="-50" dirty="0">
+                <a:latin typeface="넥슨Lv1고딕 Light" panose="00000300000000000000" pitchFamily="2" charset="-127"/>
+                <a:ea typeface="넥슨Lv1고딕 Light" panose="00000300000000000000" pitchFamily="2" charset="-127"/>
+              </a:rPr>
+              <a:t>.</a:t>
+            </a:r>
+          </a:p>
+          <a:p>
+            <a:r>
+              <a:rPr lang="ko-KR" altLang="en-US" sz="1100" spc="-50" dirty="0" err="1">
+                <a:latin typeface="넥슨Lv1고딕 Light" panose="00000300000000000000" pitchFamily="2" charset="-127"/>
+                <a:ea typeface="넥슨Lv1고딕 Light" panose="00000300000000000000" pitchFamily="2" charset="-127"/>
+              </a:rPr>
+              <a:t>튜토리얼에서는</a:t>
+            </a:r>
+            <a:r>
               <a:rPr lang="ko-KR" altLang="en-US" sz="1100" spc="-50" dirty="0">
                 <a:latin typeface="넥슨Lv1고딕 Light" panose="00000300000000000000" pitchFamily="2" charset="-127"/>
                 <a:ea typeface="넥슨Lv1고딕 Light" panose="00000300000000000000" pitchFamily="2" charset="-127"/>
               </a:rPr>
-              <a:t>여기에 코드 캡쳐에 대한 설명 작성</a:t>
-            </a:r>
-            <a:endParaRPr lang="en-US" altLang="ko-KR" sz="1100" spc="-50" dirty="0">
-              <a:latin typeface="넥슨Lv1고딕 Light" panose="00000300000000000000" pitchFamily="2" charset="-127"/>
-              <a:ea typeface="넥슨Lv1고딕 Light" panose="00000300000000000000" pitchFamily="2" charset="-127"/>
-            </a:endParaRPr>
+              <a:t> </a:t>
+            </a:r>
+            <a:r>
+              <a:rPr lang="ko-KR" altLang="en-US" sz="1100" spc="-50" dirty="0" err="1">
+                <a:latin typeface="넥슨Lv1고딕 Light" panose="00000300000000000000" pitchFamily="2" charset="-127"/>
+                <a:ea typeface="넥슨Lv1고딕 Light" panose="00000300000000000000" pitchFamily="2" charset="-127"/>
+              </a:rPr>
+              <a:t>구글</a:t>
+            </a:r>
+            <a:r>
+              <a:rPr lang="en-US" altLang="ko-KR" sz="1100" spc="-50" dirty="0">
+                <a:latin typeface="넥슨Lv1고딕 Light" panose="00000300000000000000" pitchFamily="2" charset="-127"/>
+                <a:ea typeface="넥슨Lv1고딕 Light" panose="00000300000000000000" pitchFamily="2" charset="-127"/>
+              </a:rPr>
+              <a:t>, </a:t>
+            </a:r>
+            <a:r>
+              <a:rPr lang="ko-KR" altLang="en-US" sz="1100" spc="-50">
+                <a:latin typeface="넥슨Lv1고딕 Light" panose="00000300000000000000" pitchFamily="2" charset="-127"/>
+                <a:ea typeface="넥슨Lv1고딕 Light" panose="00000300000000000000" pitchFamily="2" charset="-127"/>
+              </a:rPr>
+              <a:t>페이스북</a:t>
+            </a:r>
+            <a:r>
+              <a:rPr lang="en-US" altLang="ko-KR" sz="1100" spc="-50" dirty="0">
+                <a:latin typeface="넥슨Lv1고딕 Light" panose="00000300000000000000" pitchFamily="2" charset="-127"/>
+                <a:ea typeface="넥슨Lv1고딕 Light" panose="00000300000000000000" pitchFamily="2" charset="-127"/>
+              </a:rPr>
+              <a:t>, </a:t>
+            </a:r>
+            <a:r>
+              <a:rPr lang="ko-KR" altLang="en-US" sz="1100" spc="-50">
+                <a:latin typeface="넥슨Lv1고딕 Light" panose="00000300000000000000" pitchFamily="2" charset="-127"/>
+                <a:ea typeface="넥슨Lv1고딕 Light" panose="00000300000000000000" pitchFamily="2" charset="-127"/>
+              </a:rPr>
+              <a:t>이메일 로그인을 사용하겠습니다</a:t>
+            </a:r>
+            <a:r>
+              <a:rPr lang="en-US" altLang="ko-KR" sz="1100" spc="-50" dirty="0">
+                <a:latin typeface="넥슨Lv1고딕 Light" panose="00000300000000000000" pitchFamily="2" charset="-127"/>
+                <a:ea typeface="넥슨Lv1고딕 Light" panose="00000300000000000000" pitchFamily="2" charset="-127"/>
+              </a:rPr>
+              <a:t>.</a:t>
+            </a:r>
           </a:p>
         </p:txBody>
       </p:sp>
@@ -9009,10 +10415,40 @@
           </a:p>
         </p:txBody>
       </p:sp>
+      <p:pic>
+        <p:nvPicPr>
+          <p:cNvPr id="4" name="그림 3" descr="화면 캡처"/>
+          <p:cNvPicPr>
+            <a:picLocks noChangeAspect="1"/>
+          </p:cNvPicPr>
+          <p:nvPr/>
+        </p:nvPicPr>
+        <p:blipFill>
+          <a:blip r:embed="rId3">
+            <a:extLst>
+              <a:ext uri="{28A0092B-C50C-407E-A947-70E740481C1C}">
+                <a14:useLocalDpi xmlns:a14="http://schemas.microsoft.com/office/drawing/2010/main" val="0"/>
+              </a:ext>
+            </a:extLst>
+          </a:blip>
+          <a:stretch>
+            <a:fillRect/>
+          </a:stretch>
+        </p:blipFill>
+        <p:spPr>
+          <a:xfrm>
+            <a:off x="1517959" y="2592954"/>
+            <a:ext cx="6169979" cy="3257656"/>
+          </a:xfrm>
+          <a:prstGeom prst="rect">
+            <a:avLst/>
+          </a:prstGeom>
+        </p:spPr>
+      </p:pic>
     </p:spTree>
     <p:extLst>
       <p:ext uri="{BB962C8B-B14F-4D97-AF65-F5344CB8AC3E}">
-        <p14:creationId xmlns:p14="http://schemas.microsoft.com/office/powerpoint/2010/main" val="2249024455"/>
+        <p14:creationId xmlns:p14="http://schemas.microsoft.com/office/powerpoint/2010/main" val="1967814877"/>
       </p:ext>
     </p:extLst>
   </p:cSld>
@@ -9083,7 +10519,7 @@
           <a:lstStyle/>
           <a:p>
             <a:r>
-              <a:rPr lang="en-US" altLang="ko-KR" sz="1200" spc="-50" dirty="0" err="1">
+              <a:rPr lang="en-US" altLang="ko-KR" sz="1200" spc="-50" dirty="0">
                 <a:solidFill>
                   <a:schemeClr val="accent1">
                     <a:lumMod val="50000"/>
@@ -9092,10 +10528,10 @@
                 <a:latin typeface="넥슨Lv1고딕 Bold" panose="00000800000000000000" pitchFamily="2" charset="-127"/>
                 <a:ea typeface="넥슨Lv1고딕 Bold" panose="00000800000000000000" pitchFamily="2" charset="-127"/>
               </a:rPr>
-              <a:t>Login.vue</a:t>
-            </a:r>
-            <a:r>
-              <a:rPr lang="en-US" altLang="ko-KR" sz="1200" spc="-50" dirty="0">
+              <a:t>Firebase Console</a:t>
+            </a:r>
+            <a:r>
+              <a:rPr lang="ko-KR" altLang="en-US" sz="1200" spc="-50" dirty="0">
                 <a:solidFill>
                   <a:schemeClr val="accent1">
                     <a:lumMod val="50000"/>
@@ -9104,10 +10540,10 @@
                 <a:latin typeface="넥슨Lv1고딕 Bold" panose="00000800000000000000" pitchFamily="2" charset="-127"/>
                 <a:ea typeface="넥슨Lv1고딕 Bold" panose="00000800000000000000" pitchFamily="2" charset="-127"/>
               </a:rPr>
-              <a:t> </a:t>
-            </a:r>
-            <a:r>
-              <a:rPr lang="ko-KR" altLang="en-US" sz="1200" spc="-50" dirty="0">
+              <a:t>에서 로그인 </a:t>
+            </a:r>
+            <a:r>
+              <a:rPr lang="ko-KR" altLang="en-US" sz="1200" spc="-50">
                 <a:solidFill>
                   <a:schemeClr val="accent1">
                     <a:lumMod val="50000"/>
@@ -9116,10 +10552,10 @@
                 <a:latin typeface="넥슨Lv1고딕 Bold" panose="00000800000000000000" pitchFamily="2" charset="-127"/>
                 <a:ea typeface="넥슨Lv1고딕 Bold" panose="00000800000000000000" pitchFamily="2" charset="-127"/>
               </a:rPr>
-              <a:t>파일에 </a:t>
-            </a:r>
-            <a:r>
-              <a:rPr lang="en-US" altLang="ko-KR" sz="1200" spc="-50" dirty="0" err="1">
+              <a:t>방법 설정</a:t>
+            </a:r>
+            <a:r>
+              <a:rPr lang="en-US" altLang="ko-KR" sz="1200" spc="-50" dirty="0">
                 <a:solidFill>
                   <a:schemeClr val="accent1">
                     <a:lumMod val="50000"/>
@@ -9128,10 +10564,10 @@
                 <a:latin typeface="넥슨Lv1고딕 Bold" panose="00000800000000000000" pitchFamily="2" charset="-127"/>
                 <a:ea typeface="넥슨Lv1고딕 Bold" panose="00000800000000000000" pitchFamily="2" charset="-127"/>
               </a:rPr>
-              <a:t>FirebaseUI</a:t>
-            </a:r>
-            <a:r>
-              <a:rPr lang="en-US" altLang="ko-KR" sz="1200" spc="-50" dirty="0">
+              <a:t>_</a:t>
+            </a:r>
+            <a:r>
+              <a:rPr lang="ko-KR" altLang="en-US" sz="1200" spc="-50">
                 <a:solidFill>
                   <a:schemeClr val="accent1">
                     <a:lumMod val="50000"/>
@@ -9140,19 +10576,7 @@
                 <a:latin typeface="넥슨Lv1고딕 Bold" panose="00000800000000000000" pitchFamily="2" charset="-127"/>
                 <a:ea typeface="넥슨Lv1고딕 Bold" panose="00000800000000000000" pitchFamily="2" charset="-127"/>
               </a:rPr>
-              <a:t> </a:t>
-            </a:r>
-            <a:r>
-              <a:rPr lang="ko-KR" altLang="en-US" sz="1200" spc="-50" dirty="0">
-                <a:solidFill>
-                  <a:schemeClr val="accent1">
-                    <a:lumMod val="50000"/>
-                  </a:schemeClr>
-                </a:solidFill>
-                <a:latin typeface="넥슨Lv1고딕 Bold" panose="00000800000000000000" pitchFamily="2" charset="-127"/>
-                <a:ea typeface="넥슨Lv1고딕 Bold" panose="00000800000000000000" pitchFamily="2" charset="-127"/>
-              </a:rPr>
-              <a:t>인증 코드 구현</a:t>
+              <a:t>이메일</a:t>
             </a:r>
             <a:endParaRPr lang="en-US" altLang="ko-KR" sz="1200" spc="-50" dirty="0">
               <a:solidFill>
@@ -9281,7 +10705,7 @@
               <a:rPr lang="en-US" altLang="ko-KR" dirty="0">
                 <a:ea typeface="넥슨Lv1고딕 Light" panose="00000300000000000000" pitchFamily="2" charset="-127"/>
               </a:rPr>
-              <a:t>6</a:t>
+              <a:t>4</a:t>
             </a:r>
             <a:endParaRPr lang="ko-KR" altLang="en-US" dirty="0">
               <a:ea typeface="넥슨Lv1고딕 Light" panose="00000300000000000000" pitchFamily="2" charset="-127"/>
@@ -9318,16 +10742,33 @@
           <a:lstStyle/>
           <a:p>
             <a:r>
-              <a:rPr lang="ko-KR" altLang="en-US" sz="1100" spc="-50" dirty="0">
-                <a:latin typeface="넥슨Lv1고딕 Light" panose="00000300000000000000" pitchFamily="2" charset="-127"/>
-                <a:ea typeface="넥슨Lv1고딕 Light" panose="00000300000000000000" pitchFamily="2" charset="-127"/>
-              </a:rPr>
-              <a:t>여기에 코드 캡쳐에 대한 설명 작성</a:t>
-            </a:r>
-            <a:endParaRPr lang="en-US" altLang="ko-KR" sz="1100" spc="-50" dirty="0">
-              <a:latin typeface="넥슨Lv1고딕 Light" panose="00000300000000000000" pitchFamily="2" charset="-127"/>
-              <a:ea typeface="넥슨Lv1고딕 Light" panose="00000300000000000000" pitchFamily="2" charset="-127"/>
-            </a:endParaRPr>
+              <a:rPr lang="ko-KR" altLang="en-US" sz="1100" spc="-50" dirty="0" err="1">
+                <a:latin typeface="넥슨Lv1고딕 Light" panose="00000300000000000000" pitchFamily="2" charset="-127"/>
+                <a:ea typeface="넥슨Lv1고딕 Light" panose="00000300000000000000" pitchFamily="2" charset="-127"/>
+              </a:rPr>
+              <a:t>이메일</a:t>
+            </a:r>
+            <a:r>
+              <a:rPr lang="en-US" altLang="ko-KR" sz="1100" spc="-50" dirty="0">
+                <a:latin typeface="넥슨Lv1고딕 Light" panose="00000300000000000000" pitchFamily="2" charset="-127"/>
+                <a:ea typeface="넥슨Lv1고딕 Light" panose="00000300000000000000" pitchFamily="2" charset="-127"/>
+              </a:rPr>
+              <a:t>/</a:t>
+            </a:r>
+            <a:r>
+              <a:rPr lang="ko-KR" altLang="en-US" sz="1100" spc="-50">
+                <a:latin typeface="넥슨Lv1고딕 Light" panose="00000300000000000000" pitchFamily="2" charset="-127"/>
+                <a:ea typeface="넥슨Lv1고딕 Light" panose="00000300000000000000" pitchFamily="2" charset="-127"/>
+              </a:rPr>
+              <a:t>비밀번호 로그인 사용 설정을 해 주세요</a:t>
+            </a:r>
+            <a:r>
+              <a:rPr lang="en-US" altLang="ko-KR" sz="1100" spc="-50" dirty="0">
+                <a:latin typeface="넥슨Lv1고딕 Light" panose="00000300000000000000" pitchFamily="2" charset="-127"/>
+                <a:ea typeface="넥슨Lv1고딕 Light" panose="00000300000000000000" pitchFamily="2" charset="-127"/>
+              </a:rPr>
+              <a:t>.</a:t>
+            </a:r>
           </a:p>
         </p:txBody>
       </p:sp>
@@ -9426,10 +10867,40 @@
           </a:p>
         </p:txBody>
       </p:sp>
+      <p:pic>
+        <p:nvPicPr>
+          <p:cNvPr id="2" name="그림 1" descr="화면 캡처"/>
+          <p:cNvPicPr>
+            <a:picLocks noChangeAspect="1"/>
+          </p:cNvPicPr>
+          <p:nvPr/>
+        </p:nvPicPr>
+        <p:blipFill>
+          <a:blip r:embed="rId3">
+            <a:extLst>
+              <a:ext uri="{28A0092B-C50C-407E-A947-70E740481C1C}">
+                <a14:useLocalDpi xmlns:a14="http://schemas.microsoft.com/office/drawing/2010/main" val="0"/>
+              </a:ext>
+            </a:extLst>
+          </a:blip>
+          <a:stretch>
+            <a:fillRect/>
+          </a:stretch>
+        </p:blipFill>
+        <p:spPr>
+          <a:xfrm>
+            <a:off x="1517959" y="2423677"/>
+            <a:ext cx="4725177" cy="2643849"/>
+          </a:xfrm>
+          <a:prstGeom prst="rect">
+            <a:avLst/>
+          </a:prstGeom>
+        </p:spPr>
+      </p:pic>
     </p:spTree>
     <p:extLst>
       <p:ext uri="{BB962C8B-B14F-4D97-AF65-F5344CB8AC3E}">
-        <p14:creationId xmlns:p14="http://schemas.microsoft.com/office/powerpoint/2010/main" val="361875367"/>
+        <p14:creationId xmlns:p14="http://schemas.microsoft.com/office/powerpoint/2010/main" val="1695200975"/>
       </p:ext>
     </p:extLst>
   </p:cSld>
@@ -9456,6 +10927,36 @@
           <a:chExt cx="0" cy="0"/>
         </a:xfrm>
       </p:grpSpPr>
+      <p:pic>
+        <p:nvPicPr>
+          <p:cNvPr id="4" name="그림 3" descr="화면 캡처"/>
+          <p:cNvPicPr>
+            <a:picLocks noChangeAspect="1"/>
+          </p:cNvPicPr>
+          <p:nvPr/>
+        </p:nvPicPr>
+        <p:blipFill>
+          <a:blip r:embed="rId3">
+            <a:extLst>
+              <a:ext uri="{28A0092B-C50C-407E-A947-70E740481C1C}">
+                <a14:useLocalDpi xmlns:a14="http://schemas.microsoft.com/office/drawing/2010/main" val="0"/>
+              </a:ext>
+            </a:extLst>
+          </a:blip>
+          <a:stretch>
+            <a:fillRect/>
+          </a:stretch>
+        </p:blipFill>
+        <p:spPr>
+          <a:xfrm>
+            <a:off x="1517959" y="2423677"/>
+            <a:ext cx="4725177" cy="3532959"/>
+          </a:xfrm>
+          <a:prstGeom prst="rect">
+            <a:avLst/>
+          </a:prstGeom>
+        </p:spPr>
+      </p:pic>
       <p:sp>
         <p:nvSpPr>
           <p:cNvPr id="7" name="모서리가 둥근 직사각형 6"/>
@@ -9509,7 +11010,7 @@
                 <a:latin typeface="넥슨Lv1고딕 Bold" panose="00000800000000000000" pitchFamily="2" charset="-127"/>
                 <a:ea typeface="넥슨Lv1고딕 Bold" panose="00000800000000000000" pitchFamily="2" charset="-127"/>
               </a:rPr>
-              <a:t>router.js </a:t>
+              <a:t>Firebase Console</a:t>
             </a:r>
             <a:r>
               <a:rPr lang="ko-KR" altLang="en-US" sz="1200" spc="-50" dirty="0">
@@ -9521,7 +11022,43 @@
                 <a:latin typeface="넥슨Lv1고딕 Bold" panose="00000800000000000000" pitchFamily="2" charset="-127"/>
                 <a:ea typeface="넥슨Lv1고딕 Bold" panose="00000800000000000000" pitchFamily="2" charset="-127"/>
               </a:rPr>
-              <a:t>파일에 네비게이션 가드 추가</a:t>
+              <a:t>에서 로그인 </a:t>
+            </a:r>
+            <a:r>
+              <a:rPr lang="ko-KR" altLang="en-US" sz="1200" spc="-50">
+                <a:solidFill>
+                  <a:schemeClr val="accent1">
+                    <a:lumMod val="50000"/>
+                  </a:schemeClr>
+                </a:solidFill>
+                <a:latin typeface="넥슨Lv1고딕 Bold" panose="00000800000000000000" pitchFamily="2" charset="-127"/>
+                <a:ea typeface="넥슨Lv1고딕 Bold" panose="00000800000000000000" pitchFamily="2" charset="-127"/>
+              </a:rPr>
+              <a:t>방법 설정</a:t>
+            </a:r>
+            <a:r>
+              <a:rPr lang="en-US" altLang="ko-KR" sz="1200" spc="-50" dirty="0">
+                <a:solidFill>
+                  <a:schemeClr val="accent1">
+                    <a:lumMod val="50000"/>
+                  </a:schemeClr>
+                </a:solidFill>
+                <a:latin typeface="넥슨Lv1고딕 Bold" panose="00000800000000000000" pitchFamily="2" charset="-127"/>
+                <a:ea typeface="넥슨Lv1고딕 Bold" panose="00000800000000000000" pitchFamily="2" charset="-127"/>
+              </a:rPr>
+              <a:t>_</a:t>
+            </a:r>
+            <a:r>
+              <a:rPr lang="ko-KR" altLang="en-US" sz="1200" spc="-50">
+                <a:solidFill>
+                  <a:schemeClr val="accent1">
+                    <a:lumMod val="50000"/>
+                  </a:schemeClr>
+                </a:solidFill>
+                <a:latin typeface="넥슨Lv1고딕 Bold" panose="00000800000000000000" pitchFamily="2" charset="-127"/>
+                <a:ea typeface="넥슨Lv1고딕 Bold" panose="00000800000000000000" pitchFamily="2" charset="-127"/>
+              </a:rPr>
+              <a:t>구글</a:t>
             </a:r>
             <a:endParaRPr lang="en-US" altLang="ko-KR" sz="1200" spc="-50" dirty="0">
               <a:solidFill>
@@ -9650,7 +11187,7 @@
               <a:rPr lang="en-US" altLang="ko-KR" dirty="0">
                 <a:ea typeface="넥슨Lv1고딕 Light" panose="00000300000000000000" pitchFamily="2" charset="-127"/>
               </a:rPr>
-              <a:t>7</a:t>
+              <a:t>4</a:t>
             </a:r>
             <a:endParaRPr lang="ko-KR" altLang="en-US" dirty="0">
               <a:ea typeface="넥슨Lv1고딕 Light" panose="00000300000000000000" pitchFamily="2" charset="-127"/>
@@ -9687,16 +11224,26 @@
           <a:lstStyle/>
           <a:p>
             <a:r>
+              <a:rPr lang="ko-KR" altLang="en-US" sz="1100" spc="-50" dirty="0" err="1">
+                <a:latin typeface="넥슨Lv1고딕 Light" panose="00000300000000000000" pitchFamily="2" charset="-127"/>
+                <a:ea typeface="넥슨Lv1고딕 Light" panose="00000300000000000000" pitchFamily="2" charset="-127"/>
+              </a:rPr>
+              <a:t>구글</a:t>
+            </a:r>
+            <a:r>
               <a:rPr lang="ko-KR" altLang="en-US" sz="1100" spc="-50" dirty="0">
                 <a:latin typeface="넥슨Lv1고딕 Light" panose="00000300000000000000" pitchFamily="2" charset="-127"/>
                 <a:ea typeface="넥슨Lv1고딕 Light" panose="00000300000000000000" pitchFamily="2" charset="-127"/>
               </a:rPr>
-              <a:t>여기에 코드 캡쳐에 대한 설명 작성</a:t>
-            </a:r>
-            <a:endParaRPr lang="en-US" altLang="ko-KR" sz="1100" spc="-50" dirty="0">
-              <a:latin typeface="넥슨Lv1고딕 Light" panose="00000300000000000000" pitchFamily="2" charset="-127"/>
-              <a:ea typeface="넥슨Lv1고딕 Light" panose="00000300000000000000" pitchFamily="2" charset="-127"/>
-            </a:endParaRPr>
+              <a:t> 로그인 사용 설정을 해 주세요</a:t>
+            </a:r>
+            <a:r>
+              <a:rPr lang="en-US" altLang="ko-KR" sz="1100" spc="-50" dirty="0">
+                <a:latin typeface="넥슨Lv1고딕 Light" panose="00000300000000000000" pitchFamily="2" charset="-127"/>
+                <a:ea typeface="넥슨Lv1고딕 Light" panose="00000300000000000000" pitchFamily="2" charset="-127"/>
+              </a:rPr>
+              <a:t>.</a:t>
+            </a:r>
           </a:p>
         </p:txBody>
       </p:sp>
@@ -9798,7 +11345,7 @@
     </p:spTree>
     <p:extLst>
       <p:ext uri="{BB962C8B-B14F-4D97-AF65-F5344CB8AC3E}">
-        <p14:creationId xmlns:p14="http://schemas.microsoft.com/office/powerpoint/2010/main" val="3344898588"/>
+        <p14:creationId xmlns:p14="http://schemas.microsoft.com/office/powerpoint/2010/main" val="3717685523"/>
       </p:ext>
     </p:extLst>
   </p:cSld>
@@ -9869,7 +11416,7 @@
           <a:lstStyle/>
           <a:p>
             <a:r>
-              <a:rPr lang="ko-KR" altLang="en-US" sz="1200" spc="-50" dirty="0">
+              <a:rPr lang="en-US" altLang="ko-KR" sz="1200" spc="-50" dirty="0">
                 <a:solidFill>
                   <a:schemeClr val="accent1">
                     <a:lumMod val="50000"/>
@@ -9878,7 +11425,55 @@
                 <a:latin typeface="넥슨Lv1고딕 Bold" panose="00000800000000000000" pitchFamily="2" charset="-127"/>
                 <a:ea typeface="넥슨Lv1고딕 Bold" panose="00000800000000000000" pitchFamily="2" charset="-127"/>
               </a:rPr>
-              <a:t>최종 동작 확인</a:t>
+              <a:t>Firebase Console</a:t>
+            </a:r>
+            <a:r>
+              <a:rPr lang="ko-KR" altLang="en-US" sz="1200" spc="-50" dirty="0">
+                <a:solidFill>
+                  <a:schemeClr val="accent1">
+                    <a:lumMod val="50000"/>
+                  </a:schemeClr>
+                </a:solidFill>
+                <a:latin typeface="넥슨Lv1고딕 Bold" panose="00000800000000000000" pitchFamily="2" charset="-127"/>
+                <a:ea typeface="넥슨Lv1고딕 Bold" panose="00000800000000000000" pitchFamily="2" charset="-127"/>
+              </a:rPr>
+              <a:t>에서 로그인 </a:t>
+            </a:r>
+            <a:r>
+              <a:rPr lang="ko-KR" altLang="en-US" sz="1200" spc="-50">
+                <a:solidFill>
+                  <a:schemeClr val="accent1">
+                    <a:lumMod val="50000"/>
+                  </a:schemeClr>
+                </a:solidFill>
+                <a:latin typeface="넥슨Lv1고딕 Bold" panose="00000800000000000000" pitchFamily="2" charset="-127"/>
+                <a:ea typeface="넥슨Lv1고딕 Bold" panose="00000800000000000000" pitchFamily="2" charset="-127"/>
+              </a:rPr>
+              <a:t>방법 설정</a:t>
+            </a:r>
+            <a:r>
+              <a:rPr lang="en-US" altLang="ko-KR" sz="1200" spc="-50" dirty="0">
+                <a:solidFill>
+                  <a:schemeClr val="accent1">
+                    <a:lumMod val="50000"/>
+                  </a:schemeClr>
+                </a:solidFill>
+                <a:latin typeface="넥슨Lv1고딕 Bold" panose="00000800000000000000" pitchFamily="2" charset="-127"/>
+                <a:ea typeface="넥슨Lv1고딕 Bold" panose="00000800000000000000" pitchFamily="2" charset="-127"/>
+              </a:rPr>
+              <a:t>_</a:t>
+            </a:r>
+            <a:r>
+              <a:rPr lang="ko-KR" altLang="en-US" sz="1200" spc="-50">
+                <a:solidFill>
+                  <a:schemeClr val="accent1">
+                    <a:lumMod val="50000"/>
+                  </a:schemeClr>
+                </a:solidFill>
+                <a:latin typeface="넥슨Lv1고딕 Bold" panose="00000800000000000000" pitchFamily="2" charset="-127"/>
+                <a:ea typeface="넥슨Lv1고딕 Bold" panose="00000800000000000000" pitchFamily="2" charset="-127"/>
+              </a:rPr>
+              <a:t>페이스북</a:t>
             </a:r>
             <a:endParaRPr lang="en-US" altLang="ko-KR" sz="1200" spc="-50" dirty="0">
               <a:solidFill>
@@ -10007,7 +11602,7 @@
               <a:rPr lang="en-US" altLang="ko-KR" dirty="0">
                 <a:ea typeface="넥슨Lv1고딕 Light" panose="00000300000000000000" pitchFamily="2" charset="-127"/>
               </a:rPr>
-              <a:t>8</a:t>
+              <a:t>4</a:t>
             </a:r>
             <a:endParaRPr lang="ko-KR" altLang="en-US" dirty="0">
               <a:ea typeface="넥슨Lv1고딕 Light" panose="00000300000000000000" pitchFamily="2" charset="-127"/>
@@ -10030,7 +11625,7 @@
         <p:spPr>
           <a:xfrm>
             <a:off x="1415845" y="2061361"/>
-            <a:ext cx="6920681" cy="261610"/>
+            <a:ext cx="6920681" cy="754053"/>
           </a:xfrm>
           <a:prstGeom prst="rect">
             <a:avLst/>
@@ -10044,13 +11639,163 @@
           <a:lstStyle/>
           <a:p>
             <a:r>
+              <a:rPr lang="en-US" altLang="ko-KR" sz="1100" spc="-50" dirty="0">
+                <a:latin typeface="넥슨Lv1고딕 Light" panose="00000300000000000000" pitchFamily="2" charset="-127"/>
+                <a:ea typeface="넥슨Lv1고딕 Light" panose="00000300000000000000" pitchFamily="2" charset="-127"/>
+              </a:rPr>
+              <a:t>Facebook</a:t>
+            </a:r>
+            <a:r>
+              <a:rPr lang="ko-KR" altLang="en-US" sz="1100" spc="-50">
+                <a:latin typeface="넥슨Lv1고딕 Light" panose="00000300000000000000" pitchFamily="2" charset="-127"/>
+                <a:ea typeface="넥슨Lv1고딕 Light" panose="00000300000000000000" pitchFamily="2" charset="-127"/>
+              </a:rPr>
+              <a:t> </a:t>
+            </a:r>
+            <a:r>
               <a:rPr lang="ko-KR" altLang="en-US" sz="1100" spc="-50" dirty="0">
                 <a:latin typeface="넥슨Lv1고딕 Light" panose="00000300000000000000" pitchFamily="2" charset="-127"/>
                 <a:ea typeface="넥슨Lv1고딕 Light" panose="00000300000000000000" pitchFamily="2" charset="-127"/>
               </a:rPr>
-              <a:t>여기에 코드 캡쳐에 대한 설명 작성</a:t>
-            </a:r>
+              <a:t>로그인 </a:t>
+            </a:r>
+            <a:r>
+              <a:rPr lang="ko-KR" altLang="en-US" sz="1100" spc="-50">
+                <a:latin typeface="넥슨Lv1고딕 Light" panose="00000300000000000000" pitchFamily="2" charset="-127"/>
+                <a:ea typeface="넥슨Lv1고딕 Light" panose="00000300000000000000" pitchFamily="2" charset="-127"/>
+              </a:rPr>
+              <a:t>사용 설정을 하려면 앱 </a:t>
+            </a:r>
+            <a:r>
+              <a:rPr lang="en-US" altLang="ko-KR" sz="1100" spc="-50" dirty="0">
+                <a:latin typeface="넥슨Lv1고딕 Light" panose="00000300000000000000" pitchFamily="2" charset="-127"/>
+                <a:ea typeface="넥슨Lv1고딕 Light" panose="00000300000000000000" pitchFamily="2" charset="-127"/>
+              </a:rPr>
+              <a:t>ID</a:t>
+            </a:r>
+            <a:r>
+              <a:rPr lang="ko-KR" altLang="en-US" sz="1100" spc="-50">
+                <a:latin typeface="넥슨Lv1고딕 Light" panose="00000300000000000000" pitchFamily="2" charset="-127"/>
+                <a:ea typeface="넥슨Lv1고딕 Light" panose="00000300000000000000" pitchFamily="2" charset="-127"/>
+              </a:rPr>
+              <a:t>와 앱 비밀번호가 필요합니다</a:t>
+            </a:r>
+            <a:r>
+              <a:rPr lang="en-US" altLang="ko-KR" sz="1100" spc="-50" dirty="0">
+                <a:latin typeface="넥슨Lv1고딕 Light" panose="00000300000000000000" pitchFamily="2" charset="-127"/>
+                <a:ea typeface="넥슨Lv1고딕 Light" panose="00000300000000000000" pitchFamily="2" charset="-127"/>
+              </a:rPr>
+              <a:t>.</a:t>
+            </a:r>
+          </a:p>
+          <a:p>
+            <a:r>
+              <a:rPr lang="en-US" altLang="ko-KR" sz="1100" spc="-50" dirty="0">
+                <a:latin typeface="넥슨Lv1고딕 Light" panose="00000300000000000000" pitchFamily="2" charset="-127"/>
+                <a:ea typeface="넥슨Lv1고딕 Light" panose="00000300000000000000" pitchFamily="2" charset="-127"/>
+              </a:rPr>
+              <a:t>Facebook for Developers </a:t>
+            </a:r>
+            <a:r>
+              <a:rPr lang="ko-KR" altLang="en-US" sz="1100" spc="-50">
+                <a:latin typeface="넥슨Lv1고딕 Light" panose="00000300000000000000" pitchFamily="2" charset="-127"/>
+                <a:ea typeface="넥슨Lv1고딕 Light" panose="00000300000000000000" pitchFamily="2" charset="-127"/>
+              </a:rPr>
+              <a:t>사이트에서 내 앱을 만든 후</a:t>
+            </a:r>
+            <a:r>
+              <a:rPr lang="en-US" altLang="ko-KR" sz="1100" spc="-50" dirty="0">
+                <a:latin typeface="넥슨Lv1고딕 Light" panose="00000300000000000000" pitchFamily="2" charset="-127"/>
+                <a:ea typeface="넥슨Lv1고딕 Light" panose="00000300000000000000" pitchFamily="2" charset="-127"/>
+              </a:rPr>
+              <a:t> </a:t>
+            </a:r>
+            <a:r>
+              <a:rPr lang="ko-KR" altLang="en-US" sz="1100" spc="-50">
+                <a:latin typeface="넥슨Lv1고딕 Light" panose="00000300000000000000" pitchFamily="2" charset="-127"/>
+                <a:ea typeface="넥슨Lv1고딕 Light" panose="00000300000000000000" pitchFamily="2" charset="-127"/>
+              </a:rPr>
+              <a:t>생성된 앱 </a:t>
+            </a:r>
+            <a:r>
+              <a:rPr lang="en-US" altLang="ko-KR" sz="1100" spc="-50" dirty="0">
+                <a:latin typeface="넥슨Lv1고딕 Light" panose="00000300000000000000" pitchFamily="2" charset="-127"/>
+                <a:ea typeface="넥슨Lv1고딕 Light" panose="00000300000000000000" pitchFamily="2" charset="-127"/>
+              </a:rPr>
+              <a:t>ID</a:t>
+            </a:r>
+            <a:r>
+              <a:rPr lang="ko-KR" altLang="en-US" sz="1100" spc="-50">
+                <a:latin typeface="넥슨Lv1고딕 Light" panose="00000300000000000000" pitchFamily="2" charset="-127"/>
+                <a:ea typeface="넥슨Lv1고딕 Light" panose="00000300000000000000" pitchFamily="2" charset="-127"/>
+              </a:rPr>
+              <a:t>와 앱 비밀번호를 붙여 넣어야 해요</a:t>
+            </a:r>
+            <a:r>
+              <a:rPr lang="en-US" altLang="ko-KR" sz="1100" spc="-50" dirty="0">
+                <a:latin typeface="넥슨Lv1고딕 Light" panose="00000300000000000000" pitchFamily="2" charset="-127"/>
+                <a:ea typeface="넥슨Lv1고딕 Light" panose="00000300000000000000" pitchFamily="2" charset="-127"/>
+              </a:rPr>
+              <a:t>.</a:t>
+            </a:r>
+          </a:p>
+          <a:p>
+            <a:pPr lvl="0"/>
             <a:endParaRPr lang="en-US" altLang="ko-KR" sz="1100" spc="-50" dirty="0">
+              <a:solidFill>
+                <a:srgbClr val="FF0000"/>
+              </a:solidFill>
+              <a:latin typeface="넥슨Lv1고딕 Light" panose="00000300000000000000" pitchFamily="2" charset="-127"/>
+              <a:ea typeface="넥슨Lv1고딕 Light" panose="00000300000000000000" pitchFamily="2" charset="-127"/>
+            </a:endParaRPr>
+          </a:p>
+          <a:p>
+            <a:pPr lvl="0"/>
+            <a:r>
+              <a:rPr lang="en-US" altLang="ko-KR" sz="1000" spc="-50" dirty="0">
+                <a:solidFill>
+                  <a:prstClr val="black"/>
+                </a:solidFill>
+                <a:latin typeface="넥슨Lv1고딕 Light" panose="00000300000000000000" pitchFamily="2" charset="-127"/>
+                <a:ea typeface="넥슨Lv1고딕 Light" panose="00000300000000000000" pitchFamily="2" charset="-127"/>
+              </a:rPr>
+              <a:t>[</a:t>
+            </a:r>
+            <a:r>
+              <a:rPr lang="ko-KR" altLang="en-US" sz="1000" spc="-50">
+                <a:solidFill>
+                  <a:prstClr val="black"/>
+                </a:solidFill>
+                <a:latin typeface="넥슨Lv1고딕 Light" panose="00000300000000000000" pitchFamily="2" charset="-127"/>
+                <a:ea typeface="넥슨Lv1고딕 Light" panose="00000300000000000000" pitchFamily="2" charset="-127"/>
+              </a:rPr>
+              <a:t>참고 </a:t>
+            </a:r>
+            <a:r>
+              <a:rPr lang="en-US" altLang="ko-KR" sz="1000" spc="-50" dirty="0">
+                <a:solidFill>
+                  <a:prstClr val="black"/>
+                </a:solidFill>
+                <a:latin typeface="넥슨Lv1고딕 Light" panose="00000300000000000000" pitchFamily="2" charset="-127"/>
+                <a:ea typeface="넥슨Lv1고딕 Light" panose="00000300000000000000" pitchFamily="2" charset="-127"/>
+              </a:rPr>
+              <a:t>URL] </a:t>
+            </a:r>
+            <a:r>
+              <a:rPr lang="en-US" altLang="ko-KR" sz="1000" spc="-50" dirty="0">
+                <a:solidFill>
+                  <a:prstClr val="black"/>
+                </a:solidFill>
+                <a:latin typeface="넥슨Lv1고딕 Light" panose="00000300000000000000" pitchFamily="2" charset="-127"/>
+                <a:ea typeface="넥슨Lv1고딕 Light" panose="00000300000000000000" pitchFamily="2" charset="-127"/>
+                <a:hlinkClick r:id="rId3"/>
+              </a:rPr>
+              <a:t>https://developers.facebook.com/</a:t>
+            </a:r>
+            <a:endParaRPr lang="en-US" altLang="ko-KR" sz="1100" spc="-50" dirty="0">
+              <a:solidFill>
+                <a:prstClr val="black"/>
+              </a:solidFill>
               <a:latin typeface="넥슨Lv1고딕 Light" panose="00000300000000000000" pitchFamily="2" charset="-127"/>
               <a:ea typeface="넥슨Lv1고딕 Light" panose="00000300000000000000" pitchFamily="2" charset="-127"/>
             </a:endParaRPr>
@@ -10152,10 +11897,40 @@
           </a:p>
         </p:txBody>
       </p:sp>
+      <p:pic>
+        <p:nvPicPr>
+          <p:cNvPr id="2" name="그림 1" descr="화면 캡처"/>
+          <p:cNvPicPr>
+            <a:picLocks noChangeAspect="1"/>
+          </p:cNvPicPr>
+          <p:nvPr/>
+        </p:nvPicPr>
+        <p:blipFill>
+          <a:blip r:embed="rId4">
+            <a:extLst>
+              <a:ext uri="{28A0092B-C50C-407E-A947-70E740481C1C}">
+                <a14:useLocalDpi xmlns:a14="http://schemas.microsoft.com/office/drawing/2010/main" val="0"/>
+              </a:ext>
+            </a:extLst>
+          </a:blip>
+          <a:stretch>
+            <a:fillRect/>
+          </a:stretch>
+        </p:blipFill>
+        <p:spPr>
+          <a:xfrm>
+            <a:off x="1517959" y="2895172"/>
+            <a:ext cx="5084319" cy="3409562"/>
+          </a:xfrm>
+          <a:prstGeom prst="rect">
+            <a:avLst/>
+          </a:prstGeom>
+        </p:spPr>
+      </p:pic>
     </p:spTree>
     <p:extLst>
       <p:ext uri="{BB962C8B-B14F-4D97-AF65-F5344CB8AC3E}">
-        <p14:creationId xmlns:p14="http://schemas.microsoft.com/office/powerpoint/2010/main" val="3984440953"/>
+        <p14:creationId xmlns:p14="http://schemas.microsoft.com/office/powerpoint/2010/main" val="1682194005"/>
       </p:ext>
     </p:extLst>
   </p:cSld>
@@ -11656,20 +13431,22 @@
       </p:grpSpPr>
       <p:sp>
         <p:nvSpPr>
-          <p:cNvPr id="2" name="직사각형 1"/>
+          <p:cNvPr id="7" name="모서리가 둥근 직사각형 6"/>
           <p:cNvSpPr/>
           <p:nvPr/>
         </p:nvSpPr>
         <p:spPr>
           <a:xfrm>
-            <a:off x="0" y="220266"/>
-            <a:ext cx="9144000" cy="6099418"/>
+            <a:off x="1109817" y="1610380"/>
+            <a:ext cx="3872888" cy="350275"/>
           </a:xfrm>
-          <a:prstGeom prst="rect">
+          <a:prstGeom prst="roundRect">
             <a:avLst/>
           </a:prstGeom>
           <a:solidFill>
-            <a:srgbClr val="FBFBFB"/>
+            <a:schemeClr val="bg1">
+              <a:lumMod val="95000"/>
+            </a:schemeClr>
           </a:solidFill>
           <a:ln>
             <a:noFill/>
@@ -11692,20 +13469,210 @@
           </a:fontRef>
         </p:style>
         <p:txBody>
-          <a:bodyPr rtlCol="0" anchor="ctr"/>
-          <a:lstStyle/>
-          <a:p>
-            <a:pPr algn="ctr"/>
-            <a:endParaRPr lang="ko-KR" altLang="en-US"/>
-          </a:p>
-        </p:txBody>
-      </p:sp>
-      <p:sp>
-        <p:nvSpPr>
-          <p:cNvPr id="7" name="TextBox 6">
+          <a:bodyPr lIns="360000" rtlCol="0" anchor="ctr"/>
+          <a:lstStyle/>
+          <a:p>
+            <a:r>
+              <a:rPr lang="en-US" altLang="ko-KR" sz="1200" spc="-50" dirty="0">
+                <a:solidFill>
+                  <a:schemeClr val="accent1">
+                    <a:lumMod val="50000"/>
+                  </a:schemeClr>
+                </a:solidFill>
+                <a:latin typeface="넥슨Lv1고딕 Bold" panose="00000800000000000000" pitchFamily="2" charset="-127"/>
+                <a:ea typeface="넥슨Lv1고딕 Bold" panose="00000800000000000000" pitchFamily="2" charset="-127"/>
+              </a:rPr>
+              <a:t>Firebase Console</a:t>
+            </a:r>
+            <a:r>
+              <a:rPr lang="ko-KR" altLang="en-US" sz="1200" spc="-50" dirty="0">
+                <a:solidFill>
+                  <a:schemeClr val="accent1">
+                    <a:lumMod val="50000"/>
+                  </a:schemeClr>
+                </a:solidFill>
+                <a:latin typeface="넥슨Lv1고딕 Bold" panose="00000800000000000000" pitchFamily="2" charset="-127"/>
+                <a:ea typeface="넥슨Lv1고딕 Bold" panose="00000800000000000000" pitchFamily="2" charset="-127"/>
+              </a:rPr>
+              <a:t>에서 로그인 </a:t>
+            </a:r>
+            <a:r>
+              <a:rPr lang="ko-KR" altLang="en-US" sz="1200" spc="-50">
+                <a:solidFill>
+                  <a:schemeClr val="accent1">
+                    <a:lumMod val="50000"/>
+                  </a:schemeClr>
+                </a:solidFill>
+                <a:latin typeface="넥슨Lv1고딕 Bold" panose="00000800000000000000" pitchFamily="2" charset="-127"/>
+                <a:ea typeface="넥슨Lv1고딕 Bold" panose="00000800000000000000" pitchFamily="2" charset="-127"/>
+              </a:rPr>
+              <a:t>방법 설정</a:t>
+            </a:r>
+            <a:r>
+              <a:rPr lang="en-US" altLang="ko-KR" sz="1200" spc="-50" dirty="0">
+                <a:solidFill>
+                  <a:schemeClr val="accent1">
+                    <a:lumMod val="50000"/>
+                  </a:schemeClr>
+                </a:solidFill>
+                <a:latin typeface="넥슨Lv1고딕 Bold" panose="00000800000000000000" pitchFamily="2" charset="-127"/>
+                <a:ea typeface="넥슨Lv1고딕 Bold" panose="00000800000000000000" pitchFamily="2" charset="-127"/>
+              </a:rPr>
+              <a:t>_</a:t>
+            </a:r>
+            <a:r>
+              <a:rPr lang="ko-KR" altLang="en-US" sz="1200" spc="-50">
+                <a:solidFill>
+                  <a:schemeClr val="accent1">
+                    <a:lumMod val="50000"/>
+                  </a:schemeClr>
+                </a:solidFill>
+                <a:latin typeface="넥슨Lv1고딕 Bold" panose="00000800000000000000" pitchFamily="2" charset="-127"/>
+                <a:ea typeface="넥슨Lv1고딕 Bold" panose="00000800000000000000" pitchFamily="2" charset="-127"/>
+              </a:rPr>
+              <a:t>페이스북</a:t>
+            </a:r>
+            <a:endParaRPr lang="en-US" altLang="ko-KR" sz="1200" spc="-50" dirty="0">
+              <a:solidFill>
+                <a:schemeClr val="accent1">
+                  <a:lumMod val="50000"/>
+                </a:schemeClr>
+              </a:solidFill>
+              <a:latin typeface="넥슨Lv1고딕 Bold" panose="00000800000000000000" pitchFamily="2" charset="-127"/>
+              <a:ea typeface="넥슨Lv1고딕 Bold" panose="00000800000000000000" pitchFamily="2" charset="-127"/>
+            </a:endParaRPr>
+          </a:p>
+        </p:txBody>
+      </p:sp>
+      <p:cxnSp>
+        <p:nvCxnSpPr>
+          <p:cNvPr id="13" name="직선 연결선 12"/>
+          <p:cNvCxnSpPr/>
+          <p:nvPr/>
+        </p:nvCxnSpPr>
+        <p:spPr>
+          <a:xfrm>
+            <a:off x="689488" y="1238865"/>
+            <a:ext cx="7647038" cy="0"/>
+          </a:xfrm>
+          <a:prstGeom prst="line">
+            <a:avLst/>
+          </a:prstGeom>
+          <a:ln>
+            <a:solidFill>
+              <a:schemeClr val="bg1">
+                <a:lumMod val="85000"/>
+              </a:schemeClr>
+            </a:solidFill>
+          </a:ln>
+        </p:spPr>
+        <p:style>
+          <a:lnRef idx="1">
+            <a:schemeClr val="accent1"/>
+          </a:lnRef>
+          <a:fillRef idx="0">
+            <a:schemeClr val="accent1"/>
+          </a:fillRef>
+          <a:effectRef idx="0">
+            <a:schemeClr val="accent1"/>
+          </a:effectRef>
+          <a:fontRef idx="minor">
+            <a:schemeClr val="tx1"/>
+          </a:fontRef>
+        </p:style>
+      </p:cxnSp>
+      <p:sp>
+        <p:nvSpPr>
+          <p:cNvPr id="3" name="슬라이드 번호 개체 틀 2"/>
+          <p:cNvSpPr>
+            <a:spLocks noGrp="1"/>
+          </p:cNvSpPr>
+          <p:nvPr>
+            <p:ph type="sldNum" sz="quarter" idx="12"/>
+          </p:nvPr>
+        </p:nvSpPr>
+        <p:spPr/>
+        <p:txBody>
+          <a:bodyPr/>
+          <a:lstStyle/>
+          <a:p>
+            <a:fld id="{8D0AD3C7-B26A-41BF-81F8-CAF4A9564849}" type="slidenum">
+              <a:rPr lang="ko-KR" altLang="en-US" smtClean="0"/>
+              <a:pPr/>
+              <a:t>19</a:t>
+            </a:fld>
+            <a:endParaRPr lang="ko-KR" altLang="en-US" dirty="0"/>
+          </a:p>
+        </p:txBody>
+      </p:sp>
+      <p:sp>
+        <p:nvSpPr>
+          <p:cNvPr id="9" name="타원 8">
             <a:extLst>
               <a:ext uri="{FF2B5EF4-FFF2-40B4-BE49-F238E27FC236}">
-                <a16:creationId xmlns:a16="http://schemas.microsoft.com/office/drawing/2014/main" id="{CFFDF735-62F4-42D8-9EE1-93610BFD171F}"/>
+                <a16:creationId xmlns:a16="http://schemas.microsoft.com/office/drawing/2014/main" id="{731CCCE5-901D-432C-BEAC-F936CBC6BB25}"/>
+              </a:ext>
+            </a:extLst>
+          </p:cNvPr>
+          <p:cNvSpPr/>
+          <p:nvPr/>
+        </p:nvSpPr>
+        <p:spPr>
+          <a:xfrm>
+            <a:off x="877529" y="1588501"/>
+            <a:ext cx="412955" cy="412955"/>
+          </a:xfrm>
+          <a:prstGeom prst="ellipse">
+            <a:avLst/>
+          </a:prstGeom>
+          <a:solidFill>
+            <a:srgbClr val="298DBF"/>
+          </a:solidFill>
+          <a:ln w="57150">
+            <a:solidFill>
+              <a:schemeClr val="bg1"/>
+            </a:solidFill>
+          </a:ln>
+        </p:spPr>
+        <p:style>
+          <a:lnRef idx="2">
+            <a:schemeClr val="accent1">
+              <a:shade val="50000"/>
+            </a:schemeClr>
+          </a:lnRef>
+          <a:fillRef idx="1">
+            <a:schemeClr val="accent1"/>
+          </a:fillRef>
+          <a:effectRef idx="0">
+            <a:schemeClr val="accent1"/>
+          </a:effectRef>
+          <a:fontRef idx="minor">
+            <a:schemeClr val="lt1"/>
+          </a:fontRef>
+        </p:style>
+        <p:txBody>
+          <a:bodyPr rtlCol="0" anchor="ctr"/>
+          <a:lstStyle/>
+          <a:p>
+            <a:pPr algn="ctr"/>
+            <a:r>
+              <a:rPr lang="en-US" altLang="ko-KR" dirty="0">
+                <a:ea typeface="넥슨Lv1고딕 Light" panose="00000300000000000000" pitchFamily="2" charset="-127"/>
+              </a:rPr>
+              <a:t>4</a:t>
+            </a:r>
+            <a:endParaRPr lang="ko-KR" altLang="en-US" dirty="0">
+              <a:ea typeface="넥슨Lv1고딕 Light" panose="00000300000000000000" pitchFamily="2" charset="-127"/>
+            </a:endParaRPr>
+          </a:p>
+        </p:txBody>
+      </p:sp>
+      <p:sp>
+        <p:nvSpPr>
+          <p:cNvPr id="12" name="TextBox 11">
+            <a:extLst>
+              <a:ext uri="{FF2B5EF4-FFF2-40B4-BE49-F238E27FC236}">
+                <a16:creationId xmlns:a16="http://schemas.microsoft.com/office/drawing/2014/main" id="{9F12D4E5-B109-4B80-B716-4AECBE0D5D67}"/>
               </a:ext>
             </a:extLst>
           </p:cNvPr>
@@ -11714,8 +13681,8 @@
         </p:nvSpPr>
         <p:spPr>
           <a:xfrm>
-            <a:off x="763491" y="1791106"/>
-            <a:ext cx="2005136" cy="553998"/>
+            <a:off x="1415845" y="2061361"/>
+            <a:ext cx="6920681" cy="261610"/>
           </a:xfrm>
           <a:prstGeom prst="rect">
             <a:avLst/>
@@ -11729,104 +13696,540 @@
           <a:lstStyle/>
           <a:p>
             <a:r>
-              <a:rPr lang="en-US" altLang="ko-KR" sz="1000" dirty="0">
-                <a:latin typeface="넥슨Lv1고딕 Bold" panose="00000800000000000000" pitchFamily="2" charset="-127"/>
-                <a:ea typeface="넥슨Lv1고딕 Bold" panose="00000800000000000000" pitchFamily="2" charset="-127"/>
-              </a:rPr>
-              <a:t>[Version]</a:t>
-            </a:r>
-          </a:p>
-          <a:p>
-            <a:r>
-              <a:rPr lang="en-US" altLang="ko-KR" sz="1000" dirty="0">
-                <a:latin typeface="넥슨Lv1고딕 Light" panose="00000300000000000000" pitchFamily="2" charset="-127"/>
-                <a:ea typeface="넥슨Lv1고딕 Light" panose="00000300000000000000" pitchFamily="2" charset="-127"/>
-              </a:rPr>
-              <a:t>2019-11-25	v0.1</a:t>
-            </a:r>
-          </a:p>
-          <a:p>
-            <a:endParaRPr lang="en-US" altLang="ko-KR" sz="1000" dirty="0">
-              <a:latin typeface="넥슨Lv1고딕 Light" panose="00000300000000000000" pitchFamily="2" charset="-127"/>
-              <a:ea typeface="넥슨Lv1고딕 Light" panose="00000300000000000000" pitchFamily="2" charset="-127"/>
+              <a:rPr lang="en-US" altLang="ko-KR" sz="1100" spc="-50" dirty="0">
+                <a:latin typeface="넥슨Lv1고딕 Light" panose="00000300000000000000" pitchFamily="2" charset="-127"/>
+                <a:ea typeface="넥슨Lv1고딕 Light" panose="00000300000000000000" pitchFamily="2" charset="-127"/>
+              </a:rPr>
+              <a:t>Facebook for Developers </a:t>
+            </a:r>
+            <a:r>
+              <a:rPr lang="ko-KR" altLang="en-US" sz="1100" spc="-50">
+                <a:latin typeface="넥슨Lv1고딕 Light" panose="00000300000000000000" pitchFamily="2" charset="-127"/>
+                <a:ea typeface="넥슨Lv1고딕 Light" panose="00000300000000000000" pitchFamily="2" charset="-127"/>
+              </a:rPr>
+              <a:t>사이트에 로그인하고 상단 내 앱 </a:t>
+            </a:r>
+            <a:r>
+              <a:rPr lang="en-US" altLang="ko-KR" sz="1100" spc="-50" dirty="0">
+                <a:latin typeface="넥슨Lv1고딕 Light" panose="00000300000000000000" pitchFamily="2" charset="-127"/>
+                <a:ea typeface="넥슨Lv1고딕 Light" panose="00000300000000000000" pitchFamily="2" charset="-127"/>
+              </a:rPr>
+              <a:t>– </a:t>
+            </a:r>
+            <a:r>
+              <a:rPr lang="ko-KR" altLang="en-US" sz="1100" spc="-50">
+                <a:latin typeface="넥슨Lv1고딕 Light" panose="00000300000000000000" pitchFamily="2" charset="-127"/>
+                <a:ea typeface="넥슨Lv1고딕 Light" panose="00000300000000000000" pitchFamily="2" charset="-127"/>
+              </a:rPr>
+              <a:t>앱 만들기를 클릭</a:t>
+            </a:r>
+            <a:r>
+              <a:rPr lang="en-US" altLang="ko-KR" sz="1100" spc="-50" dirty="0">
+                <a:latin typeface="넥슨Lv1고딕 Light" panose="00000300000000000000" pitchFamily="2" charset="-127"/>
+                <a:ea typeface="넥슨Lv1고딕 Light" panose="00000300000000000000" pitchFamily="2" charset="-127"/>
+              </a:rPr>
+              <a:t>, </a:t>
+            </a:r>
+            <a:r>
+              <a:rPr lang="ko-KR" altLang="en-US" sz="1100" spc="-50">
+                <a:latin typeface="넥슨Lv1고딕 Light" panose="00000300000000000000" pitchFamily="2" charset="-127"/>
+                <a:ea typeface="넥슨Lv1고딕 Light" panose="00000300000000000000" pitchFamily="2" charset="-127"/>
+              </a:rPr>
+              <a:t>새 앱 </a:t>
+            </a:r>
+            <a:r>
+              <a:rPr lang="en-US" altLang="ko-KR" sz="1100" spc="-50" dirty="0">
+                <a:latin typeface="넥슨Lv1고딕 Light" panose="00000300000000000000" pitchFamily="2" charset="-127"/>
+                <a:ea typeface="넥슨Lv1고딕 Light" panose="00000300000000000000" pitchFamily="2" charset="-127"/>
+              </a:rPr>
+              <a:t>ID</a:t>
+            </a:r>
+            <a:r>
+              <a:rPr lang="ko-KR" altLang="en-US" sz="1100" spc="-50">
+                <a:latin typeface="넥슨Lv1고딕 Light" panose="00000300000000000000" pitchFamily="2" charset="-127"/>
+                <a:ea typeface="넥슨Lv1고딕 Light" panose="00000300000000000000" pitchFamily="2" charset="-127"/>
+              </a:rPr>
+              <a:t>를 생성합니다</a:t>
+            </a:r>
+            <a:r>
+              <a:rPr lang="en-US" altLang="ko-KR" sz="1100" spc="-50" dirty="0">
+                <a:latin typeface="넥슨Lv1고딕 Light" panose="00000300000000000000" pitchFamily="2" charset="-127"/>
+                <a:ea typeface="넥슨Lv1고딕 Light" panose="00000300000000000000" pitchFamily="2" charset="-127"/>
+              </a:rPr>
+              <a:t>.</a:t>
+            </a:r>
+          </a:p>
+        </p:txBody>
+      </p:sp>
+      <p:sp>
+        <p:nvSpPr>
+          <p:cNvPr id="10" name="제목 3">
+            <a:extLst>
+              <a:ext uri="{FF2B5EF4-FFF2-40B4-BE49-F238E27FC236}">
+                <a16:creationId xmlns:a16="http://schemas.microsoft.com/office/drawing/2014/main" id="{7994DE8C-0858-4685-B074-BAD5A1FFB78D}"/>
+              </a:ext>
+            </a:extLst>
+          </p:cNvPr>
+          <p:cNvSpPr>
+            <a:spLocks noGrp="1"/>
+          </p:cNvSpPr>
+          <p:nvPr>
+            <p:ph type="title"/>
+          </p:nvPr>
+        </p:nvSpPr>
+        <p:spPr>
+          <a:xfrm>
+            <a:off x="628650" y="551713"/>
+            <a:ext cx="7886700" cy="721790"/>
+          </a:xfrm>
+        </p:spPr>
+        <p:txBody>
+          <a:bodyPr>
+            <a:normAutofit/>
+          </a:bodyPr>
+          <a:lstStyle/>
+          <a:p>
+            <a:pPr>
+              <a:lnSpc>
+                <a:spcPct val="110000"/>
+              </a:lnSpc>
+            </a:pPr>
+            <a:r>
+              <a:rPr lang="en-US" altLang="ko-KR" sz="1000" dirty="0" err="1">
+                <a:latin typeface="넥슨Lv1고딕 Light" panose="00000300000000000000" pitchFamily="2" charset="-127"/>
+                <a:ea typeface="넥슨Lv1고딕 Light" panose="00000300000000000000" pitchFamily="2" charset="-127"/>
+              </a:rPr>
+              <a:t>FirebaseUI</a:t>
+            </a:r>
+            <a:r>
+              <a:rPr lang="ko-KR" altLang="en-US" sz="1000" dirty="0">
+                <a:latin typeface="넥슨Lv1고딕 Light" panose="00000300000000000000" pitchFamily="2" charset="-127"/>
+                <a:ea typeface="넥슨Lv1고딕 Light" panose="00000300000000000000" pitchFamily="2" charset="-127"/>
+              </a:rPr>
+              <a:t>를 이용한</a:t>
+            </a:r>
+            <a:br>
+              <a:rPr lang="en-US" altLang="ko-KR" sz="1800" dirty="0">
+                <a:latin typeface="넥슨Lv1고딕 Bold" panose="00000800000000000000" pitchFamily="2" charset="-127"/>
+                <a:ea typeface="넥슨Lv1고딕 Bold" panose="00000800000000000000" pitchFamily="2" charset="-127"/>
+              </a:rPr>
+            </a:br>
+            <a:r>
+              <a:rPr lang="ko-KR" altLang="en-US" sz="1800" b="1" dirty="0">
+                <a:latin typeface="넥슨Lv1고딕 Bold" panose="00000800000000000000" pitchFamily="2" charset="-127"/>
+                <a:ea typeface="넥슨Lv1고딕 Bold" panose="00000800000000000000" pitchFamily="2" charset="-127"/>
+              </a:rPr>
+              <a:t>구글</a:t>
+            </a:r>
+            <a:r>
+              <a:rPr lang="en-US" altLang="ko-KR" sz="1800" b="1" dirty="0">
+                <a:latin typeface="넥슨Lv1고딕 Bold" panose="00000800000000000000" pitchFamily="2" charset="-127"/>
+                <a:ea typeface="넥슨Lv1고딕 Bold" panose="00000800000000000000" pitchFamily="2" charset="-127"/>
+              </a:rPr>
+              <a:t>, </a:t>
+            </a:r>
+            <a:r>
+              <a:rPr lang="ko-KR" altLang="en-US" sz="1800" b="1" dirty="0">
+                <a:latin typeface="넥슨Lv1고딕 Bold" panose="00000800000000000000" pitchFamily="2" charset="-127"/>
+                <a:ea typeface="넥슨Lv1고딕 Bold" panose="00000800000000000000" pitchFamily="2" charset="-127"/>
+              </a:rPr>
+              <a:t>페이스북</a:t>
+            </a:r>
+            <a:r>
+              <a:rPr lang="en-US" altLang="ko-KR" sz="1800" b="1" dirty="0">
+                <a:latin typeface="넥슨Lv1고딕 Bold" panose="00000800000000000000" pitchFamily="2" charset="-127"/>
+                <a:ea typeface="넥슨Lv1고딕 Bold" panose="00000800000000000000" pitchFamily="2" charset="-127"/>
+              </a:rPr>
+              <a:t>, </a:t>
+            </a:r>
+            <a:r>
+              <a:rPr lang="ko-KR" altLang="en-US" sz="1800" b="1" dirty="0">
+                <a:latin typeface="넥슨Lv1고딕 Bold" panose="00000800000000000000" pitchFamily="2" charset="-127"/>
+                <a:ea typeface="넥슨Lv1고딕 Bold" panose="00000800000000000000" pitchFamily="2" charset="-127"/>
+              </a:rPr>
+              <a:t>이메일 로그인 구현</a:t>
+            </a:r>
+            <a:endParaRPr lang="ko-KR" altLang="en-US" sz="2200" dirty="0">
+              <a:latin typeface="넥슨Lv1고딕 Bold" panose="00000800000000000000" pitchFamily="2" charset="-127"/>
+              <a:ea typeface="넥슨Lv1고딕 Bold" panose="00000800000000000000" pitchFamily="2" charset="-127"/>
             </a:endParaRPr>
           </a:p>
         </p:txBody>
       </p:sp>
       <p:pic>
         <p:nvPicPr>
-          <p:cNvPr id="4" name="Picture 2"/>
+          <p:cNvPr id="4" name="그림 3" descr="화면 캡처"/>
           <p:cNvPicPr>
-            <a:picLocks noChangeAspect="1" noChangeArrowheads="1"/>
+            <a:picLocks noChangeAspect="1"/>
           </p:cNvPicPr>
           <p:nvPr/>
         </p:nvPicPr>
         <p:blipFill>
-          <a:blip r:embed="rId2" cstate="print">
+          <a:blip r:embed="rId3">
             <a:extLst>
               <a:ext uri="{28A0092B-C50C-407E-A947-70E740481C1C}">
                 <a14:useLocalDpi xmlns:a14="http://schemas.microsoft.com/office/drawing/2010/main" val="0"/>
               </a:ext>
             </a:extLst>
           </a:blip>
-          <a:srcRect/>
           <a:stretch>
             <a:fillRect/>
           </a:stretch>
         </p:blipFill>
-        <p:spPr bwMode="auto">
+        <p:spPr>
           <a:xfrm>
-            <a:off x="0" y="-27384"/>
-            <a:ext cx="9144000" cy="247650"/>
+            <a:off x="1517959" y="2423677"/>
+            <a:ext cx="5130814" cy="1220360"/>
           </a:xfrm>
           <a:prstGeom prst="rect">
             <a:avLst/>
           </a:prstGeom>
-          <a:noFill/>
+        </p:spPr>
+      </p:pic>
+      <p:pic>
+        <p:nvPicPr>
+          <p:cNvPr id="5" name="그림 4" descr="화면 캡처"/>
+          <p:cNvPicPr>
+            <a:picLocks noChangeAspect="1"/>
+          </p:cNvPicPr>
+          <p:nvPr/>
+        </p:nvPicPr>
+        <p:blipFill>
+          <a:blip r:embed="rId4">
+            <a:extLst>
+              <a:ext uri="{28A0092B-C50C-407E-A947-70E740481C1C}">
+                <a14:useLocalDpi xmlns:a14="http://schemas.microsoft.com/office/drawing/2010/main" val="0"/>
+              </a:ext>
+            </a:extLst>
+          </a:blip>
+          <a:stretch>
+            <a:fillRect/>
+          </a:stretch>
+        </p:blipFill>
+        <p:spPr>
+          <a:xfrm>
+            <a:off x="1517959" y="3744743"/>
+            <a:ext cx="4814905" cy="2229854"/>
+          </a:xfrm>
+          <a:prstGeom prst="rect">
+            <a:avLst/>
+          </a:prstGeom>
+        </p:spPr>
+      </p:pic>
+    </p:spTree>
+    <p:extLst>
+      <p:ext uri="{BB962C8B-B14F-4D97-AF65-F5344CB8AC3E}">
+        <p14:creationId xmlns:p14="http://schemas.microsoft.com/office/powerpoint/2010/main" val="2098008701"/>
+      </p:ext>
+    </p:extLst>
+  </p:cSld>
+  <p:clrMapOvr>
+    <a:masterClrMapping/>
+  </p:clrMapOvr>
+</p:sld>
+</file>
+
+<file path=ppt/slides/slide21.xml><?xml version="1.0" encoding="utf-8"?>
+<p:sld xmlns:a="http://schemas.openxmlformats.org/drawingml/2006/main" xmlns:r="http://schemas.openxmlformats.org/officeDocument/2006/relationships" xmlns:p="http://schemas.openxmlformats.org/presentationml/2006/main">
+  <p:cSld>
+    <p:spTree>
+      <p:nvGrpSpPr>
+        <p:cNvPr id="1" name=""/>
+        <p:cNvGrpSpPr/>
+        <p:nvPr/>
+      </p:nvGrpSpPr>
+      <p:grpSpPr>
+        <a:xfrm>
+          <a:off x="0" y="0"/>
+          <a:ext cx="0" cy="0"/>
+          <a:chOff x="0" y="0"/>
+          <a:chExt cx="0" cy="0"/>
+        </a:xfrm>
+      </p:grpSpPr>
+      <p:pic>
+        <p:nvPicPr>
+          <p:cNvPr id="15" name="그림 14" descr="화면 캡처"/>
+          <p:cNvPicPr>
+            <a:picLocks noChangeAspect="1"/>
+          </p:cNvPicPr>
+          <p:nvPr/>
+        </p:nvPicPr>
+        <p:blipFill>
+          <a:blip r:embed="rId3">
+            <a:extLst>
+              <a:ext uri="{28A0092B-C50C-407E-A947-70E740481C1C}">
+                <a14:useLocalDpi xmlns:a14="http://schemas.microsoft.com/office/drawing/2010/main" val="0"/>
+              </a:ext>
+            </a:extLst>
+          </a:blip>
+          <a:stretch>
+            <a:fillRect/>
+          </a:stretch>
+        </p:blipFill>
+        <p:spPr>
+          <a:xfrm>
+            <a:off x="3252207" y="2997454"/>
+            <a:ext cx="5084319" cy="3409562"/>
+          </a:xfrm>
+          <a:prstGeom prst="rect">
+            <a:avLst/>
+          </a:prstGeom>
+        </p:spPr>
+      </p:pic>
+      <p:sp>
+        <p:nvSpPr>
+          <p:cNvPr id="7" name="모서리가 둥근 직사각형 6"/>
+          <p:cNvSpPr/>
+          <p:nvPr/>
+        </p:nvSpPr>
+        <p:spPr>
+          <a:xfrm>
+            <a:off x="1109817" y="1610380"/>
+            <a:ext cx="3872888" cy="350275"/>
+          </a:xfrm>
+          <a:prstGeom prst="roundRect">
+            <a:avLst/>
+          </a:prstGeom>
+          <a:solidFill>
+            <a:schemeClr val="bg1">
+              <a:lumMod val="95000"/>
+            </a:schemeClr>
+          </a:solidFill>
           <a:ln>
             <a:noFill/>
           </a:ln>
-          <a:effectLst/>
-          <a:extLst>
-            <a:ext uri="{909E8E84-426E-40DD-AFC4-6F175D3DCCD1}">
-              <a14:hiddenFill xmlns:a14="http://schemas.microsoft.com/office/drawing/2010/main">
-                <a:solidFill>
-                  <a:schemeClr val="accent1"/>
-                </a:solidFill>
-              </a14:hiddenFill>
-            </a:ext>
-            <a:ext uri="{91240B29-F687-4F45-9708-019B960494DF}">
-              <a14:hiddenLine xmlns:a14="http://schemas.microsoft.com/office/drawing/2010/main" w="9525">
-                <a:solidFill>
-                  <a:schemeClr val="tx1"/>
-                </a:solidFill>
-                <a:miter lim="800000"/>
-                <a:headEnd/>
-                <a:tailEnd/>
-              </a14:hiddenLine>
-            </a:ext>
-            <a:ext uri="{AF507438-7753-43E0-B8FC-AC1667EBCBE1}">
-              <a14:hiddenEffects xmlns:a14="http://schemas.microsoft.com/office/drawing/2010/main">
-                <a:effectLst>
-                  <a:outerShdw dist="35921" dir="2700000" algn="ctr" rotWithShape="0">
-                    <a:schemeClr val="bg2"/>
-                  </a:outerShdw>
-                </a:effectLst>
-              </a14:hiddenEffects>
-            </a:ext>
-          </a:extLst>
         </p:spPr>
-      </p:pic>
-      <p:sp>
-        <p:nvSpPr>
-          <p:cNvPr id="12" name="TextBox 11"/>
+        <p:style>
+          <a:lnRef idx="2">
+            <a:schemeClr val="accent1">
+              <a:shade val="50000"/>
+            </a:schemeClr>
+          </a:lnRef>
+          <a:fillRef idx="1">
+            <a:schemeClr val="accent1"/>
+          </a:fillRef>
+          <a:effectRef idx="0">
+            <a:schemeClr val="accent1"/>
+          </a:effectRef>
+          <a:fontRef idx="minor">
+            <a:schemeClr val="lt1"/>
+          </a:fontRef>
+        </p:style>
+        <p:txBody>
+          <a:bodyPr lIns="360000" rtlCol="0" anchor="ctr"/>
+          <a:lstStyle/>
+          <a:p>
+            <a:r>
+              <a:rPr lang="en-US" altLang="ko-KR" sz="1200" spc="-50" dirty="0">
+                <a:solidFill>
+                  <a:schemeClr val="accent1">
+                    <a:lumMod val="50000"/>
+                  </a:schemeClr>
+                </a:solidFill>
+                <a:latin typeface="넥슨Lv1고딕 Bold" panose="00000800000000000000" pitchFamily="2" charset="-127"/>
+                <a:ea typeface="넥슨Lv1고딕 Bold" panose="00000800000000000000" pitchFamily="2" charset="-127"/>
+              </a:rPr>
+              <a:t>Firebase Console</a:t>
+            </a:r>
+            <a:r>
+              <a:rPr lang="ko-KR" altLang="en-US" sz="1200" spc="-50" dirty="0">
+                <a:solidFill>
+                  <a:schemeClr val="accent1">
+                    <a:lumMod val="50000"/>
+                  </a:schemeClr>
+                </a:solidFill>
+                <a:latin typeface="넥슨Lv1고딕 Bold" panose="00000800000000000000" pitchFamily="2" charset="-127"/>
+                <a:ea typeface="넥슨Lv1고딕 Bold" panose="00000800000000000000" pitchFamily="2" charset="-127"/>
+              </a:rPr>
+              <a:t>에서 로그인 </a:t>
+            </a:r>
+            <a:r>
+              <a:rPr lang="ko-KR" altLang="en-US" sz="1200" spc="-50">
+                <a:solidFill>
+                  <a:schemeClr val="accent1">
+                    <a:lumMod val="50000"/>
+                  </a:schemeClr>
+                </a:solidFill>
+                <a:latin typeface="넥슨Lv1고딕 Bold" panose="00000800000000000000" pitchFamily="2" charset="-127"/>
+                <a:ea typeface="넥슨Lv1고딕 Bold" panose="00000800000000000000" pitchFamily="2" charset="-127"/>
+              </a:rPr>
+              <a:t>방법 설정</a:t>
+            </a:r>
+            <a:r>
+              <a:rPr lang="en-US" altLang="ko-KR" sz="1200" spc="-50" dirty="0">
+                <a:solidFill>
+                  <a:schemeClr val="accent1">
+                    <a:lumMod val="50000"/>
+                  </a:schemeClr>
+                </a:solidFill>
+                <a:latin typeface="넥슨Lv1고딕 Bold" panose="00000800000000000000" pitchFamily="2" charset="-127"/>
+                <a:ea typeface="넥슨Lv1고딕 Bold" panose="00000800000000000000" pitchFamily="2" charset="-127"/>
+              </a:rPr>
+              <a:t>_</a:t>
+            </a:r>
+            <a:r>
+              <a:rPr lang="ko-KR" altLang="en-US" sz="1200" spc="-50">
+                <a:solidFill>
+                  <a:schemeClr val="accent1">
+                    <a:lumMod val="50000"/>
+                  </a:schemeClr>
+                </a:solidFill>
+                <a:latin typeface="넥슨Lv1고딕 Bold" panose="00000800000000000000" pitchFamily="2" charset="-127"/>
+                <a:ea typeface="넥슨Lv1고딕 Bold" panose="00000800000000000000" pitchFamily="2" charset="-127"/>
+              </a:rPr>
+              <a:t>페이스북</a:t>
+            </a:r>
+            <a:endParaRPr lang="en-US" altLang="ko-KR" sz="1200" spc="-50" dirty="0">
+              <a:solidFill>
+                <a:schemeClr val="accent1">
+                  <a:lumMod val="50000"/>
+                </a:schemeClr>
+              </a:solidFill>
+              <a:latin typeface="넥슨Lv1고딕 Bold" panose="00000800000000000000" pitchFamily="2" charset="-127"/>
+              <a:ea typeface="넥슨Lv1고딕 Bold" panose="00000800000000000000" pitchFamily="2" charset="-127"/>
+            </a:endParaRPr>
+          </a:p>
+        </p:txBody>
+      </p:sp>
+      <p:cxnSp>
+        <p:nvCxnSpPr>
+          <p:cNvPr id="13" name="직선 연결선 12"/>
+          <p:cNvCxnSpPr/>
+          <p:nvPr/>
+        </p:nvCxnSpPr>
+        <p:spPr>
+          <a:xfrm>
+            <a:off x="689488" y="1238865"/>
+            <a:ext cx="7647038" cy="0"/>
+          </a:xfrm>
+          <a:prstGeom prst="line">
+            <a:avLst/>
+          </a:prstGeom>
+          <a:ln>
+            <a:solidFill>
+              <a:schemeClr val="bg1">
+                <a:lumMod val="85000"/>
+              </a:schemeClr>
+            </a:solidFill>
+          </a:ln>
+        </p:spPr>
+        <p:style>
+          <a:lnRef idx="1">
+            <a:schemeClr val="accent1"/>
+          </a:lnRef>
+          <a:fillRef idx="0">
+            <a:schemeClr val="accent1"/>
+          </a:fillRef>
+          <a:effectRef idx="0">
+            <a:schemeClr val="accent1"/>
+          </a:effectRef>
+          <a:fontRef idx="minor">
+            <a:schemeClr val="tx1"/>
+          </a:fontRef>
+        </p:style>
+      </p:cxnSp>
+      <p:sp>
+        <p:nvSpPr>
+          <p:cNvPr id="3" name="슬라이드 번호 개체 틀 2"/>
+          <p:cNvSpPr>
+            <a:spLocks noGrp="1"/>
+          </p:cNvSpPr>
+          <p:nvPr>
+            <p:ph type="sldNum" sz="quarter" idx="12"/>
+          </p:nvPr>
+        </p:nvSpPr>
+        <p:spPr/>
+        <p:txBody>
+          <a:bodyPr/>
+          <a:lstStyle/>
+          <a:p>
+            <a:fld id="{8D0AD3C7-B26A-41BF-81F8-CAF4A9564849}" type="slidenum">
+              <a:rPr lang="ko-KR" altLang="en-US" smtClean="0"/>
+              <a:pPr/>
+              <a:t>20</a:t>
+            </a:fld>
+            <a:endParaRPr lang="ko-KR" altLang="en-US" dirty="0"/>
+          </a:p>
+        </p:txBody>
+      </p:sp>
+      <p:sp>
+        <p:nvSpPr>
+          <p:cNvPr id="9" name="타원 8">
+            <a:extLst>
+              <a:ext uri="{FF2B5EF4-FFF2-40B4-BE49-F238E27FC236}">
+                <a16:creationId xmlns:a16="http://schemas.microsoft.com/office/drawing/2014/main" id="{731CCCE5-901D-432C-BEAC-F936CBC6BB25}"/>
+              </a:ext>
+            </a:extLst>
+          </p:cNvPr>
+          <p:cNvSpPr/>
+          <p:nvPr/>
+        </p:nvSpPr>
+        <p:spPr>
+          <a:xfrm>
+            <a:off x="877529" y="1588501"/>
+            <a:ext cx="412955" cy="412955"/>
+          </a:xfrm>
+          <a:prstGeom prst="ellipse">
+            <a:avLst/>
+          </a:prstGeom>
+          <a:solidFill>
+            <a:srgbClr val="298DBF"/>
+          </a:solidFill>
+          <a:ln w="57150">
+            <a:solidFill>
+              <a:schemeClr val="bg1"/>
+            </a:solidFill>
+          </a:ln>
+        </p:spPr>
+        <p:style>
+          <a:lnRef idx="2">
+            <a:schemeClr val="accent1">
+              <a:shade val="50000"/>
+            </a:schemeClr>
+          </a:lnRef>
+          <a:fillRef idx="1">
+            <a:schemeClr val="accent1"/>
+          </a:fillRef>
+          <a:effectRef idx="0">
+            <a:schemeClr val="accent1"/>
+          </a:effectRef>
+          <a:fontRef idx="minor">
+            <a:schemeClr val="lt1"/>
+          </a:fontRef>
+        </p:style>
+        <p:txBody>
+          <a:bodyPr rtlCol="0" anchor="ctr"/>
+          <a:lstStyle/>
+          <a:p>
+            <a:pPr algn="ctr"/>
+            <a:r>
+              <a:rPr lang="en-US" altLang="ko-KR" dirty="0">
+                <a:ea typeface="넥슨Lv1고딕 Light" panose="00000300000000000000" pitchFamily="2" charset="-127"/>
+              </a:rPr>
+              <a:t>4</a:t>
+            </a:r>
+            <a:endParaRPr lang="ko-KR" altLang="en-US" dirty="0">
+              <a:ea typeface="넥슨Lv1고딕 Light" panose="00000300000000000000" pitchFamily="2" charset="-127"/>
+            </a:endParaRPr>
+          </a:p>
+        </p:txBody>
+      </p:sp>
+      <p:sp>
+        <p:nvSpPr>
+          <p:cNvPr id="12" name="TextBox 11">
+            <a:extLst>
+              <a:ext uri="{FF2B5EF4-FFF2-40B4-BE49-F238E27FC236}">
+                <a16:creationId xmlns:a16="http://schemas.microsoft.com/office/drawing/2014/main" id="{9F12D4E5-B109-4B80-B716-4AECBE0D5D67}"/>
+              </a:ext>
+            </a:extLst>
+          </p:cNvPr>
           <p:cNvSpPr txBox="1"/>
           <p:nvPr/>
         </p:nvSpPr>
         <p:spPr>
           <a:xfrm>
-            <a:off x="0" y="3441565"/>
-            <a:ext cx="9143999" cy="707886"/>
+            <a:off x="1415845" y="2061361"/>
+            <a:ext cx="6920681" cy="430887"/>
           </a:xfrm>
           <a:prstGeom prst="rect">
             <a:avLst/>
@@ -11839,56 +14242,552 @@
           </a:bodyPr>
           <a:lstStyle/>
           <a:p>
+            <a:r>
+              <a:rPr lang="ko-KR" altLang="en-US" sz="1100" spc="-50" dirty="0">
+                <a:latin typeface="넥슨Lv1고딕 Light" panose="00000300000000000000" pitchFamily="2" charset="-127"/>
+                <a:ea typeface="넥슨Lv1고딕 Light" panose="00000300000000000000" pitchFamily="2" charset="-127"/>
+              </a:rPr>
+              <a:t>새 </a:t>
+            </a:r>
+            <a:r>
+              <a:rPr lang="ko-KR" altLang="en-US" sz="1100" spc="-50" dirty="0" err="1">
+                <a:latin typeface="넥슨Lv1고딕 Light" panose="00000300000000000000" pitchFamily="2" charset="-127"/>
+                <a:ea typeface="넥슨Lv1고딕 Light" panose="00000300000000000000" pitchFamily="2" charset="-127"/>
+              </a:rPr>
+              <a:t>앱</a:t>
+            </a:r>
+            <a:r>
+              <a:rPr lang="ko-KR" altLang="en-US" sz="1100" spc="-50" dirty="0">
+                <a:latin typeface="넥슨Lv1고딕 Light" panose="00000300000000000000" pitchFamily="2" charset="-127"/>
+                <a:ea typeface="넥슨Lv1고딕 Light" panose="00000300000000000000" pitchFamily="2" charset="-127"/>
+              </a:rPr>
+              <a:t> </a:t>
+            </a:r>
+            <a:r>
+              <a:rPr lang="en-US" altLang="ko-KR" sz="1100" spc="-50" dirty="0">
+                <a:latin typeface="넥슨Lv1고딕 Light" panose="00000300000000000000" pitchFamily="2" charset="-127"/>
+                <a:ea typeface="넥슨Lv1고딕 Light" panose="00000300000000000000" pitchFamily="2" charset="-127"/>
+              </a:rPr>
+              <a:t>ID</a:t>
+            </a:r>
+            <a:r>
+              <a:rPr lang="ko-KR" altLang="en-US" sz="1100" spc="-50">
+                <a:latin typeface="넥슨Lv1고딕 Light" panose="00000300000000000000" pitchFamily="2" charset="-127"/>
+                <a:ea typeface="넥슨Lv1고딕 Light" panose="00000300000000000000" pitchFamily="2" charset="-127"/>
+              </a:rPr>
+              <a:t>를 생성하면 대시보드 페이지로 이동하는데요</a:t>
+            </a:r>
+            <a:r>
+              <a:rPr lang="en-US" altLang="ko-KR" sz="1100" spc="-50" dirty="0">
+                <a:latin typeface="넥슨Lv1고딕 Light" panose="00000300000000000000" pitchFamily="2" charset="-127"/>
+                <a:ea typeface="넥슨Lv1고딕 Light" panose="00000300000000000000" pitchFamily="2" charset="-127"/>
+              </a:rPr>
+              <a:t>.</a:t>
+            </a:r>
+          </a:p>
+          <a:p>
+            <a:r>
+              <a:rPr lang="ko-KR" altLang="en-US" sz="1100" spc="-50" dirty="0" err="1">
+                <a:latin typeface="넥슨Lv1고딕 Light" panose="00000300000000000000" pitchFamily="2" charset="-127"/>
+                <a:ea typeface="넥슨Lv1고딕 Light" panose="00000300000000000000" pitchFamily="2" charset="-127"/>
+              </a:rPr>
+              <a:t>대시보드</a:t>
+            </a:r>
+            <a:r>
+              <a:rPr lang="ko-KR" altLang="en-US" sz="1100" spc="-50" dirty="0">
+                <a:latin typeface="넥슨Lv1고딕 Light" panose="00000300000000000000" pitchFamily="2" charset="-127"/>
+                <a:ea typeface="넥슨Lv1고딕 Light" panose="00000300000000000000" pitchFamily="2" charset="-127"/>
+              </a:rPr>
+              <a:t> </a:t>
+            </a:r>
+            <a:r>
+              <a:rPr lang="en-US" altLang="ko-KR" sz="1100" spc="-50" dirty="0">
+                <a:latin typeface="넥슨Lv1고딕 Light" panose="00000300000000000000" pitchFamily="2" charset="-127"/>
+                <a:ea typeface="넥슨Lv1고딕 Light" panose="00000300000000000000" pitchFamily="2" charset="-127"/>
+              </a:rPr>
+              <a:t>– </a:t>
+            </a:r>
+            <a:r>
+              <a:rPr lang="ko-KR" altLang="en-US" sz="1100" spc="-50">
+                <a:latin typeface="넥슨Lv1고딕 Light" panose="00000300000000000000" pitchFamily="2" charset="-127"/>
+                <a:ea typeface="넥슨Lv1고딕 Light" panose="00000300000000000000" pitchFamily="2" charset="-127"/>
+              </a:rPr>
+              <a:t>설정 </a:t>
+            </a:r>
+            <a:r>
+              <a:rPr lang="en-US" altLang="ko-KR" sz="1100" spc="-50" dirty="0">
+                <a:latin typeface="넥슨Lv1고딕 Light" panose="00000300000000000000" pitchFamily="2" charset="-127"/>
+                <a:ea typeface="넥슨Lv1고딕 Light" panose="00000300000000000000" pitchFamily="2" charset="-127"/>
+              </a:rPr>
+              <a:t>– </a:t>
+            </a:r>
+            <a:r>
+              <a:rPr lang="ko-KR" altLang="en-US" sz="1100" spc="-50">
+                <a:latin typeface="넥슨Lv1고딕 Light" panose="00000300000000000000" pitchFamily="2" charset="-127"/>
+                <a:ea typeface="넥슨Lv1고딕 Light" panose="00000300000000000000" pitchFamily="2" charset="-127"/>
+              </a:rPr>
+              <a:t>기본 설정에서 앱 </a:t>
+            </a:r>
+            <a:r>
+              <a:rPr lang="en-US" altLang="ko-KR" sz="1100" spc="-50" dirty="0">
+                <a:latin typeface="넥슨Lv1고딕 Light" panose="00000300000000000000" pitchFamily="2" charset="-127"/>
+                <a:ea typeface="넥슨Lv1고딕 Light" panose="00000300000000000000" pitchFamily="2" charset="-127"/>
+              </a:rPr>
+              <a:t>ID</a:t>
+            </a:r>
+            <a:r>
+              <a:rPr lang="ko-KR" altLang="en-US" sz="1100" spc="-50">
+                <a:latin typeface="넥슨Lv1고딕 Light" panose="00000300000000000000" pitchFamily="2" charset="-127"/>
+                <a:ea typeface="넥슨Lv1고딕 Light" panose="00000300000000000000" pitchFamily="2" charset="-127"/>
+              </a:rPr>
+              <a:t>와 앱 시크릿 코드를 확인 </a:t>
+            </a:r>
+            <a:r>
+              <a:rPr lang="en-US" altLang="ko-KR" sz="1100" spc="-50" dirty="0">
+                <a:latin typeface="넥슨Lv1고딕 Light" panose="00000300000000000000" pitchFamily="2" charset="-127"/>
+                <a:ea typeface="넥슨Lv1고딕 Light" panose="00000300000000000000" pitchFamily="2" charset="-127"/>
+              </a:rPr>
+              <a:t>- </a:t>
+            </a:r>
+            <a:r>
+              <a:rPr lang="ko-KR" altLang="en-US" sz="1100" spc="-50">
+                <a:latin typeface="넥슨Lv1고딕 Light" panose="00000300000000000000" pitchFamily="2" charset="-127"/>
+                <a:ea typeface="넥슨Lv1고딕 Light" panose="00000300000000000000" pitchFamily="2" charset="-127"/>
+              </a:rPr>
+              <a:t>복사한 후</a:t>
+            </a:r>
+            <a:r>
+              <a:rPr lang="en-US" altLang="ko-KR" sz="1100" spc="-50" dirty="0">
+                <a:latin typeface="넥슨Lv1고딕 Light" panose="00000300000000000000" pitchFamily="2" charset="-127"/>
+                <a:ea typeface="넥슨Lv1고딕 Light" panose="00000300000000000000" pitchFamily="2" charset="-127"/>
+              </a:rPr>
+              <a:t>, Firebase Console</a:t>
+            </a:r>
+            <a:r>
+              <a:rPr lang="ko-KR" altLang="en-US" sz="1100" spc="-50">
+                <a:latin typeface="넥슨Lv1고딕 Light" panose="00000300000000000000" pitchFamily="2" charset="-127"/>
+                <a:ea typeface="넥슨Lv1고딕 Light" panose="00000300000000000000" pitchFamily="2" charset="-127"/>
+              </a:rPr>
+              <a:t>에 붙여 넣어 주세요</a:t>
+            </a:r>
+            <a:r>
+              <a:rPr lang="en-US" altLang="ko-KR" sz="1100" spc="-50" dirty="0">
+                <a:latin typeface="넥슨Lv1고딕 Light" panose="00000300000000000000" pitchFamily="2" charset="-127"/>
+                <a:ea typeface="넥슨Lv1고딕 Light" panose="00000300000000000000" pitchFamily="2" charset="-127"/>
+              </a:rPr>
+              <a:t>.</a:t>
+            </a:r>
+          </a:p>
+        </p:txBody>
+      </p:sp>
+      <p:sp>
+        <p:nvSpPr>
+          <p:cNvPr id="10" name="제목 3">
+            <a:extLst>
+              <a:ext uri="{FF2B5EF4-FFF2-40B4-BE49-F238E27FC236}">
+                <a16:creationId xmlns:a16="http://schemas.microsoft.com/office/drawing/2014/main" id="{7994DE8C-0858-4685-B074-BAD5A1FFB78D}"/>
+              </a:ext>
+            </a:extLst>
+          </p:cNvPr>
+          <p:cNvSpPr>
+            <a:spLocks noGrp="1"/>
+          </p:cNvSpPr>
+          <p:nvPr>
+            <p:ph type="title"/>
+          </p:nvPr>
+        </p:nvSpPr>
+        <p:spPr>
+          <a:xfrm>
+            <a:off x="628650" y="551713"/>
+            <a:ext cx="7886700" cy="721790"/>
+          </a:xfrm>
+        </p:spPr>
+        <p:txBody>
+          <a:bodyPr>
+            <a:normAutofit/>
+          </a:bodyPr>
+          <a:lstStyle/>
+          <a:p>
+            <a:pPr>
+              <a:lnSpc>
+                <a:spcPct val="110000"/>
+              </a:lnSpc>
+            </a:pPr>
+            <a:r>
+              <a:rPr lang="en-US" altLang="ko-KR" sz="1000" dirty="0" err="1">
+                <a:latin typeface="넥슨Lv1고딕 Light" panose="00000300000000000000" pitchFamily="2" charset="-127"/>
+                <a:ea typeface="넥슨Lv1고딕 Light" panose="00000300000000000000" pitchFamily="2" charset="-127"/>
+              </a:rPr>
+              <a:t>FirebaseUI</a:t>
+            </a:r>
+            <a:r>
+              <a:rPr lang="ko-KR" altLang="en-US" sz="1000" dirty="0">
+                <a:latin typeface="넥슨Lv1고딕 Light" panose="00000300000000000000" pitchFamily="2" charset="-127"/>
+                <a:ea typeface="넥슨Lv1고딕 Light" panose="00000300000000000000" pitchFamily="2" charset="-127"/>
+              </a:rPr>
+              <a:t>를 이용한</a:t>
+            </a:r>
+            <a:br>
+              <a:rPr lang="en-US" altLang="ko-KR" sz="1800" dirty="0">
+                <a:latin typeface="넥슨Lv1고딕 Bold" panose="00000800000000000000" pitchFamily="2" charset="-127"/>
+                <a:ea typeface="넥슨Lv1고딕 Bold" panose="00000800000000000000" pitchFamily="2" charset="-127"/>
+              </a:rPr>
+            </a:br>
+            <a:r>
+              <a:rPr lang="ko-KR" altLang="en-US" sz="1800" b="1" dirty="0">
+                <a:latin typeface="넥슨Lv1고딕 Bold" panose="00000800000000000000" pitchFamily="2" charset="-127"/>
+                <a:ea typeface="넥슨Lv1고딕 Bold" panose="00000800000000000000" pitchFamily="2" charset="-127"/>
+              </a:rPr>
+              <a:t>구글</a:t>
+            </a:r>
+            <a:r>
+              <a:rPr lang="en-US" altLang="ko-KR" sz="1800" b="1" dirty="0">
+                <a:latin typeface="넥슨Lv1고딕 Bold" panose="00000800000000000000" pitchFamily="2" charset="-127"/>
+                <a:ea typeface="넥슨Lv1고딕 Bold" panose="00000800000000000000" pitchFamily="2" charset="-127"/>
+              </a:rPr>
+              <a:t>, </a:t>
+            </a:r>
+            <a:r>
+              <a:rPr lang="ko-KR" altLang="en-US" sz="1800" b="1" dirty="0">
+                <a:latin typeface="넥슨Lv1고딕 Bold" panose="00000800000000000000" pitchFamily="2" charset="-127"/>
+                <a:ea typeface="넥슨Lv1고딕 Bold" panose="00000800000000000000" pitchFamily="2" charset="-127"/>
+              </a:rPr>
+              <a:t>페이스북</a:t>
+            </a:r>
+            <a:r>
+              <a:rPr lang="en-US" altLang="ko-KR" sz="1800" b="1" dirty="0">
+                <a:latin typeface="넥슨Lv1고딕 Bold" panose="00000800000000000000" pitchFamily="2" charset="-127"/>
+                <a:ea typeface="넥슨Lv1고딕 Bold" panose="00000800000000000000" pitchFamily="2" charset="-127"/>
+              </a:rPr>
+              <a:t>, </a:t>
+            </a:r>
+            <a:r>
+              <a:rPr lang="ko-KR" altLang="en-US" sz="1800" b="1" dirty="0">
+                <a:latin typeface="넥슨Lv1고딕 Bold" panose="00000800000000000000" pitchFamily="2" charset="-127"/>
+                <a:ea typeface="넥슨Lv1고딕 Bold" panose="00000800000000000000" pitchFamily="2" charset="-127"/>
+              </a:rPr>
+              <a:t>이메일 로그인 구현</a:t>
+            </a:r>
+            <a:endParaRPr lang="ko-KR" altLang="en-US" sz="2200" dirty="0">
+              <a:latin typeface="넥슨Lv1고딕 Bold" panose="00000800000000000000" pitchFamily="2" charset="-127"/>
+              <a:ea typeface="넥슨Lv1고딕 Bold" panose="00000800000000000000" pitchFamily="2" charset="-127"/>
+            </a:endParaRPr>
+          </a:p>
+        </p:txBody>
+      </p:sp>
+      <p:pic>
+        <p:nvPicPr>
+          <p:cNvPr id="6" name="그림 5" descr="화면 캡처"/>
+          <p:cNvPicPr>
+            <a:picLocks noChangeAspect="1"/>
+          </p:cNvPicPr>
+          <p:nvPr/>
+        </p:nvPicPr>
+        <p:blipFill rotWithShape="1">
+          <a:blip r:embed="rId4">
+            <a:extLst>
+              <a:ext uri="{28A0092B-C50C-407E-A947-70E740481C1C}">
+                <a14:useLocalDpi xmlns:a14="http://schemas.microsoft.com/office/drawing/2010/main" val="0"/>
+              </a:ext>
+            </a:extLst>
+          </a:blip>
+          <a:srcRect b="27626"/>
+          <a:stretch/>
+        </p:blipFill>
+        <p:spPr>
+          <a:xfrm>
+            <a:off x="1517960" y="2592954"/>
+            <a:ext cx="4836345" cy="1194625"/>
+          </a:xfrm>
+          <a:prstGeom prst="rect">
+            <a:avLst/>
+          </a:prstGeom>
+        </p:spPr>
+      </p:pic>
+    </p:spTree>
+    <p:extLst>
+      <p:ext uri="{BB962C8B-B14F-4D97-AF65-F5344CB8AC3E}">
+        <p14:creationId xmlns:p14="http://schemas.microsoft.com/office/powerpoint/2010/main" val="3323957637"/>
+      </p:ext>
+    </p:extLst>
+  </p:cSld>
+  <p:clrMapOvr>
+    <a:masterClrMapping/>
+  </p:clrMapOvr>
+</p:sld>
+</file>
+
+<file path=ppt/slides/slide22.xml><?xml version="1.0" encoding="utf-8"?>
+<p:sld xmlns:a="http://schemas.openxmlformats.org/drawingml/2006/main" xmlns:r="http://schemas.openxmlformats.org/officeDocument/2006/relationships" xmlns:p="http://schemas.openxmlformats.org/presentationml/2006/main">
+  <p:cSld>
+    <p:spTree>
+      <p:nvGrpSpPr>
+        <p:cNvPr id="1" name=""/>
+        <p:cNvGrpSpPr/>
+        <p:nvPr/>
+      </p:nvGrpSpPr>
+      <p:grpSpPr>
+        <a:xfrm>
+          <a:off x="0" y="0"/>
+          <a:ext cx="0" cy="0"/>
+          <a:chOff x="0" y="0"/>
+          <a:chExt cx="0" cy="0"/>
+        </a:xfrm>
+      </p:grpSpPr>
+      <p:sp>
+        <p:nvSpPr>
+          <p:cNvPr id="7" name="모서리가 둥근 직사각형 6"/>
+          <p:cNvSpPr/>
+          <p:nvPr/>
+        </p:nvSpPr>
+        <p:spPr>
+          <a:xfrm>
+            <a:off x="1109817" y="1610380"/>
+            <a:ext cx="3872888" cy="350275"/>
+          </a:xfrm>
+          <a:prstGeom prst="roundRect">
+            <a:avLst/>
+          </a:prstGeom>
+          <a:solidFill>
+            <a:schemeClr val="bg1">
+              <a:lumMod val="95000"/>
+            </a:schemeClr>
+          </a:solidFill>
+          <a:ln>
+            <a:noFill/>
+          </a:ln>
+        </p:spPr>
+        <p:style>
+          <a:lnRef idx="2">
+            <a:schemeClr val="accent1">
+              <a:shade val="50000"/>
+            </a:schemeClr>
+          </a:lnRef>
+          <a:fillRef idx="1">
+            <a:schemeClr val="accent1"/>
+          </a:fillRef>
+          <a:effectRef idx="0">
+            <a:schemeClr val="accent1"/>
+          </a:effectRef>
+          <a:fontRef idx="minor">
+            <a:schemeClr val="lt1"/>
+          </a:fontRef>
+        </p:style>
+        <p:txBody>
+          <a:bodyPr lIns="360000" rtlCol="0" anchor="ctr"/>
+          <a:lstStyle/>
+          <a:p>
+            <a:r>
+              <a:rPr lang="en-US" altLang="ko-KR" sz="1200" spc="-50" dirty="0">
+                <a:solidFill>
+                  <a:schemeClr val="accent1">
+                    <a:lumMod val="50000"/>
+                  </a:schemeClr>
+                </a:solidFill>
+                <a:latin typeface="넥슨Lv1고딕 Bold" panose="00000800000000000000" pitchFamily="2" charset="-127"/>
+                <a:ea typeface="넥슨Lv1고딕 Bold" panose="00000800000000000000" pitchFamily="2" charset="-127"/>
+              </a:rPr>
+              <a:t>Firebase Console</a:t>
+            </a:r>
+            <a:r>
+              <a:rPr lang="ko-KR" altLang="en-US" sz="1200" spc="-50" dirty="0">
+                <a:solidFill>
+                  <a:schemeClr val="accent1">
+                    <a:lumMod val="50000"/>
+                  </a:schemeClr>
+                </a:solidFill>
+                <a:latin typeface="넥슨Lv1고딕 Bold" panose="00000800000000000000" pitchFamily="2" charset="-127"/>
+                <a:ea typeface="넥슨Lv1고딕 Bold" panose="00000800000000000000" pitchFamily="2" charset="-127"/>
+              </a:rPr>
+              <a:t>에서 로그인 </a:t>
+            </a:r>
+            <a:r>
+              <a:rPr lang="ko-KR" altLang="en-US" sz="1200" spc="-50">
+                <a:solidFill>
+                  <a:schemeClr val="accent1">
+                    <a:lumMod val="50000"/>
+                  </a:schemeClr>
+                </a:solidFill>
+                <a:latin typeface="넥슨Lv1고딕 Bold" panose="00000800000000000000" pitchFamily="2" charset="-127"/>
+                <a:ea typeface="넥슨Lv1고딕 Bold" panose="00000800000000000000" pitchFamily="2" charset="-127"/>
+              </a:rPr>
+              <a:t>방법 설정</a:t>
+            </a:r>
+            <a:r>
+              <a:rPr lang="en-US" altLang="ko-KR" sz="1200" spc="-50" dirty="0">
+                <a:solidFill>
+                  <a:schemeClr val="accent1">
+                    <a:lumMod val="50000"/>
+                  </a:schemeClr>
+                </a:solidFill>
+                <a:latin typeface="넥슨Lv1고딕 Bold" panose="00000800000000000000" pitchFamily="2" charset="-127"/>
+                <a:ea typeface="넥슨Lv1고딕 Bold" panose="00000800000000000000" pitchFamily="2" charset="-127"/>
+              </a:rPr>
+              <a:t>_</a:t>
+            </a:r>
+            <a:r>
+              <a:rPr lang="ko-KR" altLang="en-US" sz="1200" spc="-50">
+                <a:solidFill>
+                  <a:schemeClr val="accent1">
+                    <a:lumMod val="50000"/>
+                  </a:schemeClr>
+                </a:solidFill>
+                <a:latin typeface="넥슨Lv1고딕 Bold" panose="00000800000000000000" pitchFamily="2" charset="-127"/>
+                <a:ea typeface="넥슨Lv1고딕 Bold" panose="00000800000000000000" pitchFamily="2" charset="-127"/>
+              </a:rPr>
+              <a:t>페이스북</a:t>
+            </a:r>
+            <a:endParaRPr lang="en-US" altLang="ko-KR" sz="1200" spc="-50" dirty="0">
+              <a:solidFill>
+                <a:schemeClr val="accent1">
+                  <a:lumMod val="50000"/>
+                </a:schemeClr>
+              </a:solidFill>
+              <a:latin typeface="넥슨Lv1고딕 Bold" panose="00000800000000000000" pitchFamily="2" charset="-127"/>
+              <a:ea typeface="넥슨Lv1고딕 Bold" panose="00000800000000000000" pitchFamily="2" charset="-127"/>
+            </a:endParaRPr>
+          </a:p>
+        </p:txBody>
+      </p:sp>
+      <p:cxnSp>
+        <p:nvCxnSpPr>
+          <p:cNvPr id="13" name="직선 연결선 12"/>
+          <p:cNvCxnSpPr/>
+          <p:nvPr/>
+        </p:nvCxnSpPr>
+        <p:spPr>
+          <a:xfrm>
+            <a:off x="689488" y="1238865"/>
+            <a:ext cx="7647038" cy="0"/>
+          </a:xfrm>
+          <a:prstGeom prst="line">
+            <a:avLst/>
+          </a:prstGeom>
+          <a:ln>
+            <a:solidFill>
+              <a:schemeClr val="bg1">
+                <a:lumMod val="85000"/>
+              </a:schemeClr>
+            </a:solidFill>
+          </a:ln>
+        </p:spPr>
+        <p:style>
+          <a:lnRef idx="1">
+            <a:schemeClr val="accent1"/>
+          </a:lnRef>
+          <a:fillRef idx="0">
+            <a:schemeClr val="accent1"/>
+          </a:fillRef>
+          <a:effectRef idx="0">
+            <a:schemeClr val="accent1"/>
+          </a:effectRef>
+          <a:fontRef idx="minor">
+            <a:schemeClr val="tx1"/>
+          </a:fontRef>
+        </p:style>
+      </p:cxnSp>
+      <p:sp>
+        <p:nvSpPr>
+          <p:cNvPr id="3" name="슬라이드 번호 개체 틀 2"/>
+          <p:cNvSpPr>
+            <a:spLocks noGrp="1"/>
+          </p:cNvSpPr>
+          <p:nvPr>
+            <p:ph type="sldNum" sz="quarter" idx="12"/>
+          </p:nvPr>
+        </p:nvSpPr>
+        <p:spPr/>
+        <p:txBody>
+          <a:bodyPr/>
+          <a:lstStyle/>
+          <a:p>
+            <a:fld id="{8D0AD3C7-B26A-41BF-81F8-CAF4A9564849}" type="slidenum">
+              <a:rPr lang="ko-KR" altLang="en-US" smtClean="0"/>
+              <a:pPr/>
+              <a:t>21</a:t>
+            </a:fld>
+            <a:endParaRPr lang="ko-KR" altLang="en-US" dirty="0"/>
+          </a:p>
+        </p:txBody>
+      </p:sp>
+      <p:sp>
+        <p:nvSpPr>
+          <p:cNvPr id="9" name="타원 8">
+            <a:extLst>
+              <a:ext uri="{FF2B5EF4-FFF2-40B4-BE49-F238E27FC236}">
+                <a16:creationId xmlns:a16="http://schemas.microsoft.com/office/drawing/2014/main" id="{731CCCE5-901D-432C-BEAC-F936CBC6BB25}"/>
+              </a:ext>
+            </a:extLst>
+          </p:cNvPr>
+          <p:cNvSpPr/>
+          <p:nvPr/>
+        </p:nvSpPr>
+        <p:spPr>
+          <a:xfrm>
+            <a:off x="877529" y="1588501"/>
+            <a:ext cx="412955" cy="412955"/>
+          </a:xfrm>
+          <a:prstGeom prst="ellipse">
+            <a:avLst/>
+          </a:prstGeom>
+          <a:solidFill>
+            <a:srgbClr val="298DBF"/>
+          </a:solidFill>
+          <a:ln w="57150">
+            <a:solidFill>
+              <a:schemeClr val="bg1"/>
+            </a:solidFill>
+          </a:ln>
+        </p:spPr>
+        <p:style>
+          <a:lnRef idx="2">
+            <a:schemeClr val="accent1">
+              <a:shade val="50000"/>
+            </a:schemeClr>
+          </a:lnRef>
+          <a:fillRef idx="1">
+            <a:schemeClr val="accent1"/>
+          </a:fillRef>
+          <a:effectRef idx="0">
+            <a:schemeClr val="accent1"/>
+          </a:effectRef>
+          <a:fontRef idx="minor">
+            <a:schemeClr val="lt1"/>
+          </a:fontRef>
+        </p:style>
+        <p:txBody>
+          <a:bodyPr rtlCol="0" anchor="ctr"/>
+          <a:lstStyle/>
+          <a:p>
             <a:pPr algn="ctr"/>
             <a:r>
-              <a:rPr lang="en-US" altLang="ko-KR" sz="4000" dirty="0">
-                <a:solidFill>
-                  <a:schemeClr val="bg1">
-                    <a:lumMod val="85000"/>
-                  </a:schemeClr>
-                </a:solidFill>
-                <a:latin typeface="넥슨Lv1고딕 Light" panose="00000300000000000000" pitchFamily="2" charset="-127"/>
-                <a:ea typeface="넥슨Lv1고딕 Light" panose="00000300000000000000" pitchFamily="2" charset="-127"/>
-              </a:rPr>
-              <a:t>[ </a:t>
-            </a:r>
-            <a:r>
-              <a:rPr lang="ko-KR" altLang="en-US" sz="4000">
-                <a:solidFill>
-                  <a:schemeClr val="bg1">
-                    <a:lumMod val="85000"/>
-                  </a:schemeClr>
-                </a:solidFill>
-                <a:latin typeface="넥슨Lv1고딕 Light" panose="00000300000000000000" pitchFamily="2" charset="-127"/>
-                <a:ea typeface="넥슨Lv1고딕 Light" panose="00000300000000000000" pitchFamily="2" charset="-127"/>
-              </a:rPr>
-              <a:t>페이지 마침 </a:t>
-            </a:r>
-            <a:r>
-              <a:rPr lang="en-US" altLang="ko-KR" sz="4000" dirty="0">
-                <a:solidFill>
-                  <a:schemeClr val="bg1">
-                    <a:lumMod val="85000"/>
-                  </a:schemeClr>
-                </a:solidFill>
-                <a:latin typeface="넥슨Lv1고딕 Light" panose="00000300000000000000" pitchFamily="2" charset="-127"/>
-                <a:ea typeface="넥슨Lv1고딕 Light" panose="00000300000000000000" pitchFamily="2" charset="-127"/>
-              </a:rPr>
-              <a:t>]</a:t>
-            </a:r>
-          </a:p>
-        </p:txBody>
-      </p:sp>
-      <p:sp>
-        <p:nvSpPr>
-          <p:cNvPr id="9" name="TextBox 8"/>
+              <a:rPr lang="en-US" altLang="ko-KR" dirty="0">
+                <a:ea typeface="넥슨Lv1고딕 Light" panose="00000300000000000000" pitchFamily="2" charset="-127"/>
+              </a:rPr>
+              <a:t>4</a:t>
+            </a:r>
+            <a:endParaRPr lang="ko-KR" altLang="en-US" dirty="0">
+              <a:ea typeface="넥슨Lv1고딕 Light" panose="00000300000000000000" pitchFamily="2" charset="-127"/>
+            </a:endParaRPr>
+          </a:p>
+        </p:txBody>
+      </p:sp>
+      <p:sp>
+        <p:nvSpPr>
+          <p:cNvPr id="12" name="TextBox 11">
+            <a:extLst>
+              <a:ext uri="{FF2B5EF4-FFF2-40B4-BE49-F238E27FC236}">
+                <a16:creationId xmlns:a16="http://schemas.microsoft.com/office/drawing/2014/main" id="{9F12D4E5-B109-4B80-B716-4AECBE0D5D67}"/>
+              </a:ext>
+            </a:extLst>
+          </p:cNvPr>
           <p:cNvSpPr txBox="1"/>
           <p:nvPr/>
         </p:nvSpPr>
         <p:spPr>
           <a:xfrm>
-            <a:off x="695253" y="1209251"/>
-            <a:ext cx="8380509" cy="461665"/>
+            <a:off x="1415845" y="2061361"/>
+            <a:ext cx="6920681" cy="430887"/>
           </a:xfrm>
           <a:prstGeom prst="rect">
             <a:avLst/>
@@ -11902,33 +14801,3818 @@
           <a:lstStyle/>
           <a:p>
             <a:r>
-              <a:rPr lang="en-US" altLang="ko-KR" sz="2400" b="1" dirty="0" err="1">
-                <a:latin typeface="넥슨Lv1고딕 Bold" panose="00000800000000000000" pitchFamily="2" charset="-127"/>
-                <a:ea typeface="넥슨Lv1고딕 Bold" panose="00000800000000000000" pitchFamily="2" charset="-127"/>
+              <a:rPr lang="ko-KR" altLang="en-US" sz="1100" spc="-50" dirty="0" err="1">
+                <a:latin typeface="넥슨Lv1고딕 Light" panose="00000300000000000000" pitchFamily="2" charset="-127"/>
+                <a:ea typeface="넥슨Lv1고딕 Light" panose="00000300000000000000" pitchFamily="2" charset="-127"/>
+              </a:rPr>
+              <a:t>대시보드</a:t>
+            </a:r>
+            <a:r>
+              <a:rPr lang="ko-KR" altLang="en-US" sz="1100" spc="-50" dirty="0">
+                <a:latin typeface="넥슨Lv1고딕 Light" panose="00000300000000000000" pitchFamily="2" charset="-127"/>
+                <a:ea typeface="넥슨Lv1고딕 Light" panose="00000300000000000000" pitchFamily="2" charset="-127"/>
+              </a:rPr>
+              <a:t> </a:t>
+            </a:r>
+            <a:r>
+              <a:rPr lang="en-US" altLang="ko-KR" sz="1100" spc="-50" dirty="0">
+                <a:latin typeface="넥슨Lv1고딕 Light" panose="00000300000000000000" pitchFamily="2" charset="-127"/>
+                <a:ea typeface="넥슨Lv1고딕 Light" panose="00000300000000000000" pitchFamily="2" charset="-127"/>
+              </a:rPr>
+              <a:t>– </a:t>
+            </a:r>
+            <a:r>
+              <a:rPr lang="ko-KR" altLang="en-US" sz="1100" spc="-50">
+                <a:latin typeface="넥슨Lv1고딕 Light" panose="00000300000000000000" pitchFamily="2" charset="-127"/>
+                <a:ea typeface="넥슨Lv1고딕 Light" panose="00000300000000000000" pitchFamily="2" charset="-127"/>
+              </a:rPr>
+              <a:t>설정 </a:t>
+            </a:r>
+            <a:r>
+              <a:rPr lang="en-US" altLang="ko-KR" sz="1100" spc="-50" dirty="0">
+                <a:latin typeface="넥슨Lv1고딕 Light" panose="00000300000000000000" pitchFamily="2" charset="-127"/>
+                <a:ea typeface="넥슨Lv1고딕 Light" panose="00000300000000000000" pitchFamily="2" charset="-127"/>
+              </a:rPr>
+              <a:t>– </a:t>
+            </a:r>
+            <a:r>
+              <a:rPr lang="ko-KR" altLang="en-US" sz="1100" spc="-50">
+                <a:latin typeface="넥슨Lv1고딕 Light" panose="00000300000000000000" pitchFamily="2" charset="-127"/>
+                <a:ea typeface="넥슨Lv1고딕 Light" panose="00000300000000000000" pitchFamily="2" charset="-127"/>
+              </a:rPr>
+              <a:t>기본 설정에서 웹사이트 플랫폼을 추가해 주세요</a:t>
+            </a:r>
+            <a:r>
+              <a:rPr lang="en-US" altLang="ko-KR" sz="1100" spc="-50" dirty="0">
+                <a:latin typeface="넥슨Lv1고딕 Light" panose="00000300000000000000" pitchFamily="2" charset="-127"/>
+                <a:ea typeface="넥슨Lv1고딕 Light" panose="00000300000000000000" pitchFamily="2" charset="-127"/>
+              </a:rPr>
+              <a:t>.</a:t>
+            </a:r>
+          </a:p>
+          <a:p>
+            <a:r>
+              <a:rPr lang="ko-KR" altLang="en-US" sz="1100" spc="-50" dirty="0">
+                <a:latin typeface="넥슨Lv1고딕 Light" panose="00000300000000000000" pitchFamily="2" charset="-127"/>
+                <a:ea typeface="넥슨Lv1고딕 Light" panose="00000300000000000000" pitchFamily="2" charset="-127"/>
+              </a:rPr>
+              <a:t>사이트 </a:t>
+            </a:r>
+            <a:r>
+              <a:rPr lang="en-US" altLang="ko-KR" sz="1100" spc="-50" dirty="0">
+                <a:latin typeface="넥슨Lv1고딕 Light" panose="00000300000000000000" pitchFamily="2" charset="-127"/>
+                <a:ea typeface="넥슨Lv1고딕 Light" panose="00000300000000000000" pitchFamily="2" charset="-127"/>
+              </a:rPr>
+              <a:t>URL</a:t>
+            </a:r>
+            <a:r>
+              <a:rPr lang="ko-KR" altLang="en-US" sz="1100" spc="-50">
+                <a:latin typeface="넥슨Lv1고딕 Light" panose="00000300000000000000" pitchFamily="2" charset="-127"/>
+                <a:ea typeface="넥슨Lv1고딕 Light" panose="00000300000000000000" pitchFamily="2" charset="-127"/>
+              </a:rPr>
+              <a:t>은 임시로 </a:t>
+            </a:r>
+            <a:r>
+              <a:rPr lang="en-US" altLang="ko-KR" sz="1100" spc="-50" dirty="0">
+                <a:latin typeface="넥슨Lv1고딕 Light" panose="00000300000000000000" pitchFamily="2" charset="-127"/>
+                <a:ea typeface="넥슨Lv1고딕 Light" panose="00000300000000000000" pitchFamily="2" charset="-127"/>
+                <a:hlinkClick r:id="rId3"/>
+              </a:rPr>
+              <a:t>http://localhost:8080</a:t>
+            </a:r>
+            <a:r>
+              <a:rPr lang="ko-KR" altLang="en-US" sz="1100" spc="-50">
+                <a:latin typeface="넥슨Lv1고딕 Light" panose="00000300000000000000" pitchFamily="2" charset="-127"/>
+                <a:ea typeface="넥슨Lv1고딕 Light" panose="00000300000000000000" pitchFamily="2" charset="-127"/>
+              </a:rPr>
+              <a:t>을 사용하도록 합니다</a:t>
+            </a:r>
+            <a:r>
+              <a:rPr lang="en-US" altLang="ko-KR" sz="1100" spc="-50" dirty="0">
+                <a:latin typeface="넥슨Lv1고딕 Light" panose="00000300000000000000" pitchFamily="2" charset="-127"/>
+                <a:ea typeface="넥슨Lv1고딕 Light" panose="00000300000000000000" pitchFamily="2" charset="-127"/>
+              </a:rPr>
+              <a:t>.</a:t>
+            </a:r>
+          </a:p>
+        </p:txBody>
+      </p:sp>
+      <p:sp>
+        <p:nvSpPr>
+          <p:cNvPr id="10" name="제목 3">
+            <a:extLst>
+              <a:ext uri="{FF2B5EF4-FFF2-40B4-BE49-F238E27FC236}">
+                <a16:creationId xmlns:a16="http://schemas.microsoft.com/office/drawing/2014/main" id="{7994DE8C-0858-4685-B074-BAD5A1FFB78D}"/>
+              </a:ext>
+            </a:extLst>
+          </p:cNvPr>
+          <p:cNvSpPr>
+            <a:spLocks noGrp="1"/>
+          </p:cNvSpPr>
+          <p:nvPr>
+            <p:ph type="title"/>
+          </p:nvPr>
+        </p:nvSpPr>
+        <p:spPr>
+          <a:xfrm>
+            <a:off x="628650" y="551713"/>
+            <a:ext cx="7886700" cy="721790"/>
+          </a:xfrm>
+        </p:spPr>
+        <p:txBody>
+          <a:bodyPr>
+            <a:normAutofit/>
+          </a:bodyPr>
+          <a:lstStyle/>
+          <a:p>
+            <a:pPr>
+              <a:lnSpc>
+                <a:spcPct val="110000"/>
+              </a:lnSpc>
+            </a:pPr>
+            <a:r>
+              <a:rPr lang="en-US" altLang="ko-KR" sz="1000" dirty="0" err="1">
+                <a:latin typeface="넥슨Lv1고딕 Light" panose="00000300000000000000" pitchFamily="2" charset="-127"/>
+                <a:ea typeface="넥슨Lv1고딕 Light" panose="00000300000000000000" pitchFamily="2" charset="-127"/>
               </a:rPr>
               <a:t>FirebaseUI</a:t>
             </a:r>
             <a:r>
-              <a:rPr lang="en-US" altLang="ko-KR" sz="2400" b="1" dirty="0">
-                <a:latin typeface="넥슨Lv1고딕 Bold" panose="00000800000000000000" pitchFamily="2" charset="-127"/>
-                <a:ea typeface="넥슨Lv1고딕 Bold" panose="00000800000000000000" pitchFamily="2" charset="-127"/>
-              </a:rPr>
-              <a:t> </a:t>
-            </a:r>
-            <a:r>
-              <a:rPr lang="ko-KR" altLang="en-US" sz="2400" b="1" dirty="0">
-                <a:latin typeface="넥슨Lv1고딕 Bold" panose="00000800000000000000" pitchFamily="2" charset="-127"/>
-                <a:ea typeface="넥슨Lv1고딕 Bold" panose="00000800000000000000" pitchFamily="2" charset="-127"/>
-              </a:rPr>
-              <a:t>로그인 구현</a:t>
-            </a:r>
-          </a:p>
-        </p:txBody>
-      </p:sp>
+              <a:rPr lang="ko-KR" altLang="en-US" sz="1000" dirty="0">
+                <a:latin typeface="넥슨Lv1고딕 Light" panose="00000300000000000000" pitchFamily="2" charset="-127"/>
+                <a:ea typeface="넥슨Lv1고딕 Light" panose="00000300000000000000" pitchFamily="2" charset="-127"/>
+              </a:rPr>
+              <a:t>를 이용한</a:t>
+            </a:r>
+            <a:br>
+              <a:rPr lang="en-US" altLang="ko-KR" sz="1800" dirty="0">
+                <a:latin typeface="넥슨Lv1고딕 Bold" panose="00000800000000000000" pitchFamily="2" charset="-127"/>
+                <a:ea typeface="넥슨Lv1고딕 Bold" panose="00000800000000000000" pitchFamily="2" charset="-127"/>
+              </a:rPr>
+            </a:br>
+            <a:r>
+              <a:rPr lang="ko-KR" altLang="en-US" sz="1800" b="1" dirty="0">
+                <a:latin typeface="넥슨Lv1고딕 Bold" panose="00000800000000000000" pitchFamily="2" charset="-127"/>
+                <a:ea typeface="넥슨Lv1고딕 Bold" panose="00000800000000000000" pitchFamily="2" charset="-127"/>
+              </a:rPr>
+              <a:t>구글</a:t>
+            </a:r>
+            <a:r>
+              <a:rPr lang="en-US" altLang="ko-KR" sz="1800" b="1" dirty="0">
+                <a:latin typeface="넥슨Lv1고딕 Bold" panose="00000800000000000000" pitchFamily="2" charset="-127"/>
+                <a:ea typeface="넥슨Lv1고딕 Bold" panose="00000800000000000000" pitchFamily="2" charset="-127"/>
+              </a:rPr>
+              <a:t>, </a:t>
+            </a:r>
+            <a:r>
+              <a:rPr lang="ko-KR" altLang="en-US" sz="1800" b="1" dirty="0">
+                <a:latin typeface="넥슨Lv1고딕 Bold" panose="00000800000000000000" pitchFamily="2" charset="-127"/>
+                <a:ea typeface="넥슨Lv1고딕 Bold" panose="00000800000000000000" pitchFamily="2" charset="-127"/>
+              </a:rPr>
+              <a:t>페이스북</a:t>
+            </a:r>
+            <a:r>
+              <a:rPr lang="en-US" altLang="ko-KR" sz="1800" b="1" dirty="0">
+                <a:latin typeface="넥슨Lv1고딕 Bold" panose="00000800000000000000" pitchFamily="2" charset="-127"/>
+                <a:ea typeface="넥슨Lv1고딕 Bold" panose="00000800000000000000" pitchFamily="2" charset="-127"/>
+              </a:rPr>
+              <a:t>, </a:t>
+            </a:r>
+            <a:r>
+              <a:rPr lang="ko-KR" altLang="en-US" sz="1800" b="1" dirty="0">
+                <a:latin typeface="넥슨Lv1고딕 Bold" panose="00000800000000000000" pitchFamily="2" charset="-127"/>
+                <a:ea typeface="넥슨Lv1고딕 Bold" panose="00000800000000000000" pitchFamily="2" charset="-127"/>
+              </a:rPr>
+              <a:t>이메일 로그인 구현</a:t>
+            </a:r>
+            <a:endParaRPr lang="ko-KR" altLang="en-US" sz="2200" dirty="0">
+              <a:latin typeface="넥슨Lv1고딕 Bold" panose="00000800000000000000" pitchFamily="2" charset="-127"/>
+              <a:ea typeface="넥슨Lv1고딕 Bold" panose="00000800000000000000" pitchFamily="2" charset="-127"/>
+            </a:endParaRPr>
+          </a:p>
+        </p:txBody>
+      </p:sp>
+      <p:pic>
+        <p:nvPicPr>
+          <p:cNvPr id="8" name="그림 7" descr="화면 캡처"/>
+          <p:cNvPicPr>
+            <a:picLocks noChangeAspect="1"/>
+          </p:cNvPicPr>
+          <p:nvPr/>
+        </p:nvPicPr>
+        <p:blipFill>
+          <a:blip r:embed="rId4">
+            <a:extLst>
+              <a:ext uri="{28A0092B-C50C-407E-A947-70E740481C1C}">
+                <a14:useLocalDpi xmlns:a14="http://schemas.microsoft.com/office/drawing/2010/main" val="0"/>
+              </a:ext>
+            </a:extLst>
+          </a:blip>
+          <a:stretch>
+            <a:fillRect/>
+          </a:stretch>
+        </p:blipFill>
+        <p:spPr>
+          <a:xfrm>
+            <a:off x="1517960" y="2592955"/>
+            <a:ext cx="4755518" cy="3781436"/>
+          </a:xfrm>
+          <a:prstGeom prst="rect">
+            <a:avLst/>
+          </a:prstGeom>
+        </p:spPr>
+      </p:pic>
+      <p:pic>
+        <p:nvPicPr>
+          <p:cNvPr id="16" name="그림 15" descr="화면 캡처"/>
+          <p:cNvPicPr>
+            <a:picLocks noChangeAspect="1"/>
+          </p:cNvPicPr>
+          <p:nvPr/>
+        </p:nvPicPr>
+        <p:blipFill>
+          <a:blip r:embed="rId5">
+            <a:extLst>
+              <a:ext uri="{28A0092B-C50C-407E-A947-70E740481C1C}">
+                <a14:useLocalDpi xmlns:a14="http://schemas.microsoft.com/office/drawing/2010/main" val="0"/>
+              </a:ext>
+            </a:extLst>
+          </a:blip>
+          <a:stretch>
+            <a:fillRect/>
+          </a:stretch>
+        </p:blipFill>
+        <p:spPr>
+          <a:xfrm>
+            <a:off x="2538753" y="4762217"/>
+            <a:ext cx="4066493" cy="945153"/>
+          </a:xfrm>
+          <a:prstGeom prst="rect">
+            <a:avLst/>
+          </a:prstGeom>
+        </p:spPr>
+      </p:pic>
+      <p:pic>
+        <p:nvPicPr>
+          <p:cNvPr id="5" name="그림 4" descr="화면 캡처"/>
+          <p:cNvPicPr>
+            <a:picLocks noChangeAspect="1"/>
+          </p:cNvPicPr>
+          <p:nvPr/>
+        </p:nvPicPr>
+        <p:blipFill>
+          <a:blip r:embed="rId6">
+            <a:extLst>
+              <a:ext uri="{28A0092B-C50C-407E-A947-70E740481C1C}">
+                <a14:useLocalDpi xmlns:a14="http://schemas.microsoft.com/office/drawing/2010/main" val="0"/>
+              </a:ext>
+            </a:extLst>
+          </a:blip>
+          <a:stretch>
+            <a:fillRect/>
+          </a:stretch>
+        </p:blipFill>
+        <p:spPr>
+          <a:xfrm>
+            <a:off x="6071771" y="5579479"/>
+            <a:ext cx="1066949" cy="371527"/>
+          </a:xfrm>
+          <a:prstGeom prst="rect">
+            <a:avLst/>
+          </a:prstGeom>
+        </p:spPr>
+      </p:pic>
     </p:spTree>
     <p:extLst>
       <p:ext uri="{BB962C8B-B14F-4D97-AF65-F5344CB8AC3E}">
-        <p14:creationId xmlns:p14="http://schemas.microsoft.com/office/powerpoint/2010/main" val="950458400"/>
+        <p14:creationId xmlns:p14="http://schemas.microsoft.com/office/powerpoint/2010/main" val="1458369845"/>
+      </p:ext>
+    </p:extLst>
+  </p:cSld>
+  <p:clrMapOvr>
+    <a:masterClrMapping/>
+  </p:clrMapOvr>
+</p:sld>
+</file>
+
+<file path=ppt/slides/slide23.xml><?xml version="1.0" encoding="utf-8"?>
+<p:sld xmlns:a="http://schemas.openxmlformats.org/drawingml/2006/main" xmlns:r="http://schemas.openxmlformats.org/officeDocument/2006/relationships" xmlns:p="http://schemas.openxmlformats.org/presentationml/2006/main">
+  <p:cSld>
+    <p:spTree>
+      <p:nvGrpSpPr>
+        <p:cNvPr id="1" name=""/>
+        <p:cNvGrpSpPr/>
+        <p:nvPr/>
+      </p:nvGrpSpPr>
+      <p:grpSpPr>
+        <a:xfrm>
+          <a:off x="0" y="0"/>
+          <a:ext cx="0" cy="0"/>
+          <a:chOff x="0" y="0"/>
+          <a:chExt cx="0" cy="0"/>
+        </a:xfrm>
+      </p:grpSpPr>
+      <p:sp>
+        <p:nvSpPr>
+          <p:cNvPr id="7" name="모서리가 둥근 직사각형 6"/>
+          <p:cNvSpPr/>
+          <p:nvPr/>
+        </p:nvSpPr>
+        <p:spPr>
+          <a:xfrm>
+            <a:off x="1109817" y="1610380"/>
+            <a:ext cx="3872888" cy="350275"/>
+          </a:xfrm>
+          <a:prstGeom prst="roundRect">
+            <a:avLst/>
+          </a:prstGeom>
+          <a:solidFill>
+            <a:schemeClr val="bg1">
+              <a:lumMod val="95000"/>
+            </a:schemeClr>
+          </a:solidFill>
+          <a:ln>
+            <a:noFill/>
+          </a:ln>
+        </p:spPr>
+        <p:style>
+          <a:lnRef idx="2">
+            <a:schemeClr val="accent1">
+              <a:shade val="50000"/>
+            </a:schemeClr>
+          </a:lnRef>
+          <a:fillRef idx="1">
+            <a:schemeClr val="accent1"/>
+          </a:fillRef>
+          <a:effectRef idx="0">
+            <a:schemeClr val="accent1"/>
+          </a:effectRef>
+          <a:fontRef idx="minor">
+            <a:schemeClr val="lt1"/>
+          </a:fontRef>
+        </p:style>
+        <p:txBody>
+          <a:bodyPr lIns="360000" rtlCol="0" anchor="ctr"/>
+          <a:lstStyle/>
+          <a:p>
+            <a:r>
+              <a:rPr lang="en-US" altLang="ko-KR" sz="1200" spc="-50" dirty="0">
+                <a:solidFill>
+                  <a:schemeClr val="accent1">
+                    <a:lumMod val="50000"/>
+                  </a:schemeClr>
+                </a:solidFill>
+                <a:latin typeface="넥슨Lv1고딕 Bold" panose="00000800000000000000" pitchFamily="2" charset="-127"/>
+                <a:ea typeface="넥슨Lv1고딕 Bold" panose="00000800000000000000" pitchFamily="2" charset="-127"/>
+              </a:rPr>
+              <a:t>Firebase Console</a:t>
+            </a:r>
+            <a:r>
+              <a:rPr lang="ko-KR" altLang="en-US" sz="1200" spc="-50" dirty="0">
+                <a:solidFill>
+                  <a:schemeClr val="accent1">
+                    <a:lumMod val="50000"/>
+                  </a:schemeClr>
+                </a:solidFill>
+                <a:latin typeface="넥슨Lv1고딕 Bold" panose="00000800000000000000" pitchFamily="2" charset="-127"/>
+                <a:ea typeface="넥슨Lv1고딕 Bold" panose="00000800000000000000" pitchFamily="2" charset="-127"/>
+              </a:rPr>
+              <a:t>에서 로그인 </a:t>
+            </a:r>
+            <a:r>
+              <a:rPr lang="ko-KR" altLang="en-US" sz="1200" spc="-50">
+                <a:solidFill>
+                  <a:schemeClr val="accent1">
+                    <a:lumMod val="50000"/>
+                  </a:schemeClr>
+                </a:solidFill>
+                <a:latin typeface="넥슨Lv1고딕 Bold" panose="00000800000000000000" pitchFamily="2" charset="-127"/>
+                <a:ea typeface="넥슨Lv1고딕 Bold" panose="00000800000000000000" pitchFamily="2" charset="-127"/>
+              </a:rPr>
+              <a:t>방법 설정</a:t>
+            </a:r>
+            <a:r>
+              <a:rPr lang="en-US" altLang="ko-KR" sz="1200" spc="-50" dirty="0">
+                <a:solidFill>
+                  <a:schemeClr val="accent1">
+                    <a:lumMod val="50000"/>
+                  </a:schemeClr>
+                </a:solidFill>
+                <a:latin typeface="넥슨Lv1고딕 Bold" panose="00000800000000000000" pitchFamily="2" charset="-127"/>
+                <a:ea typeface="넥슨Lv1고딕 Bold" panose="00000800000000000000" pitchFamily="2" charset="-127"/>
+              </a:rPr>
+              <a:t>_</a:t>
+            </a:r>
+            <a:r>
+              <a:rPr lang="ko-KR" altLang="en-US" sz="1200" spc="-50">
+                <a:solidFill>
+                  <a:schemeClr val="accent1">
+                    <a:lumMod val="50000"/>
+                  </a:schemeClr>
+                </a:solidFill>
+                <a:latin typeface="넥슨Lv1고딕 Bold" panose="00000800000000000000" pitchFamily="2" charset="-127"/>
+                <a:ea typeface="넥슨Lv1고딕 Bold" panose="00000800000000000000" pitchFamily="2" charset="-127"/>
+              </a:rPr>
+              <a:t>페이스북</a:t>
+            </a:r>
+            <a:endParaRPr lang="en-US" altLang="ko-KR" sz="1200" spc="-50" dirty="0">
+              <a:solidFill>
+                <a:schemeClr val="accent1">
+                  <a:lumMod val="50000"/>
+                </a:schemeClr>
+              </a:solidFill>
+              <a:latin typeface="넥슨Lv1고딕 Bold" panose="00000800000000000000" pitchFamily="2" charset="-127"/>
+              <a:ea typeface="넥슨Lv1고딕 Bold" panose="00000800000000000000" pitchFamily="2" charset="-127"/>
+            </a:endParaRPr>
+          </a:p>
+        </p:txBody>
+      </p:sp>
+      <p:cxnSp>
+        <p:nvCxnSpPr>
+          <p:cNvPr id="13" name="직선 연결선 12"/>
+          <p:cNvCxnSpPr/>
+          <p:nvPr/>
+        </p:nvCxnSpPr>
+        <p:spPr>
+          <a:xfrm>
+            <a:off x="689488" y="1238865"/>
+            <a:ext cx="7647038" cy="0"/>
+          </a:xfrm>
+          <a:prstGeom prst="line">
+            <a:avLst/>
+          </a:prstGeom>
+          <a:ln>
+            <a:solidFill>
+              <a:schemeClr val="bg1">
+                <a:lumMod val="85000"/>
+              </a:schemeClr>
+            </a:solidFill>
+          </a:ln>
+        </p:spPr>
+        <p:style>
+          <a:lnRef idx="1">
+            <a:schemeClr val="accent1"/>
+          </a:lnRef>
+          <a:fillRef idx="0">
+            <a:schemeClr val="accent1"/>
+          </a:fillRef>
+          <a:effectRef idx="0">
+            <a:schemeClr val="accent1"/>
+          </a:effectRef>
+          <a:fontRef idx="minor">
+            <a:schemeClr val="tx1"/>
+          </a:fontRef>
+        </p:style>
+      </p:cxnSp>
+      <p:sp>
+        <p:nvSpPr>
+          <p:cNvPr id="3" name="슬라이드 번호 개체 틀 2"/>
+          <p:cNvSpPr>
+            <a:spLocks noGrp="1"/>
+          </p:cNvSpPr>
+          <p:nvPr>
+            <p:ph type="sldNum" sz="quarter" idx="12"/>
+          </p:nvPr>
+        </p:nvSpPr>
+        <p:spPr/>
+        <p:txBody>
+          <a:bodyPr/>
+          <a:lstStyle/>
+          <a:p>
+            <a:fld id="{8D0AD3C7-B26A-41BF-81F8-CAF4A9564849}" type="slidenum">
+              <a:rPr lang="ko-KR" altLang="en-US" smtClean="0"/>
+              <a:pPr/>
+              <a:t>22</a:t>
+            </a:fld>
+            <a:endParaRPr lang="ko-KR" altLang="en-US" dirty="0"/>
+          </a:p>
+        </p:txBody>
+      </p:sp>
+      <p:sp>
+        <p:nvSpPr>
+          <p:cNvPr id="9" name="타원 8">
+            <a:extLst>
+              <a:ext uri="{FF2B5EF4-FFF2-40B4-BE49-F238E27FC236}">
+                <a16:creationId xmlns:a16="http://schemas.microsoft.com/office/drawing/2014/main" id="{731CCCE5-901D-432C-BEAC-F936CBC6BB25}"/>
+              </a:ext>
+            </a:extLst>
+          </p:cNvPr>
+          <p:cNvSpPr/>
+          <p:nvPr/>
+        </p:nvSpPr>
+        <p:spPr>
+          <a:xfrm>
+            <a:off x="877529" y="1588501"/>
+            <a:ext cx="412955" cy="412955"/>
+          </a:xfrm>
+          <a:prstGeom prst="ellipse">
+            <a:avLst/>
+          </a:prstGeom>
+          <a:solidFill>
+            <a:srgbClr val="298DBF"/>
+          </a:solidFill>
+          <a:ln w="57150">
+            <a:solidFill>
+              <a:schemeClr val="bg1"/>
+            </a:solidFill>
+          </a:ln>
+        </p:spPr>
+        <p:style>
+          <a:lnRef idx="2">
+            <a:schemeClr val="accent1">
+              <a:shade val="50000"/>
+            </a:schemeClr>
+          </a:lnRef>
+          <a:fillRef idx="1">
+            <a:schemeClr val="accent1"/>
+          </a:fillRef>
+          <a:effectRef idx="0">
+            <a:schemeClr val="accent1"/>
+          </a:effectRef>
+          <a:fontRef idx="minor">
+            <a:schemeClr val="lt1"/>
+          </a:fontRef>
+        </p:style>
+        <p:txBody>
+          <a:bodyPr rtlCol="0" anchor="ctr"/>
+          <a:lstStyle/>
+          <a:p>
+            <a:pPr algn="ctr"/>
+            <a:r>
+              <a:rPr lang="en-US" altLang="ko-KR" dirty="0">
+                <a:ea typeface="넥슨Lv1고딕 Light" panose="00000300000000000000" pitchFamily="2" charset="-127"/>
+              </a:rPr>
+              <a:t>4</a:t>
+            </a:r>
+            <a:endParaRPr lang="ko-KR" altLang="en-US" dirty="0">
+              <a:ea typeface="넥슨Lv1고딕 Light" panose="00000300000000000000" pitchFamily="2" charset="-127"/>
+            </a:endParaRPr>
+          </a:p>
+        </p:txBody>
+      </p:sp>
+      <p:sp>
+        <p:nvSpPr>
+          <p:cNvPr id="12" name="TextBox 11">
+            <a:extLst>
+              <a:ext uri="{FF2B5EF4-FFF2-40B4-BE49-F238E27FC236}">
+                <a16:creationId xmlns:a16="http://schemas.microsoft.com/office/drawing/2014/main" id="{9F12D4E5-B109-4B80-B716-4AECBE0D5D67}"/>
+              </a:ext>
+            </a:extLst>
+          </p:cNvPr>
+          <p:cNvSpPr txBox="1"/>
+          <p:nvPr/>
+        </p:nvSpPr>
+        <p:spPr>
+          <a:xfrm>
+            <a:off x="1415845" y="2061361"/>
+            <a:ext cx="6920681" cy="261610"/>
+          </a:xfrm>
+          <a:prstGeom prst="rect">
+            <a:avLst/>
+          </a:prstGeom>
+          <a:noFill/>
+        </p:spPr>
+        <p:txBody>
+          <a:bodyPr wrap="square" rtlCol="0">
+            <a:spAutoFit/>
+          </a:bodyPr>
+          <a:lstStyle/>
+          <a:p>
+            <a:r>
+              <a:rPr lang="ko-KR" altLang="en-US" sz="1100" spc="-50" dirty="0" err="1">
+                <a:latin typeface="넥슨Lv1고딕 Light" panose="00000300000000000000" pitchFamily="2" charset="-127"/>
+                <a:ea typeface="넥슨Lv1고딕 Light" panose="00000300000000000000" pitchFamily="2" charset="-127"/>
+              </a:rPr>
+              <a:t>대시보드</a:t>
+            </a:r>
+            <a:r>
+              <a:rPr lang="ko-KR" altLang="en-US" sz="1100" spc="-50" dirty="0">
+                <a:latin typeface="넥슨Lv1고딕 Light" panose="00000300000000000000" pitchFamily="2" charset="-127"/>
+                <a:ea typeface="넥슨Lv1고딕 Light" panose="00000300000000000000" pitchFamily="2" charset="-127"/>
+              </a:rPr>
+              <a:t> </a:t>
+            </a:r>
+            <a:r>
+              <a:rPr lang="en-US" altLang="ko-KR" sz="1100" spc="-50" dirty="0">
+                <a:latin typeface="넥슨Lv1고딕 Light" panose="00000300000000000000" pitchFamily="2" charset="-127"/>
+                <a:ea typeface="넥슨Lv1고딕 Light" panose="00000300000000000000" pitchFamily="2" charset="-127"/>
+              </a:rPr>
+              <a:t>– </a:t>
+            </a:r>
+            <a:r>
+              <a:rPr lang="ko-KR" altLang="en-US" sz="1100" spc="-50">
+                <a:latin typeface="넥슨Lv1고딕 Light" panose="00000300000000000000" pitchFamily="2" charset="-127"/>
+                <a:ea typeface="넥슨Lv1고딕 Light" panose="00000300000000000000" pitchFamily="2" charset="-127"/>
+              </a:rPr>
+              <a:t>설정 </a:t>
+            </a:r>
+            <a:r>
+              <a:rPr lang="en-US" altLang="ko-KR" sz="1100" spc="-50" dirty="0">
+                <a:latin typeface="넥슨Lv1고딕 Light" panose="00000300000000000000" pitchFamily="2" charset="-127"/>
+                <a:ea typeface="넥슨Lv1고딕 Light" panose="00000300000000000000" pitchFamily="2" charset="-127"/>
+              </a:rPr>
+              <a:t>– </a:t>
+            </a:r>
+            <a:r>
+              <a:rPr lang="ko-KR" altLang="en-US" sz="1100" spc="-50">
+                <a:latin typeface="넥슨Lv1고딕 Light" panose="00000300000000000000" pitchFamily="2" charset="-127"/>
+                <a:ea typeface="넥슨Lv1고딕 Light" panose="00000300000000000000" pitchFamily="2" charset="-127"/>
+              </a:rPr>
+              <a:t>고급 설정에서 네이티브 앱 또는 데스크톱 앱</a:t>
+            </a:r>
+            <a:r>
+              <a:rPr lang="en-US" altLang="ko-KR" sz="1100" spc="-50" dirty="0">
+                <a:latin typeface="넥슨Lv1고딕 Light" panose="00000300000000000000" pitchFamily="2" charset="-127"/>
+                <a:ea typeface="넥슨Lv1고딕 Light" panose="00000300000000000000" pitchFamily="2" charset="-127"/>
+              </a:rPr>
+              <a:t> </a:t>
+            </a:r>
+            <a:r>
+              <a:rPr lang="ko-KR" altLang="en-US" sz="1100" spc="-50">
+                <a:latin typeface="넥슨Lv1고딕 Light" panose="00000300000000000000" pitchFamily="2" charset="-127"/>
+                <a:ea typeface="넥슨Lv1고딕 Light" panose="00000300000000000000" pitchFamily="2" charset="-127"/>
+              </a:rPr>
+              <a:t>설정을 켜 주세요</a:t>
+            </a:r>
+            <a:r>
+              <a:rPr lang="en-US" altLang="ko-KR" sz="1100" spc="-50" dirty="0">
+                <a:latin typeface="넥슨Lv1고딕 Light" panose="00000300000000000000" pitchFamily="2" charset="-127"/>
+                <a:ea typeface="넥슨Lv1고딕 Light" panose="00000300000000000000" pitchFamily="2" charset="-127"/>
+              </a:rPr>
+              <a:t>.</a:t>
+            </a:r>
+          </a:p>
+        </p:txBody>
+      </p:sp>
+      <p:sp>
+        <p:nvSpPr>
+          <p:cNvPr id="10" name="제목 3">
+            <a:extLst>
+              <a:ext uri="{FF2B5EF4-FFF2-40B4-BE49-F238E27FC236}">
+                <a16:creationId xmlns:a16="http://schemas.microsoft.com/office/drawing/2014/main" id="{7994DE8C-0858-4685-B074-BAD5A1FFB78D}"/>
+              </a:ext>
+            </a:extLst>
+          </p:cNvPr>
+          <p:cNvSpPr>
+            <a:spLocks noGrp="1"/>
+          </p:cNvSpPr>
+          <p:nvPr>
+            <p:ph type="title"/>
+          </p:nvPr>
+        </p:nvSpPr>
+        <p:spPr>
+          <a:xfrm>
+            <a:off x="628650" y="551713"/>
+            <a:ext cx="7886700" cy="721790"/>
+          </a:xfrm>
+        </p:spPr>
+        <p:txBody>
+          <a:bodyPr>
+            <a:normAutofit/>
+          </a:bodyPr>
+          <a:lstStyle/>
+          <a:p>
+            <a:pPr>
+              <a:lnSpc>
+                <a:spcPct val="110000"/>
+              </a:lnSpc>
+            </a:pPr>
+            <a:r>
+              <a:rPr lang="en-US" altLang="ko-KR" sz="1000" dirty="0" err="1">
+                <a:latin typeface="넥슨Lv1고딕 Light" panose="00000300000000000000" pitchFamily="2" charset="-127"/>
+                <a:ea typeface="넥슨Lv1고딕 Light" panose="00000300000000000000" pitchFamily="2" charset="-127"/>
+              </a:rPr>
+              <a:t>FirebaseUI</a:t>
+            </a:r>
+            <a:r>
+              <a:rPr lang="ko-KR" altLang="en-US" sz="1000" dirty="0">
+                <a:latin typeface="넥슨Lv1고딕 Light" panose="00000300000000000000" pitchFamily="2" charset="-127"/>
+                <a:ea typeface="넥슨Lv1고딕 Light" panose="00000300000000000000" pitchFamily="2" charset="-127"/>
+              </a:rPr>
+              <a:t>를 이용한</a:t>
+            </a:r>
+            <a:br>
+              <a:rPr lang="en-US" altLang="ko-KR" sz="1800" dirty="0">
+                <a:latin typeface="넥슨Lv1고딕 Bold" panose="00000800000000000000" pitchFamily="2" charset="-127"/>
+                <a:ea typeface="넥슨Lv1고딕 Bold" panose="00000800000000000000" pitchFamily="2" charset="-127"/>
+              </a:rPr>
+            </a:br>
+            <a:r>
+              <a:rPr lang="ko-KR" altLang="en-US" sz="1800" b="1" dirty="0">
+                <a:latin typeface="넥슨Lv1고딕 Bold" panose="00000800000000000000" pitchFamily="2" charset="-127"/>
+                <a:ea typeface="넥슨Lv1고딕 Bold" panose="00000800000000000000" pitchFamily="2" charset="-127"/>
+              </a:rPr>
+              <a:t>구글</a:t>
+            </a:r>
+            <a:r>
+              <a:rPr lang="en-US" altLang="ko-KR" sz="1800" b="1" dirty="0">
+                <a:latin typeface="넥슨Lv1고딕 Bold" panose="00000800000000000000" pitchFamily="2" charset="-127"/>
+                <a:ea typeface="넥슨Lv1고딕 Bold" panose="00000800000000000000" pitchFamily="2" charset="-127"/>
+              </a:rPr>
+              <a:t>, </a:t>
+            </a:r>
+            <a:r>
+              <a:rPr lang="ko-KR" altLang="en-US" sz="1800" b="1" dirty="0">
+                <a:latin typeface="넥슨Lv1고딕 Bold" panose="00000800000000000000" pitchFamily="2" charset="-127"/>
+                <a:ea typeface="넥슨Lv1고딕 Bold" panose="00000800000000000000" pitchFamily="2" charset="-127"/>
+              </a:rPr>
+              <a:t>페이스북</a:t>
+            </a:r>
+            <a:r>
+              <a:rPr lang="en-US" altLang="ko-KR" sz="1800" b="1" dirty="0">
+                <a:latin typeface="넥슨Lv1고딕 Bold" panose="00000800000000000000" pitchFamily="2" charset="-127"/>
+                <a:ea typeface="넥슨Lv1고딕 Bold" panose="00000800000000000000" pitchFamily="2" charset="-127"/>
+              </a:rPr>
+              <a:t>, </a:t>
+            </a:r>
+            <a:r>
+              <a:rPr lang="ko-KR" altLang="en-US" sz="1800" b="1" dirty="0">
+                <a:latin typeface="넥슨Lv1고딕 Bold" panose="00000800000000000000" pitchFamily="2" charset="-127"/>
+                <a:ea typeface="넥슨Lv1고딕 Bold" panose="00000800000000000000" pitchFamily="2" charset="-127"/>
+              </a:rPr>
+              <a:t>이메일 로그인 구현</a:t>
+            </a:r>
+            <a:endParaRPr lang="ko-KR" altLang="en-US" sz="2200" dirty="0">
+              <a:latin typeface="넥슨Lv1고딕 Bold" panose="00000800000000000000" pitchFamily="2" charset="-127"/>
+              <a:ea typeface="넥슨Lv1고딕 Bold" panose="00000800000000000000" pitchFamily="2" charset="-127"/>
+            </a:endParaRPr>
+          </a:p>
+        </p:txBody>
+      </p:sp>
+      <p:pic>
+        <p:nvPicPr>
+          <p:cNvPr id="2" name="그림 1" descr="화면 캡처"/>
+          <p:cNvPicPr>
+            <a:picLocks noChangeAspect="1"/>
+          </p:cNvPicPr>
+          <p:nvPr/>
+        </p:nvPicPr>
+        <p:blipFill>
+          <a:blip r:embed="rId3">
+            <a:extLst>
+              <a:ext uri="{28A0092B-C50C-407E-A947-70E740481C1C}">
+                <a14:useLocalDpi xmlns:a14="http://schemas.microsoft.com/office/drawing/2010/main" val="0"/>
+              </a:ext>
+            </a:extLst>
+          </a:blip>
+          <a:stretch>
+            <a:fillRect/>
+          </a:stretch>
+        </p:blipFill>
+        <p:spPr>
+          <a:xfrm>
+            <a:off x="1517959" y="2423677"/>
+            <a:ext cx="4735608" cy="3842002"/>
+          </a:xfrm>
+          <a:prstGeom prst="rect">
+            <a:avLst/>
+          </a:prstGeom>
+        </p:spPr>
+      </p:pic>
+      <p:pic>
+        <p:nvPicPr>
+          <p:cNvPr id="4" name="그림 3" descr="화면 캡처"/>
+          <p:cNvPicPr>
+            <a:picLocks noChangeAspect="1"/>
+          </p:cNvPicPr>
+          <p:nvPr/>
+        </p:nvPicPr>
+        <p:blipFill>
+          <a:blip r:embed="rId4">
+            <a:extLst>
+              <a:ext uri="{28A0092B-C50C-407E-A947-70E740481C1C}">
+                <a14:useLocalDpi xmlns:a14="http://schemas.microsoft.com/office/drawing/2010/main" val="0"/>
+              </a:ext>
+            </a:extLst>
+          </a:blip>
+          <a:stretch>
+            <a:fillRect/>
+          </a:stretch>
+        </p:blipFill>
+        <p:spPr>
+          <a:xfrm>
+            <a:off x="5301221" y="3672146"/>
+            <a:ext cx="2400635" cy="924054"/>
+          </a:xfrm>
+          <a:prstGeom prst="rect">
+            <a:avLst/>
+          </a:prstGeom>
+        </p:spPr>
+      </p:pic>
+      <p:pic>
+        <p:nvPicPr>
+          <p:cNvPr id="5" name="그림 4" descr="화면 캡처"/>
+          <p:cNvPicPr>
+            <a:picLocks noChangeAspect="1"/>
+          </p:cNvPicPr>
+          <p:nvPr/>
+        </p:nvPicPr>
+        <p:blipFill>
+          <a:blip r:embed="rId5">
+            <a:extLst>
+              <a:ext uri="{28A0092B-C50C-407E-A947-70E740481C1C}">
+                <a14:useLocalDpi xmlns:a14="http://schemas.microsoft.com/office/drawing/2010/main" val="0"/>
+              </a:ext>
+            </a:extLst>
+          </a:blip>
+          <a:stretch>
+            <a:fillRect/>
+          </a:stretch>
+        </p:blipFill>
+        <p:spPr>
+          <a:xfrm>
+            <a:off x="6634907" y="4410436"/>
+            <a:ext cx="1066949" cy="371527"/>
+          </a:xfrm>
+          <a:prstGeom prst="rect">
+            <a:avLst/>
+          </a:prstGeom>
+        </p:spPr>
+      </p:pic>
+    </p:spTree>
+    <p:extLst>
+      <p:ext uri="{BB962C8B-B14F-4D97-AF65-F5344CB8AC3E}">
+        <p14:creationId xmlns:p14="http://schemas.microsoft.com/office/powerpoint/2010/main" val="1560029680"/>
+      </p:ext>
+    </p:extLst>
+  </p:cSld>
+  <p:clrMapOvr>
+    <a:masterClrMapping/>
+  </p:clrMapOvr>
+</p:sld>
+</file>
+
+<file path=ppt/slides/slide24.xml><?xml version="1.0" encoding="utf-8"?>
+<p:sld xmlns:a="http://schemas.openxmlformats.org/drawingml/2006/main" xmlns:r="http://schemas.openxmlformats.org/officeDocument/2006/relationships" xmlns:p="http://schemas.openxmlformats.org/presentationml/2006/main">
+  <p:cSld>
+    <p:spTree>
+      <p:nvGrpSpPr>
+        <p:cNvPr id="1" name=""/>
+        <p:cNvGrpSpPr/>
+        <p:nvPr/>
+      </p:nvGrpSpPr>
+      <p:grpSpPr>
+        <a:xfrm>
+          <a:off x="0" y="0"/>
+          <a:ext cx="0" cy="0"/>
+          <a:chOff x="0" y="0"/>
+          <a:chExt cx="0" cy="0"/>
+        </a:xfrm>
+      </p:grpSpPr>
+      <p:sp>
+        <p:nvSpPr>
+          <p:cNvPr id="7" name="모서리가 둥근 직사각형 6"/>
+          <p:cNvSpPr/>
+          <p:nvPr/>
+        </p:nvSpPr>
+        <p:spPr>
+          <a:xfrm>
+            <a:off x="1109817" y="1610380"/>
+            <a:ext cx="3872888" cy="350275"/>
+          </a:xfrm>
+          <a:prstGeom prst="roundRect">
+            <a:avLst/>
+          </a:prstGeom>
+          <a:solidFill>
+            <a:schemeClr val="bg1">
+              <a:lumMod val="95000"/>
+            </a:schemeClr>
+          </a:solidFill>
+          <a:ln>
+            <a:noFill/>
+          </a:ln>
+        </p:spPr>
+        <p:style>
+          <a:lnRef idx="2">
+            <a:schemeClr val="accent1">
+              <a:shade val="50000"/>
+            </a:schemeClr>
+          </a:lnRef>
+          <a:fillRef idx="1">
+            <a:schemeClr val="accent1"/>
+          </a:fillRef>
+          <a:effectRef idx="0">
+            <a:schemeClr val="accent1"/>
+          </a:effectRef>
+          <a:fontRef idx="minor">
+            <a:schemeClr val="lt1"/>
+          </a:fontRef>
+        </p:style>
+        <p:txBody>
+          <a:bodyPr lIns="360000" rtlCol="0" anchor="ctr"/>
+          <a:lstStyle/>
+          <a:p>
+            <a:r>
+              <a:rPr lang="en-US" altLang="ko-KR" sz="1200" spc="-50" dirty="0">
+                <a:solidFill>
+                  <a:schemeClr val="accent1">
+                    <a:lumMod val="50000"/>
+                  </a:schemeClr>
+                </a:solidFill>
+                <a:latin typeface="넥슨Lv1고딕 Bold" panose="00000800000000000000" pitchFamily="2" charset="-127"/>
+                <a:ea typeface="넥슨Lv1고딕 Bold" panose="00000800000000000000" pitchFamily="2" charset="-127"/>
+              </a:rPr>
+              <a:t>Firebase Console</a:t>
+            </a:r>
+            <a:r>
+              <a:rPr lang="ko-KR" altLang="en-US" sz="1200" spc="-50" dirty="0">
+                <a:solidFill>
+                  <a:schemeClr val="accent1">
+                    <a:lumMod val="50000"/>
+                  </a:schemeClr>
+                </a:solidFill>
+                <a:latin typeface="넥슨Lv1고딕 Bold" panose="00000800000000000000" pitchFamily="2" charset="-127"/>
+                <a:ea typeface="넥슨Lv1고딕 Bold" panose="00000800000000000000" pitchFamily="2" charset="-127"/>
+              </a:rPr>
+              <a:t>에서 로그인 </a:t>
+            </a:r>
+            <a:r>
+              <a:rPr lang="ko-KR" altLang="en-US" sz="1200" spc="-50">
+                <a:solidFill>
+                  <a:schemeClr val="accent1">
+                    <a:lumMod val="50000"/>
+                  </a:schemeClr>
+                </a:solidFill>
+                <a:latin typeface="넥슨Lv1고딕 Bold" panose="00000800000000000000" pitchFamily="2" charset="-127"/>
+                <a:ea typeface="넥슨Lv1고딕 Bold" panose="00000800000000000000" pitchFamily="2" charset="-127"/>
+              </a:rPr>
+              <a:t>방법 설정</a:t>
+            </a:r>
+            <a:r>
+              <a:rPr lang="en-US" altLang="ko-KR" sz="1200" spc="-50" dirty="0">
+                <a:solidFill>
+                  <a:schemeClr val="accent1">
+                    <a:lumMod val="50000"/>
+                  </a:schemeClr>
+                </a:solidFill>
+                <a:latin typeface="넥슨Lv1고딕 Bold" panose="00000800000000000000" pitchFamily="2" charset="-127"/>
+                <a:ea typeface="넥슨Lv1고딕 Bold" panose="00000800000000000000" pitchFamily="2" charset="-127"/>
+              </a:rPr>
+              <a:t>_</a:t>
+            </a:r>
+            <a:r>
+              <a:rPr lang="ko-KR" altLang="en-US" sz="1200" spc="-50">
+                <a:solidFill>
+                  <a:schemeClr val="accent1">
+                    <a:lumMod val="50000"/>
+                  </a:schemeClr>
+                </a:solidFill>
+                <a:latin typeface="넥슨Lv1고딕 Bold" panose="00000800000000000000" pitchFamily="2" charset="-127"/>
+                <a:ea typeface="넥슨Lv1고딕 Bold" panose="00000800000000000000" pitchFamily="2" charset="-127"/>
+              </a:rPr>
+              <a:t>페이스북</a:t>
+            </a:r>
+            <a:endParaRPr lang="en-US" altLang="ko-KR" sz="1200" spc="-50" dirty="0">
+              <a:solidFill>
+                <a:schemeClr val="accent1">
+                  <a:lumMod val="50000"/>
+                </a:schemeClr>
+              </a:solidFill>
+              <a:latin typeface="넥슨Lv1고딕 Bold" panose="00000800000000000000" pitchFamily="2" charset="-127"/>
+              <a:ea typeface="넥슨Lv1고딕 Bold" panose="00000800000000000000" pitchFamily="2" charset="-127"/>
+            </a:endParaRPr>
+          </a:p>
+        </p:txBody>
+      </p:sp>
+      <p:cxnSp>
+        <p:nvCxnSpPr>
+          <p:cNvPr id="13" name="직선 연결선 12"/>
+          <p:cNvCxnSpPr/>
+          <p:nvPr/>
+        </p:nvCxnSpPr>
+        <p:spPr>
+          <a:xfrm>
+            <a:off x="689488" y="1238865"/>
+            <a:ext cx="7647038" cy="0"/>
+          </a:xfrm>
+          <a:prstGeom prst="line">
+            <a:avLst/>
+          </a:prstGeom>
+          <a:ln>
+            <a:solidFill>
+              <a:schemeClr val="bg1">
+                <a:lumMod val="85000"/>
+              </a:schemeClr>
+            </a:solidFill>
+          </a:ln>
+        </p:spPr>
+        <p:style>
+          <a:lnRef idx="1">
+            <a:schemeClr val="accent1"/>
+          </a:lnRef>
+          <a:fillRef idx="0">
+            <a:schemeClr val="accent1"/>
+          </a:fillRef>
+          <a:effectRef idx="0">
+            <a:schemeClr val="accent1"/>
+          </a:effectRef>
+          <a:fontRef idx="minor">
+            <a:schemeClr val="tx1"/>
+          </a:fontRef>
+        </p:style>
+      </p:cxnSp>
+      <p:sp>
+        <p:nvSpPr>
+          <p:cNvPr id="3" name="슬라이드 번호 개체 틀 2"/>
+          <p:cNvSpPr>
+            <a:spLocks noGrp="1"/>
+          </p:cNvSpPr>
+          <p:nvPr>
+            <p:ph type="sldNum" sz="quarter" idx="12"/>
+          </p:nvPr>
+        </p:nvSpPr>
+        <p:spPr/>
+        <p:txBody>
+          <a:bodyPr/>
+          <a:lstStyle/>
+          <a:p>
+            <a:fld id="{8D0AD3C7-B26A-41BF-81F8-CAF4A9564849}" type="slidenum">
+              <a:rPr lang="ko-KR" altLang="en-US" smtClean="0"/>
+              <a:pPr/>
+              <a:t>23</a:t>
+            </a:fld>
+            <a:endParaRPr lang="ko-KR" altLang="en-US" dirty="0"/>
+          </a:p>
+        </p:txBody>
+      </p:sp>
+      <p:sp>
+        <p:nvSpPr>
+          <p:cNvPr id="9" name="타원 8">
+            <a:extLst>
+              <a:ext uri="{FF2B5EF4-FFF2-40B4-BE49-F238E27FC236}">
+                <a16:creationId xmlns:a16="http://schemas.microsoft.com/office/drawing/2014/main" id="{731CCCE5-901D-432C-BEAC-F936CBC6BB25}"/>
+              </a:ext>
+            </a:extLst>
+          </p:cNvPr>
+          <p:cNvSpPr/>
+          <p:nvPr/>
+        </p:nvSpPr>
+        <p:spPr>
+          <a:xfrm>
+            <a:off x="877529" y="1588501"/>
+            <a:ext cx="412955" cy="412955"/>
+          </a:xfrm>
+          <a:prstGeom prst="ellipse">
+            <a:avLst/>
+          </a:prstGeom>
+          <a:solidFill>
+            <a:srgbClr val="298DBF"/>
+          </a:solidFill>
+          <a:ln w="57150">
+            <a:solidFill>
+              <a:schemeClr val="bg1"/>
+            </a:solidFill>
+          </a:ln>
+        </p:spPr>
+        <p:style>
+          <a:lnRef idx="2">
+            <a:schemeClr val="accent1">
+              <a:shade val="50000"/>
+            </a:schemeClr>
+          </a:lnRef>
+          <a:fillRef idx="1">
+            <a:schemeClr val="accent1"/>
+          </a:fillRef>
+          <a:effectRef idx="0">
+            <a:schemeClr val="accent1"/>
+          </a:effectRef>
+          <a:fontRef idx="minor">
+            <a:schemeClr val="lt1"/>
+          </a:fontRef>
+        </p:style>
+        <p:txBody>
+          <a:bodyPr rtlCol="0" anchor="ctr"/>
+          <a:lstStyle/>
+          <a:p>
+            <a:pPr algn="ctr"/>
+            <a:r>
+              <a:rPr lang="en-US" altLang="ko-KR" dirty="0">
+                <a:ea typeface="넥슨Lv1고딕 Light" panose="00000300000000000000" pitchFamily="2" charset="-127"/>
+              </a:rPr>
+              <a:t>4</a:t>
+            </a:r>
+            <a:endParaRPr lang="ko-KR" altLang="en-US" dirty="0">
+              <a:ea typeface="넥슨Lv1고딕 Light" panose="00000300000000000000" pitchFamily="2" charset="-127"/>
+            </a:endParaRPr>
+          </a:p>
+        </p:txBody>
+      </p:sp>
+      <p:sp>
+        <p:nvSpPr>
+          <p:cNvPr id="12" name="TextBox 11">
+            <a:extLst>
+              <a:ext uri="{FF2B5EF4-FFF2-40B4-BE49-F238E27FC236}">
+                <a16:creationId xmlns:a16="http://schemas.microsoft.com/office/drawing/2014/main" id="{9F12D4E5-B109-4B80-B716-4AECBE0D5D67}"/>
+              </a:ext>
+            </a:extLst>
+          </p:cNvPr>
+          <p:cNvSpPr txBox="1"/>
+          <p:nvPr/>
+        </p:nvSpPr>
+        <p:spPr>
+          <a:xfrm>
+            <a:off x="1415845" y="2061361"/>
+            <a:ext cx="6920681" cy="430887"/>
+          </a:xfrm>
+          <a:prstGeom prst="rect">
+            <a:avLst/>
+          </a:prstGeom>
+          <a:noFill/>
+        </p:spPr>
+        <p:txBody>
+          <a:bodyPr wrap="square" rtlCol="0">
+            <a:spAutoFit/>
+          </a:bodyPr>
+          <a:lstStyle/>
+          <a:p>
+            <a:r>
+              <a:rPr lang="ko-KR" altLang="en-US" sz="1100" spc="-50" dirty="0" err="1">
+                <a:latin typeface="넥슨Lv1고딕 Light" panose="00000300000000000000" pitchFamily="2" charset="-127"/>
+                <a:ea typeface="넥슨Lv1고딕 Light" panose="00000300000000000000" pitchFamily="2" charset="-127"/>
+              </a:rPr>
+              <a:t>대시보드</a:t>
+            </a:r>
+            <a:r>
+              <a:rPr lang="ko-KR" altLang="en-US" sz="1100" spc="-50" dirty="0">
+                <a:latin typeface="넥슨Lv1고딕 Light" panose="00000300000000000000" pitchFamily="2" charset="-127"/>
+                <a:ea typeface="넥슨Lv1고딕 Light" panose="00000300000000000000" pitchFamily="2" charset="-127"/>
+              </a:rPr>
+              <a:t> </a:t>
+            </a:r>
+            <a:r>
+              <a:rPr lang="en-US" altLang="ko-KR" sz="1100" spc="-50" dirty="0">
+                <a:latin typeface="넥슨Lv1고딕 Light" panose="00000300000000000000" pitchFamily="2" charset="-127"/>
+                <a:ea typeface="넥슨Lv1고딕 Light" panose="00000300000000000000" pitchFamily="2" charset="-127"/>
+              </a:rPr>
+              <a:t>– </a:t>
+            </a:r>
+            <a:r>
+              <a:rPr lang="ko-KR" altLang="en-US" sz="1100" spc="-50">
+                <a:latin typeface="넥슨Lv1고딕 Light" panose="00000300000000000000" pitchFamily="2" charset="-127"/>
+                <a:ea typeface="넥슨Lv1고딕 Light" panose="00000300000000000000" pitchFamily="2" charset="-127"/>
+              </a:rPr>
+              <a:t>제품 </a:t>
+            </a:r>
+            <a:r>
+              <a:rPr lang="en-US" altLang="ko-KR" sz="1100" spc="-50" dirty="0">
+                <a:latin typeface="넥슨Lv1고딕 Light" panose="00000300000000000000" pitchFamily="2" charset="-127"/>
+                <a:ea typeface="넥슨Lv1고딕 Light" panose="00000300000000000000" pitchFamily="2" charset="-127"/>
+              </a:rPr>
+              <a:t>– Facebook </a:t>
+            </a:r>
+            <a:r>
+              <a:rPr lang="ko-KR" altLang="en-US" sz="1100" spc="-50">
+                <a:latin typeface="넥슨Lv1고딕 Light" panose="00000300000000000000" pitchFamily="2" charset="-127"/>
+                <a:ea typeface="넥슨Lv1고딕 Light" panose="00000300000000000000" pitchFamily="2" charset="-127"/>
+              </a:rPr>
+              <a:t>로그인 설정에서 유효한 </a:t>
+            </a:r>
+            <a:r>
+              <a:rPr lang="en-US" altLang="ko-KR" sz="1100" spc="-50" dirty="0">
+                <a:latin typeface="넥슨Lv1고딕 Light" panose="00000300000000000000" pitchFamily="2" charset="-127"/>
+                <a:ea typeface="넥슨Lv1고딕 Light" panose="00000300000000000000" pitchFamily="2" charset="-127"/>
+              </a:rPr>
+              <a:t>OAuth </a:t>
+            </a:r>
+            <a:r>
+              <a:rPr lang="ko-KR" altLang="en-US" sz="1100" spc="-50">
+                <a:latin typeface="넥슨Lv1고딕 Light" panose="00000300000000000000" pitchFamily="2" charset="-127"/>
+                <a:ea typeface="넥슨Lv1고딕 Light" panose="00000300000000000000" pitchFamily="2" charset="-127"/>
+              </a:rPr>
+              <a:t>리디렉션 </a:t>
+            </a:r>
+            <a:r>
+              <a:rPr lang="en-US" altLang="ko-KR" sz="1100" spc="-50" dirty="0">
+                <a:latin typeface="넥슨Lv1고딕 Light" panose="00000300000000000000" pitchFamily="2" charset="-127"/>
+                <a:ea typeface="넥슨Lv1고딕 Light" panose="00000300000000000000" pitchFamily="2" charset="-127"/>
+              </a:rPr>
+              <a:t>URI</a:t>
+            </a:r>
+            <a:r>
+              <a:rPr lang="ko-KR" altLang="en-US" sz="1100" spc="-50">
+                <a:latin typeface="넥슨Lv1고딕 Light" panose="00000300000000000000" pitchFamily="2" charset="-127"/>
+                <a:ea typeface="넥슨Lv1고딕 Light" panose="00000300000000000000" pitchFamily="2" charset="-127"/>
+              </a:rPr>
+              <a:t>를 작성해 주세요</a:t>
+            </a:r>
+            <a:r>
+              <a:rPr lang="en-US" altLang="ko-KR" sz="1100" spc="-50" dirty="0">
+                <a:latin typeface="넥슨Lv1고딕 Light" panose="00000300000000000000" pitchFamily="2" charset="-127"/>
+                <a:ea typeface="넥슨Lv1고딕 Light" panose="00000300000000000000" pitchFamily="2" charset="-127"/>
+              </a:rPr>
+              <a:t>.</a:t>
+            </a:r>
+          </a:p>
+          <a:p>
+            <a:r>
+              <a:rPr lang="ko-KR" altLang="en-US" sz="1100" spc="-50" dirty="0">
+                <a:latin typeface="넥슨Lv1고딕 Light" panose="00000300000000000000" pitchFamily="2" charset="-127"/>
+                <a:ea typeface="넥슨Lv1고딕 Light" panose="00000300000000000000" pitchFamily="2" charset="-127"/>
+              </a:rPr>
+              <a:t>유효한 </a:t>
+            </a:r>
+            <a:r>
+              <a:rPr lang="en-US" altLang="ko-KR" sz="1100" spc="-50" dirty="0">
+                <a:latin typeface="넥슨Lv1고딕 Light" panose="00000300000000000000" pitchFamily="2" charset="-127"/>
+                <a:ea typeface="넥슨Lv1고딕 Light" panose="00000300000000000000" pitchFamily="2" charset="-127"/>
+              </a:rPr>
+              <a:t>OAuth </a:t>
+            </a:r>
+            <a:r>
+              <a:rPr lang="ko-KR" altLang="en-US" sz="1100" spc="-50">
+                <a:latin typeface="넥슨Lv1고딕 Light" panose="00000300000000000000" pitchFamily="2" charset="-127"/>
+                <a:ea typeface="넥슨Lv1고딕 Light" panose="00000300000000000000" pitchFamily="2" charset="-127"/>
+              </a:rPr>
+              <a:t>리디렉션 </a:t>
+            </a:r>
+            <a:r>
+              <a:rPr lang="en-US" altLang="ko-KR" sz="1100" spc="-50" dirty="0">
+                <a:latin typeface="넥슨Lv1고딕 Light" panose="00000300000000000000" pitchFamily="2" charset="-127"/>
+                <a:ea typeface="넥슨Lv1고딕 Light" panose="00000300000000000000" pitchFamily="2" charset="-127"/>
+              </a:rPr>
+              <a:t>URI</a:t>
+            </a:r>
+            <a:r>
+              <a:rPr lang="ko-KR" altLang="en-US" sz="1100" spc="-50">
+                <a:latin typeface="넥슨Lv1고딕 Light" panose="00000300000000000000" pitchFamily="2" charset="-127"/>
+                <a:ea typeface="넥슨Lv1고딕 Light" panose="00000300000000000000" pitchFamily="2" charset="-127"/>
+              </a:rPr>
+              <a:t>는 </a:t>
+            </a:r>
+            <a:r>
+              <a:rPr lang="en-US" altLang="ko-KR" sz="1100" spc="-50" dirty="0">
+                <a:latin typeface="넥슨Lv1고딕 Light" panose="00000300000000000000" pitchFamily="2" charset="-127"/>
+                <a:ea typeface="넥슨Lv1고딕 Light" panose="00000300000000000000" pitchFamily="2" charset="-127"/>
+              </a:rPr>
+              <a:t>Firebase Console</a:t>
+            </a:r>
+            <a:r>
+              <a:rPr lang="ko-KR" altLang="en-US" sz="1100" spc="-50">
+                <a:latin typeface="넥슨Lv1고딕 Light" panose="00000300000000000000" pitchFamily="2" charset="-127"/>
+                <a:ea typeface="넥슨Lv1고딕 Light" panose="00000300000000000000" pitchFamily="2" charset="-127"/>
+              </a:rPr>
+              <a:t>에서 확인할 수 있습니다</a:t>
+            </a:r>
+            <a:r>
+              <a:rPr lang="en-US" altLang="ko-KR" sz="1100" spc="-50" dirty="0">
+                <a:latin typeface="넥슨Lv1고딕 Light" panose="00000300000000000000" pitchFamily="2" charset="-127"/>
+                <a:ea typeface="넥슨Lv1고딕 Light" panose="00000300000000000000" pitchFamily="2" charset="-127"/>
+              </a:rPr>
+              <a:t>.</a:t>
+            </a:r>
+          </a:p>
+        </p:txBody>
+      </p:sp>
+      <p:sp>
+        <p:nvSpPr>
+          <p:cNvPr id="10" name="제목 3">
+            <a:extLst>
+              <a:ext uri="{FF2B5EF4-FFF2-40B4-BE49-F238E27FC236}">
+                <a16:creationId xmlns:a16="http://schemas.microsoft.com/office/drawing/2014/main" id="{7994DE8C-0858-4685-B074-BAD5A1FFB78D}"/>
+              </a:ext>
+            </a:extLst>
+          </p:cNvPr>
+          <p:cNvSpPr>
+            <a:spLocks noGrp="1"/>
+          </p:cNvSpPr>
+          <p:nvPr>
+            <p:ph type="title"/>
+          </p:nvPr>
+        </p:nvSpPr>
+        <p:spPr>
+          <a:xfrm>
+            <a:off x="628650" y="551713"/>
+            <a:ext cx="7886700" cy="721790"/>
+          </a:xfrm>
+        </p:spPr>
+        <p:txBody>
+          <a:bodyPr>
+            <a:normAutofit/>
+          </a:bodyPr>
+          <a:lstStyle/>
+          <a:p>
+            <a:pPr>
+              <a:lnSpc>
+                <a:spcPct val="110000"/>
+              </a:lnSpc>
+            </a:pPr>
+            <a:r>
+              <a:rPr lang="en-US" altLang="ko-KR" sz="1000" dirty="0" err="1">
+                <a:latin typeface="넥슨Lv1고딕 Light" panose="00000300000000000000" pitchFamily="2" charset="-127"/>
+                <a:ea typeface="넥슨Lv1고딕 Light" panose="00000300000000000000" pitchFamily="2" charset="-127"/>
+              </a:rPr>
+              <a:t>FirebaseUI</a:t>
+            </a:r>
+            <a:r>
+              <a:rPr lang="ko-KR" altLang="en-US" sz="1000" dirty="0">
+                <a:latin typeface="넥슨Lv1고딕 Light" panose="00000300000000000000" pitchFamily="2" charset="-127"/>
+                <a:ea typeface="넥슨Lv1고딕 Light" panose="00000300000000000000" pitchFamily="2" charset="-127"/>
+              </a:rPr>
+              <a:t>를 이용한</a:t>
+            </a:r>
+            <a:br>
+              <a:rPr lang="en-US" altLang="ko-KR" sz="1800" dirty="0">
+                <a:latin typeface="넥슨Lv1고딕 Bold" panose="00000800000000000000" pitchFamily="2" charset="-127"/>
+                <a:ea typeface="넥슨Lv1고딕 Bold" panose="00000800000000000000" pitchFamily="2" charset="-127"/>
+              </a:rPr>
+            </a:br>
+            <a:r>
+              <a:rPr lang="ko-KR" altLang="en-US" sz="1800" b="1" dirty="0">
+                <a:latin typeface="넥슨Lv1고딕 Bold" panose="00000800000000000000" pitchFamily="2" charset="-127"/>
+                <a:ea typeface="넥슨Lv1고딕 Bold" panose="00000800000000000000" pitchFamily="2" charset="-127"/>
+              </a:rPr>
+              <a:t>구글</a:t>
+            </a:r>
+            <a:r>
+              <a:rPr lang="en-US" altLang="ko-KR" sz="1800" b="1" dirty="0">
+                <a:latin typeface="넥슨Lv1고딕 Bold" panose="00000800000000000000" pitchFamily="2" charset="-127"/>
+                <a:ea typeface="넥슨Lv1고딕 Bold" panose="00000800000000000000" pitchFamily="2" charset="-127"/>
+              </a:rPr>
+              <a:t>, </a:t>
+            </a:r>
+            <a:r>
+              <a:rPr lang="ko-KR" altLang="en-US" sz="1800" b="1" dirty="0">
+                <a:latin typeface="넥슨Lv1고딕 Bold" panose="00000800000000000000" pitchFamily="2" charset="-127"/>
+                <a:ea typeface="넥슨Lv1고딕 Bold" panose="00000800000000000000" pitchFamily="2" charset="-127"/>
+              </a:rPr>
+              <a:t>페이스북</a:t>
+            </a:r>
+            <a:r>
+              <a:rPr lang="en-US" altLang="ko-KR" sz="1800" b="1" dirty="0">
+                <a:latin typeface="넥슨Lv1고딕 Bold" panose="00000800000000000000" pitchFamily="2" charset="-127"/>
+                <a:ea typeface="넥슨Lv1고딕 Bold" panose="00000800000000000000" pitchFamily="2" charset="-127"/>
+              </a:rPr>
+              <a:t>, </a:t>
+            </a:r>
+            <a:r>
+              <a:rPr lang="ko-KR" altLang="en-US" sz="1800" b="1" dirty="0">
+                <a:latin typeface="넥슨Lv1고딕 Bold" panose="00000800000000000000" pitchFamily="2" charset="-127"/>
+                <a:ea typeface="넥슨Lv1고딕 Bold" panose="00000800000000000000" pitchFamily="2" charset="-127"/>
+              </a:rPr>
+              <a:t>이메일 로그인 구현</a:t>
+            </a:r>
+            <a:endParaRPr lang="ko-KR" altLang="en-US" sz="2200" dirty="0">
+              <a:latin typeface="넥슨Lv1고딕 Bold" panose="00000800000000000000" pitchFamily="2" charset="-127"/>
+              <a:ea typeface="넥슨Lv1고딕 Bold" panose="00000800000000000000" pitchFamily="2" charset="-127"/>
+            </a:endParaRPr>
+          </a:p>
+        </p:txBody>
+      </p:sp>
+      <p:pic>
+        <p:nvPicPr>
+          <p:cNvPr id="6" name="그림 5" descr="화면 캡처"/>
+          <p:cNvPicPr>
+            <a:picLocks noChangeAspect="1"/>
+          </p:cNvPicPr>
+          <p:nvPr/>
+        </p:nvPicPr>
+        <p:blipFill>
+          <a:blip r:embed="rId3">
+            <a:extLst>
+              <a:ext uri="{28A0092B-C50C-407E-A947-70E740481C1C}">
+                <a14:useLocalDpi xmlns:a14="http://schemas.microsoft.com/office/drawing/2010/main" val="0"/>
+              </a:ext>
+            </a:extLst>
+          </a:blip>
+          <a:stretch>
+            <a:fillRect/>
+          </a:stretch>
+        </p:blipFill>
+        <p:spPr>
+          <a:xfrm>
+            <a:off x="1517960" y="2592954"/>
+            <a:ext cx="5341147" cy="3513378"/>
+          </a:xfrm>
+          <a:prstGeom prst="rect">
+            <a:avLst/>
+          </a:prstGeom>
+        </p:spPr>
+      </p:pic>
+      <p:pic>
+        <p:nvPicPr>
+          <p:cNvPr id="8" name="그림 7" descr="화면 캡처"/>
+          <p:cNvPicPr>
+            <a:picLocks noChangeAspect="1"/>
+          </p:cNvPicPr>
+          <p:nvPr/>
+        </p:nvPicPr>
+        <p:blipFill>
+          <a:blip r:embed="rId4">
+            <a:extLst>
+              <a:ext uri="{28A0092B-C50C-407E-A947-70E740481C1C}">
+                <a14:useLocalDpi xmlns:a14="http://schemas.microsoft.com/office/drawing/2010/main" val="0"/>
+              </a:ext>
+            </a:extLst>
+          </a:blip>
+          <a:stretch>
+            <a:fillRect/>
+          </a:stretch>
+        </p:blipFill>
+        <p:spPr>
+          <a:xfrm>
+            <a:off x="4263879" y="5097950"/>
+            <a:ext cx="4401164" cy="504895"/>
+          </a:xfrm>
+          <a:prstGeom prst="rect">
+            <a:avLst/>
+          </a:prstGeom>
+        </p:spPr>
+      </p:pic>
+    </p:spTree>
+    <p:extLst>
+      <p:ext uri="{BB962C8B-B14F-4D97-AF65-F5344CB8AC3E}">
+        <p14:creationId xmlns:p14="http://schemas.microsoft.com/office/powerpoint/2010/main" val="1996302530"/>
+      </p:ext>
+    </p:extLst>
+  </p:cSld>
+  <p:clrMapOvr>
+    <a:masterClrMapping/>
+  </p:clrMapOvr>
+</p:sld>
+</file>
+
+<file path=ppt/slides/slide25.xml><?xml version="1.0" encoding="utf-8"?>
+<p:sld xmlns:a="http://schemas.openxmlformats.org/drawingml/2006/main" xmlns:r="http://schemas.openxmlformats.org/officeDocument/2006/relationships" xmlns:p="http://schemas.openxmlformats.org/presentationml/2006/main">
+  <p:cSld>
+    <p:spTree>
+      <p:nvGrpSpPr>
+        <p:cNvPr id="1" name=""/>
+        <p:cNvGrpSpPr/>
+        <p:nvPr/>
+      </p:nvGrpSpPr>
+      <p:grpSpPr>
+        <a:xfrm>
+          <a:off x="0" y="0"/>
+          <a:ext cx="0" cy="0"/>
+          <a:chOff x="0" y="0"/>
+          <a:chExt cx="0" cy="0"/>
+        </a:xfrm>
+      </p:grpSpPr>
+      <p:sp>
+        <p:nvSpPr>
+          <p:cNvPr id="7" name="모서리가 둥근 직사각형 6"/>
+          <p:cNvSpPr/>
+          <p:nvPr/>
+        </p:nvSpPr>
+        <p:spPr>
+          <a:xfrm>
+            <a:off x="1109817" y="1610380"/>
+            <a:ext cx="3872888" cy="350275"/>
+          </a:xfrm>
+          <a:prstGeom prst="roundRect">
+            <a:avLst/>
+          </a:prstGeom>
+          <a:solidFill>
+            <a:schemeClr val="bg1">
+              <a:lumMod val="95000"/>
+            </a:schemeClr>
+          </a:solidFill>
+          <a:ln>
+            <a:noFill/>
+          </a:ln>
+        </p:spPr>
+        <p:style>
+          <a:lnRef idx="2">
+            <a:schemeClr val="accent1">
+              <a:shade val="50000"/>
+            </a:schemeClr>
+          </a:lnRef>
+          <a:fillRef idx="1">
+            <a:schemeClr val="accent1"/>
+          </a:fillRef>
+          <a:effectRef idx="0">
+            <a:schemeClr val="accent1"/>
+          </a:effectRef>
+          <a:fontRef idx="minor">
+            <a:schemeClr val="lt1"/>
+          </a:fontRef>
+        </p:style>
+        <p:txBody>
+          <a:bodyPr lIns="360000" rtlCol="0" anchor="ctr"/>
+          <a:lstStyle/>
+          <a:p>
+            <a:r>
+              <a:rPr lang="en-US" altLang="ko-KR" sz="1200" spc="-50" dirty="0">
+                <a:solidFill>
+                  <a:schemeClr val="accent1">
+                    <a:lumMod val="50000"/>
+                  </a:schemeClr>
+                </a:solidFill>
+                <a:latin typeface="넥슨Lv1고딕 Bold" panose="00000800000000000000" pitchFamily="2" charset="-127"/>
+                <a:ea typeface="넥슨Lv1고딕 Bold" panose="00000800000000000000" pitchFamily="2" charset="-127"/>
+              </a:rPr>
+              <a:t>Firebase Console</a:t>
+            </a:r>
+            <a:r>
+              <a:rPr lang="ko-KR" altLang="en-US" sz="1200" spc="-50" dirty="0">
+                <a:solidFill>
+                  <a:schemeClr val="accent1">
+                    <a:lumMod val="50000"/>
+                  </a:schemeClr>
+                </a:solidFill>
+                <a:latin typeface="넥슨Lv1고딕 Bold" panose="00000800000000000000" pitchFamily="2" charset="-127"/>
+                <a:ea typeface="넥슨Lv1고딕 Bold" panose="00000800000000000000" pitchFamily="2" charset="-127"/>
+              </a:rPr>
+              <a:t>에서 로그인 </a:t>
+            </a:r>
+            <a:r>
+              <a:rPr lang="ko-KR" altLang="en-US" sz="1200" spc="-50">
+                <a:solidFill>
+                  <a:schemeClr val="accent1">
+                    <a:lumMod val="50000"/>
+                  </a:schemeClr>
+                </a:solidFill>
+                <a:latin typeface="넥슨Lv1고딕 Bold" panose="00000800000000000000" pitchFamily="2" charset="-127"/>
+                <a:ea typeface="넥슨Lv1고딕 Bold" panose="00000800000000000000" pitchFamily="2" charset="-127"/>
+              </a:rPr>
+              <a:t>방법 설정</a:t>
+            </a:r>
+            <a:r>
+              <a:rPr lang="en-US" altLang="ko-KR" sz="1200" spc="-50" dirty="0">
+                <a:solidFill>
+                  <a:schemeClr val="accent1">
+                    <a:lumMod val="50000"/>
+                  </a:schemeClr>
+                </a:solidFill>
+                <a:latin typeface="넥슨Lv1고딕 Bold" panose="00000800000000000000" pitchFamily="2" charset="-127"/>
+                <a:ea typeface="넥슨Lv1고딕 Bold" panose="00000800000000000000" pitchFamily="2" charset="-127"/>
+              </a:rPr>
+              <a:t>_</a:t>
+            </a:r>
+            <a:r>
+              <a:rPr lang="ko-KR" altLang="en-US" sz="1200" spc="-50">
+                <a:solidFill>
+                  <a:schemeClr val="accent1">
+                    <a:lumMod val="50000"/>
+                  </a:schemeClr>
+                </a:solidFill>
+                <a:latin typeface="넥슨Lv1고딕 Bold" panose="00000800000000000000" pitchFamily="2" charset="-127"/>
+                <a:ea typeface="넥슨Lv1고딕 Bold" panose="00000800000000000000" pitchFamily="2" charset="-127"/>
+              </a:rPr>
+              <a:t>페이스북</a:t>
+            </a:r>
+            <a:endParaRPr lang="en-US" altLang="ko-KR" sz="1200" spc="-50" dirty="0">
+              <a:solidFill>
+                <a:schemeClr val="accent1">
+                  <a:lumMod val="50000"/>
+                </a:schemeClr>
+              </a:solidFill>
+              <a:latin typeface="넥슨Lv1고딕 Bold" panose="00000800000000000000" pitchFamily="2" charset="-127"/>
+              <a:ea typeface="넥슨Lv1고딕 Bold" panose="00000800000000000000" pitchFamily="2" charset="-127"/>
+            </a:endParaRPr>
+          </a:p>
+        </p:txBody>
+      </p:sp>
+      <p:cxnSp>
+        <p:nvCxnSpPr>
+          <p:cNvPr id="13" name="직선 연결선 12"/>
+          <p:cNvCxnSpPr/>
+          <p:nvPr/>
+        </p:nvCxnSpPr>
+        <p:spPr>
+          <a:xfrm>
+            <a:off x="689488" y="1238865"/>
+            <a:ext cx="7647038" cy="0"/>
+          </a:xfrm>
+          <a:prstGeom prst="line">
+            <a:avLst/>
+          </a:prstGeom>
+          <a:ln>
+            <a:solidFill>
+              <a:schemeClr val="bg1">
+                <a:lumMod val="85000"/>
+              </a:schemeClr>
+            </a:solidFill>
+          </a:ln>
+        </p:spPr>
+        <p:style>
+          <a:lnRef idx="1">
+            <a:schemeClr val="accent1"/>
+          </a:lnRef>
+          <a:fillRef idx="0">
+            <a:schemeClr val="accent1"/>
+          </a:fillRef>
+          <a:effectRef idx="0">
+            <a:schemeClr val="accent1"/>
+          </a:effectRef>
+          <a:fontRef idx="minor">
+            <a:schemeClr val="tx1"/>
+          </a:fontRef>
+        </p:style>
+      </p:cxnSp>
+      <p:sp>
+        <p:nvSpPr>
+          <p:cNvPr id="3" name="슬라이드 번호 개체 틀 2"/>
+          <p:cNvSpPr>
+            <a:spLocks noGrp="1"/>
+          </p:cNvSpPr>
+          <p:nvPr>
+            <p:ph type="sldNum" sz="quarter" idx="12"/>
+          </p:nvPr>
+        </p:nvSpPr>
+        <p:spPr/>
+        <p:txBody>
+          <a:bodyPr/>
+          <a:lstStyle/>
+          <a:p>
+            <a:fld id="{8D0AD3C7-B26A-41BF-81F8-CAF4A9564849}" type="slidenum">
+              <a:rPr lang="ko-KR" altLang="en-US" smtClean="0"/>
+              <a:pPr/>
+              <a:t>24</a:t>
+            </a:fld>
+            <a:endParaRPr lang="ko-KR" altLang="en-US" dirty="0"/>
+          </a:p>
+        </p:txBody>
+      </p:sp>
+      <p:sp>
+        <p:nvSpPr>
+          <p:cNvPr id="9" name="타원 8">
+            <a:extLst>
+              <a:ext uri="{FF2B5EF4-FFF2-40B4-BE49-F238E27FC236}">
+                <a16:creationId xmlns:a16="http://schemas.microsoft.com/office/drawing/2014/main" id="{731CCCE5-901D-432C-BEAC-F936CBC6BB25}"/>
+              </a:ext>
+            </a:extLst>
+          </p:cNvPr>
+          <p:cNvSpPr/>
+          <p:nvPr/>
+        </p:nvSpPr>
+        <p:spPr>
+          <a:xfrm>
+            <a:off x="877529" y="1588501"/>
+            <a:ext cx="412955" cy="412955"/>
+          </a:xfrm>
+          <a:prstGeom prst="ellipse">
+            <a:avLst/>
+          </a:prstGeom>
+          <a:solidFill>
+            <a:srgbClr val="298DBF"/>
+          </a:solidFill>
+          <a:ln w="57150">
+            <a:solidFill>
+              <a:schemeClr val="bg1"/>
+            </a:solidFill>
+          </a:ln>
+        </p:spPr>
+        <p:style>
+          <a:lnRef idx="2">
+            <a:schemeClr val="accent1">
+              <a:shade val="50000"/>
+            </a:schemeClr>
+          </a:lnRef>
+          <a:fillRef idx="1">
+            <a:schemeClr val="accent1"/>
+          </a:fillRef>
+          <a:effectRef idx="0">
+            <a:schemeClr val="accent1"/>
+          </a:effectRef>
+          <a:fontRef idx="minor">
+            <a:schemeClr val="lt1"/>
+          </a:fontRef>
+        </p:style>
+        <p:txBody>
+          <a:bodyPr rtlCol="0" anchor="ctr"/>
+          <a:lstStyle/>
+          <a:p>
+            <a:pPr algn="ctr"/>
+            <a:r>
+              <a:rPr lang="en-US" altLang="ko-KR" dirty="0">
+                <a:ea typeface="넥슨Lv1고딕 Light" panose="00000300000000000000" pitchFamily="2" charset="-127"/>
+              </a:rPr>
+              <a:t>4</a:t>
+            </a:r>
+            <a:endParaRPr lang="ko-KR" altLang="en-US" dirty="0">
+              <a:ea typeface="넥슨Lv1고딕 Light" panose="00000300000000000000" pitchFamily="2" charset="-127"/>
+            </a:endParaRPr>
+          </a:p>
+        </p:txBody>
+      </p:sp>
+      <p:sp>
+        <p:nvSpPr>
+          <p:cNvPr id="12" name="TextBox 11">
+            <a:extLst>
+              <a:ext uri="{FF2B5EF4-FFF2-40B4-BE49-F238E27FC236}">
+                <a16:creationId xmlns:a16="http://schemas.microsoft.com/office/drawing/2014/main" id="{9F12D4E5-B109-4B80-B716-4AECBE0D5D67}"/>
+              </a:ext>
+            </a:extLst>
+          </p:cNvPr>
+          <p:cNvSpPr txBox="1"/>
+          <p:nvPr/>
+        </p:nvSpPr>
+        <p:spPr>
+          <a:xfrm>
+            <a:off x="1415845" y="2061361"/>
+            <a:ext cx="6920681" cy="430887"/>
+          </a:xfrm>
+          <a:prstGeom prst="rect">
+            <a:avLst/>
+          </a:prstGeom>
+          <a:noFill/>
+        </p:spPr>
+        <p:txBody>
+          <a:bodyPr wrap="square" rtlCol="0">
+            <a:spAutoFit/>
+          </a:bodyPr>
+          <a:lstStyle/>
+          <a:p>
+            <a:r>
+              <a:rPr lang="ko-KR" altLang="en-US" sz="1100" spc="-50" dirty="0" err="1">
+                <a:latin typeface="넥슨Lv1고딕 Light" panose="00000300000000000000" pitchFamily="2" charset="-127"/>
+                <a:ea typeface="넥슨Lv1고딕 Light" panose="00000300000000000000" pitchFamily="2" charset="-127"/>
+              </a:rPr>
+              <a:t>대시보드</a:t>
+            </a:r>
+            <a:r>
+              <a:rPr lang="ko-KR" altLang="en-US" sz="1100" spc="-50" dirty="0">
+                <a:latin typeface="넥슨Lv1고딕 Light" panose="00000300000000000000" pitchFamily="2" charset="-127"/>
+                <a:ea typeface="넥슨Lv1고딕 Light" panose="00000300000000000000" pitchFamily="2" charset="-127"/>
+              </a:rPr>
+              <a:t> </a:t>
+            </a:r>
+            <a:r>
+              <a:rPr lang="en-US" altLang="ko-KR" sz="1100" spc="-50" dirty="0">
+                <a:latin typeface="넥슨Lv1고딕 Light" panose="00000300000000000000" pitchFamily="2" charset="-127"/>
+                <a:ea typeface="넥슨Lv1고딕 Light" panose="00000300000000000000" pitchFamily="2" charset="-127"/>
+              </a:rPr>
+              <a:t>– </a:t>
+            </a:r>
+            <a:r>
+              <a:rPr lang="ko-KR" altLang="en-US" sz="1100" spc="-50">
+                <a:latin typeface="넥슨Lv1고딕 Light" panose="00000300000000000000" pitchFamily="2" charset="-127"/>
+                <a:ea typeface="넥슨Lv1고딕 Light" panose="00000300000000000000" pitchFamily="2" charset="-127"/>
+              </a:rPr>
+              <a:t>제품 </a:t>
+            </a:r>
+            <a:r>
+              <a:rPr lang="en-US" altLang="ko-KR" sz="1100" spc="-50" dirty="0">
+                <a:latin typeface="넥슨Lv1고딕 Light" panose="00000300000000000000" pitchFamily="2" charset="-127"/>
+                <a:ea typeface="넥슨Lv1고딕 Light" panose="00000300000000000000" pitchFamily="2" charset="-127"/>
+              </a:rPr>
+              <a:t>– Facebook </a:t>
+            </a:r>
+            <a:r>
+              <a:rPr lang="ko-KR" altLang="en-US" sz="1100" spc="-50">
+                <a:latin typeface="넥슨Lv1고딕 Light" panose="00000300000000000000" pitchFamily="2" charset="-127"/>
+                <a:ea typeface="넥슨Lv1고딕 Light" panose="00000300000000000000" pitchFamily="2" charset="-127"/>
+              </a:rPr>
+              <a:t>로그인 설정에서 유효한 </a:t>
+            </a:r>
+            <a:r>
+              <a:rPr lang="en-US" altLang="ko-KR" sz="1100" spc="-50" dirty="0">
+                <a:latin typeface="넥슨Lv1고딕 Light" panose="00000300000000000000" pitchFamily="2" charset="-127"/>
+                <a:ea typeface="넥슨Lv1고딕 Light" panose="00000300000000000000" pitchFamily="2" charset="-127"/>
+              </a:rPr>
+              <a:t>OAuth </a:t>
+            </a:r>
+            <a:r>
+              <a:rPr lang="ko-KR" altLang="en-US" sz="1100" spc="-50">
+                <a:latin typeface="넥슨Lv1고딕 Light" panose="00000300000000000000" pitchFamily="2" charset="-127"/>
+                <a:ea typeface="넥슨Lv1고딕 Light" panose="00000300000000000000" pitchFamily="2" charset="-127"/>
+              </a:rPr>
+              <a:t>리디렉션 </a:t>
+            </a:r>
+            <a:r>
+              <a:rPr lang="en-US" altLang="ko-KR" sz="1100" spc="-50" dirty="0">
+                <a:latin typeface="넥슨Lv1고딕 Light" panose="00000300000000000000" pitchFamily="2" charset="-127"/>
+                <a:ea typeface="넥슨Lv1고딕 Light" panose="00000300000000000000" pitchFamily="2" charset="-127"/>
+              </a:rPr>
+              <a:t>URI</a:t>
+            </a:r>
+            <a:r>
+              <a:rPr lang="ko-KR" altLang="en-US" sz="1100" spc="-50">
+                <a:latin typeface="넥슨Lv1고딕 Light" panose="00000300000000000000" pitchFamily="2" charset="-127"/>
+                <a:ea typeface="넥슨Lv1고딕 Light" panose="00000300000000000000" pitchFamily="2" charset="-127"/>
+              </a:rPr>
+              <a:t>를 작성해 주세요</a:t>
+            </a:r>
+            <a:r>
+              <a:rPr lang="en-US" altLang="ko-KR" sz="1100" spc="-50" dirty="0">
+                <a:latin typeface="넥슨Lv1고딕 Light" panose="00000300000000000000" pitchFamily="2" charset="-127"/>
+                <a:ea typeface="넥슨Lv1고딕 Light" panose="00000300000000000000" pitchFamily="2" charset="-127"/>
+              </a:rPr>
+              <a:t>.</a:t>
+            </a:r>
+          </a:p>
+          <a:p>
+            <a:r>
+              <a:rPr lang="ko-KR" altLang="en-US" sz="1100" spc="-50" dirty="0">
+                <a:latin typeface="넥슨Lv1고딕 Light" panose="00000300000000000000" pitchFamily="2" charset="-127"/>
+                <a:ea typeface="넥슨Lv1고딕 Light" panose="00000300000000000000" pitchFamily="2" charset="-127"/>
+              </a:rPr>
+              <a:t>유효한 </a:t>
+            </a:r>
+            <a:r>
+              <a:rPr lang="en-US" altLang="ko-KR" sz="1100" spc="-50" dirty="0">
+                <a:latin typeface="넥슨Lv1고딕 Light" panose="00000300000000000000" pitchFamily="2" charset="-127"/>
+                <a:ea typeface="넥슨Lv1고딕 Light" panose="00000300000000000000" pitchFamily="2" charset="-127"/>
+              </a:rPr>
+              <a:t>OAuth </a:t>
+            </a:r>
+            <a:r>
+              <a:rPr lang="ko-KR" altLang="en-US" sz="1100" spc="-50">
+                <a:latin typeface="넥슨Lv1고딕 Light" panose="00000300000000000000" pitchFamily="2" charset="-127"/>
+                <a:ea typeface="넥슨Lv1고딕 Light" panose="00000300000000000000" pitchFamily="2" charset="-127"/>
+              </a:rPr>
+              <a:t>리디렉션 </a:t>
+            </a:r>
+            <a:r>
+              <a:rPr lang="en-US" altLang="ko-KR" sz="1100" spc="-50" dirty="0">
+                <a:latin typeface="넥슨Lv1고딕 Light" panose="00000300000000000000" pitchFamily="2" charset="-127"/>
+                <a:ea typeface="넥슨Lv1고딕 Light" panose="00000300000000000000" pitchFamily="2" charset="-127"/>
+              </a:rPr>
+              <a:t>URI</a:t>
+            </a:r>
+            <a:r>
+              <a:rPr lang="ko-KR" altLang="en-US" sz="1100" spc="-50">
+                <a:latin typeface="넥슨Lv1고딕 Light" panose="00000300000000000000" pitchFamily="2" charset="-127"/>
+                <a:ea typeface="넥슨Lv1고딕 Light" panose="00000300000000000000" pitchFamily="2" charset="-127"/>
+              </a:rPr>
+              <a:t>는 </a:t>
+            </a:r>
+            <a:r>
+              <a:rPr lang="en-US" altLang="ko-KR" sz="1100" spc="-50" dirty="0">
+                <a:latin typeface="넥슨Lv1고딕 Light" panose="00000300000000000000" pitchFamily="2" charset="-127"/>
+                <a:ea typeface="넥슨Lv1고딕 Light" panose="00000300000000000000" pitchFamily="2" charset="-127"/>
+              </a:rPr>
+              <a:t>Firebase Console</a:t>
+            </a:r>
+            <a:r>
+              <a:rPr lang="ko-KR" altLang="en-US" sz="1100" spc="-50">
+                <a:latin typeface="넥슨Lv1고딕 Light" panose="00000300000000000000" pitchFamily="2" charset="-127"/>
+                <a:ea typeface="넥슨Lv1고딕 Light" panose="00000300000000000000" pitchFamily="2" charset="-127"/>
+              </a:rPr>
+              <a:t>에서 확인할 수 있습니다</a:t>
+            </a:r>
+            <a:r>
+              <a:rPr lang="en-US" altLang="ko-KR" sz="1100" spc="-50" dirty="0">
+                <a:latin typeface="넥슨Lv1고딕 Light" panose="00000300000000000000" pitchFamily="2" charset="-127"/>
+                <a:ea typeface="넥슨Lv1고딕 Light" panose="00000300000000000000" pitchFamily="2" charset="-127"/>
+              </a:rPr>
+              <a:t>.</a:t>
+            </a:r>
+          </a:p>
+        </p:txBody>
+      </p:sp>
+      <p:sp>
+        <p:nvSpPr>
+          <p:cNvPr id="10" name="제목 3">
+            <a:extLst>
+              <a:ext uri="{FF2B5EF4-FFF2-40B4-BE49-F238E27FC236}">
+                <a16:creationId xmlns:a16="http://schemas.microsoft.com/office/drawing/2014/main" id="{7994DE8C-0858-4685-B074-BAD5A1FFB78D}"/>
+              </a:ext>
+            </a:extLst>
+          </p:cNvPr>
+          <p:cNvSpPr>
+            <a:spLocks noGrp="1"/>
+          </p:cNvSpPr>
+          <p:nvPr>
+            <p:ph type="title"/>
+          </p:nvPr>
+        </p:nvSpPr>
+        <p:spPr>
+          <a:xfrm>
+            <a:off x="628650" y="551713"/>
+            <a:ext cx="7886700" cy="721790"/>
+          </a:xfrm>
+        </p:spPr>
+        <p:txBody>
+          <a:bodyPr>
+            <a:normAutofit/>
+          </a:bodyPr>
+          <a:lstStyle/>
+          <a:p>
+            <a:pPr>
+              <a:lnSpc>
+                <a:spcPct val="110000"/>
+              </a:lnSpc>
+            </a:pPr>
+            <a:r>
+              <a:rPr lang="en-US" altLang="ko-KR" sz="1000" dirty="0" err="1">
+                <a:latin typeface="넥슨Lv1고딕 Light" panose="00000300000000000000" pitchFamily="2" charset="-127"/>
+                <a:ea typeface="넥슨Lv1고딕 Light" panose="00000300000000000000" pitchFamily="2" charset="-127"/>
+              </a:rPr>
+              <a:t>FirebaseUI</a:t>
+            </a:r>
+            <a:r>
+              <a:rPr lang="ko-KR" altLang="en-US" sz="1000" dirty="0">
+                <a:latin typeface="넥슨Lv1고딕 Light" panose="00000300000000000000" pitchFamily="2" charset="-127"/>
+                <a:ea typeface="넥슨Lv1고딕 Light" panose="00000300000000000000" pitchFamily="2" charset="-127"/>
+              </a:rPr>
+              <a:t>를 이용한</a:t>
+            </a:r>
+            <a:br>
+              <a:rPr lang="en-US" altLang="ko-KR" sz="1800" dirty="0">
+                <a:latin typeface="넥슨Lv1고딕 Bold" panose="00000800000000000000" pitchFamily="2" charset="-127"/>
+                <a:ea typeface="넥슨Lv1고딕 Bold" panose="00000800000000000000" pitchFamily="2" charset="-127"/>
+              </a:rPr>
+            </a:br>
+            <a:r>
+              <a:rPr lang="ko-KR" altLang="en-US" sz="1800" b="1" dirty="0">
+                <a:latin typeface="넥슨Lv1고딕 Bold" panose="00000800000000000000" pitchFamily="2" charset="-127"/>
+                <a:ea typeface="넥슨Lv1고딕 Bold" panose="00000800000000000000" pitchFamily="2" charset="-127"/>
+              </a:rPr>
+              <a:t>구글</a:t>
+            </a:r>
+            <a:r>
+              <a:rPr lang="en-US" altLang="ko-KR" sz="1800" b="1" dirty="0">
+                <a:latin typeface="넥슨Lv1고딕 Bold" panose="00000800000000000000" pitchFamily="2" charset="-127"/>
+                <a:ea typeface="넥슨Lv1고딕 Bold" panose="00000800000000000000" pitchFamily="2" charset="-127"/>
+              </a:rPr>
+              <a:t>, </a:t>
+            </a:r>
+            <a:r>
+              <a:rPr lang="ko-KR" altLang="en-US" sz="1800" b="1" dirty="0">
+                <a:latin typeface="넥슨Lv1고딕 Bold" panose="00000800000000000000" pitchFamily="2" charset="-127"/>
+                <a:ea typeface="넥슨Lv1고딕 Bold" panose="00000800000000000000" pitchFamily="2" charset="-127"/>
+              </a:rPr>
+              <a:t>페이스북</a:t>
+            </a:r>
+            <a:r>
+              <a:rPr lang="en-US" altLang="ko-KR" sz="1800" b="1" dirty="0">
+                <a:latin typeface="넥슨Lv1고딕 Bold" panose="00000800000000000000" pitchFamily="2" charset="-127"/>
+                <a:ea typeface="넥슨Lv1고딕 Bold" panose="00000800000000000000" pitchFamily="2" charset="-127"/>
+              </a:rPr>
+              <a:t>, </a:t>
+            </a:r>
+            <a:r>
+              <a:rPr lang="ko-KR" altLang="en-US" sz="1800" b="1" dirty="0">
+                <a:latin typeface="넥슨Lv1고딕 Bold" panose="00000800000000000000" pitchFamily="2" charset="-127"/>
+                <a:ea typeface="넥슨Lv1고딕 Bold" panose="00000800000000000000" pitchFamily="2" charset="-127"/>
+              </a:rPr>
+              <a:t>이메일 로그인 구현</a:t>
+            </a:r>
+            <a:endParaRPr lang="ko-KR" altLang="en-US" sz="2200" dirty="0">
+              <a:latin typeface="넥슨Lv1고딕 Bold" panose="00000800000000000000" pitchFamily="2" charset="-127"/>
+              <a:ea typeface="넥슨Lv1고딕 Bold" panose="00000800000000000000" pitchFamily="2" charset="-127"/>
+            </a:endParaRPr>
+          </a:p>
+        </p:txBody>
+      </p:sp>
+      <p:pic>
+        <p:nvPicPr>
+          <p:cNvPr id="2" name="그림 1" descr="화면 캡처"/>
+          <p:cNvPicPr>
+            <a:picLocks noChangeAspect="1"/>
+          </p:cNvPicPr>
+          <p:nvPr/>
+        </p:nvPicPr>
+        <p:blipFill>
+          <a:blip r:embed="rId3">
+            <a:extLst>
+              <a:ext uri="{28A0092B-C50C-407E-A947-70E740481C1C}">
+                <a14:useLocalDpi xmlns:a14="http://schemas.microsoft.com/office/drawing/2010/main" val="0"/>
+              </a:ext>
+            </a:extLst>
+          </a:blip>
+          <a:stretch>
+            <a:fillRect/>
+          </a:stretch>
+        </p:blipFill>
+        <p:spPr>
+          <a:xfrm>
+            <a:off x="1517960" y="2592954"/>
+            <a:ext cx="5593189" cy="3124940"/>
+          </a:xfrm>
+          <a:prstGeom prst="rect">
+            <a:avLst/>
+          </a:prstGeom>
+        </p:spPr>
+      </p:pic>
+      <p:pic>
+        <p:nvPicPr>
+          <p:cNvPr id="8" name="그림 7" descr="화면 캡처"/>
+          <p:cNvPicPr>
+            <a:picLocks noChangeAspect="1"/>
+          </p:cNvPicPr>
+          <p:nvPr/>
+        </p:nvPicPr>
+        <p:blipFill>
+          <a:blip r:embed="rId4">
+            <a:extLst>
+              <a:ext uri="{28A0092B-C50C-407E-A947-70E740481C1C}">
+                <a14:useLocalDpi xmlns:a14="http://schemas.microsoft.com/office/drawing/2010/main" val="0"/>
+              </a:ext>
+            </a:extLst>
+          </a:blip>
+          <a:stretch>
+            <a:fillRect/>
+          </a:stretch>
+        </p:blipFill>
+        <p:spPr>
+          <a:xfrm>
+            <a:off x="4159707" y="4617601"/>
+            <a:ext cx="4401164" cy="504895"/>
+          </a:xfrm>
+          <a:prstGeom prst="rect">
+            <a:avLst/>
+          </a:prstGeom>
+        </p:spPr>
+      </p:pic>
+    </p:spTree>
+    <p:extLst>
+      <p:ext uri="{BB962C8B-B14F-4D97-AF65-F5344CB8AC3E}">
+        <p14:creationId xmlns:p14="http://schemas.microsoft.com/office/powerpoint/2010/main" val="2764426507"/>
+      </p:ext>
+    </p:extLst>
+  </p:cSld>
+  <p:clrMapOvr>
+    <a:masterClrMapping/>
+  </p:clrMapOvr>
+</p:sld>
+</file>
+
+<file path=ppt/slides/slide26.xml><?xml version="1.0" encoding="utf-8"?>
+<p:sld xmlns:a="http://schemas.openxmlformats.org/drawingml/2006/main" xmlns:r="http://schemas.openxmlformats.org/officeDocument/2006/relationships" xmlns:p="http://schemas.openxmlformats.org/presentationml/2006/main">
+  <p:cSld>
+    <p:spTree>
+      <p:nvGrpSpPr>
+        <p:cNvPr id="1" name=""/>
+        <p:cNvGrpSpPr/>
+        <p:nvPr/>
+      </p:nvGrpSpPr>
+      <p:grpSpPr>
+        <a:xfrm>
+          <a:off x="0" y="0"/>
+          <a:ext cx="0" cy="0"/>
+          <a:chOff x="0" y="0"/>
+          <a:chExt cx="0" cy="0"/>
+        </a:xfrm>
+      </p:grpSpPr>
+      <p:sp>
+        <p:nvSpPr>
+          <p:cNvPr id="7" name="모서리가 둥근 직사각형 6"/>
+          <p:cNvSpPr/>
+          <p:nvPr/>
+        </p:nvSpPr>
+        <p:spPr>
+          <a:xfrm>
+            <a:off x="1109817" y="1610380"/>
+            <a:ext cx="3872888" cy="350275"/>
+          </a:xfrm>
+          <a:prstGeom prst="roundRect">
+            <a:avLst/>
+          </a:prstGeom>
+          <a:solidFill>
+            <a:schemeClr val="bg1">
+              <a:lumMod val="95000"/>
+            </a:schemeClr>
+          </a:solidFill>
+          <a:ln>
+            <a:noFill/>
+          </a:ln>
+        </p:spPr>
+        <p:style>
+          <a:lnRef idx="2">
+            <a:schemeClr val="accent1">
+              <a:shade val="50000"/>
+            </a:schemeClr>
+          </a:lnRef>
+          <a:fillRef idx="1">
+            <a:schemeClr val="accent1"/>
+          </a:fillRef>
+          <a:effectRef idx="0">
+            <a:schemeClr val="accent1"/>
+          </a:effectRef>
+          <a:fontRef idx="minor">
+            <a:schemeClr val="lt1"/>
+          </a:fontRef>
+        </p:style>
+        <p:txBody>
+          <a:bodyPr lIns="360000" rtlCol="0" anchor="ctr"/>
+          <a:lstStyle/>
+          <a:p>
+            <a:r>
+              <a:rPr lang="en-US" altLang="ko-KR" sz="1200" spc="-50" dirty="0" err="1">
+                <a:solidFill>
+                  <a:schemeClr val="accent1">
+                    <a:lumMod val="50000"/>
+                  </a:schemeClr>
+                </a:solidFill>
+                <a:latin typeface="넥슨Lv1고딕 Bold" panose="00000800000000000000" pitchFamily="2" charset="-127"/>
+                <a:ea typeface="넥슨Lv1고딕 Bold" panose="00000800000000000000" pitchFamily="2" charset="-127"/>
+              </a:rPr>
+              <a:t>Vue</a:t>
+            </a:r>
+            <a:r>
+              <a:rPr lang="en-US" altLang="ko-KR" sz="1200" spc="-50" dirty="0">
+                <a:solidFill>
+                  <a:schemeClr val="accent1">
+                    <a:lumMod val="50000"/>
+                  </a:schemeClr>
+                </a:solidFill>
+                <a:latin typeface="넥슨Lv1고딕 Bold" panose="00000800000000000000" pitchFamily="2" charset="-127"/>
+                <a:ea typeface="넥슨Lv1고딕 Bold" panose="00000800000000000000" pitchFamily="2" charset="-127"/>
+              </a:rPr>
+              <a:t> </a:t>
+            </a:r>
+            <a:r>
+              <a:rPr lang="ko-KR" altLang="en-US" sz="1200" spc="-50">
+                <a:solidFill>
+                  <a:schemeClr val="accent1">
+                    <a:lumMod val="50000"/>
+                  </a:schemeClr>
+                </a:solidFill>
+                <a:latin typeface="넥슨Lv1고딕 Bold" panose="00000800000000000000" pitchFamily="2" charset="-127"/>
+                <a:ea typeface="넥슨Lv1고딕 Bold" panose="00000800000000000000" pitchFamily="2" charset="-127"/>
+              </a:rPr>
+              <a:t>프로젝트에 </a:t>
+            </a:r>
+            <a:r>
+              <a:rPr lang="en-US" altLang="ko-KR" sz="1200" spc="-50" dirty="0">
+                <a:solidFill>
+                  <a:schemeClr val="accent1">
+                    <a:lumMod val="50000"/>
+                  </a:schemeClr>
+                </a:solidFill>
+                <a:latin typeface="넥슨Lv1고딕 Bold" panose="00000800000000000000" pitchFamily="2" charset="-127"/>
+                <a:ea typeface="넥슨Lv1고딕 Bold" panose="00000800000000000000" pitchFamily="2" charset="-127"/>
+              </a:rPr>
+              <a:t>Firebase, </a:t>
+            </a:r>
+            <a:r>
+              <a:rPr lang="en-US" altLang="ko-KR" sz="1200" spc="-50" dirty="0" err="1">
+                <a:solidFill>
+                  <a:schemeClr val="accent1">
+                    <a:lumMod val="50000"/>
+                  </a:schemeClr>
+                </a:solidFill>
+                <a:latin typeface="넥슨Lv1고딕 Bold" panose="00000800000000000000" pitchFamily="2" charset="-127"/>
+                <a:ea typeface="넥슨Lv1고딕 Bold" panose="00000800000000000000" pitchFamily="2" charset="-127"/>
+              </a:rPr>
+              <a:t>FirebaseUI</a:t>
+            </a:r>
+            <a:r>
+              <a:rPr lang="en-US" altLang="ko-KR" sz="1200" spc="-50" dirty="0">
+                <a:solidFill>
+                  <a:schemeClr val="accent1">
+                    <a:lumMod val="50000"/>
+                  </a:schemeClr>
+                </a:solidFill>
+                <a:latin typeface="넥슨Lv1고딕 Bold" panose="00000800000000000000" pitchFamily="2" charset="-127"/>
+                <a:ea typeface="넥슨Lv1고딕 Bold" panose="00000800000000000000" pitchFamily="2" charset="-127"/>
+              </a:rPr>
+              <a:t> </a:t>
+            </a:r>
+            <a:r>
+              <a:rPr lang="ko-KR" altLang="en-US" sz="1200" spc="-50" dirty="0">
+                <a:solidFill>
+                  <a:schemeClr val="accent1">
+                    <a:lumMod val="50000"/>
+                  </a:schemeClr>
+                </a:solidFill>
+                <a:latin typeface="넥슨Lv1고딕 Bold" panose="00000800000000000000" pitchFamily="2" charset="-127"/>
+                <a:ea typeface="넥슨Lv1고딕 Bold" panose="00000800000000000000" pitchFamily="2" charset="-127"/>
+              </a:rPr>
+              <a:t>설치</a:t>
+            </a:r>
+            <a:endParaRPr lang="en-US" altLang="ko-KR" sz="1200" spc="-50" dirty="0">
+              <a:solidFill>
+                <a:schemeClr val="accent1">
+                  <a:lumMod val="50000"/>
+                </a:schemeClr>
+              </a:solidFill>
+              <a:latin typeface="넥슨Lv1고딕 Bold" panose="00000800000000000000" pitchFamily="2" charset="-127"/>
+              <a:ea typeface="넥슨Lv1고딕 Bold" panose="00000800000000000000" pitchFamily="2" charset="-127"/>
+            </a:endParaRPr>
+          </a:p>
+        </p:txBody>
+      </p:sp>
+      <p:cxnSp>
+        <p:nvCxnSpPr>
+          <p:cNvPr id="13" name="직선 연결선 12"/>
+          <p:cNvCxnSpPr/>
+          <p:nvPr/>
+        </p:nvCxnSpPr>
+        <p:spPr>
+          <a:xfrm>
+            <a:off x="689488" y="1238865"/>
+            <a:ext cx="7647038" cy="0"/>
+          </a:xfrm>
+          <a:prstGeom prst="line">
+            <a:avLst/>
+          </a:prstGeom>
+          <a:ln>
+            <a:solidFill>
+              <a:schemeClr val="bg1">
+                <a:lumMod val="85000"/>
+              </a:schemeClr>
+            </a:solidFill>
+          </a:ln>
+        </p:spPr>
+        <p:style>
+          <a:lnRef idx="1">
+            <a:schemeClr val="accent1"/>
+          </a:lnRef>
+          <a:fillRef idx="0">
+            <a:schemeClr val="accent1"/>
+          </a:fillRef>
+          <a:effectRef idx="0">
+            <a:schemeClr val="accent1"/>
+          </a:effectRef>
+          <a:fontRef idx="minor">
+            <a:schemeClr val="tx1"/>
+          </a:fontRef>
+        </p:style>
+      </p:cxnSp>
+      <p:sp>
+        <p:nvSpPr>
+          <p:cNvPr id="3" name="슬라이드 번호 개체 틀 2"/>
+          <p:cNvSpPr>
+            <a:spLocks noGrp="1"/>
+          </p:cNvSpPr>
+          <p:nvPr>
+            <p:ph type="sldNum" sz="quarter" idx="12"/>
+          </p:nvPr>
+        </p:nvSpPr>
+        <p:spPr/>
+        <p:txBody>
+          <a:bodyPr/>
+          <a:lstStyle/>
+          <a:p>
+            <a:fld id="{8D0AD3C7-B26A-41BF-81F8-CAF4A9564849}" type="slidenum">
+              <a:rPr lang="ko-KR" altLang="en-US" smtClean="0"/>
+              <a:pPr/>
+              <a:t>25</a:t>
+            </a:fld>
+            <a:endParaRPr lang="ko-KR" altLang="en-US" dirty="0"/>
+          </a:p>
+        </p:txBody>
+      </p:sp>
+      <p:sp>
+        <p:nvSpPr>
+          <p:cNvPr id="9" name="타원 8">
+            <a:extLst>
+              <a:ext uri="{FF2B5EF4-FFF2-40B4-BE49-F238E27FC236}">
+                <a16:creationId xmlns:a16="http://schemas.microsoft.com/office/drawing/2014/main" id="{731CCCE5-901D-432C-BEAC-F936CBC6BB25}"/>
+              </a:ext>
+            </a:extLst>
+          </p:cNvPr>
+          <p:cNvSpPr/>
+          <p:nvPr/>
+        </p:nvSpPr>
+        <p:spPr>
+          <a:xfrm>
+            <a:off x="877529" y="1588501"/>
+            <a:ext cx="412955" cy="412955"/>
+          </a:xfrm>
+          <a:prstGeom prst="ellipse">
+            <a:avLst/>
+          </a:prstGeom>
+          <a:solidFill>
+            <a:srgbClr val="298DBF"/>
+          </a:solidFill>
+          <a:ln w="57150">
+            <a:solidFill>
+              <a:schemeClr val="bg1"/>
+            </a:solidFill>
+          </a:ln>
+        </p:spPr>
+        <p:style>
+          <a:lnRef idx="2">
+            <a:schemeClr val="accent1">
+              <a:shade val="50000"/>
+            </a:schemeClr>
+          </a:lnRef>
+          <a:fillRef idx="1">
+            <a:schemeClr val="accent1"/>
+          </a:fillRef>
+          <a:effectRef idx="0">
+            <a:schemeClr val="accent1"/>
+          </a:effectRef>
+          <a:fontRef idx="minor">
+            <a:schemeClr val="lt1"/>
+          </a:fontRef>
+        </p:style>
+        <p:txBody>
+          <a:bodyPr rtlCol="0" anchor="ctr"/>
+          <a:lstStyle/>
+          <a:p>
+            <a:pPr algn="ctr"/>
+            <a:r>
+              <a:rPr lang="en-US" altLang="ko-KR" dirty="0">
+                <a:ea typeface="넥슨Lv1고딕 Light" panose="00000300000000000000" pitchFamily="2" charset="-127"/>
+              </a:rPr>
+              <a:t>5</a:t>
+            </a:r>
+            <a:endParaRPr lang="ko-KR" altLang="en-US" dirty="0">
+              <a:ea typeface="넥슨Lv1고딕 Light" panose="00000300000000000000" pitchFamily="2" charset="-127"/>
+            </a:endParaRPr>
+          </a:p>
+        </p:txBody>
+      </p:sp>
+      <p:sp>
+        <p:nvSpPr>
+          <p:cNvPr id="12" name="TextBox 11">
+            <a:extLst>
+              <a:ext uri="{FF2B5EF4-FFF2-40B4-BE49-F238E27FC236}">
+                <a16:creationId xmlns:a16="http://schemas.microsoft.com/office/drawing/2014/main" id="{9F12D4E5-B109-4B80-B716-4AECBE0D5D67}"/>
+              </a:ext>
+            </a:extLst>
+          </p:cNvPr>
+          <p:cNvSpPr txBox="1"/>
+          <p:nvPr/>
+        </p:nvSpPr>
+        <p:spPr>
+          <a:xfrm>
+            <a:off x="1415845" y="2061361"/>
+            <a:ext cx="6920681" cy="584775"/>
+          </a:xfrm>
+          <a:prstGeom prst="rect">
+            <a:avLst/>
+          </a:prstGeom>
+          <a:noFill/>
+        </p:spPr>
+        <p:txBody>
+          <a:bodyPr wrap="square" rtlCol="0">
+            <a:spAutoFit/>
+          </a:bodyPr>
+          <a:lstStyle/>
+          <a:p>
+            <a:r>
+              <a:rPr lang="ko-KR" altLang="en-US" sz="1100" spc="-50" dirty="0">
+                <a:latin typeface="넥슨Lv1고딕 Light" panose="00000300000000000000" pitchFamily="2" charset="-127"/>
+                <a:ea typeface="넥슨Lv1고딕 Light" panose="00000300000000000000" pitchFamily="2" charset="-127"/>
+              </a:rPr>
+              <a:t>여기에 코드 캡쳐에 대한 설명 작성</a:t>
+            </a:r>
+            <a:endParaRPr lang="en-US" altLang="ko-KR" sz="1100" spc="-50" dirty="0">
+              <a:latin typeface="넥슨Lv1고딕 Light" panose="00000300000000000000" pitchFamily="2" charset="-127"/>
+              <a:ea typeface="넥슨Lv1고딕 Light" panose="00000300000000000000" pitchFamily="2" charset="-127"/>
+            </a:endParaRPr>
+          </a:p>
+          <a:p>
+            <a:pPr lvl="0"/>
+            <a:endParaRPr lang="en-US" altLang="ko-KR" sz="1100" spc="-50" dirty="0">
+              <a:solidFill>
+                <a:srgbClr val="FF0000"/>
+              </a:solidFill>
+              <a:latin typeface="넥슨Lv1고딕 Light" panose="00000300000000000000" pitchFamily="2" charset="-127"/>
+              <a:ea typeface="넥슨Lv1고딕 Light" panose="00000300000000000000" pitchFamily="2" charset="-127"/>
+            </a:endParaRPr>
+          </a:p>
+          <a:p>
+            <a:pPr lvl="0"/>
+            <a:r>
+              <a:rPr lang="en-US" altLang="ko-KR" sz="1000" spc="-50" dirty="0">
+                <a:solidFill>
+                  <a:prstClr val="black"/>
+                </a:solidFill>
+                <a:latin typeface="넥슨Lv1고딕 Light" panose="00000300000000000000" pitchFamily="2" charset="-127"/>
+                <a:ea typeface="넥슨Lv1고딕 Light" panose="00000300000000000000" pitchFamily="2" charset="-127"/>
+              </a:rPr>
+              <a:t>[</a:t>
+            </a:r>
+            <a:r>
+              <a:rPr lang="ko-KR" altLang="en-US" sz="1000" spc="-50" dirty="0">
+                <a:solidFill>
+                  <a:prstClr val="black"/>
+                </a:solidFill>
+                <a:latin typeface="넥슨Lv1고딕 Light" panose="00000300000000000000" pitchFamily="2" charset="-127"/>
+                <a:ea typeface="넥슨Lv1고딕 Light" panose="00000300000000000000" pitchFamily="2" charset="-127"/>
+              </a:rPr>
+              <a:t>참고 </a:t>
+            </a:r>
+            <a:r>
+              <a:rPr lang="en-US" altLang="ko-KR" sz="1000" spc="-50" dirty="0">
+                <a:solidFill>
+                  <a:prstClr val="black"/>
+                </a:solidFill>
+                <a:latin typeface="넥슨Lv1고딕 Light" panose="00000300000000000000" pitchFamily="2" charset="-127"/>
+                <a:ea typeface="넥슨Lv1고딕 Light" panose="00000300000000000000" pitchFamily="2" charset="-127"/>
+              </a:rPr>
+              <a:t>URL] </a:t>
+            </a:r>
+            <a:r>
+              <a:rPr lang="en-US" altLang="ko-KR" sz="1000" spc="-50" dirty="0">
+                <a:solidFill>
+                  <a:prstClr val="black"/>
+                </a:solidFill>
+                <a:latin typeface="넥슨Lv1고딕 Light" panose="00000300000000000000" pitchFamily="2" charset="-127"/>
+                <a:ea typeface="넥슨Lv1고딕 Light" panose="00000300000000000000" pitchFamily="2" charset="-127"/>
+                <a:hlinkClick r:id="rId3"/>
+              </a:rPr>
+              <a:t>https://firebase.google.com/docs/web/setup?authuser=0</a:t>
+            </a:r>
+            <a:endParaRPr lang="en-US" altLang="ko-KR" sz="1100" spc="-50" dirty="0">
+              <a:solidFill>
+                <a:prstClr val="black"/>
+              </a:solidFill>
+              <a:latin typeface="넥슨Lv1고딕 Light" panose="00000300000000000000" pitchFamily="2" charset="-127"/>
+              <a:ea typeface="넥슨Lv1고딕 Light" panose="00000300000000000000" pitchFamily="2" charset="-127"/>
+            </a:endParaRPr>
+          </a:p>
+        </p:txBody>
+      </p:sp>
+      <p:sp>
+        <p:nvSpPr>
+          <p:cNvPr id="10" name="제목 3">
+            <a:extLst>
+              <a:ext uri="{FF2B5EF4-FFF2-40B4-BE49-F238E27FC236}">
+                <a16:creationId xmlns:a16="http://schemas.microsoft.com/office/drawing/2014/main" id="{7994DE8C-0858-4685-B074-BAD5A1FFB78D}"/>
+              </a:ext>
+            </a:extLst>
+          </p:cNvPr>
+          <p:cNvSpPr>
+            <a:spLocks noGrp="1"/>
+          </p:cNvSpPr>
+          <p:nvPr>
+            <p:ph type="title"/>
+          </p:nvPr>
+        </p:nvSpPr>
+        <p:spPr>
+          <a:xfrm>
+            <a:off x="628650" y="551713"/>
+            <a:ext cx="7886700" cy="721790"/>
+          </a:xfrm>
+        </p:spPr>
+        <p:txBody>
+          <a:bodyPr>
+            <a:normAutofit/>
+          </a:bodyPr>
+          <a:lstStyle/>
+          <a:p>
+            <a:pPr>
+              <a:lnSpc>
+                <a:spcPct val="110000"/>
+              </a:lnSpc>
+            </a:pPr>
+            <a:r>
+              <a:rPr lang="en-US" altLang="ko-KR" sz="1000" dirty="0" err="1">
+                <a:latin typeface="넥슨Lv1고딕 Light" panose="00000300000000000000" pitchFamily="2" charset="-127"/>
+                <a:ea typeface="넥슨Lv1고딕 Light" panose="00000300000000000000" pitchFamily="2" charset="-127"/>
+              </a:rPr>
+              <a:t>FirebaseUI</a:t>
+            </a:r>
+            <a:r>
+              <a:rPr lang="ko-KR" altLang="en-US" sz="1000" dirty="0">
+                <a:latin typeface="넥슨Lv1고딕 Light" panose="00000300000000000000" pitchFamily="2" charset="-127"/>
+                <a:ea typeface="넥슨Lv1고딕 Light" panose="00000300000000000000" pitchFamily="2" charset="-127"/>
+              </a:rPr>
+              <a:t>를 이용한</a:t>
+            </a:r>
+            <a:br>
+              <a:rPr lang="en-US" altLang="ko-KR" sz="1800" dirty="0">
+                <a:latin typeface="넥슨Lv1고딕 Bold" panose="00000800000000000000" pitchFamily="2" charset="-127"/>
+                <a:ea typeface="넥슨Lv1고딕 Bold" panose="00000800000000000000" pitchFamily="2" charset="-127"/>
+              </a:rPr>
+            </a:br>
+            <a:r>
+              <a:rPr lang="ko-KR" altLang="en-US" sz="1800" b="1" dirty="0">
+                <a:latin typeface="넥슨Lv1고딕 Bold" panose="00000800000000000000" pitchFamily="2" charset="-127"/>
+                <a:ea typeface="넥슨Lv1고딕 Bold" panose="00000800000000000000" pitchFamily="2" charset="-127"/>
+              </a:rPr>
+              <a:t>구글</a:t>
+            </a:r>
+            <a:r>
+              <a:rPr lang="en-US" altLang="ko-KR" sz="1800" b="1" dirty="0">
+                <a:latin typeface="넥슨Lv1고딕 Bold" panose="00000800000000000000" pitchFamily="2" charset="-127"/>
+                <a:ea typeface="넥슨Lv1고딕 Bold" panose="00000800000000000000" pitchFamily="2" charset="-127"/>
+              </a:rPr>
+              <a:t>, </a:t>
+            </a:r>
+            <a:r>
+              <a:rPr lang="ko-KR" altLang="en-US" sz="1800" b="1" dirty="0">
+                <a:latin typeface="넥슨Lv1고딕 Bold" panose="00000800000000000000" pitchFamily="2" charset="-127"/>
+                <a:ea typeface="넥슨Lv1고딕 Bold" panose="00000800000000000000" pitchFamily="2" charset="-127"/>
+              </a:rPr>
+              <a:t>페이스북</a:t>
+            </a:r>
+            <a:r>
+              <a:rPr lang="en-US" altLang="ko-KR" sz="1800" b="1" dirty="0">
+                <a:latin typeface="넥슨Lv1고딕 Bold" panose="00000800000000000000" pitchFamily="2" charset="-127"/>
+                <a:ea typeface="넥슨Lv1고딕 Bold" panose="00000800000000000000" pitchFamily="2" charset="-127"/>
+              </a:rPr>
+              <a:t>, </a:t>
+            </a:r>
+            <a:r>
+              <a:rPr lang="ko-KR" altLang="en-US" sz="1800" b="1" dirty="0">
+                <a:latin typeface="넥슨Lv1고딕 Bold" panose="00000800000000000000" pitchFamily="2" charset="-127"/>
+                <a:ea typeface="넥슨Lv1고딕 Bold" panose="00000800000000000000" pitchFamily="2" charset="-127"/>
+              </a:rPr>
+              <a:t>이메일 로그인 구현</a:t>
+            </a:r>
+            <a:endParaRPr lang="ko-KR" altLang="en-US" sz="2200" dirty="0">
+              <a:latin typeface="넥슨Lv1고딕 Bold" panose="00000800000000000000" pitchFamily="2" charset="-127"/>
+              <a:ea typeface="넥슨Lv1고딕 Bold" panose="00000800000000000000" pitchFamily="2" charset="-127"/>
+            </a:endParaRPr>
+          </a:p>
+        </p:txBody>
+      </p:sp>
+    </p:spTree>
+    <p:extLst>
+      <p:ext uri="{BB962C8B-B14F-4D97-AF65-F5344CB8AC3E}">
+        <p14:creationId xmlns:p14="http://schemas.microsoft.com/office/powerpoint/2010/main" val="1739043114"/>
+      </p:ext>
+    </p:extLst>
+  </p:cSld>
+  <p:clrMapOvr>
+    <a:masterClrMapping/>
+  </p:clrMapOvr>
+</p:sld>
+</file>
+
+<file path=ppt/slides/slide27.xml><?xml version="1.0" encoding="utf-8"?>
+<p:sld xmlns:a="http://schemas.openxmlformats.org/drawingml/2006/main" xmlns:r="http://schemas.openxmlformats.org/officeDocument/2006/relationships" xmlns:p="http://schemas.openxmlformats.org/presentationml/2006/main">
+  <p:cSld>
+    <p:spTree>
+      <p:nvGrpSpPr>
+        <p:cNvPr id="1" name=""/>
+        <p:cNvGrpSpPr/>
+        <p:nvPr/>
+      </p:nvGrpSpPr>
+      <p:grpSpPr>
+        <a:xfrm>
+          <a:off x="0" y="0"/>
+          <a:ext cx="0" cy="0"/>
+          <a:chOff x="0" y="0"/>
+          <a:chExt cx="0" cy="0"/>
+        </a:xfrm>
+      </p:grpSpPr>
+      <p:sp>
+        <p:nvSpPr>
+          <p:cNvPr id="7" name="모서리가 둥근 직사각형 6"/>
+          <p:cNvSpPr/>
+          <p:nvPr/>
+        </p:nvSpPr>
+        <p:spPr>
+          <a:xfrm>
+            <a:off x="1109817" y="1610380"/>
+            <a:ext cx="3872888" cy="350275"/>
+          </a:xfrm>
+          <a:prstGeom prst="roundRect">
+            <a:avLst/>
+          </a:prstGeom>
+          <a:solidFill>
+            <a:schemeClr val="bg1">
+              <a:lumMod val="95000"/>
+            </a:schemeClr>
+          </a:solidFill>
+          <a:ln>
+            <a:noFill/>
+          </a:ln>
+        </p:spPr>
+        <p:style>
+          <a:lnRef idx="2">
+            <a:schemeClr val="accent1">
+              <a:shade val="50000"/>
+            </a:schemeClr>
+          </a:lnRef>
+          <a:fillRef idx="1">
+            <a:schemeClr val="accent1"/>
+          </a:fillRef>
+          <a:effectRef idx="0">
+            <a:schemeClr val="accent1"/>
+          </a:effectRef>
+          <a:fontRef idx="minor">
+            <a:schemeClr val="lt1"/>
+          </a:fontRef>
+        </p:style>
+        <p:txBody>
+          <a:bodyPr lIns="360000" rtlCol="0" anchor="ctr"/>
+          <a:lstStyle/>
+          <a:p>
+            <a:r>
+              <a:rPr lang="en-US" altLang="ko-KR" sz="1200" spc="-50" dirty="0">
+                <a:solidFill>
+                  <a:schemeClr val="accent1">
+                    <a:lumMod val="50000"/>
+                  </a:schemeClr>
+                </a:solidFill>
+                <a:latin typeface="넥슨Lv1고딕 Bold" panose="00000800000000000000" pitchFamily="2" charset="-127"/>
+                <a:ea typeface="넥슨Lv1고딕 Bold" panose="00000800000000000000" pitchFamily="2" charset="-127"/>
+              </a:rPr>
+              <a:t>main.js </a:t>
+            </a:r>
+            <a:r>
+              <a:rPr lang="ko-KR" altLang="en-US" sz="1200" spc="-50" dirty="0">
+                <a:solidFill>
+                  <a:schemeClr val="accent1">
+                    <a:lumMod val="50000"/>
+                  </a:schemeClr>
+                </a:solidFill>
+                <a:latin typeface="넥슨Lv1고딕 Bold" panose="00000800000000000000" pitchFamily="2" charset="-127"/>
+                <a:ea typeface="넥슨Lv1고딕 Bold" panose="00000800000000000000" pitchFamily="2" charset="-127"/>
+              </a:rPr>
+              <a:t>파일에 </a:t>
+            </a:r>
+            <a:r>
+              <a:rPr lang="en-US" altLang="ko-KR" sz="1200" spc="-50" dirty="0">
+                <a:solidFill>
+                  <a:schemeClr val="accent1">
+                    <a:lumMod val="50000"/>
+                  </a:schemeClr>
+                </a:solidFill>
+                <a:latin typeface="넥슨Lv1고딕 Bold" panose="00000800000000000000" pitchFamily="2" charset="-127"/>
+                <a:ea typeface="넥슨Lv1고딕 Bold" panose="00000800000000000000" pitchFamily="2" charset="-127"/>
+              </a:rPr>
+              <a:t>Firebase </a:t>
+            </a:r>
+            <a:r>
+              <a:rPr lang="ko-KR" altLang="en-US" sz="1200" spc="-50" dirty="0">
+                <a:solidFill>
+                  <a:schemeClr val="accent1">
+                    <a:lumMod val="50000"/>
+                  </a:schemeClr>
+                </a:solidFill>
+                <a:latin typeface="넥슨Lv1고딕 Bold" panose="00000800000000000000" pitchFamily="2" charset="-127"/>
+                <a:ea typeface="넥슨Lv1고딕 Bold" panose="00000800000000000000" pitchFamily="2" charset="-127"/>
+              </a:rPr>
+              <a:t>불러온 후</a:t>
+            </a:r>
+            <a:r>
+              <a:rPr lang="en-US" altLang="ko-KR" sz="1200" spc="-50" dirty="0">
+                <a:solidFill>
+                  <a:schemeClr val="accent1">
+                    <a:lumMod val="50000"/>
+                  </a:schemeClr>
+                </a:solidFill>
+                <a:latin typeface="넥슨Lv1고딕 Bold" panose="00000800000000000000" pitchFamily="2" charset="-127"/>
+                <a:ea typeface="넥슨Lv1고딕 Bold" panose="00000800000000000000" pitchFamily="2" charset="-127"/>
+              </a:rPr>
+              <a:t>, </a:t>
+            </a:r>
+            <a:r>
+              <a:rPr lang="ko-KR" altLang="en-US" sz="1200" spc="-50" dirty="0">
+                <a:solidFill>
+                  <a:schemeClr val="accent1">
+                    <a:lumMod val="50000"/>
+                  </a:schemeClr>
+                </a:solidFill>
+                <a:latin typeface="넥슨Lv1고딕 Bold" panose="00000800000000000000" pitchFamily="2" charset="-127"/>
+                <a:ea typeface="넥슨Lv1고딕 Bold" panose="00000800000000000000" pitchFamily="2" charset="-127"/>
+              </a:rPr>
+              <a:t>설정 추가</a:t>
+            </a:r>
+            <a:endParaRPr lang="en-US" altLang="ko-KR" sz="1200" spc="-50" dirty="0">
+              <a:solidFill>
+                <a:schemeClr val="accent1">
+                  <a:lumMod val="50000"/>
+                </a:schemeClr>
+              </a:solidFill>
+              <a:latin typeface="넥슨Lv1고딕 Bold" panose="00000800000000000000" pitchFamily="2" charset="-127"/>
+              <a:ea typeface="넥슨Lv1고딕 Bold" panose="00000800000000000000" pitchFamily="2" charset="-127"/>
+            </a:endParaRPr>
+          </a:p>
+        </p:txBody>
+      </p:sp>
+      <p:cxnSp>
+        <p:nvCxnSpPr>
+          <p:cNvPr id="13" name="직선 연결선 12"/>
+          <p:cNvCxnSpPr/>
+          <p:nvPr/>
+        </p:nvCxnSpPr>
+        <p:spPr>
+          <a:xfrm>
+            <a:off x="689488" y="1238865"/>
+            <a:ext cx="7647038" cy="0"/>
+          </a:xfrm>
+          <a:prstGeom prst="line">
+            <a:avLst/>
+          </a:prstGeom>
+          <a:ln>
+            <a:solidFill>
+              <a:schemeClr val="bg1">
+                <a:lumMod val="85000"/>
+              </a:schemeClr>
+            </a:solidFill>
+          </a:ln>
+        </p:spPr>
+        <p:style>
+          <a:lnRef idx="1">
+            <a:schemeClr val="accent1"/>
+          </a:lnRef>
+          <a:fillRef idx="0">
+            <a:schemeClr val="accent1"/>
+          </a:fillRef>
+          <a:effectRef idx="0">
+            <a:schemeClr val="accent1"/>
+          </a:effectRef>
+          <a:fontRef idx="minor">
+            <a:schemeClr val="tx1"/>
+          </a:fontRef>
+        </p:style>
+      </p:cxnSp>
+      <p:sp>
+        <p:nvSpPr>
+          <p:cNvPr id="3" name="슬라이드 번호 개체 틀 2"/>
+          <p:cNvSpPr>
+            <a:spLocks noGrp="1"/>
+          </p:cNvSpPr>
+          <p:nvPr>
+            <p:ph type="sldNum" sz="quarter" idx="12"/>
+          </p:nvPr>
+        </p:nvSpPr>
+        <p:spPr/>
+        <p:txBody>
+          <a:bodyPr/>
+          <a:lstStyle/>
+          <a:p>
+            <a:fld id="{8D0AD3C7-B26A-41BF-81F8-CAF4A9564849}" type="slidenum">
+              <a:rPr lang="ko-KR" altLang="en-US" smtClean="0"/>
+              <a:pPr/>
+              <a:t>26</a:t>
+            </a:fld>
+            <a:endParaRPr lang="ko-KR" altLang="en-US" dirty="0"/>
+          </a:p>
+        </p:txBody>
+      </p:sp>
+      <p:sp>
+        <p:nvSpPr>
+          <p:cNvPr id="9" name="타원 8">
+            <a:extLst>
+              <a:ext uri="{FF2B5EF4-FFF2-40B4-BE49-F238E27FC236}">
+                <a16:creationId xmlns:a16="http://schemas.microsoft.com/office/drawing/2014/main" id="{731CCCE5-901D-432C-BEAC-F936CBC6BB25}"/>
+              </a:ext>
+            </a:extLst>
+          </p:cNvPr>
+          <p:cNvSpPr/>
+          <p:nvPr/>
+        </p:nvSpPr>
+        <p:spPr>
+          <a:xfrm>
+            <a:off x="877529" y="1588501"/>
+            <a:ext cx="412955" cy="412955"/>
+          </a:xfrm>
+          <a:prstGeom prst="ellipse">
+            <a:avLst/>
+          </a:prstGeom>
+          <a:solidFill>
+            <a:srgbClr val="298DBF"/>
+          </a:solidFill>
+          <a:ln w="57150">
+            <a:solidFill>
+              <a:schemeClr val="bg1"/>
+            </a:solidFill>
+          </a:ln>
+        </p:spPr>
+        <p:style>
+          <a:lnRef idx="2">
+            <a:schemeClr val="accent1">
+              <a:shade val="50000"/>
+            </a:schemeClr>
+          </a:lnRef>
+          <a:fillRef idx="1">
+            <a:schemeClr val="accent1"/>
+          </a:fillRef>
+          <a:effectRef idx="0">
+            <a:schemeClr val="accent1"/>
+          </a:effectRef>
+          <a:fontRef idx="minor">
+            <a:schemeClr val="lt1"/>
+          </a:fontRef>
+        </p:style>
+        <p:txBody>
+          <a:bodyPr rtlCol="0" anchor="ctr"/>
+          <a:lstStyle/>
+          <a:p>
+            <a:pPr algn="ctr"/>
+            <a:r>
+              <a:rPr lang="en-US" altLang="ko-KR" dirty="0">
+                <a:ea typeface="넥슨Lv1고딕 Light" panose="00000300000000000000" pitchFamily="2" charset="-127"/>
+              </a:rPr>
+              <a:t>4</a:t>
+            </a:r>
+            <a:endParaRPr lang="ko-KR" altLang="en-US" dirty="0">
+              <a:ea typeface="넥슨Lv1고딕 Light" panose="00000300000000000000" pitchFamily="2" charset="-127"/>
+            </a:endParaRPr>
+          </a:p>
+        </p:txBody>
+      </p:sp>
+      <p:sp>
+        <p:nvSpPr>
+          <p:cNvPr id="12" name="TextBox 11">
+            <a:extLst>
+              <a:ext uri="{FF2B5EF4-FFF2-40B4-BE49-F238E27FC236}">
+                <a16:creationId xmlns:a16="http://schemas.microsoft.com/office/drawing/2014/main" id="{9F12D4E5-B109-4B80-B716-4AECBE0D5D67}"/>
+              </a:ext>
+            </a:extLst>
+          </p:cNvPr>
+          <p:cNvSpPr txBox="1"/>
+          <p:nvPr/>
+        </p:nvSpPr>
+        <p:spPr>
+          <a:xfrm>
+            <a:off x="1415845" y="2061361"/>
+            <a:ext cx="6920681" cy="584775"/>
+          </a:xfrm>
+          <a:prstGeom prst="rect">
+            <a:avLst/>
+          </a:prstGeom>
+          <a:noFill/>
+        </p:spPr>
+        <p:txBody>
+          <a:bodyPr wrap="square" rtlCol="0">
+            <a:spAutoFit/>
+          </a:bodyPr>
+          <a:lstStyle/>
+          <a:p>
+            <a:r>
+              <a:rPr lang="ko-KR" altLang="en-US" sz="1100" spc="-50" dirty="0">
+                <a:latin typeface="넥슨Lv1고딕 Light" panose="00000300000000000000" pitchFamily="2" charset="-127"/>
+                <a:ea typeface="넥슨Lv1고딕 Light" panose="00000300000000000000" pitchFamily="2" charset="-127"/>
+              </a:rPr>
+              <a:t>여기에 코드 캡쳐에 대한 설명 작성</a:t>
+            </a:r>
+            <a:endParaRPr lang="en-US" altLang="ko-KR" sz="1100" spc="-50" dirty="0">
+              <a:latin typeface="넥슨Lv1고딕 Light" panose="00000300000000000000" pitchFamily="2" charset="-127"/>
+              <a:ea typeface="넥슨Lv1고딕 Light" panose="00000300000000000000" pitchFamily="2" charset="-127"/>
+            </a:endParaRPr>
+          </a:p>
+          <a:p>
+            <a:pPr lvl="0"/>
+            <a:endParaRPr lang="en-US" altLang="ko-KR" sz="1100" spc="-50" dirty="0">
+              <a:solidFill>
+                <a:srgbClr val="FF0000"/>
+              </a:solidFill>
+              <a:latin typeface="넥슨Lv1고딕 Light" panose="00000300000000000000" pitchFamily="2" charset="-127"/>
+              <a:ea typeface="넥슨Lv1고딕 Light" panose="00000300000000000000" pitchFamily="2" charset="-127"/>
+            </a:endParaRPr>
+          </a:p>
+          <a:p>
+            <a:pPr lvl="0"/>
+            <a:r>
+              <a:rPr lang="en-US" altLang="ko-KR" sz="1000" spc="-50" dirty="0">
+                <a:solidFill>
+                  <a:prstClr val="black"/>
+                </a:solidFill>
+                <a:latin typeface="넥슨Lv1고딕 Light" panose="00000300000000000000" pitchFamily="2" charset="-127"/>
+                <a:ea typeface="넥슨Lv1고딕 Light" panose="00000300000000000000" pitchFamily="2" charset="-127"/>
+              </a:rPr>
+              <a:t>[</a:t>
+            </a:r>
+            <a:r>
+              <a:rPr lang="ko-KR" altLang="en-US" sz="1000" spc="-50" dirty="0">
+                <a:solidFill>
+                  <a:prstClr val="black"/>
+                </a:solidFill>
+                <a:latin typeface="넥슨Lv1고딕 Light" panose="00000300000000000000" pitchFamily="2" charset="-127"/>
+                <a:ea typeface="넥슨Lv1고딕 Light" panose="00000300000000000000" pitchFamily="2" charset="-127"/>
+              </a:rPr>
+              <a:t>참고 </a:t>
+            </a:r>
+            <a:r>
+              <a:rPr lang="en-US" altLang="ko-KR" sz="1000" spc="-50" dirty="0">
+                <a:solidFill>
+                  <a:prstClr val="black"/>
+                </a:solidFill>
+                <a:latin typeface="넥슨Lv1고딕 Light" panose="00000300000000000000" pitchFamily="2" charset="-127"/>
+                <a:ea typeface="넥슨Lv1고딕 Light" panose="00000300000000000000" pitchFamily="2" charset="-127"/>
+              </a:rPr>
+              <a:t>URL] </a:t>
+            </a:r>
+            <a:r>
+              <a:rPr lang="en-US" altLang="ko-KR" sz="1000" spc="-50" dirty="0">
+                <a:solidFill>
+                  <a:prstClr val="black"/>
+                </a:solidFill>
+                <a:latin typeface="넥슨Lv1고딕 Light" panose="00000300000000000000" pitchFamily="2" charset="-127"/>
+                <a:ea typeface="넥슨Lv1고딕 Light" panose="00000300000000000000" pitchFamily="2" charset="-127"/>
+                <a:hlinkClick r:id="rId3"/>
+              </a:rPr>
+              <a:t>https://firebase.google.com/docs/web/setup?authuser=0</a:t>
+            </a:r>
+            <a:endParaRPr lang="en-US" altLang="ko-KR" sz="1100" spc="-50" dirty="0">
+              <a:solidFill>
+                <a:prstClr val="black"/>
+              </a:solidFill>
+              <a:latin typeface="넥슨Lv1고딕 Light" panose="00000300000000000000" pitchFamily="2" charset="-127"/>
+              <a:ea typeface="넥슨Lv1고딕 Light" panose="00000300000000000000" pitchFamily="2" charset="-127"/>
+            </a:endParaRPr>
+          </a:p>
+        </p:txBody>
+      </p:sp>
+      <p:sp>
+        <p:nvSpPr>
+          <p:cNvPr id="10" name="제목 3">
+            <a:extLst>
+              <a:ext uri="{FF2B5EF4-FFF2-40B4-BE49-F238E27FC236}">
+                <a16:creationId xmlns:a16="http://schemas.microsoft.com/office/drawing/2014/main" id="{7994DE8C-0858-4685-B074-BAD5A1FFB78D}"/>
+              </a:ext>
+            </a:extLst>
+          </p:cNvPr>
+          <p:cNvSpPr>
+            <a:spLocks noGrp="1"/>
+          </p:cNvSpPr>
+          <p:nvPr>
+            <p:ph type="title"/>
+          </p:nvPr>
+        </p:nvSpPr>
+        <p:spPr>
+          <a:xfrm>
+            <a:off x="628650" y="551713"/>
+            <a:ext cx="7886700" cy="721790"/>
+          </a:xfrm>
+        </p:spPr>
+        <p:txBody>
+          <a:bodyPr>
+            <a:normAutofit/>
+          </a:bodyPr>
+          <a:lstStyle/>
+          <a:p>
+            <a:pPr>
+              <a:lnSpc>
+                <a:spcPct val="110000"/>
+              </a:lnSpc>
+            </a:pPr>
+            <a:r>
+              <a:rPr lang="en-US" altLang="ko-KR" sz="1000" dirty="0" err="1">
+                <a:latin typeface="넥슨Lv1고딕 Light" panose="00000300000000000000" pitchFamily="2" charset="-127"/>
+                <a:ea typeface="넥슨Lv1고딕 Light" panose="00000300000000000000" pitchFamily="2" charset="-127"/>
+              </a:rPr>
+              <a:t>FirebaseUI</a:t>
+            </a:r>
+            <a:r>
+              <a:rPr lang="ko-KR" altLang="en-US" sz="1000" dirty="0">
+                <a:latin typeface="넥슨Lv1고딕 Light" panose="00000300000000000000" pitchFamily="2" charset="-127"/>
+                <a:ea typeface="넥슨Lv1고딕 Light" panose="00000300000000000000" pitchFamily="2" charset="-127"/>
+              </a:rPr>
+              <a:t>를 이용한</a:t>
+            </a:r>
+            <a:br>
+              <a:rPr lang="en-US" altLang="ko-KR" sz="1800" dirty="0">
+                <a:latin typeface="넥슨Lv1고딕 Bold" panose="00000800000000000000" pitchFamily="2" charset="-127"/>
+                <a:ea typeface="넥슨Lv1고딕 Bold" panose="00000800000000000000" pitchFamily="2" charset="-127"/>
+              </a:rPr>
+            </a:br>
+            <a:r>
+              <a:rPr lang="ko-KR" altLang="en-US" sz="1800" b="1" dirty="0">
+                <a:latin typeface="넥슨Lv1고딕 Bold" panose="00000800000000000000" pitchFamily="2" charset="-127"/>
+                <a:ea typeface="넥슨Lv1고딕 Bold" panose="00000800000000000000" pitchFamily="2" charset="-127"/>
+              </a:rPr>
+              <a:t>구글</a:t>
+            </a:r>
+            <a:r>
+              <a:rPr lang="en-US" altLang="ko-KR" sz="1800" b="1" dirty="0">
+                <a:latin typeface="넥슨Lv1고딕 Bold" panose="00000800000000000000" pitchFamily="2" charset="-127"/>
+                <a:ea typeface="넥슨Lv1고딕 Bold" panose="00000800000000000000" pitchFamily="2" charset="-127"/>
+              </a:rPr>
+              <a:t>, </a:t>
+            </a:r>
+            <a:r>
+              <a:rPr lang="ko-KR" altLang="en-US" sz="1800" b="1" dirty="0">
+                <a:latin typeface="넥슨Lv1고딕 Bold" panose="00000800000000000000" pitchFamily="2" charset="-127"/>
+                <a:ea typeface="넥슨Lv1고딕 Bold" panose="00000800000000000000" pitchFamily="2" charset="-127"/>
+              </a:rPr>
+              <a:t>페이스북</a:t>
+            </a:r>
+            <a:r>
+              <a:rPr lang="en-US" altLang="ko-KR" sz="1800" b="1" dirty="0">
+                <a:latin typeface="넥슨Lv1고딕 Bold" panose="00000800000000000000" pitchFamily="2" charset="-127"/>
+                <a:ea typeface="넥슨Lv1고딕 Bold" panose="00000800000000000000" pitchFamily="2" charset="-127"/>
+              </a:rPr>
+              <a:t>, </a:t>
+            </a:r>
+            <a:r>
+              <a:rPr lang="ko-KR" altLang="en-US" sz="1800" b="1" dirty="0">
+                <a:latin typeface="넥슨Lv1고딕 Bold" panose="00000800000000000000" pitchFamily="2" charset="-127"/>
+                <a:ea typeface="넥슨Lv1고딕 Bold" panose="00000800000000000000" pitchFamily="2" charset="-127"/>
+              </a:rPr>
+              <a:t>이메일 로그인 구현</a:t>
+            </a:r>
+            <a:endParaRPr lang="ko-KR" altLang="en-US" sz="2200" dirty="0">
+              <a:latin typeface="넥슨Lv1고딕 Bold" panose="00000800000000000000" pitchFamily="2" charset="-127"/>
+              <a:ea typeface="넥슨Lv1고딕 Bold" panose="00000800000000000000" pitchFamily="2" charset="-127"/>
+            </a:endParaRPr>
+          </a:p>
+        </p:txBody>
+      </p:sp>
+    </p:spTree>
+    <p:extLst>
+      <p:ext uri="{BB962C8B-B14F-4D97-AF65-F5344CB8AC3E}">
+        <p14:creationId xmlns:p14="http://schemas.microsoft.com/office/powerpoint/2010/main" val="1184317916"/>
+      </p:ext>
+    </p:extLst>
+  </p:cSld>
+  <p:clrMapOvr>
+    <a:masterClrMapping/>
+  </p:clrMapOvr>
+</p:sld>
+</file>
+
+<file path=ppt/slides/slide28.xml><?xml version="1.0" encoding="utf-8"?>
+<p:sld xmlns:a="http://schemas.openxmlformats.org/drawingml/2006/main" xmlns:r="http://schemas.openxmlformats.org/officeDocument/2006/relationships" xmlns:p="http://schemas.openxmlformats.org/presentationml/2006/main">
+  <p:cSld>
+    <p:spTree>
+      <p:nvGrpSpPr>
+        <p:cNvPr id="1" name=""/>
+        <p:cNvGrpSpPr/>
+        <p:nvPr/>
+      </p:nvGrpSpPr>
+      <p:grpSpPr>
+        <a:xfrm>
+          <a:off x="0" y="0"/>
+          <a:ext cx="0" cy="0"/>
+          <a:chOff x="0" y="0"/>
+          <a:chExt cx="0" cy="0"/>
+        </a:xfrm>
+      </p:grpSpPr>
+      <p:sp>
+        <p:nvSpPr>
+          <p:cNvPr id="7" name="모서리가 둥근 직사각형 6"/>
+          <p:cNvSpPr/>
+          <p:nvPr/>
+        </p:nvSpPr>
+        <p:spPr>
+          <a:xfrm>
+            <a:off x="1109817" y="1610380"/>
+            <a:ext cx="3872888" cy="350275"/>
+          </a:xfrm>
+          <a:prstGeom prst="roundRect">
+            <a:avLst/>
+          </a:prstGeom>
+          <a:solidFill>
+            <a:schemeClr val="bg1">
+              <a:lumMod val="95000"/>
+            </a:schemeClr>
+          </a:solidFill>
+          <a:ln>
+            <a:noFill/>
+          </a:ln>
+        </p:spPr>
+        <p:style>
+          <a:lnRef idx="2">
+            <a:schemeClr val="accent1">
+              <a:shade val="50000"/>
+            </a:schemeClr>
+          </a:lnRef>
+          <a:fillRef idx="1">
+            <a:schemeClr val="accent1"/>
+          </a:fillRef>
+          <a:effectRef idx="0">
+            <a:schemeClr val="accent1"/>
+          </a:effectRef>
+          <a:fontRef idx="minor">
+            <a:schemeClr val="lt1"/>
+          </a:fontRef>
+        </p:style>
+        <p:txBody>
+          <a:bodyPr lIns="360000" rtlCol="0" anchor="ctr"/>
+          <a:lstStyle/>
+          <a:p>
+            <a:r>
+              <a:rPr lang="en-US" altLang="ko-KR" sz="1200" spc="-50" dirty="0">
+                <a:solidFill>
+                  <a:schemeClr val="accent1">
+                    <a:lumMod val="50000"/>
+                  </a:schemeClr>
+                </a:solidFill>
+                <a:latin typeface="넥슨Lv1고딕 Bold" panose="00000800000000000000" pitchFamily="2" charset="-127"/>
+                <a:ea typeface="넥슨Lv1고딕 Bold" panose="00000800000000000000" pitchFamily="2" charset="-127"/>
+              </a:rPr>
+              <a:t>Login </a:t>
+            </a:r>
+            <a:r>
+              <a:rPr lang="ko-KR" altLang="en-US" sz="1200" spc="-50" dirty="0" err="1">
+                <a:solidFill>
+                  <a:schemeClr val="accent1">
+                    <a:lumMod val="50000"/>
+                  </a:schemeClr>
+                </a:solidFill>
+                <a:latin typeface="넥슨Lv1고딕 Bold" panose="00000800000000000000" pitchFamily="2" charset="-127"/>
+                <a:ea typeface="넥슨Lv1고딕 Bold" panose="00000800000000000000" pitchFamily="2" charset="-127"/>
+              </a:rPr>
+              <a:t>라우트</a:t>
+            </a:r>
+            <a:r>
+              <a:rPr lang="ko-KR" altLang="en-US" sz="1200" spc="-50" dirty="0">
+                <a:solidFill>
+                  <a:schemeClr val="accent1">
+                    <a:lumMod val="50000"/>
+                  </a:schemeClr>
+                </a:solidFill>
+                <a:latin typeface="넥슨Lv1고딕 Bold" panose="00000800000000000000" pitchFamily="2" charset="-127"/>
+                <a:ea typeface="넥슨Lv1고딕 Bold" panose="00000800000000000000" pitchFamily="2" charset="-127"/>
+              </a:rPr>
+              <a:t> 등록하고 </a:t>
+            </a:r>
+            <a:r>
+              <a:rPr lang="en-US" altLang="ko-KR" sz="1200" spc="-50" dirty="0" err="1">
+                <a:solidFill>
+                  <a:schemeClr val="accent1">
+                    <a:lumMod val="50000"/>
+                  </a:schemeClr>
+                </a:solidFill>
+                <a:latin typeface="넥슨Lv1고딕 Bold" panose="00000800000000000000" pitchFamily="2" charset="-127"/>
+                <a:ea typeface="넥슨Lv1고딕 Bold" panose="00000800000000000000" pitchFamily="2" charset="-127"/>
+              </a:rPr>
+              <a:t>Login.vue</a:t>
+            </a:r>
+            <a:r>
+              <a:rPr lang="en-US" altLang="ko-KR" sz="1200" spc="-50" dirty="0">
+                <a:solidFill>
+                  <a:schemeClr val="accent1">
+                    <a:lumMod val="50000"/>
+                  </a:schemeClr>
+                </a:solidFill>
+                <a:latin typeface="넥슨Lv1고딕 Bold" panose="00000800000000000000" pitchFamily="2" charset="-127"/>
+                <a:ea typeface="넥슨Lv1고딕 Bold" panose="00000800000000000000" pitchFamily="2" charset="-127"/>
+              </a:rPr>
+              <a:t> </a:t>
+            </a:r>
+            <a:r>
+              <a:rPr lang="ko-KR" altLang="en-US" sz="1200" spc="-50" dirty="0">
+                <a:solidFill>
+                  <a:schemeClr val="accent1">
+                    <a:lumMod val="50000"/>
+                  </a:schemeClr>
+                </a:solidFill>
+                <a:latin typeface="넥슨Lv1고딕 Bold" panose="00000800000000000000" pitchFamily="2" charset="-127"/>
+                <a:ea typeface="넥슨Lv1고딕 Bold" panose="00000800000000000000" pitchFamily="2" charset="-127"/>
+              </a:rPr>
+              <a:t>파일 생성</a:t>
+            </a:r>
+            <a:endParaRPr lang="en-US" altLang="ko-KR" sz="1200" spc="-50" dirty="0">
+              <a:solidFill>
+                <a:schemeClr val="accent1">
+                  <a:lumMod val="50000"/>
+                </a:schemeClr>
+              </a:solidFill>
+              <a:latin typeface="넥슨Lv1고딕 Bold" panose="00000800000000000000" pitchFamily="2" charset="-127"/>
+              <a:ea typeface="넥슨Lv1고딕 Bold" panose="00000800000000000000" pitchFamily="2" charset="-127"/>
+            </a:endParaRPr>
+          </a:p>
+        </p:txBody>
+      </p:sp>
+      <p:cxnSp>
+        <p:nvCxnSpPr>
+          <p:cNvPr id="13" name="직선 연결선 12"/>
+          <p:cNvCxnSpPr/>
+          <p:nvPr/>
+        </p:nvCxnSpPr>
+        <p:spPr>
+          <a:xfrm>
+            <a:off x="689488" y="1238865"/>
+            <a:ext cx="7647038" cy="0"/>
+          </a:xfrm>
+          <a:prstGeom prst="line">
+            <a:avLst/>
+          </a:prstGeom>
+          <a:ln>
+            <a:solidFill>
+              <a:schemeClr val="bg1">
+                <a:lumMod val="85000"/>
+              </a:schemeClr>
+            </a:solidFill>
+          </a:ln>
+        </p:spPr>
+        <p:style>
+          <a:lnRef idx="1">
+            <a:schemeClr val="accent1"/>
+          </a:lnRef>
+          <a:fillRef idx="0">
+            <a:schemeClr val="accent1"/>
+          </a:fillRef>
+          <a:effectRef idx="0">
+            <a:schemeClr val="accent1"/>
+          </a:effectRef>
+          <a:fontRef idx="minor">
+            <a:schemeClr val="tx1"/>
+          </a:fontRef>
+        </p:style>
+      </p:cxnSp>
+      <p:sp>
+        <p:nvSpPr>
+          <p:cNvPr id="3" name="슬라이드 번호 개체 틀 2"/>
+          <p:cNvSpPr>
+            <a:spLocks noGrp="1"/>
+          </p:cNvSpPr>
+          <p:nvPr>
+            <p:ph type="sldNum" sz="quarter" idx="12"/>
+          </p:nvPr>
+        </p:nvSpPr>
+        <p:spPr/>
+        <p:txBody>
+          <a:bodyPr/>
+          <a:lstStyle/>
+          <a:p>
+            <a:fld id="{8D0AD3C7-B26A-41BF-81F8-CAF4A9564849}" type="slidenum">
+              <a:rPr lang="ko-KR" altLang="en-US" smtClean="0"/>
+              <a:pPr/>
+              <a:t>27</a:t>
+            </a:fld>
+            <a:endParaRPr lang="ko-KR" altLang="en-US" dirty="0"/>
+          </a:p>
+        </p:txBody>
+      </p:sp>
+      <p:sp>
+        <p:nvSpPr>
+          <p:cNvPr id="9" name="타원 8">
+            <a:extLst>
+              <a:ext uri="{FF2B5EF4-FFF2-40B4-BE49-F238E27FC236}">
+                <a16:creationId xmlns:a16="http://schemas.microsoft.com/office/drawing/2014/main" id="{731CCCE5-901D-432C-BEAC-F936CBC6BB25}"/>
+              </a:ext>
+            </a:extLst>
+          </p:cNvPr>
+          <p:cNvSpPr/>
+          <p:nvPr/>
+        </p:nvSpPr>
+        <p:spPr>
+          <a:xfrm>
+            <a:off x="877529" y="1588501"/>
+            <a:ext cx="412955" cy="412955"/>
+          </a:xfrm>
+          <a:prstGeom prst="ellipse">
+            <a:avLst/>
+          </a:prstGeom>
+          <a:solidFill>
+            <a:srgbClr val="298DBF"/>
+          </a:solidFill>
+          <a:ln w="57150">
+            <a:solidFill>
+              <a:schemeClr val="bg1"/>
+            </a:solidFill>
+          </a:ln>
+        </p:spPr>
+        <p:style>
+          <a:lnRef idx="2">
+            <a:schemeClr val="accent1">
+              <a:shade val="50000"/>
+            </a:schemeClr>
+          </a:lnRef>
+          <a:fillRef idx="1">
+            <a:schemeClr val="accent1"/>
+          </a:fillRef>
+          <a:effectRef idx="0">
+            <a:schemeClr val="accent1"/>
+          </a:effectRef>
+          <a:fontRef idx="minor">
+            <a:schemeClr val="lt1"/>
+          </a:fontRef>
+        </p:style>
+        <p:txBody>
+          <a:bodyPr rtlCol="0" anchor="ctr"/>
+          <a:lstStyle/>
+          <a:p>
+            <a:pPr algn="ctr"/>
+            <a:r>
+              <a:rPr lang="en-US" altLang="ko-KR" dirty="0">
+                <a:ea typeface="넥슨Lv1고딕 Light" panose="00000300000000000000" pitchFamily="2" charset="-127"/>
+              </a:rPr>
+              <a:t>5</a:t>
+            </a:r>
+            <a:endParaRPr lang="ko-KR" altLang="en-US" dirty="0">
+              <a:ea typeface="넥슨Lv1고딕 Light" panose="00000300000000000000" pitchFamily="2" charset="-127"/>
+            </a:endParaRPr>
+          </a:p>
+        </p:txBody>
+      </p:sp>
+      <p:sp>
+        <p:nvSpPr>
+          <p:cNvPr id="12" name="TextBox 11">
+            <a:extLst>
+              <a:ext uri="{FF2B5EF4-FFF2-40B4-BE49-F238E27FC236}">
+                <a16:creationId xmlns:a16="http://schemas.microsoft.com/office/drawing/2014/main" id="{9F12D4E5-B109-4B80-B716-4AECBE0D5D67}"/>
+              </a:ext>
+            </a:extLst>
+          </p:cNvPr>
+          <p:cNvSpPr txBox="1"/>
+          <p:nvPr/>
+        </p:nvSpPr>
+        <p:spPr>
+          <a:xfrm>
+            <a:off x="1415845" y="2061361"/>
+            <a:ext cx="6920681" cy="261610"/>
+          </a:xfrm>
+          <a:prstGeom prst="rect">
+            <a:avLst/>
+          </a:prstGeom>
+          <a:noFill/>
+        </p:spPr>
+        <p:txBody>
+          <a:bodyPr wrap="square" rtlCol="0">
+            <a:spAutoFit/>
+          </a:bodyPr>
+          <a:lstStyle/>
+          <a:p>
+            <a:r>
+              <a:rPr lang="ko-KR" altLang="en-US" sz="1100" spc="-50" dirty="0">
+                <a:latin typeface="넥슨Lv1고딕 Light" panose="00000300000000000000" pitchFamily="2" charset="-127"/>
+                <a:ea typeface="넥슨Lv1고딕 Light" panose="00000300000000000000" pitchFamily="2" charset="-127"/>
+              </a:rPr>
+              <a:t>여기에 코드 캡쳐에 대한 설명 작성</a:t>
+            </a:r>
+            <a:endParaRPr lang="en-US" altLang="ko-KR" sz="1100" spc="-50" dirty="0">
+              <a:latin typeface="넥슨Lv1고딕 Light" panose="00000300000000000000" pitchFamily="2" charset="-127"/>
+              <a:ea typeface="넥슨Lv1고딕 Light" panose="00000300000000000000" pitchFamily="2" charset="-127"/>
+            </a:endParaRPr>
+          </a:p>
+        </p:txBody>
+      </p:sp>
+      <p:sp>
+        <p:nvSpPr>
+          <p:cNvPr id="10" name="제목 3">
+            <a:extLst>
+              <a:ext uri="{FF2B5EF4-FFF2-40B4-BE49-F238E27FC236}">
+                <a16:creationId xmlns:a16="http://schemas.microsoft.com/office/drawing/2014/main" id="{7994DE8C-0858-4685-B074-BAD5A1FFB78D}"/>
+              </a:ext>
+            </a:extLst>
+          </p:cNvPr>
+          <p:cNvSpPr>
+            <a:spLocks noGrp="1"/>
+          </p:cNvSpPr>
+          <p:nvPr>
+            <p:ph type="title"/>
+          </p:nvPr>
+        </p:nvSpPr>
+        <p:spPr>
+          <a:xfrm>
+            <a:off x="628650" y="551713"/>
+            <a:ext cx="7886700" cy="721790"/>
+          </a:xfrm>
+        </p:spPr>
+        <p:txBody>
+          <a:bodyPr>
+            <a:normAutofit/>
+          </a:bodyPr>
+          <a:lstStyle/>
+          <a:p>
+            <a:pPr>
+              <a:lnSpc>
+                <a:spcPct val="110000"/>
+              </a:lnSpc>
+            </a:pPr>
+            <a:r>
+              <a:rPr lang="en-US" altLang="ko-KR" sz="1000" dirty="0" err="1">
+                <a:latin typeface="넥슨Lv1고딕 Light" panose="00000300000000000000" pitchFamily="2" charset="-127"/>
+                <a:ea typeface="넥슨Lv1고딕 Light" panose="00000300000000000000" pitchFamily="2" charset="-127"/>
+              </a:rPr>
+              <a:t>FirebaseUI</a:t>
+            </a:r>
+            <a:r>
+              <a:rPr lang="ko-KR" altLang="en-US" sz="1000" dirty="0">
+                <a:latin typeface="넥슨Lv1고딕 Light" panose="00000300000000000000" pitchFamily="2" charset="-127"/>
+                <a:ea typeface="넥슨Lv1고딕 Light" panose="00000300000000000000" pitchFamily="2" charset="-127"/>
+              </a:rPr>
+              <a:t>를 이용한</a:t>
+            </a:r>
+            <a:br>
+              <a:rPr lang="en-US" altLang="ko-KR" sz="1800" dirty="0">
+                <a:latin typeface="넥슨Lv1고딕 Bold" panose="00000800000000000000" pitchFamily="2" charset="-127"/>
+                <a:ea typeface="넥슨Lv1고딕 Bold" panose="00000800000000000000" pitchFamily="2" charset="-127"/>
+              </a:rPr>
+            </a:br>
+            <a:r>
+              <a:rPr lang="ko-KR" altLang="en-US" sz="1800" b="1" dirty="0">
+                <a:latin typeface="넥슨Lv1고딕 Bold" panose="00000800000000000000" pitchFamily="2" charset="-127"/>
+                <a:ea typeface="넥슨Lv1고딕 Bold" panose="00000800000000000000" pitchFamily="2" charset="-127"/>
+              </a:rPr>
+              <a:t>구글</a:t>
+            </a:r>
+            <a:r>
+              <a:rPr lang="en-US" altLang="ko-KR" sz="1800" b="1" dirty="0">
+                <a:latin typeface="넥슨Lv1고딕 Bold" panose="00000800000000000000" pitchFamily="2" charset="-127"/>
+                <a:ea typeface="넥슨Lv1고딕 Bold" panose="00000800000000000000" pitchFamily="2" charset="-127"/>
+              </a:rPr>
+              <a:t>, </a:t>
+            </a:r>
+            <a:r>
+              <a:rPr lang="ko-KR" altLang="en-US" sz="1800" b="1" dirty="0">
+                <a:latin typeface="넥슨Lv1고딕 Bold" panose="00000800000000000000" pitchFamily="2" charset="-127"/>
+                <a:ea typeface="넥슨Lv1고딕 Bold" panose="00000800000000000000" pitchFamily="2" charset="-127"/>
+              </a:rPr>
+              <a:t>페이스북</a:t>
+            </a:r>
+            <a:r>
+              <a:rPr lang="en-US" altLang="ko-KR" sz="1800" b="1" dirty="0">
+                <a:latin typeface="넥슨Lv1고딕 Bold" panose="00000800000000000000" pitchFamily="2" charset="-127"/>
+                <a:ea typeface="넥슨Lv1고딕 Bold" panose="00000800000000000000" pitchFamily="2" charset="-127"/>
+              </a:rPr>
+              <a:t>, </a:t>
+            </a:r>
+            <a:r>
+              <a:rPr lang="ko-KR" altLang="en-US" sz="1800" b="1" dirty="0">
+                <a:latin typeface="넥슨Lv1고딕 Bold" panose="00000800000000000000" pitchFamily="2" charset="-127"/>
+                <a:ea typeface="넥슨Lv1고딕 Bold" panose="00000800000000000000" pitchFamily="2" charset="-127"/>
+              </a:rPr>
+              <a:t>이메일 로그인 구현</a:t>
+            </a:r>
+            <a:endParaRPr lang="ko-KR" altLang="en-US" sz="2200" dirty="0">
+              <a:latin typeface="넥슨Lv1고딕 Bold" panose="00000800000000000000" pitchFamily="2" charset="-127"/>
+              <a:ea typeface="넥슨Lv1고딕 Bold" panose="00000800000000000000" pitchFamily="2" charset="-127"/>
+            </a:endParaRPr>
+          </a:p>
+        </p:txBody>
+      </p:sp>
+    </p:spTree>
+    <p:extLst>
+      <p:ext uri="{BB962C8B-B14F-4D97-AF65-F5344CB8AC3E}">
+        <p14:creationId xmlns:p14="http://schemas.microsoft.com/office/powerpoint/2010/main" val="2249024455"/>
+      </p:ext>
+    </p:extLst>
+  </p:cSld>
+  <p:clrMapOvr>
+    <a:masterClrMapping/>
+  </p:clrMapOvr>
+</p:sld>
+</file>
+
+<file path=ppt/slides/slide29.xml><?xml version="1.0" encoding="utf-8"?>
+<p:sld xmlns:a="http://schemas.openxmlformats.org/drawingml/2006/main" xmlns:r="http://schemas.openxmlformats.org/officeDocument/2006/relationships" xmlns:p="http://schemas.openxmlformats.org/presentationml/2006/main">
+  <p:cSld>
+    <p:spTree>
+      <p:nvGrpSpPr>
+        <p:cNvPr id="1" name=""/>
+        <p:cNvGrpSpPr/>
+        <p:nvPr/>
+      </p:nvGrpSpPr>
+      <p:grpSpPr>
+        <a:xfrm>
+          <a:off x="0" y="0"/>
+          <a:ext cx="0" cy="0"/>
+          <a:chOff x="0" y="0"/>
+          <a:chExt cx="0" cy="0"/>
+        </a:xfrm>
+      </p:grpSpPr>
+      <p:sp>
+        <p:nvSpPr>
+          <p:cNvPr id="7" name="모서리가 둥근 직사각형 6"/>
+          <p:cNvSpPr/>
+          <p:nvPr/>
+        </p:nvSpPr>
+        <p:spPr>
+          <a:xfrm>
+            <a:off x="1109817" y="1610380"/>
+            <a:ext cx="3872888" cy="350275"/>
+          </a:xfrm>
+          <a:prstGeom prst="roundRect">
+            <a:avLst/>
+          </a:prstGeom>
+          <a:solidFill>
+            <a:schemeClr val="bg1">
+              <a:lumMod val="95000"/>
+            </a:schemeClr>
+          </a:solidFill>
+          <a:ln>
+            <a:noFill/>
+          </a:ln>
+        </p:spPr>
+        <p:style>
+          <a:lnRef idx="2">
+            <a:schemeClr val="accent1">
+              <a:shade val="50000"/>
+            </a:schemeClr>
+          </a:lnRef>
+          <a:fillRef idx="1">
+            <a:schemeClr val="accent1"/>
+          </a:fillRef>
+          <a:effectRef idx="0">
+            <a:schemeClr val="accent1"/>
+          </a:effectRef>
+          <a:fontRef idx="minor">
+            <a:schemeClr val="lt1"/>
+          </a:fontRef>
+        </p:style>
+        <p:txBody>
+          <a:bodyPr lIns="360000" rtlCol="0" anchor="ctr"/>
+          <a:lstStyle/>
+          <a:p>
+            <a:r>
+              <a:rPr lang="en-US" altLang="ko-KR" sz="1200" spc="-50" dirty="0" err="1">
+                <a:solidFill>
+                  <a:schemeClr val="accent1">
+                    <a:lumMod val="50000"/>
+                  </a:schemeClr>
+                </a:solidFill>
+                <a:latin typeface="넥슨Lv1고딕 Bold" panose="00000800000000000000" pitchFamily="2" charset="-127"/>
+                <a:ea typeface="넥슨Lv1고딕 Bold" panose="00000800000000000000" pitchFamily="2" charset="-127"/>
+              </a:rPr>
+              <a:t>Login.vue</a:t>
+            </a:r>
+            <a:r>
+              <a:rPr lang="en-US" altLang="ko-KR" sz="1200" spc="-50" dirty="0">
+                <a:solidFill>
+                  <a:schemeClr val="accent1">
+                    <a:lumMod val="50000"/>
+                  </a:schemeClr>
+                </a:solidFill>
+                <a:latin typeface="넥슨Lv1고딕 Bold" panose="00000800000000000000" pitchFamily="2" charset="-127"/>
+                <a:ea typeface="넥슨Lv1고딕 Bold" panose="00000800000000000000" pitchFamily="2" charset="-127"/>
+              </a:rPr>
+              <a:t> </a:t>
+            </a:r>
+            <a:r>
+              <a:rPr lang="ko-KR" altLang="en-US" sz="1200" spc="-50" dirty="0">
+                <a:solidFill>
+                  <a:schemeClr val="accent1">
+                    <a:lumMod val="50000"/>
+                  </a:schemeClr>
+                </a:solidFill>
+                <a:latin typeface="넥슨Lv1고딕 Bold" panose="00000800000000000000" pitchFamily="2" charset="-127"/>
+                <a:ea typeface="넥슨Lv1고딕 Bold" panose="00000800000000000000" pitchFamily="2" charset="-127"/>
+              </a:rPr>
+              <a:t>파일에 </a:t>
+            </a:r>
+            <a:r>
+              <a:rPr lang="en-US" altLang="ko-KR" sz="1200" spc="-50" dirty="0" err="1">
+                <a:solidFill>
+                  <a:schemeClr val="accent1">
+                    <a:lumMod val="50000"/>
+                  </a:schemeClr>
+                </a:solidFill>
+                <a:latin typeface="넥슨Lv1고딕 Bold" panose="00000800000000000000" pitchFamily="2" charset="-127"/>
+                <a:ea typeface="넥슨Lv1고딕 Bold" panose="00000800000000000000" pitchFamily="2" charset="-127"/>
+              </a:rPr>
+              <a:t>FirebaseUI</a:t>
+            </a:r>
+            <a:r>
+              <a:rPr lang="en-US" altLang="ko-KR" sz="1200" spc="-50" dirty="0">
+                <a:solidFill>
+                  <a:schemeClr val="accent1">
+                    <a:lumMod val="50000"/>
+                  </a:schemeClr>
+                </a:solidFill>
+                <a:latin typeface="넥슨Lv1고딕 Bold" panose="00000800000000000000" pitchFamily="2" charset="-127"/>
+                <a:ea typeface="넥슨Lv1고딕 Bold" panose="00000800000000000000" pitchFamily="2" charset="-127"/>
+              </a:rPr>
+              <a:t> </a:t>
+            </a:r>
+            <a:r>
+              <a:rPr lang="ko-KR" altLang="en-US" sz="1200" spc="-50" dirty="0">
+                <a:solidFill>
+                  <a:schemeClr val="accent1">
+                    <a:lumMod val="50000"/>
+                  </a:schemeClr>
+                </a:solidFill>
+                <a:latin typeface="넥슨Lv1고딕 Bold" panose="00000800000000000000" pitchFamily="2" charset="-127"/>
+                <a:ea typeface="넥슨Lv1고딕 Bold" panose="00000800000000000000" pitchFamily="2" charset="-127"/>
+              </a:rPr>
+              <a:t>인증 코드 구현</a:t>
+            </a:r>
+            <a:endParaRPr lang="en-US" altLang="ko-KR" sz="1200" spc="-50" dirty="0">
+              <a:solidFill>
+                <a:schemeClr val="accent1">
+                  <a:lumMod val="50000"/>
+                </a:schemeClr>
+              </a:solidFill>
+              <a:latin typeface="넥슨Lv1고딕 Bold" panose="00000800000000000000" pitchFamily="2" charset="-127"/>
+              <a:ea typeface="넥슨Lv1고딕 Bold" panose="00000800000000000000" pitchFamily="2" charset="-127"/>
+            </a:endParaRPr>
+          </a:p>
+        </p:txBody>
+      </p:sp>
+      <p:cxnSp>
+        <p:nvCxnSpPr>
+          <p:cNvPr id="13" name="직선 연결선 12"/>
+          <p:cNvCxnSpPr/>
+          <p:nvPr/>
+        </p:nvCxnSpPr>
+        <p:spPr>
+          <a:xfrm>
+            <a:off x="689488" y="1238865"/>
+            <a:ext cx="7647038" cy="0"/>
+          </a:xfrm>
+          <a:prstGeom prst="line">
+            <a:avLst/>
+          </a:prstGeom>
+          <a:ln>
+            <a:solidFill>
+              <a:schemeClr val="bg1">
+                <a:lumMod val="85000"/>
+              </a:schemeClr>
+            </a:solidFill>
+          </a:ln>
+        </p:spPr>
+        <p:style>
+          <a:lnRef idx="1">
+            <a:schemeClr val="accent1"/>
+          </a:lnRef>
+          <a:fillRef idx="0">
+            <a:schemeClr val="accent1"/>
+          </a:fillRef>
+          <a:effectRef idx="0">
+            <a:schemeClr val="accent1"/>
+          </a:effectRef>
+          <a:fontRef idx="minor">
+            <a:schemeClr val="tx1"/>
+          </a:fontRef>
+        </p:style>
+      </p:cxnSp>
+      <p:sp>
+        <p:nvSpPr>
+          <p:cNvPr id="3" name="슬라이드 번호 개체 틀 2"/>
+          <p:cNvSpPr>
+            <a:spLocks noGrp="1"/>
+          </p:cNvSpPr>
+          <p:nvPr>
+            <p:ph type="sldNum" sz="quarter" idx="12"/>
+          </p:nvPr>
+        </p:nvSpPr>
+        <p:spPr/>
+        <p:txBody>
+          <a:bodyPr/>
+          <a:lstStyle/>
+          <a:p>
+            <a:fld id="{8D0AD3C7-B26A-41BF-81F8-CAF4A9564849}" type="slidenum">
+              <a:rPr lang="ko-KR" altLang="en-US" smtClean="0"/>
+              <a:pPr/>
+              <a:t>28</a:t>
+            </a:fld>
+            <a:endParaRPr lang="ko-KR" altLang="en-US" dirty="0"/>
+          </a:p>
+        </p:txBody>
+      </p:sp>
+      <p:sp>
+        <p:nvSpPr>
+          <p:cNvPr id="9" name="타원 8">
+            <a:extLst>
+              <a:ext uri="{FF2B5EF4-FFF2-40B4-BE49-F238E27FC236}">
+                <a16:creationId xmlns:a16="http://schemas.microsoft.com/office/drawing/2014/main" id="{731CCCE5-901D-432C-BEAC-F936CBC6BB25}"/>
+              </a:ext>
+            </a:extLst>
+          </p:cNvPr>
+          <p:cNvSpPr/>
+          <p:nvPr/>
+        </p:nvSpPr>
+        <p:spPr>
+          <a:xfrm>
+            <a:off x="877529" y="1588501"/>
+            <a:ext cx="412955" cy="412955"/>
+          </a:xfrm>
+          <a:prstGeom prst="ellipse">
+            <a:avLst/>
+          </a:prstGeom>
+          <a:solidFill>
+            <a:srgbClr val="298DBF"/>
+          </a:solidFill>
+          <a:ln w="57150">
+            <a:solidFill>
+              <a:schemeClr val="bg1"/>
+            </a:solidFill>
+          </a:ln>
+        </p:spPr>
+        <p:style>
+          <a:lnRef idx="2">
+            <a:schemeClr val="accent1">
+              <a:shade val="50000"/>
+            </a:schemeClr>
+          </a:lnRef>
+          <a:fillRef idx="1">
+            <a:schemeClr val="accent1"/>
+          </a:fillRef>
+          <a:effectRef idx="0">
+            <a:schemeClr val="accent1"/>
+          </a:effectRef>
+          <a:fontRef idx="minor">
+            <a:schemeClr val="lt1"/>
+          </a:fontRef>
+        </p:style>
+        <p:txBody>
+          <a:bodyPr rtlCol="0" anchor="ctr"/>
+          <a:lstStyle/>
+          <a:p>
+            <a:pPr algn="ctr"/>
+            <a:r>
+              <a:rPr lang="en-US" altLang="ko-KR" dirty="0">
+                <a:ea typeface="넥슨Lv1고딕 Light" panose="00000300000000000000" pitchFamily="2" charset="-127"/>
+              </a:rPr>
+              <a:t>6</a:t>
+            </a:r>
+            <a:endParaRPr lang="ko-KR" altLang="en-US" dirty="0">
+              <a:ea typeface="넥슨Lv1고딕 Light" panose="00000300000000000000" pitchFamily="2" charset="-127"/>
+            </a:endParaRPr>
+          </a:p>
+        </p:txBody>
+      </p:sp>
+      <p:sp>
+        <p:nvSpPr>
+          <p:cNvPr id="12" name="TextBox 11">
+            <a:extLst>
+              <a:ext uri="{FF2B5EF4-FFF2-40B4-BE49-F238E27FC236}">
+                <a16:creationId xmlns:a16="http://schemas.microsoft.com/office/drawing/2014/main" id="{9F12D4E5-B109-4B80-B716-4AECBE0D5D67}"/>
+              </a:ext>
+            </a:extLst>
+          </p:cNvPr>
+          <p:cNvSpPr txBox="1"/>
+          <p:nvPr/>
+        </p:nvSpPr>
+        <p:spPr>
+          <a:xfrm>
+            <a:off x="1415845" y="2061361"/>
+            <a:ext cx="6920681" cy="261610"/>
+          </a:xfrm>
+          <a:prstGeom prst="rect">
+            <a:avLst/>
+          </a:prstGeom>
+          <a:noFill/>
+        </p:spPr>
+        <p:txBody>
+          <a:bodyPr wrap="square" rtlCol="0">
+            <a:spAutoFit/>
+          </a:bodyPr>
+          <a:lstStyle/>
+          <a:p>
+            <a:r>
+              <a:rPr lang="ko-KR" altLang="en-US" sz="1100" spc="-50" dirty="0">
+                <a:latin typeface="넥슨Lv1고딕 Light" panose="00000300000000000000" pitchFamily="2" charset="-127"/>
+                <a:ea typeface="넥슨Lv1고딕 Light" panose="00000300000000000000" pitchFamily="2" charset="-127"/>
+              </a:rPr>
+              <a:t>여기에 코드 캡쳐에 대한 설명 작성</a:t>
+            </a:r>
+            <a:endParaRPr lang="en-US" altLang="ko-KR" sz="1100" spc="-50" dirty="0">
+              <a:latin typeface="넥슨Lv1고딕 Light" panose="00000300000000000000" pitchFamily="2" charset="-127"/>
+              <a:ea typeface="넥슨Lv1고딕 Light" panose="00000300000000000000" pitchFamily="2" charset="-127"/>
+            </a:endParaRPr>
+          </a:p>
+        </p:txBody>
+      </p:sp>
+      <p:sp>
+        <p:nvSpPr>
+          <p:cNvPr id="10" name="제목 3">
+            <a:extLst>
+              <a:ext uri="{FF2B5EF4-FFF2-40B4-BE49-F238E27FC236}">
+                <a16:creationId xmlns:a16="http://schemas.microsoft.com/office/drawing/2014/main" id="{7994DE8C-0858-4685-B074-BAD5A1FFB78D}"/>
+              </a:ext>
+            </a:extLst>
+          </p:cNvPr>
+          <p:cNvSpPr>
+            <a:spLocks noGrp="1"/>
+          </p:cNvSpPr>
+          <p:nvPr>
+            <p:ph type="title"/>
+          </p:nvPr>
+        </p:nvSpPr>
+        <p:spPr>
+          <a:xfrm>
+            <a:off x="628650" y="551713"/>
+            <a:ext cx="7886700" cy="721790"/>
+          </a:xfrm>
+        </p:spPr>
+        <p:txBody>
+          <a:bodyPr>
+            <a:normAutofit/>
+          </a:bodyPr>
+          <a:lstStyle/>
+          <a:p>
+            <a:pPr>
+              <a:lnSpc>
+                <a:spcPct val="110000"/>
+              </a:lnSpc>
+            </a:pPr>
+            <a:r>
+              <a:rPr lang="en-US" altLang="ko-KR" sz="1000" dirty="0" err="1">
+                <a:latin typeface="넥슨Lv1고딕 Light" panose="00000300000000000000" pitchFamily="2" charset="-127"/>
+                <a:ea typeface="넥슨Lv1고딕 Light" panose="00000300000000000000" pitchFamily="2" charset="-127"/>
+              </a:rPr>
+              <a:t>FirebaseUI</a:t>
+            </a:r>
+            <a:r>
+              <a:rPr lang="ko-KR" altLang="en-US" sz="1000" dirty="0">
+                <a:latin typeface="넥슨Lv1고딕 Light" panose="00000300000000000000" pitchFamily="2" charset="-127"/>
+                <a:ea typeface="넥슨Lv1고딕 Light" panose="00000300000000000000" pitchFamily="2" charset="-127"/>
+              </a:rPr>
+              <a:t>를 이용한</a:t>
+            </a:r>
+            <a:br>
+              <a:rPr lang="en-US" altLang="ko-KR" sz="1800" dirty="0">
+                <a:latin typeface="넥슨Lv1고딕 Bold" panose="00000800000000000000" pitchFamily="2" charset="-127"/>
+                <a:ea typeface="넥슨Lv1고딕 Bold" panose="00000800000000000000" pitchFamily="2" charset="-127"/>
+              </a:rPr>
+            </a:br>
+            <a:r>
+              <a:rPr lang="ko-KR" altLang="en-US" sz="1800" b="1" dirty="0">
+                <a:latin typeface="넥슨Lv1고딕 Bold" panose="00000800000000000000" pitchFamily="2" charset="-127"/>
+                <a:ea typeface="넥슨Lv1고딕 Bold" panose="00000800000000000000" pitchFamily="2" charset="-127"/>
+              </a:rPr>
+              <a:t>구글</a:t>
+            </a:r>
+            <a:r>
+              <a:rPr lang="en-US" altLang="ko-KR" sz="1800" b="1" dirty="0">
+                <a:latin typeface="넥슨Lv1고딕 Bold" panose="00000800000000000000" pitchFamily="2" charset="-127"/>
+                <a:ea typeface="넥슨Lv1고딕 Bold" panose="00000800000000000000" pitchFamily="2" charset="-127"/>
+              </a:rPr>
+              <a:t>, </a:t>
+            </a:r>
+            <a:r>
+              <a:rPr lang="ko-KR" altLang="en-US" sz="1800" b="1" dirty="0">
+                <a:latin typeface="넥슨Lv1고딕 Bold" panose="00000800000000000000" pitchFamily="2" charset="-127"/>
+                <a:ea typeface="넥슨Lv1고딕 Bold" panose="00000800000000000000" pitchFamily="2" charset="-127"/>
+              </a:rPr>
+              <a:t>페이스북</a:t>
+            </a:r>
+            <a:r>
+              <a:rPr lang="en-US" altLang="ko-KR" sz="1800" b="1" dirty="0">
+                <a:latin typeface="넥슨Lv1고딕 Bold" panose="00000800000000000000" pitchFamily="2" charset="-127"/>
+                <a:ea typeface="넥슨Lv1고딕 Bold" panose="00000800000000000000" pitchFamily="2" charset="-127"/>
+              </a:rPr>
+              <a:t>, </a:t>
+            </a:r>
+            <a:r>
+              <a:rPr lang="ko-KR" altLang="en-US" sz="1800" b="1" dirty="0">
+                <a:latin typeface="넥슨Lv1고딕 Bold" panose="00000800000000000000" pitchFamily="2" charset="-127"/>
+                <a:ea typeface="넥슨Lv1고딕 Bold" panose="00000800000000000000" pitchFamily="2" charset="-127"/>
+              </a:rPr>
+              <a:t>이메일 로그인 구현</a:t>
+            </a:r>
+            <a:endParaRPr lang="ko-KR" altLang="en-US" sz="2200" dirty="0">
+              <a:latin typeface="넥슨Lv1고딕 Bold" panose="00000800000000000000" pitchFamily="2" charset="-127"/>
+              <a:ea typeface="넥슨Lv1고딕 Bold" panose="00000800000000000000" pitchFamily="2" charset="-127"/>
+            </a:endParaRPr>
+          </a:p>
+        </p:txBody>
+      </p:sp>
+    </p:spTree>
+    <p:extLst>
+      <p:ext uri="{BB962C8B-B14F-4D97-AF65-F5344CB8AC3E}">
+        <p14:creationId xmlns:p14="http://schemas.microsoft.com/office/powerpoint/2010/main" val="361875367"/>
       </p:ext>
     </p:extLst>
   </p:cSld>
@@ -12809,8 +19493,8 @@
           </a:p>
         </p:txBody>
       </p:sp>
-      <mc:AlternateContent xmlns:mc="http://schemas.openxmlformats.org/markup-compatibility/2006">
-        <mc:Choice xmlns:p14="http://schemas.microsoft.com/office/powerpoint/2010/main" Requires="p14">
+      <mc:AlternateContent xmlns:mc="http://schemas.openxmlformats.org/markup-compatibility/2006" xmlns:p14="http://schemas.microsoft.com/office/powerpoint/2010/main">
+        <mc:Choice Requires="p14">
           <p:contentPart p14:bwMode="auto" r:id="rId6">
             <p14:nvContentPartPr>
               <p14:cNvPr id="8" name="잉크 7">
@@ -12829,7 +19513,7 @@
             </p14:xfrm>
           </p:contentPart>
         </mc:Choice>
-        <mc:Fallback>
+        <mc:Fallback xmlns="">
           <p:pic>
             <p:nvPicPr>
               <p:cNvPr id="8" name="잉크 7">
@@ -12860,8 +19544,8 @@
           </p:pic>
         </mc:Fallback>
       </mc:AlternateContent>
-      <mc:AlternateContent xmlns:mc="http://schemas.openxmlformats.org/markup-compatibility/2006">
-        <mc:Choice xmlns:p14="http://schemas.microsoft.com/office/powerpoint/2010/main" Requires="p14">
+      <mc:AlternateContent xmlns:mc="http://schemas.openxmlformats.org/markup-compatibility/2006" xmlns:p14="http://schemas.microsoft.com/office/powerpoint/2010/main">
+        <mc:Choice Requires="p14">
           <p:contentPart p14:bwMode="auto" r:id="rId8">
             <p14:nvContentPartPr>
               <p14:cNvPr id="9" name="잉크 8">
@@ -12880,7 +19564,7 @@
             </p14:xfrm>
           </p:contentPart>
         </mc:Choice>
-        <mc:Fallback>
+        <mc:Fallback xmlns="">
           <p:pic>
             <p:nvPicPr>
               <p:cNvPr id="9" name="잉크 8">
@@ -12911,8 +19595,8 @@
           </p:pic>
         </mc:Fallback>
       </mc:AlternateContent>
-      <mc:AlternateContent xmlns:mc="http://schemas.openxmlformats.org/markup-compatibility/2006">
-        <mc:Choice xmlns:p14="http://schemas.microsoft.com/office/powerpoint/2010/main" Requires="p14">
+      <mc:AlternateContent xmlns:mc="http://schemas.openxmlformats.org/markup-compatibility/2006" xmlns:p14="http://schemas.microsoft.com/office/powerpoint/2010/main">
+        <mc:Choice Requires="p14">
           <p:contentPart p14:bwMode="auto" r:id="rId10">
             <p14:nvContentPartPr>
               <p14:cNvPr id="10" name="잉크 9">
@@ -12931,7 +19615,7 @@
             </p14:xfrm>
           </p:contentPart>
         </mc:Choice>
-        <mc:Fallback>
+        <mc:Fallback xmlns="">
           <p:pic>
             <p:nvPicPr>
               <p:cNvPr id="10" name="잉크 9">
@@ -13312,6 +19996,1049 @@
     <p:extLst>
       <p:ext uri="{BB962C8B-B14F-4D97-AF65-F5344CB8AC3E}">
         <p14:creationId xmlns:p14="http://schemas.microsoft.com/office/powerpoint/2010/main" val="3063888486"/>
+      </p:ext>
+    </p:extLst>
+  </p:cSld>
+  <p:clrMapOvr>
+    <a:masterClrMapping/>
+  </p:clrMapOvr>
+</p:sld>
+</file>
+
+<file path=ppt/slides/slide30.xml><?xml version="1.0" encoding="utf-8"?>
+<p:sld xmlns:a="http://schemas.openxmlformats.org/drawingml/2006/main" xmlns:r="http://schemas.openxmlformats.org/officeDocument/2006/relationships" xmlns:p="http://schemas.openxmlformats.org/presentationml/2006/main">
+  <p:cSld>
+    <p:spTree>
+      <p:nvGrpSpPr>
+        <p:cNvPr id="1" name=""/>
+        <p:cNvGrpSpPr/>
+        <p:nvPr/>
+      </p:nvGrpSpPr>
+      <p:grpSpPr>
+        <a:xfrm>
+          <a:off x="0" y="0"/>
+          <a:ext cx="0" cy="0"/>
+          <a:chOff x="0" y="0"/>
+          <a:chExt cx="0" cy="0"/>
+        </a:xfrm>
+      </p:grpSpPr>
+      <p:sp>
+        <p:nvSpPr>
+          <p:cNvPr id="7" name="모서리가 둥근 직사각형 6"/>
+          <p:cNvSpPr/>
+          <p:nvPr/>
+        </p:nvSpPr>
+        <p:spPr>
+          <a:xfrm>
+            <a:off x="1109817" y="1610380"/>
+            <a:ext cx="3872888" cy="350275"/>
+          </a:xfrm>
+          <a:prstGeom prst="roundRect">
+            <a:avLst/>
+          </a:prstGeom>
+          <a:solidFill>
+            <a:schemeClr val="bg1">
+              <a:lumMod val="95000"/>
+            </a:schemeClr>
+          </a:solidFill>
+          <a:ln>
+            <a:noFill/>
+          </a:ln>
+        </p:spPr>
+        <p:style>
+          <a:lnRef idx="2">
+            <a:schemeClr val="accent1">
+              <a:shade val="50000"/>
+            </a:schemeClr>
+          </a:lnRef>
+          <a:fillRef idx="1">
+            <a:schemeClr val="accent1"/>
+          </a:fillRef>
+          <a:effectRef idx="0">
+            <a:schemeClr val="accent1"/>
+          </a:effectRef>
+          <a:fontRef idx="minor">
+            <a:schemeClr val="lt1"/>
+          </a:fontRef>
+        </p:style>
+        <p:txBody>
+          <a:bodyPr lIns="360000" rtlCol="0" anchor="ctr"/>
+          <a:lstStyle/>
+          <a:p>
+            <a:r>
+              <a:rPr lang="en-US" altLang="ko-KR" sz="1200" spc="-50" dirty="0">
+                <a:solidFill>
+                  <a:schemeClr val="accent1">
+                    <a:lumMod val="50000"/>
+                  </a:schemeClr>
+                </a:solidFill>
+                <a:latin typeface="넥슨Lv1고딕 Bold" panose="00000800000000000000" pitchFamily="2" charset="-127"/>
+                <a:ea typeface="넥슨Lv1고딕 Bold" panose="00000800000000000000" pitchFamily="2" charset="-127"/>
+              </a:rPr>
+              <a:t>router.js </a:t>
+            </a:r>
+            <a:r>
+              <a:rPr lang="ko-KR" altLang="en-US" sz="1200" spc="-50" dirty="0">
+                <a:solidFill>
+                  <a:schemeClr val="accent1">
+                    <a:lumMod val="50000"/>
+                  </a:schemeClr>
+                </a:solidFill>
+                <a:latin typeface="넥슨Lv1고딕 Bold" panose="00000800000000000000" pitchFamily="2" charset="-127"/>
+                <a:ea typeface="넥슨Lv1고딕 Bold" panose="00000800000000000000" pitchFamily="2" charset="-127"/>
+              </a:rPr>
+              <a:t>파일에 네비게이션 가드 추가</a:t>
+            </a:r>
+            <a:endParaRPr lang="en-US" altLang="ko-KR" sz="1200" spc="-50" dirty="0">
+              <a:solidFill>
+                <a:schemeClr val="accent1">
+                  <a:lumMod val="50000"/>
+                </a:schemeClr>
+              </a:solidFill>
+              <a:latin typeface="넥슨Lv1고딕 Bold" panose="00000800000000000000" pitchFamily="2" charset="-127"/>
+              <a:ea typeface="넥슨Lv1고딕 Bold" panose="00000800000000000000" pitchFamily="2" charset="-127"/>
+            </a:endParaRPr>
+          </a:p>
+        </p:txBody>
+      </p:sp>
+      <p:cxnSp>
+        <p:nvCxnSpPr>
+          <p:cNvPr id="13" name="직선 연결선 12"/>
+          <p:cNvCxnSpPr/>
+          <p:nvPr/>
+        </p:nvCxnSpPr>
+        <p:spPr>
+          <a:xfrm>
+            <a:off x="689488" y="1238865"/>
+            <a:ext cx="7647038" cy="0"/>
+          </a:xfrm>
+          <a:prstGeom prst="line">
+            <a:avLst/>
+          </a:prstGeom>
+          <a:ln>
+            <a:solidFill>
+              <a:schemeClr val="bg1">
+                <a:lumMod val="85000"/>
+              </a:schemeClr>
+            </a:solidFill>
+          </a:ln>
+        </p:spPr>
+        <p:style>
+          <a:lnRef idx="1">
+            <a:schemeClr val="accent1"/>
+          </a:lnRef>
+          <a:fillRef idx="0">
+            <a:schemeClr val="accent1"/>
+          </a:fillRef>
+          <a:effectRef idx="0">
+            <a:schemeClr val="accent1"/>
+          </a:effectRef>
+          <a:fontRef idx="minor">
+            <a:schemeClr val="tx1"/>
+          </a:fontRef>
+        </p:style>
+      </p:cxnSp>
+      <p:sp>
+        <p:nvSpPr>
+          <p:cNvPr id="3" name="슬라이드 번호 개체 틀 2"/>
+          <p:cNvSpPr>
+            <a:spLocks noGrp="1"/>
+          </p:cNvSpPr>
+          <p:nvPr>
+            <p:ph type="sldNum" sz="quarter" idx="12"/>
+          </p:nvPr>
+        </p:nvSpPr>
+        <p:spPr/>
+        <p:txBody>
+          <a:bodyPr/>
+          <a:lstStyle/>
+          <a:p>
+            <a:fld id="{8D0AD3C7-B26A-41BF-81F8-CAF4A9564849}" type="slidenum">
+              <a:rPr lang="ko-KR" altLang="en-US" smtClean="0"/>
+              <a:pPr/>
+              <a:t>29</a:t>
+            </a:fld>
+            <a:endParaRPr lang="ko-KR" altLang="en-US" dirty="0"/>
+          </a:p>
+        </p:txBody>
+      </p:sp>
+      <p:sp>
+        <p:nvSpPr>
+          <p:cNvPr id="9" name="타원 8">
+            <a:extLst>
+              <a:ext uri="{FF2B5EF4-FFF2-40B4-BE49-F238E27FC236}">
+                <a16:creationId xmlns:a16="http://schemas.microsoft.com/office/drawing/2014/main" id="{731CCCE5-901D-432C-BEAC-F936CBC6BB25}"/>
+              </a:ext>
+            </a:extLst>
+          </p:cNvPr>
+          <p:cNvSpPr/>
+          <p:nvPr/>
+        </p:nvSpPr>
+        <p:spPr>
+          <a:xfrm>
+            <a:off x="877529" y="1588501"/>
+            <a:ext cx="412955" cy="412955"/>
+          </a:xfrm>
+          <a:prstGeom prst="ellipse">
+            <a:avLst/>
+          </a:prstGeom>
+          <a:solidFill>
+            <a:srgbClr val="298DBF"/>
+          </a:solidFill>
+          <a:ln w="57150">
+            <a:solidFill>
+              <a:schemeClr val="bg1"/>
+            </a:solidFill>
+          </a:ln>
+        </p:spPr>
+        <p:style>
+          <a:lnRef idx="2">
+            <a:schemeClr val="accent1">
+              <a:shade val="50000"/>
+            </a:schemeClr>
+          </a:lnRef>
+          <a:fillRef idx="1">
+            <a:schemeClr val="accent1"/>
+          </a:fillRef>
+          <a:effectRef idx="0">
+            <a:schemeClr val="accent1"/>
+          </a:effectRef>
+          <a:fontRef idx="minor">
+            <a:schemeClr val="lt1"/>
+          </a:fontRef>
+        </p:style>
+        <p:txBody>
+          <a:bodyPr rtlCol="0" anchor="ctr"/>
+          <a:lstStyle/>
+          <a:p>
+            <a:pPr algn="ctr"/>
+            <a:r>
+              <a:rPr lang="en-US" altLang="ko-KR" dirty="0">
+                <a:ea typeface="넥슨Lv1고딕 Light" panose="00000300000000000000" pitchFamily="2" charset="-127"/>
+              </a:rPr>
+              <a:t>7</a:t>
+            </a:r>
+            <a:endParaRPr lang="ko-KR" altLang="en-US" dirty="0">
+              <a:ea typeface="넥슨Lv1고딕 Light" panose="00000300000000000000" pitchFamily="2" charset="-127"/>
+            </a:endParaRPr>
+          </a:p>
+        </p:txBody>
+      </p:sp>
+      <p:sp>
+        <p:nvSpPr>
+          <p:cNvPr id="12" name="TextBox 11">
+            <a:extLst>
+              <a:ext uri="{FF2B5EF4-FFF2-40B4-BE49-F238E27FC236}">
+                <a16:creationId xmlns:a16="http://schemas.microsoft.com/office/drawing/2014/main" id="{9F12D4E5-B109-4B80-B716-4AECBE0D5D67}"/>
+              </a:ext>
+            </a:extLst>
+          </p:cNvPr>
+          <p:cNvSpPr txBox="1"/>
+          <p:nvPr/>
+        </p:nvSpPr>
+        <p:spPr>
+          <a:xfrm>
+            <a:off x="1415845" y="2061361"/>
+            <a:ext cx="6920681" cy="261610"/>
+          </a:xfrm>
+          <a:prstGeom prst="rect">
+            <a:avLst/>
+          </a:prstGeom>
+          <a:noFill/>
+        </p:spPr>
+        <p:txBody>
+          <a:bodyPr wrap="square" rtlCol="0">
+            <a:spAutoFit/>
+          </a:bodyPr>
+          <a:lstStyle/>
+          <a:p>
+            <a:r>
+              <a:rPr lang="ko-KR" altLang="en-US" sz="1100" spc="-50" dirty="0">
+                <a:latin typeface="넥슨Lv1고딕 Light" panose="00000300000000000000" pitchFamily="2" charset="-127"/>
+                <a:ea typeface="넥슨Lv1고딕 Light" panose="00000300000000000000" pitchFamily="2" charset="-127"/>
+              </a:rPr>
+              <a:t>여기에 코드 캡쳐에 대한 설명 작성</a:t>
+            </a:r>
+            <a:endParaRPr lang="en-US" altLang="ko-KR" sz="1100" spc="-50" dirty="0">
+              <a:latin typeface="넥슨Lv1고딕 Light" panose="00000300000000000000" pitchFamily="2" charset="-127"/>
+              <a:ea typeface="넥슨Lv1고딕 Light" panose="00000300000000000000" pitchFamily="2" charset="-127"/>
+            </a:endParaRPr>
+          </a:p>
+        </p:txBody>
+      </p:sp>
+      <p:sp>
+        <p:nvSpPr>
+          <p:cNvPr id="10" name="제목 3">
+            <a:extLst>
+              <a:ext uri="{FF2B5EF4-FFF2-40B4-BE49-F238E27FC236}">
+                <a16:creationId xmlns:a16="http://schemas.microsoft.com/office/drawing/2014/main" id="{7994DE8C-0858-4685-B074-BAD5A1FFB78D}"/>
+              </a:ext>
+            </a:extLst>
+          </p:cNvPr>
+          <p:cNvSpPr>
+            <a:spLocks noGrp="1"/>
+          </p:cNvSpPr>
+          <p:nvPr>
+            <p:ph type="title"/>
+          </p:nvPr>
+        </p:nvSpPr>
+        <p:spPr>
+          <a:xfrm>
+            <a:off x="628650" y="551713"/>
+            <a:ext cx="7886700" cy="721790"/>
+          </a:xfrm>
+        </p:spPr>
+        <p:txBody>
+          <a:bodyPr>
+            <a:normAutofit/>
+          </a:bodyPr>
+          <a:lstStyle/>
+          <a:p>
+            <a:pPr>
+              <a:lnSpc>
+                <a:spcPct val="110000"/>
+              </a:lnSpc>
+            </a:pPr>
+            <a:r>
+              <a:rPr lang="en-US" altLang="ko-KR" sz="1000" dirty="0" err="1">
+                <a:latin typeface="넥슨Lv1고딕 Light" panose="00000300000000000000" pitchFamily="2" charset="-127"/>
+                <a:ea typeface="넥슨Lv1고딕 Light" panose="00000300000000000000" pitchFamily="2" charset="-127"/>
+              </a:rPr>
+              <a:t>FirebaseUI</a:t>
+            </a:r>
+            <a:r>
+              <a:rPr lang="ko-KR" altLang="en-US" sz="1000" dirty="0">
+                <a:latin typeface="넥슨Lv1고딕 Light" panose="00000300000000000000" pitchFamily="2" charset="-127"/>
+                <a:ea typeface="넥슨Lv1고딕 Light" panose="00000300000000000000" pitchFamily="2" charset="-127"/>
+              </a:rPr>
+              <a:t>를 이용한</a:t>
+            </a:r>
+            <a:br>
+              <a:rPr lang="en-US" altLang="ko-KR" sz="1800" dirty="0">
+                <a:latin typeface="넥슨Lv1고딕 Bold" panose="00000800000000000000" pitchFamily="2" charset="-127"/>
+                <a:ea typeface="넥슨Lv1고딕 Bold" panose="00000800000000000000" pitchFamily="2" charset="-127"/>
+              </a:rPr>
+            </a:br>
+            <a:r>
+              <a:rPr lang="ko-KR" altLang="en-US" sz="1800" b="1" dirty="0">
+                <a:latin typeface="넥슨Lv1고딕 Bold" panose="00000800000000000000" pitchFamily="2" charset="-127"/>
+                <a:ea typeface="넥슨Lv1고딕 Bold" panose="00000800000000000000" pitchFamily="2" charset="-127"/>
+              </a:rPr>
+              <a:t>구글</a:t>
+            </a:r>
+            <a:r>
+              <a:rPr lang="en-US" altLang="ko-KR" sz="1800" b="1" dirty="0">
+                <a:latin typeface="넥슨Lv1고딕 Bold" panose="00000800000000000000" pitchFamily="2" charset="-127"/>
+                <a:ea typeface="넥슨Lv1고딕 Bold" panose="00000800000000000000" pitchFamily="2" charset="-127"/>
+              </a:rPr>
+              <a:t>, </a:t>
+            </a:r>
+            <a:r>
+              <a:rPr lang="ko-KR" altLang="en-US" sz="1800" b="1" dirty="0">
+                <a:latin typeface="넥슨Lv1고딕 Bold" panose="00000800000000000000" pitchFamily="2" charset="-127"/>
+                <a:ea typeface="넥슨Lv1고딕 Bold" panose="00000800000000000000" pitchFamily="2" charset="-127"/>
+              </a:rPr>
+              <a:t>페이스북</a:t>
+            </a:r>
+            <a:r>
+              <a:rPr lang="en-US" altLang="ko-KR" sz="1800" b="1" dirty="0">
+                <a:latin typeface="넥슨Lv1고딕 Bold" panose="00000800000000000000" pitchFamily="2" charset="-127"/>
+                <a:ea typeface="넥슨Lv1고딕 Bold" panose="00000800000000000000" pitchFamily="2" charset="-127"/>
+              </a:rPr>
+              <a:t>, </a:t>
+            </a:r>
+            <a:r>
+              <a:rPr lang="ko-KR" altLang="en-US" sz="1800" b="1" dirty="0">
+                <a:latin typeface="넥슨Lv1고딕 Bold" panose="00000800000000000000" pitchFamily="2" charset="-127"/>
+                <a:ea typeface="넥슨Lv1고딕 Bold" panose="00000800000000000000" pitchFamily="2" charset="-127"/>
+              </a:rPr>
+              <a:t>이메일 로그인 구현</a:t>
+            </a:r>
+            <a:endParaRPr lang="ko-KR" altLang="en-US" sz="2200" dirty="0">
+              <a:latin typeface="넥슨Lv1고딕 Bold" panose="00000800000000000000" pitchFamily="2" charset="-127"/>
+              <a:ea typeface="넥슨Lv1고딕 Bold" panose="00000800000000000000" pitchFamily="2" charset="-127"/>
+            </a:endParaRPr>
+          </a:p>
+        </p:txBody>
+      </p:sp>
+    </p:spTree>
+    <p:extLst>
+      <p:ext uri="{BB962C8B-B14F-4D97-AF65-F5344CB8AC3E}">
+        <p14:creationId xmlns:p14="http://schemas.microsoft.com/office/powerpoint/2010/main" val="3344898588"/>
+      </p:ext>
+    </p:extLst>
+  </p:cSld>
+  <p:clrMapOvr>
+    <a:masterClrMapping/>
+  </p:clrMapOvr>
+</p:sld>
+</file>
+
+<file path=ppt/slides/slide31.xml><?xml version="1.0" encoding="utf-8"?>
+<p:sld xmlns:a="http://schemas.openxmlformats.org/drawingml/2006/main" xmlns:r="http://schemas.openxmlformats.org/officeDocument/2006/relationships" xmlns:p="http://schemas.openxmlformats.org/presentationml/2006/main">
+  <p:cSld>
+    <p:spTree>
+      <p:nvGrpSpPr>
+        <p:cNvPr id="1" name=""/>
+        <p:cNvGrpSpPr/>
+        <p:nvPr/>
+      </p:nvGrpSpPr>
+      <p:grpSpPr>
+        <a:xfrm>
+          <a:off x="0" y="0"/>
+          <a:ext cx="0" cy="0"/>
+          <a:chOff x="0" y="0"/>
+          <a:chExt cx="0" cy="0"/>
+        </a:xfrm>
+      </p:grpSpPr>
+      <p:sp>
+        <p:nvSpPr>
+          <p:cNvPr id="7" name="모서리가 둥근 직사각형 6"/>
+          <p:cNvSpPr/>
+          <p:nvPr/>
+        </p:nvSpPr>
+        <p:spPr>
+          <a:xfrm>
+            <a:off x="1109817" y="1610380"/>
+            <a:ext cx="3872888" cy="350275"/>
+          </a:xfrm>
+          <a:prstGeom prst="roundRect">
+            <a:avLst/>
+          </a:prstGeom>
+          <a:solidFill>
+            <a:schemeClr val="bg1">
+              <a:lumMod val="95000"/>
+            </a:schemeClr>
+          </a:solidFill>
+          <a:ln>
+            <a:noFill/>
+          </a:ln>
+        </p:spPr>
+        <p:style>
+          <a:lnRef idx="2">
+            <a:schemeClr val="accent1">
+              <a:shade val="50000"/>
+            </a:schemeClr>
+          </a:lnRef>
+          <a:fillRef idx="1">
+            <a:schemeClr val="accent1"/>
+          </a:fillRef>
+          <a:effectRef idx="0">
+            <a:schemeClr val="accent1"/>
+          </a:effectRef>
+          <a:fontRef idx="minor">
+            <a:schemeClr val="lt1"/>
+          </a:fontRef>
+        </p:style>
+        <p:txBody>
+          <a:bodyPr lIns="360000" rtlCol="0" anchor="ctr"/>
+          <a:lstStyle/>
+          <a:p>
+            <a:r>
+              <a:rPr lang="ko-KR" altLang="en-US" sz="1200" spc="-50" dirty="0">
+                <a:solidFill>
+                  <a:schemeClr val="accent1">
+                    <a:lumMod val="50000"/>
+                  </a:schemeClr>
+                </a:solidFill>
+                <a:latin typeface="넥슨Lv1고딕 Bold" panose="00000800000000000000" pitchFamily="2" charset="-127"/>
+                <a:ea typeface="넥슨Lv1고딕 Bold" panose="00000800000000000000" pitchFamily="2" charset="-127"/>
+              </a:rPr>
+              <a:t>최종 동작 확인</a:t>
+            </a:r>
+            <a:endParaRPr lang="en-US" altLang="ko-KR" sz="1200" spc="-50" dirty="0">
+              <a:solidFill>
+                <a:schemeClr val="accent1">
+                  <a:lumMod val="50000"/>
+                </a:schemeClr>
+              </a:solidFill>
+              <a:latin typeface="넥슨Lv1고딕 Bold" panose="00000800000000000000" pitchFamily="2" charset="-127"/>
+              <a:ea typeface="넥슨Lv1고딕 Bold" panose="00000800000000000000" pitchFamily="2" charset="-127"/>
+            </a:endParaRPr>
+          </a:p>
+        </p:txBody>
+      </p:sp>
+      <p:cxnSp>
+        <p:nvCxnSpPr>
+          <p:cNvPr id="13" name="직선 연결선 12"/>
+          <p:cNvCxnSpPr/>
+          <p:nvPr/>
+        </p:nvCxnSpPr>
+        <p:spPr>
+          <a:xfrm>
+            <a:off x="689488" y="1238865"/>
+            <a:ext cx="7647038" cy="0"/>
+          </a:xfrm>
+          <a:prstGeom prst="line">
+            <a:avLst/>
+          </a:prstGeom>
+          <a:ln>
+            <a:solidFill>
+              <a:schemeClr val="bg1">
+                <a:lumMod val="85000"/>
+              </a:schemeClr>
+            </a:solidFill>
+          </a:ln>
+        </p:spPr>
+        <p:style>
+          <a:lnRef idx="1">
+            <a:schemeClr val="accent1"/>
+          </a:lnRef>
+          <a:fillRef idx="0">
+            <a:schemeClr val="accent1"/>
+          </a:fillRef>
+          <a:effectRef idx="0">
+            <a:schemeClr val="accent1"/>
+          </a:effectRef>
+          <a:fontRef idx="minor">
+            <a:schemeClr val="tx1"/>
+          </a:fontRef>
+        </p:style>
+      </p:cxnSp>
+      <p:sp>
+        <p:nvSpPr>
+          <p:cNvPr id="3" name="슬라이드 번호 개체 틀 2"/>
+          <p:cNvSpPr>
+            <a:spLocks noGrp="1"/>
+          </p:cNvSpPr>
+          <p:nvPr>
+            <p:ph type="sldNum" sz="quarter" idx="12"/>
+          </p:nvPr>
+        </p:nvSpPr>
+        <p:spPr/>
+        <p:txBody>
+          <a:bodyPr/>
+          <a:lstStyle/>
+          <a:p>
+            <a:fld id="{8D0AD3C7-B26A-41BF-81F8-CAF4A9564849}" type="slidenum">
+              <a:rPr lang="ko-KR" altLang="en-US" smtClean="0"/>
+              <a:pPr/>
+              <a:t>30</a:t>
+            </a:fld>
+            <a:endParaRPr lang="ko-KR" altLang="en-US" dirty="0"/>
+          </a:p>
+        </p:txBody>
+      </p:sp>
+      <p:sp>
+        <p:nvSpPr>
+          <p:cNvPr id="9" name="타원 8">
+            <a:extLst>
+              <a:ext uri="{FF2B5EF4-FFF2-40B4-BE49-F238E27FC236}">
+                <a16:creationId xmlns:a16="http://schemas.microsoft.com/office/drawing/2014/main" id="{731CCCE5-901D-432C-BEAC-F936CBC6BB25}"/>
+              </a:ext>
+            </a:extLst>
+          </p:cNvPr>
+          <p:cNvSpPr/>
+          <p:nvPr/>
+        </p:nvSpPr>
+        <p:spPr>
+          <a:xfrm>
+            <a:off x="877529" y="1588501"/>
+            <a:ext cx="412955" cy="412955"/>
+          </a:xfrm>
+          <a:prstGeom prst="ellipse">
+            <a:avLst/>
+          </a:prstGeom>
+          <a:solidFill>
+            <a:srgbClr val="298DBF"/>
+          </a:solidFill>
+          <a:ln w="57150">
+            <a:solidFill>
+              <a:schemeClr val="bg1"/>
+            </a:solidFill>
+          </a:ln>
+        </p:spPr>
+        <p:style>
+          <a:lnRef idx="2">
+            <a:schemeClr val="accent1">
+              <a:shade val="50000"/>
+            </a:schemeClr>
+          </a:lnRef>
+          <a:fillRef idx="1">
+            <a:schemeClr val="accent1"/>
+          </a:fillRef>
+          <a:effectRef idx="0">
+            <a:schemeClr val="accent1"/>
+          </a:effectRef>
+          <a:fontRef idx="minor">
+            <a:schemeClr val="lt1"/>
+          </a:fontRef>
+        </p:style>
+        <p:txBody>
+          <a:bodyPr rtlCol="0" anchor="ctr"/>
+          <a:lstStyle/>
+          <a:p>
+            <a:pPr algn="ctr"/>
+            <a:r>
+              <a:rPr lang="en-US" altLang="ko-KR" dirty="0">
+                <a:ea typeface="넥슨Lv1고딕 Light" panose="00000300000000000000" pitchFamily="2" charset="-127"/>
+              </a:rPr>
+              <a:t>8</a:t>
+            </a:r>
+            <a:endParaRPr lang="ko-KR" altLang="en-US" dirty="0">
+              <a:ea typeface="넥슨Lv1고딕 Light" panose="00000300000000000000" pitchFamily="2" charset="-127"/>
+            </a:endParaRPr>
+          </a:p>
+        </p:txBody>
+      </p:sp>
+      <p:sp>
+        <p:nvSpPr>
+          <p:cNvPr id="12" name="TextBox 11">
+            <a:extLst>
+              <a:ext uri="{FF2B5EF4-FFF2-40B4-BE49-F238E27FC236}">
+                <a16:creationId xmlns:a16="http://schemas.microsoft.com/office/drawing/2014/main" id="{9F12D4E5-B109-4B80-B716-4AECBE0D5D67}"/>
+              </a:ext>
+            </a:extLst>
+          </p:cNvPr>
+          <p:cNvSpPr txBox="1"/>
+          <p:nvPr/>
+        </p:nvSpPr>
+        <p:spPr>
+          <a:xfrm>
+            <a:off x="1415845" y="2061361"/>
+            <a:ext cx="6920681" cy="261610"/>
+          </a:xfrm>
+          <a:prstGeom prst="rect">
+            <a:avLst/>
+          </a:prstGeom>
+          <a:noFill/>
+        </p:spPr>
+        <p:txBody>
+          <a:bodyPr wrap="square" rtlCol="0">
+            <a:spAutoFit/>
+          </a:bodyPr>
+          <a:lstStyle/>
+          <a:p>
+            <a:r>
+              <a:rPr lang="ko-KR" altLang="en-US" sz="1100" spc="-50" dirty="0">
+                <a:latin typeface="넥슨Lv1고딕 Light" panose="00000300000000000000" pitchFamily="2" charset="-127"/>
+                <a:ea typeface="넥슨Lv1고딕 Light" panose="00000300000000000000" pitchFamily="2" charset="-127"/>
+              </a:rPr>
+              <a:t>여기에 코드 캡쳐에 대한 설명 작성</a:t>
+            </a:r>
+            <a:endParaRPr lang="en-US" altLang="ko-KR" sz="1100" spc="-50" dirty="0">
+              <a:latin typeface="넥슨Lv1고딕 Light" panose="00000300000000000000" pitchFamily="2" charset="-127"/>
+              <a:ea typeface="넥슨Lv1고딕 Light" panose="00000300000000000000" pitchFamily="2" charset="-127"/>
+            </a:endParaRPr>
+          </a:p>
+        </p:txBody>
+      </p:sp>
+      <p:sp>
+        <p:nvSpPr>
+          <p:cNvPr id="10" name="제목 3">
+            <a:extLst>
+              <a:ext uri="{FF2B5EF4-FFF2-40B4-BE49-F238E27FC236}">
+                <a16:creationId xmlns:a16="http://schemas.microsoft.com/office/drawing/2014/main" id="{7994DE8C-0858-4685-B074-BAD5A1FFB78D}"/>
+              </a:ext>
+            </a:extLst>
+          </p:cNvPr>
+          <p:cNvSpPr>
+            <a:spLocks noGrp="1"/>
+          </p:cNvSpPr>
+          <p:nvPr>
+            <p:ph type="title"/>
+          </p:nvPr>
+        </p:nvSpPr>
+        <p:spPr>
+          <a:xfrm>
+            <a:off x="628650" y="551713"/>
+            <a:ext cx="7886700" cy="721790"/>
+          </a:xfrm>
+        </p:spPr>
+        <p:txBody>
+          <a:bodyPr>
+            <a:normAutofit/>
+          </a:bodyPr>
+          <a:lstStyle/>
+          <a:p>
+            <a:pPr>
+              <a:lnSpc>
+                <a:spcPct val="110000"/>
+              </a:lnSpc>
+            </a:pPr>
+            <a:r>
+              <a:rPr lang="en-US" altLang="ko-KR" sz="1000" dirty="0" err="1">
+                <a:latin typeface="넥슨Lv1고딕 Light" panose="00000300000000000000" pitchFamily="2" charset="-127"/>
+                <a:ea typeface="넥슨Lv1고딕 Light" panose="00000300000000000000" pitchFamily="2" charset="-127"/>
+              </a:rPr>
+              <a:t>FirebaseUI</a:t>
+            </a:r>
+            <a:r>
+              <a:rPr lang="ko-KR" altLang="en-US" sz="1000" dirty="0">
+                <a:latin typeface="넥슨Lv1고딕 Light" panose="00000300000000000000" pitchFamily="2" charset="-127"/>
+                <a:ea typeface="넥슨Lv1고딕 Light" panose="00000300000000000000" pitchFamily="2" charset="-127"/>
+              </a:rPr>
+              <a:t>를 이용한</a:t>
+            </a:r>
+            <a:br>
+              <a:rPr lang="en-US" altLang="ko-KR" sz="1800" dirty="0">
+                <a:latin typeface="넥슨Lv1고딕 Bold" panose="00000800000000000000" pitchFamily="2" charset="-127"/>
+                <a:ea typeface="넥슨Lv1고딕 Bold" panose="00000800000000000000" pitchFamily="2" charset="-127"/>
+              </a:rPr>
+            </a:br>
+            <a:r>
+              <a:rPr lang="ko-KR" altLang="en-US" sz="1800" b="1" dirty="0">
+                <a:latin typeface="넥슨Lv1고딕 Bold" panose="00000800000000000000" pitchFamily="2" charset="-127"/>
+                <a:ea typeface="넥슨Lv1고딕 Bold" panose="00000800000000000000" pitchFamily="2" charset="-127"/>
+              </a:rPr>
+              <a:t>구글</a:t>
+            </a:r>
+            <a:r>
+              <a:rPr lang="en-US" altLang="ko-KR" sz="1800" b="1" dirty="0">
+                <a:latin typeface="넥슨Lv1고딕 Bold" panose="00000800000000000000" pitchFamily="2" charset="-127"/>
+                <a:ea typeface="넥슨Lv1고딕 Bold" panose="00000800000000000000" pitchFamily="2" charset="-127"/>
+              </a:rPr>
+              <a:t>, </a:t>
+            </a:r>
+            <a:r>
+              <a:rPr lang="ko-KR" altLang="en-US" sz="1800" b="1" dirty="0">
+                <a:latin typeface="넥슨Lv1고딕 Bold" panose="00000800000000000000" pitchFamily="2" charset="-127"/>
+                <a:ea typeface="넥슨Lv1고딕 Bold" panose="00000800000000000000" pitchFamily="2" charset="-127"/>
+              </a:rPr>
+              <a:t>페이스북</a:t>
+            </a:r>
+            <a:r>
+              <a:rPr lang="en-US" altLang="ko-KR" sz="1800" b="1" dirty="0">
+                <a:latin typeface="넥슨Lv1고딕 Bold" panose="00000800000000000000" pitchFamily="2" charset="-127"/>
+                <a:ea typeface="넥슨Lv1고딕 Bold" panose="00000800000000000000" pitchFamily="2" charset="-127"/>
+              </a:rPr>
+              <a:t>, </a:t>
+            </a:r>
+            <a:r>
+              <a:rPr lang="ko-KR" altLang="en-US" sz="1800" b="1" dirty="0">
+                <a:latin typeface="넥슨Lv1고딕 Bold" panose="00000800000000000000" pitchFamily="2" charset="-127"/>
+                <a:ea typeface="넥슨Lv1고딕 Bold" panose="00000800000000000000" pitchFamily="2" charset="-127"/>
+              </a:rPr>
+              <a:t>이메일 로그인 구현</a:t>
+            </a:r>
+            <a:endParaRPr lang="ko-KR" altLang="en-US" sz="2200" dirty="0">
+              <a:latin typeface="넥슨Lv1고딕 Bold" panose="00000800000000000000" pitchFamily="2" charset="-127"/>
+              <a:ea typeface="넥슨Lv1고딕 Bold" panose="00000800000000000000" pitchFamily="2" charset="-127"/>
+            </a:endParaRPr>
+          </a:p>
+        </p:txBody>
+      </p:sp>
+    </p:spTree>
+    <p:extLst>
+      <p:ext uri="{BB962C8B-B14F-4D97-AF65-F5344CB8AC3E}">
+        <p14:creationId xmlns:p14="http://schemas.microsoft.com/office/powerpoint/2010/main" val="3984440953"/>
+      </p:ext>
+    </p:extLst>
+  </p:cSld>
+  <p:clrMapOvr>
+    <a:masterClrMapping/>
+  </p:clrMapOvr>
+</p:sld>
+</file>
+
+<file path=ppt/slides/slide32.xml><?xml version="1.0" encoding="utf-8"?>
+<p:sld xmlns:a="http://schemas.openxmlformats.org/drawingml/2006/main" xmlns:r="http://schemas.openxmlformats.org/officeDocument/2006/relationships" xmlns:p="http://schemas.openxmlformats.org/presentationml/2006/main">
+  <p:cSld>
+    <p:spTree>
+      <p:nvGrpSpPr>
+        <p:cNvPr id="1" name=""/>
+        <p:cNvGrpSpPr/>
+        <p:nvPr/>
+      </p:nvGrpSpPr>
+      <p:grpSpPr>
+        <a:xfrm>
+          <a:off x="0" y="0"/>
+          <a:ext cx="0" cy="0"/>
+          <a:chOff x="0" y="0"/>
+          <a:chExt cx="0" cy="0"/>
+        </a:xfrm>
+      </p:grpSpPr>
+      <p:sp>
+        <p:nvSpPr>
+          <p:cNvPr id="2" name="직사각형 1"/>
+          <p:cNvSpPr/>
+          <p:nvPr/>
+        </p:nvSpPr>
+        <p:spPr>
+          <a:xfrm>
+            <a:off x="0" y="220266"/>
+            <a:ext cx="9144000" cy="6099418"/>
+          </a:xfrm>
+          <a:prstGeom prst="rect">
+            <a:avLst/>
+          </a:prstGeom>
+          <a:solidFill>
+            <a:srgbClr val="FBFBFB"/>
+          </a:solidFill>
+          <a:ln>
+            <a:noFill/>
+          </a:ln>
+        </p:spPr>
+        <p:style>
+          <a:lnRef idx="2">
+            <a:schemeClr val="accent1">
+              <a:shade val="50000"/>
+            </a:schemeClr>
+          </a:lnRef>
+          <a:fillRef idx="1">
+            <a:schemeClr val="accent1"/>
+          </a:fillRef>
+          <a:effectRef idx="0">
+            <a:schemeClr val="accent1"/>
+          </a:effectRef>
+          <a:fontRef idx="minor">
+            <a:schemeClr val="lt1"/>
+          </a:fontRef>
+        </p:style>
+        <p:txBody>
+          <a:bodyPr rtlCol="0" anchor="ctr"/>
+          <a:lstStyle/>
+          <a:p>
+            <a:pPr algn="ctr"/>
+            <a:endParaRPr lang="ko-KR" altLang="en-US"/>
+          </a:p>
+        </p:txBody>
+      </p:sp>
+      <p:sp>
+        <p:nvSpPr>
+          <p:cNvPr id="7" name="TextBox 6">
+            <a:extLst>
+              <a:ext uri="{FF2B5EF4-FFF2-40B4-BE49-F238E27FC236}">
+                <a16:creationId xmlns:a16="http://schemas.microsoft.com/office/drawing/2014/main" id="{CFFDF735-62F4-42D8-9EE1-93610BFD171F}"/>
+              </a:ext>
+            </a:extLst>
+          </p:cNvPr>
+          <p:cNvSpPr txBox="1"/>
+          <p:nvPr/>
+        </p:nvSpPr>
+        <p:spPr>
+          <a:xfrm>
+            <a:off x="763491" y="1791106"/>
+            <a:ext cx="2005136" cy="707886"/>
+          </a:xfrm>
+          <a:prstGeom prst="rect">
+            <a:avLst/>
+          </a:prstGeom>
+          <a:noFill/>
+        </p:spPr>
+        <p:txBody>
+          <a:bodyPr wrap="square" rtlCol="0">
+            <a:spAutoFit/>
+          </a:bodyPr>
+          <a:lstStyle/>
+          <a:p>
+            <a:r>
+              <a:rPr lang="en-US" altLang="ko-KR" sz="1000" dirty="0">
+                <a:latin typeface="넥슨Lv1고딕 Bold" panose="00000800000000000000" pitchFamily="2" charset="-127"/>
+                <a:ea typeface="넥슨Lv1고딕 Bold" panose="00000800000000000000" pitchFamily="2" charset="-127"/>
+              </a:rPr>
+              <a:t>[Version]</a:t>
+            </a:r>
+          </a:p>
+          <a:p>
+            <a:r>
+              <a:rPr lang="en-US" altLang="ko-KR" sz="1000" dirty="0">
+                <a:latin typeface="넥슨Lv1고딕 Light" panose="00000300000000000000" pitchFamily="2" charset="-127"/>
+                <a:ea typeface="넥슨Lv1고딕 Light" panose="00000300000000000000" pitchFamily="2" charset="-127"/>
+              </a:rPr>
+              <a:t>2019-11-25	v0.1</a:t>
+            </a:r>
+          </a:p>
+          <a:p>
+            <a:r>
+              <a:rPr lang="en-US" altLang="ko-KR" sz="1000">
+                <a:latin typeface="넥슨Lv1고딕 Light" panose="00000300000000000000" pitchFamily="2" charset="-127"/>
+                <a:ea typeface="넥슨Lv1고딕 Light" panose="00000300000000000000" pitchFamily="2" charset="-127"/>
+              </a:rPr>
+              <a:t>2019-12-05</a:t>
+            </a:r>
+            <a:r>
+              <a:rPr lang="en-US" altLang="ko-KR" sz="1000" dirty="0">
+                <a:latin typeface="넥슨Lv1고딕 Light" panose="00000300000000000000" pitchFamily="2" charset="-127"/>
+                <a:ea typeface="넥슨Lv1고딕 Light" panose="00000300000000000000" pitchFamily="2" charset="-127"/>
+              </a:rPr>
+              <a:t>	v0.2</a:t>
+            </a:r>
+          </a:p>
+          <a:p>
+            <a:endParaRPr lang="en-US" altLang="ko-KR" sz="1000" dirty="0">
+              <a:latin typeface="넥슨Lv1고딕 Light" panose="00000300000000000000" pitchFamily="2" charset="-127"/>
+              <a:ea typeface="넥슨Lv1고딕 Light" panose="00000300000000000000" pitchFamily="2" charset="-127"/>
+            </a:endParaRPr>
+          </a:p>
+        </p:txBody>
+      </p:sp>
+      <p:pic>
+        <p:nvPicPr>
+          <p:cNvPr id="4" name="Picture 2"/>
+          <p:cNvPicPr>
+            <a:picLocks noChangeAspect="1" noChangeArrowheads="1"/>
+          </p:cNvPicPr>
+          <p:nvPr/>
+        </p:nvPicPr>
+        <p:blipFill>
+          <a:blip r:embed="rId2" cstate="print">
+            <a:extLst>
+              <a:ext uri="{28A0092B-C50C-407E-A947-70E740481C1C}">
+                <a14:useLocalDpi xmlns:a14="http://schemas.microsoft.com/office/drawing/2010/main" val="0"/>
+              </a:ext>
+            </a:extLst>
+          </a:blip>
+          <a:srcRect/>
+          <a:stretch>
+            <a:fillRect/>
+          </a:stretch>
+        </p:blipFill>
+        <p:spPr bwMode="auto">
+          <a:xfrm>
+            <a:off x="0" y="-27384"/>
+            <a:ext cx="9144000" cy="247650"/>
+          </a:xfrm>
+          <a:prstGeom prst="rect">
+            <a:avLst/>
+          </a:prstGeom>
+          <a:noFill/>
+          <a:ln>
+            <a:noFill/>
+          </a:ln>
+          <a:effectLst/>
+          <a:extLst>
+            <a:ext uri="{909E8E84-426E-40DD-AFC4-6F175D3DCCD1}">
+              <a14:hiddenFill xmlns:a14="http://schemas.microsoft.com/office/drawing/2010/main">
+                <a:solidFill>
+                  <a:schemeClr val="accent1"/>
+                </a:solidFill>
+              </a14:hiddenFill>
+            </a:ext>
+            <a:ext uri="{91240B29-F687-4F45-9708-019B960494DF}">
+              <a14:hiddenLine xmlns:a14="http://schemas.microsoft.com/office/drawing/2010/main" w="9525">
+                <a:solidFill>
+                  <a:schemeClr val="tx1"/>
+                </a:solidFill>
+                <a:miter lim="800000"/>
+                <a:headEnd/>
+                <a:tailEnd/>
+              </a14:hiddenLine>
+            </a:ext>
+            <a:ext uri="{AF507438-7753-43E0-B8FC-AC1667EBCBE1}">
+              <a14:hiddenEffects xmlns:a14="http://schemas.microsoft.com/office/drawing/2010/main">
+                <a:effectLst>
+                  <a:outerShdw dist="35921" dir="2700000" algn="ctr" rotWithShape="0">
+                    <a:schemeClr val="bg2"/>
+                  </a:outerShdw>
+                </a:effectLst>
+              </a14:hiddenEffects>
+            </a:ext>
+          </a:extLst>
+        </p:spPr>
+      </p:pic>
+      <p:sp>
+        <p:nvSpPr>
+          <p:cNvPr id="12" name="TextBox 11"/>
+          <p:cNvSpPr txBox="1"/>
+          <p:nvPr/>
+        </p:nvSpPr>
+        <p:spPr>
+          <a:xfrm>
+            <a:off x="0" y="3441565"/>
+            <a:ext cx="9143999" cy="707886"/>
+          </a:xfrm>
+          <a:prstGeom prst="rect">
+            <a:avLst/>
+          </a:prstGeom>
+          <a:noFill/>
+        </p:spPr>
+        <p:txBody>
+          <a:bodyPr wrap="square" rtlCol="0">
+            <a:spAutoFit/>
+          </a:bodyPr>
+          <a:lstStyle/>
+          <a:p>
+            <a:pPr algn="ctr"/>
+            <a:r>
+              <a:rPr lang="en-US" altLang="ko-KR" sz="4000" dirty="0">
+                <a:solidFill>
+                  <a:schemeClr val="bg1">
+                    <a:lumMod val="85000"/>
+                  </a:schemeClr>
+                </a:solidFill>
+                <a:latin typeface="넥슨Lv1고딕 Light" panose="00000300000000000000" pitchFamily="2" charset="-127"/>
+                <a:ea typeface="넥슨Lv1고딕 Light" panose="00000300000000000000" pitchFamily="2" charset="-127"/>
+              </a:rPr>
+              <a:t>[ </a:t>
+            </a:r>
+            <a:r>
+              <a:rPr lang="ko-KR" altLang="en-US" sz="4000">
+                <a:solidFill>
+                  <a:schemeClr val="bg1">
+                    <a:lumMod val="85000"/>
+                  </a:schemeClr>
+                </a:solidFill>
+                <a:latin typeface="넥슨Lv1고딕 Light" panose="00000300000000000000" pitchFamily="2" charset="-127"/>
+                <a:ea typeface="넥슨Lv1고딕 Light" panose="00000300000000000000" pitchFamily="2" charset="-127"/>
+              </a:rPr>
+              <a:t>페이지 마침 </a:t>
+            </a:r>
+            <a:r>
+              <a:rPr lang="en-US" altLang="ko-KR" sz="4000" dirty="0">
+                <a:solidFill>
+                  <a:schemeClr val="bg1">
+                    <a:lumMod val="85000"/>
+                  </a:schemeClr>
+                </a:solidFill>
+                <a:latin typeface="넥슨Lv1고딕 Light" panose="00000300000000000000" pitchFamily="2" charset="-127"/>
+                <a:ea typeface="넥슨Lv1고딕 Light" panose="00000300000000000000" pitchFamily="2" charset="-127"/>
+              </a:rPr>
+              <a:t>]</a:t>
+            </a:r>
+          </a:p>
+        </p:txBody>
+      </p:sp>
+      <p:sp>
+        <p:nvSpPr>
+          <p:cNvPr id="9" name="TextBox 8"/>
+          <p:cNvSpPr txBox="1"/>
+          <p:nvPr/>
+        </p:nvSpPr>
+        <p:spPr>
+          <a:xfrm>
+            <a:off x="695253" y="1209251"/>
+            <a:ext cx="8380509" cy="461665"/>
+          </a:xfrm>
+          <a:prstGeom prst="rect">
+            <a:avLst/>
+          </a:prstGeom>
+          <a:noFill/>
+        </p:spPr>
+        <p:txBody>
+          <a:bodyPr wrap="square" rtlCol="0">
+            <a:spAutoFit/>
+          </a:bodyPr>
+          <a:lstStyle/>
+          <a:p>
+            <a:r>
+              <a:rPr lang="en-US" altLang="ko-KR" sz="2400" b="1" dirty="0" err="1">
+                <a:latin typeface="넥슨Lv1고딕 Bold" panose="00000800000000000000" pitchFamily="2" charset="-127"/>
+                <a:ea typeface="넥슨Lv1고딕 Bold" panose="00000800000000000000" pitchFamily="2" charset="-127"/>
+              </a:rPr>
+              <a:t>FirebaseUI</a:t>
+            </a:r>
+            <a:r>
+              <a:rPr lang="en-US" altLang="ko-KR" sz="2400" b="1" dirty="0">
+                <a:latin typeface="넥슨Lv1고딕 Bold" panose="00000800000000000000" pitchFamily="2" charset="-127"/>
+                <a:ea typeface="넥슨Lv1고딕 Bold" panose="00000800000000000000" pitchFamily="2" charset="-127"/>
+              </a:rPr>
+              <a:t> </a:t>
+            </a:r>
+            <a:r>
+              <a:rPr lang="ko-KR" altLang="en-US" sz="2400" b="1" dirty="0">
+                <a:latin typeface="넥슨Lv1고딕 Bold" panose="00000800000000000000" pitchFamily="2" charset="-127"/>
+                <a:ea typeface="넥슨Lv1고딕 Bold" panose="00000800000000000000" pitchFamily="2" charset="-127"/>
+              </a:rPr>
+              <a:t>로그인 구현</a:t>
+            </a:r>
+          </a:p>
+        </p:txBody>
+      </p:sp>
+    </p:spTree>
+    <p:extLst>
+      <p:ext uri="{BB962C8B-B14F-4D97-AF65-F5344CB8AC3E}">
+        <p14:creationId xmlns:p14="http://schemas.microsoft.com/office/powerpoint/2010/main" val="950458400"/>
       </p:ext>
     </p:extLst>
   </p:cSld>
@@ -14033,8 +21760,8 @@
           </a:p>
         </p:txBody>
       </p:sp>
-      <mc:AlternateContent xmlns:mc="http://schemas.openxmlformats.org/markup-compatibility/2006">
-        <mc:Choice xmlns:p14="http://schemas.microsoft.com/office/powerpoint/2010/main" Requires="p14">
+      <mc:AlternateContent xmlns:mc="http://schemas.openxmlformats.org/markup-compatibility/2006" xmlns:p14="http://schemas.microsoft.com/office/powerpoint/2010/main">
+        <mc:Choice Requires="p14">
           <p:contentPart p14:bwMode="auto" r:id="rId5">
             <p14:nvContentPartPr>
               <p14:cNvPr id="25" name="잉크 24">
@@ -14053,7 +21780,7 @@
             </p14:xfrm>
           </p:contentPart>
         </mc:Choice>
-        <mc:Fallback>
+        <mc:Fallback xmlns="">
           <p:pic>
             <p:nvPicPr>
               <p:cNvPr id="25" name="잉크 24">
@@ -14369,8 +22096,8 @@
           </a:prstGeom>
         </p:spPr>
       </p:pic>
-      <mc:AlternateContent xmlns:mc="http://schemas.openxmlformats.org/markup-compatibility/2006">
-        <mc:Choice xmlns:p14="http://schemas.microsoft.com/office/powerpoint/2010/main" Requires="p14">
+      <mc:AlternateContent xmlns:mc="http://schemas.openxmlformats.org/markup-compatibility/2006" xmlns:p14="http://schemas.microsoft.com/office/powerpoint/2010/main">
+        <mc:Choice Requires="p14">
           <p:contentPart p14:bwMode="auto" r:id="rId4">
             <p14:nvContentPartPr>
               <p14:cNvPr id="6" name="잉크 5">
@@ -14389,7 +22116,7 @@
             </p14:xfrm>
           </p:contentPart>
         </mc:Choice>
-        <mc:Fallback>
+        <mc:Fallback xmlns="">
           <p:pic>
             <p:nvPicPr>
               <p:cNvPr id="6" name="잉크 5">
